--- a/presentation/AvaloniaUI_presentation.pptx
+++ b/presentation/AvaloniaUI_presentation.pptx
@@ -6,8 +6,15 @@
   </p:sldMasterIdLst>
   <p:sldIdLst>
     <p:sldId id="256" r:id="rId2"/>
-    <p:sldId id="257" r:id="rId3"/>
-    <p:sldId id="258" r:id="rId4"/>
+    <p:sldId id="259" r:id="rId3"/>
+    <p:sldId id="260" r:id="rId4"/>
+    <p:sldId id="261" r:id="rId5"/>
+    <p:sldId id="262" r:id="rId6"/>
+    <p:sldId id="263" r:id="rId7"/>
+    <p:sldId id="264" r:id="rId8"/>
+    <p:sldId id="265" r:id="rId9"/>
+    <p:sldId id="266" r:id="rId10"/>
+    <p:sldId id="267" r:id="rId11"/>
   </p:sldIdLst>
   <p:sldSz cx="12192000" cy="6858000"/>
   <p:notesSz cx="6858000" cy="9144000"/>
@@ -106,6 +113,11 @@
       </a:defRPr>
     </a:lvl9pPr>
   </p:defaultTextStyle>
+  <p:extLst>
+    <p:ext uri="{EFAFB233-063F-42B5-8137-9DF3F51BA10A}">
+      <p15:sldGuideLst xmlns:p15="http://schemas.microsoft.com/office/powerpoint/2012/main"/>
+    </p:ext>
+  </p:extLst>
 </p:presentation>
 </file>
 
@@ -256,7 +268,7 @@
           <a:p>
             <a:fld id="{FB3CBBC7-512E-4C81-913B-C81B6CFF109F}" type="datetimeFigureOut">
               <a:rPr lang="nl-NL" smtClean="0"/>
-              <a:t>23-9-2024</a:t>
+              <a:t>7-10-2024</a:t>
             </a:fld>
             <a:endParaRPr lang="nl-NL"/>
           </a:p>
@@ -310,7 +322,7 @@
           <a:p>
             <a:fld id="{B5F21640-E233-424B-8C7B-BA29B1412C62}" type="slidenum">
               <a:rPr lang="nl-NL" smtClean="0"/>
-              <a:t>‹nr.›</a:t>
+              <a:t>‹#›</a:t>
             </a:fld>
             <a:endParaRPr lang="nl-NL"/>
           </a:p>
@@ -454,7 +466,7 @@
           <a:p>
             <a:fld id="{FB3CBBC7-512E-4C81-913B-C81B6CFF109F}" type="datetimeFigureOut">
               <a:rPr lang="nl-NL" smtClean="0"/>
-              <a:t>23-9-2024</a:t>
+              <a:t>7-10-2024</a:t>
             </a:fld>
             <a:endParaRPr lang="nl-NL"/>
           </a:p>
@@ -508,7 +520,7 @@
           <a:p>
             <a:fld id="{B5F21640-E233-424B-8C7B-BA29B1412C62}" type="slidenum">
               <a:rPr lang="nl-NL" smtClean="0"/>
-              <a:t>‹nr.›</a:t>
+              <a:t>‹#›</a:t>
             </a:fld>
             <a:endParaRPr lang="nl-NL"/>
           </a:p>
@@ -662,7 +674,7 @@
           <a:p>
             <a:fld id="{FB3CBBC7-512E-4C81-913B-C81B6CFF109F}" type="datetimeFigureOut">
               <a:rPr lang="nl-NL" smtClean="0"/>
-              <a:t>23-9-2024</a:t>
+              <a:t>7-10-2024</a:t>
             </a:fld>
             <a:endParaRPr lang="nl-NL"/>
           </a:p>
@@ -716,7 +728,7 @@
           <a:p>
             <a:fld id="{B5F21640-E233-424B-8C7B-BA29B1412C62}" type="slidenum">
               <a:rPr lang="nl-NL" smtClean="0"/>
-              <a:t>‹nr.›</a:t>
+              <a:t>‹#›</a:t>
             </a:fld>
             <a:endParaRPr lang="nl-NL"/>
           </a:p>
@@ -860,7 +872,7 @@
           <a:p>
             <a:fld id="{FB3CBBC7-512E-4C81-913B-C81B6CFF109F}" type="datetimeFigureOut">
               <a:rPr lang="nl-NL" smtClean="0"/>
-              <a:t>23-9-2024</a:t>
+              <a:t>7-10-2024</a:t>
             </a:fld>
             <a:endParaRPr lang="nl-NL"/>
           </a:p>
@@ -914,7 +926,7 @@
           <a:p>
             <a:fld id="{B5F21640-E233-424B-8C7B-BA29B1412C62}" type="slidenum">
               <a:rPr lang="nl-NL" smtClean="0"/>
-              <a:t>‹nr.›</a:t>
+              <a:t>‹#›</a:t>
             </a:fld>
             <a:endParaRPr lang="nl-NL"/>
           </a:p>
@@ -1135,7 +1147,7 @@
           <a:p>
             <a:fld id="{FB3CBBC7-512E-4C81-913B-C81B6CFF109F}" type="datetimeFigureOut">
               <a:rPr lang="nl-NL" smtClean="0"/>
-              <a:t>23-9-2024</a:t>
+              <a:t>7-10-2024</a:t>
             </a:fld>
             <a:endParaRPr lang="nl-NL"/>
           </a:p>
@@ -1189,7 +1201,7 @@
           <a:p>
             <a:fld id="{B5F21640-E233-424B-8C7B-BA29B1412C62}" type="slidenum">
               <a:rPr lang="nl-NL" smtClean="0"/>
-              <a:t>‹nr.›</a:t>
+              <a:t>‹#›</a:t>
             </a:fld>
             <a:endParaRPr lang="nl-NL"/>
           </a:p>
@@ -1400,7 +1412,7 @@
           <a:p>
             <a:fld id="{FB3CBBC7-512E-4C81-913B-C81B6CFF109F}" type="datetimeFigureOut">
               <a:rPr lang="nl-NL" smtClean="0"/>
-              <a:t>23-9-2024</a:t>
+              <a:t>7-10-2024</a:t>
             </a:fld>
             <a:endParaRPr lang="nl-NL"/>
           </a:p>
@@ -1454,7 +1466,7 @@
           <a:p>
             <a:fld id="{B5F21640-E233-424B-8C7B-BA29B1412C62}" type="slidenum">
               <a:rPr lang="nl-NL" smtClean="0"/>
-              <a:t>‹nr.›</a:t>
+              <a:t>‹#›</a:t>
             </a:fld>
             <a:endParaRPr lang="nl-NL"/>
           </a:p>
@@ -1812,7 +1824,7 @@
           <a:p>
             <a:fld id="{FB3CBBC7-512E-4C81-913B-C81B6CFF109F}" type="datetimeFigureOut">
               <a:rPr lang="nl-NL" smtClean="0"/>
-              <a:t>23-9-2024</a:t>
+              <a:t>7-10-2024</a:t>
             </a:fld>
             <a:endParaRPr lang="nl-NL"/>
           </a:p>
@@ -1866,7 +1878,7 @@
           <a:p>
             <a:fld id="{B5F21640-E233-424B-8C7B-BA29B1412C62}" type="slidenum">
               <a:rPr lang="nl-NL" smtClean="0"/>
-              <a:t>‹nr.›</a:t>
+              <a:t>‹#›</a:t>
             </a:fld>
             <a:endParaRPr lang="nl-NL"/>
           </a:p>
@@ -1953,7 +1965,7 @@
           <a:p>
             <a:fld id="{FB3CBBC7-512E-4C81-913B-C81B6CFF109F}" type="datetimeFigureOut">
               <a:rPr lang="nl-NL" smtClean="0"/>
-              <a:t>23-9-2024</a:t>
+              <a:t>7-10-2024</a:t>
             </a:fld>
             <a:endParaRPr lang="nl-NL"/>
           </a:p>
@@ -2007,7 +2019,7 @@
           <a:p>
             <a:fld id="{B5F21640-E233-424B-8C7B-BA29B1412C62}" type="slidenum">
               <a:rPr lang="nl-NL" smtClean="0"/>
-              <a:t>‹nr.›</a:t>
+              <a:t>‹#›</a:t>
             </a:fld>
             <a:endParaRPr lang="nl-NL"/>
           </a:p>
@@ -2066,7 +2078,7 @@
           <a:p>
             <a:fld id="{FB3CBBC7-512E-4C81-913B-C81B6CFF109F}" type="datetimeFigureOut">
               <a:rPr lang="nl-NL" smtClean="0"/>
-              <a:t>23-9-2024</a:t>
+              <a:t>7-10-2024</a:t>
             </a:fld>
             <a:endParaRPr lang="nl-NL"/>
           </a:p>
@@ -2120,7 +2132,7 @@
           <a:p>
             <a:fld id="{B5F21640-E233-424B-8C7B-BA29B1412C62}" type="slidenum">
               <a:rPr lang="nl-NL" smtClean="0"/>
-              <a:t>‹nr.›</a:t>
+              <a:t>‹#›</a:t>
             </a:fld>
             <a:endParaRPr lang="nl-NL"/>
           </a:p>
@@ -2377,7 +2389,7 @@
           <a:p>
             <a:fld id="{FB3CBBC7-512E-4C81-913B-C81B6CFF109F}" type="datetimeFigureOut">
               <a:rPr lang="nl-NL" smtClean="0"/>
-              <a:t>23-9-2024</a:t>
+              <a:t>7-10-2024</a:t>
             </a:fld>
             <a:endParaRPr lang="nl-NL"/>
           </a:p>
@@ -2431,7 +2443,7 @@
           <a:p>
             <a:fld id="{B5F21640-E233-424B-8C7B-BA29B1412C62}" type="slidenum">
               <a:rPr lang="nl-NL" smtClean="0"/>
-              <a:t>‹nr.›</a:t>
+              <a:t>‹#›</a:t>
             </a:fld>
             <a:endParaRPr lang="nl-NL"/>
           </a:p>
@@ -2665,7 +2677,7 @@
           <a:p>
             <a:fld id="{FB3CBBC7-512E-4C81-913B-C81B6CFF109F}" type="datetimeFigureOut">
               <a:rPr lang="nl-NL" smtClean="0"/>
-              <a:t>23-9-2024</a:t>
+              <a:t>7-10-2024</a:t>
             </a:fld>
             <a:endParaRPr lang="nl-NL"/>
           </a:p>
@@ -2719,7 +2731,7 @@
           <a:p>
             <a:fld id="{B5F21640-E233-424B-8C7B-BA29B1412C62}" type="slidenum">
               <a:rPr lang="nl-NL" smtClean="0"/>
-              <a:t>‹nr.›</a:t>
+              <a:t>‹#›</a:t>
             </a:fld>
             <a:endParaRPr lang="nl-NL"/>
           </a:p>
@@ -2906,7 +2918,7 @@
           <a:p>
             <a:fld id="{FB3CBBC7-512E-4C81-913B-C81B6CFF109F}" type="datetimeFigureOut">
               <a:rPr lang="nl-NL" smtClean="0"/>
-              <a:t>23-9-2024</a:t>
+              <a:t>7-10-2024</a:t>
             </a:fld>
             <a:endParaRPr lang="nl-NL"/>
           </a:p>
@@ -2996,7 +3008,7 @@
           <a:p>
             <a:fld id="{B5F21640-E233-424B-8C7B-BA29B1412C62}" type="slidenum">
               <a:rPr lang="nl-NL" smtClean="0"/>
-              <a:t>‹nr.›</a:t>
+              <a:t>‹#›</a:t>
             </a:fld>
             <a:endParaRPr lang="nl-NL"/>
           </a:p>
@@ -3450,12 +3462,141 @@
           </a:prstGeom>
         </p:spPr>
       </p:pic>
+    </p:spTree>
+    <p:extLst>
+      <p:ext uri="{BB962C8B-B14F-4D97-AF65-F5344CB8AC3E}">
+        <p14:creationId xmlns:p14="http://schemas.microsoft.com/office/powerpoint/2010/main" val="1493883860"/>
+      </p:ext>
+    </p:extLst>
+  </p:cSld>
+  <p:clrMapOvr>
+    <a:masterClrMapping/>
+  </p:clrMapOvr>
+</p:sld>
+</file>
+
+<file path=ppt/slides/slide10.xml><?xml version="1.0" encoding="utf-8"?>
+<p:sld xmlns:a="http://schemas.openxmlformats.org/drawingml/2006/main" xmlns:r="http://schemas.openxmlformats.org/officeDocument/2006/relationships" xmlns:p="http://schemas.openxmlformats.org/presentationml/2006/main">
+  <p:cSld>
+    <p:spTree>
+      <p:nvGrpSpPr>
+        <p:cNvPr id="1" name=""/>
+        <p:cNvGrpSpPr/>
+        <p:nvPr/>
+      </p:nvGrpSpPr>
+      <p:grpSpPr>
+        <a:xfrm>
+          <a:off x="0" y="0"/>
+          <a:ext cx="0" cy="0"/>
+          <a:chOff x="0" y="0"/>
+          <a:chExt cx="0" cy="0"/>
+        </a:xfrm>
+      </p:grpSpPr>
+      <p:sp>
+        <p:nvSpPr>
+          <p:cNvPr id="2" name="Titel 1">
+            <a:extLst>
+              <a:ext uri="{FF2B5EF4-FFF2-40B4-BE49-F238E27FC236}">
+                <a16:creationId xmlns:a16="http://schemas.microsoft.com/office/drawing/2014/main" id="{4C57296D-33F2-7794-807A-BD5A3DA9579A}"/>
+              </a:ext>
+            </a:extLst>
+          </p:cNvPr>
+          <p:cNvSpPr>
+            <a:spLocks noGrp="1"/>
+          </p:cNvSpPr>
+          <p:nvPr>
+            <p:ph type="ctrTitle"/>
+          </p:nvPr>
+        </p:nvSpPr>
+        <p:spPr>
+          <a:xfrm>
+            <a:off x="1524000" y="1414193"/>
+            <a:ext cx="9144000" cy="2387600"/>
+          </a:xfrm>
+        </p:spPr>
+        <p:txBody>
+          <a:bodyPr/>
+          <a:lstStyle/>
+          <a:p>
+            <a:r>
+              <a:rPr lang="nl-NL" dirty="0"/>
+              <a:t>Workshop 14th </a:t>
+            </a:r>
+            <a:r>
+              <a:rPr lang="nl-NL" dirty="0" err="1"/>
+              <a:t>October</a:t>
+            </a:r>
+            <a:endParaRPr lang="nl-NL" dirty="0"/>
+          </a:p>
+        </p:txBody>
+      </p:sp>
+      <p:sp>
+        <p:nvSpPr>
+          <p:cNvPr id="3" name="Ondertitel 2">
+            <a:extLst>
+              <a:ext uri="{FF2B5EF4-FFF2-40B4-BE49-F238E27FC236}">
+                <a16:creationId xmlns:a16="http://schemas.microsoft.com/office/drawing/2014/main" id="{9BBFDD2F-C107-8753-1D8B-6B56924A8962}"/>
+              </a:ext>
+            </a:extLst>
+          </p:cNvPr>
+          <p:cNvSpPr>
+            <a:spLocks noGrp="1"/>
+          </p:cNvSpPr>
+          <p:nvPr>
+            <p:ph type="subTitle" idx="1"/>
+          </p:nvPr>
+        </p:nvSpPr>
+        <p:spPr>
+          <a:xfrm>
+            <a:off x="1524000" y="4049511"/>
+            <a:ext cx="9144000" cy="1655762"/>
+          </a:xfrm>
+        </p:spPr>
+        <p:txBody>
+          <a:bodyPr/>
+          <a:lstStyle/>
+          <a:p>
+            <a:r>
+              <a:rPr lang="nl-NL" dirty="0" err="1"/>
+              <a:t>Thank</a:t>
+            </a:r>
+            <a:r>
+              <a:rPr lang="nl-NL" dirty="0"/>
+              <a:t> </a:t>
+            </a:r>
+            <a:r>
+              <a:rPr lang="nl-NL" dirty="0" err="1"/>
+              <a:t>you</a:t>
+            </a:r>
+            <a:r>
+              <a:rPr lang="nl-NL" dirty="0"/>
+              <a:t> </a:t>
+            </a:r>
+            <a:r>
+              <a:rPr lang="nl-NL" dirty="0" err="1"/>
+              <a:t>for</a:t>
+            </a:r>
+            <a:r>
+              <a:rPr lang="nl-NL" dirty="0"/>
+              <a:t> </a:t>
+            </a:r>
+            <a:r>
+              <a:rPr lang="nl-NL" dirty="0" err="1"/>
+              <a:t>your</a:t>
+            </a:r>
+            <a:r>
+              <a:rPr lang="nl-NL" dirty="0"/>
+              <a:t> attention!</a:t>
+            </a:r>
+          </a:p>
+        </p:txBody>
+      </p:sp>
       <p:pic>
         <p:nvPicPr>
-          <p:cNvPr id="9" name="Graphic 8">
-            <a:extLst>
-              <a:ext uri="{FF2B5EF4-FFF2-40B4-BE49-F238E27FC236}">
-                <a16:creationId xmlns:a16="http://schemas.microsoft.com/office/drawing/2014/main" id="{77DAB62C-9A16-3DF1-A121-12C14FA3AE19}"/>
+          <p:cNvPr id="5" name="Graphic 4">
+            <a:extLst>
+              <a:ext uri="{FF2B5EF4-FFF2-40B4-BE49-F238E27FC236}">
+                <a16:creationId xmlns:a16="http://schemas.microsoft.com/office/drawing/2014/main" id="{90E39359-838C-7BE4-2B96-FEDAD8A0914C}"/>
               </a:ext>
             </a:extLst>
           </p:cNvPr>
@@ -3465,10 +3606,10 @@
           <p:nvPr/>
         </p:nvPicPr>
         <p:blipFill>
-          <a:blip r:embed="rId4">
+          <a:blip r:embed="rId2">
             <a:extLst>
               <a:ext uri="{96DAC541-7B7A-43D3-8B79-37D633B846F1}">
-                <asvg:svgBlip xmlns:asvg="http://schemas.microsoft.com/office/drawing/2016/SVG/main" r:embed="rId5"/>
+                <asvg:svgBlip xmlns:asvg="http://schemas.microsoft.com/office/drawing/2016/SVG/main" r:embed="rId3"/>
               </a:ext>
             </a:extLst>
           </a:blip>
@@ -3478,8 +3619,8 @@
         </p:blipFill>
         <p:spPr>
           <a:xfrm>
-            <a:off x="0" y="5334000"/>
-            <a:ext cx="1524000" cy="1524000"/>
+            <a:off x="1903378" y="-496112"/>
+            <a:ext cx="8385243" cy="4192623"/>
           </a:xfrm>
           <a:prstGeom prst="rect">
             <a:avLst/>
@@ -3489,7 +3630,7 @@
     </p:spTree>
     <p:extLst>
       <p:ext uri="{BB962C8B-B14F-4D97-AF65-F5344CB8AC3E}">
-        <p14:creationId xmlns:p14="http://schemas.microsoft.com/office/powerpoint/2010/main" val="1493883860"/>
+        <p14:creationId xmlns:p14="http://schemas.microsoft.com/office/powerpoint/2010/main" val="731183118"/>
       </p:ext>
     </p:extLst>
   </p:cSld>
@@ -3595,40 +3736,185 @@
           </a:p>
           <a:p>
             <a:r>
+              <a:rPr lang="nl-NL" dirty="0" err="1"/>
+              <a:t>Competing</a:t>
+            </a:r>
+            <a:r>
               <a:rPr lang="nl-NL" dirty="0"/>
-              <a:t>Rest of LG1</a:t>
-            </a:r>
-          </a:p>
-          <a:p>
-            <a:pPr lvl="1"/>
+              <a:t> </a:t>
+            </a:r>
             <a:r>
               <a:rPr lang="nl-NL" dirty="0" err="1"/>
-              <a:t>Sdf</a:t>
+              <a:t>products</a:t>
             </a:r>
             <a:endParaRPr lang="nl-NL" dirty="0"/>
           </a:p>
           <a:p>
-            <a:pPr lvl="1"/>
             <a:r>
               <a:rPr lang="nl-NL" dirty="0" err="1"/>
-              <a:t>Sdf</a:t>
+              <a:t>What</a:t>
+            </a:r>
+            <a:r>
+              <a:rPr lang="nl-NL" dirty="0"/>
+              <a:t> </a:t>
+            </a:r>
+            <a:r>
+              <a:rPr lang="nl-NL" dirty="0" err="1"/>
+              <a:t>problems</a:t>
+            </a:r>
+            <a:r>
+              <a:rPr lang="nl-NL" dirty="0"/>
+              <a:t> does </a:t>
+            </a:r>
+            <a:r>
+              <a:rPr lang="nl-NL" dirty="0" err="1"/>
+              <a:t>it</a:t>
+            </a:r>
+            <a:r>
+              <a:rPr lang="nl-NL" dirty="0"/>
+              <a:t> </a:t>
+            </a:r>
+            <a:r>
+              <a:rPr lang="nl-NL" dirty="0" err="1"/>
+              <a:t>solve</a:t>
+            </a:r>
+            <a:r>
+              <a:rPr lang="nl-NL" dirty="0"/>
+              <a:t>?</a:t>
+            </a:r>
+          </a:p>
+          <a:p>
+            <a:r>
+              <a:rPr lang="nl-NL" dirty="0"/>
+              <a:t>Visual Studio </a:t>
+            </a:r>
+            <a:r>
+              <a:rPr lang="nl-NL" dirty="0" err="1"/>
+              <a:t>vs</a:t>
+            </a:r>
+            <a:r>
+              <a:rPr lang="nl-NL" dirty="0"/>
+              <a:t> </a:t>
+            </a:r>
+            <a:r>
+              <a:rPr lang="nl-NL" dirty="0" err="1"/>
+              <a:t>Vscode</a:t>
             </a:r>
             <a:endParaRPr lang="nl-NL" dirty="0"/>
           </a:p>
           <a:p>
-            <a:pPr lvl="1"/>
-            <a:r>
-              <a:rPr lang="nl-NL"/>
-              <a:t>S</a:t>
+            <a:r>
+              <a:rPr lang="nl-NL" dirty="0"/>
+              <a:t>Workshop</a:t>
+            </a:r>
+          </a:p>
+          <a:p>
+            <a:r>
+              <a:rPr lang="nl-NL" dirty="0"/>
+              <a:t>Pros/</a:t>
+            </a:r>
+            <a:r>
+              <a:rPr lang="nl-NL" dirty="0" err="1"/>
+              <a:t>Cons</a:t>
             </a:r>
             <a:endParaRPr lang="nl-NL" dirty="0"/>
           </a:p>
         </p:txBody>
       </p:sp>
+      <p:sp>
+        <p:nvSpPr>
+          <p:cNvPr id="4" name="Rectangle 3">
+            <a:extLst>
+              <a:ext uri="{FF2B5EF4-FFF2-40B4-BE49-F238E27FC236}">
+                <a16:creationId xmlns:a16="http://schemas.microsoft.com/office/drawing/2014/main" id="{7D938917-266A-98E8-4612-83709D409572}"/>
+              </a:ext>
+            </a:extLst>
+          </p:cNvPr>
+          <p:cNvSpPr/>
+          <p:nvPr/>
+        </p:nvSpPr>
+        <p:spPr>
+          <a:xfrm>
+            <a:off x="0" y="5560786"/>
+            <a:ext cx="12192000" cy="1502228"/>
+          </a:xfrm>
+          <a:prstGeom prst="rect">
+            <a:avLst/>
+          </a:prstGeom>
+          <a:solidFill>
+            <a:schemeClr val="bg1">
+              <a:lumMod val="85000"/>
+            </a:schemeClr>
+          </a:solidFill>
+          <a:ln>
+            <a:noFill/>
+          </a:ln>
+        </p:spPr>
+        <p:style>
+          <a:lnRef idx="2">
+            <a:schemeClr val="accent1">
+              <a:shade val="15000"/>
+            </a:schemeClr>
+          </a:lnRef>
+          <a:fillRef idx="1">
+            <a:schemeClr val="accent1"/>
+          </a:fillRef>
+          <a:effectRef idx="0">
+            <a:schemeClr val="accent1"/>
+          </a:effectRef>
+          <a:fontRef idx="minor">
+            <a:schemeClr val="lt1"/>
+          </a:fontRef>
+        </p:style>
+        <p:txBody>
+          <a:bodyPr rtlCol="0" anchor="ctr"/>
+          <a:lstStyle/>
+          <a:p>
+            <a:pPr algn="ctr"/>
+            <a:endParaRPr lang="en-GB"/>
+          </a:p>
+        </p:txBody>
+      </p:sp>
+      <p:pic>
+        <p:nvPicPr>
+          <p:cNvPr id="5" name="Graphic 4">
+            <a:extLst>
+              <a:ext uri="{FF2B5EF4-FFF2-40B4-BE49-F238E27FC236}">
+                <a16:creationId xmlns:a16="http://schemas.microsoft.com/office/drawing/2014/main" id="{D94B3C6D-45F9-9C4F-F850-34C436BC6A3D}"/>
+              </a:ext>
+            </a:extLst>
+          </p:cNvPr>
+          <p:cNvPicPr>
+            <a:picLocks noChangeAspect="1"/>
+          </p:cNvPicPr>
+          <p:nvPr/>
+        </p:nvPicPr>
+        <p:blipFill>
+          <a:blip r:embed="rId2">
+            <a:extLst>
+              <a:ext uri="{96DAC541-7B7A-43D3-8B79-37D633B846F1}">
+                <asvg:svgBlip xmlns:asvg="http://schemas.microsoft.com/office/drawing/2016/SVG/main" r:embed="rId3"/>
+              </a:ext>
+            </a:extLst>
+          </a:blip>
+          <a:stretch>
+            <a:fillRect/>
+          </a:stretch>
+        </p:blipFill>
+        <p:spPr>
+          <a:xfrm>
+            <a:off x="4607734" y="5560786"/>
+            <a:ext cx="2976532" cy="1488267"/>
+          </a:xfrm>
+          <a:prstGeom prst="rect">
+            <a:avLst/>
+          </a:prstGeom>
+        </p:spPr>
+      </p:pic>
     </p:spTree>
     <p:extLst>
       <p:ext uri="{BB962C8B-B14F-4D97-AF65-F5344CB8AC3E}">
-        <p14:creationId xmlns:p14="http://schemas.microsoft.com/office/powerpoint/2010/main" val="1637527304"/>
+        <p14:creationId xmlns:p14="http://schemas.microsoft.com/office/powerpoint/2010/main" val="3588017530"/>
       </p:ext>
     </p:extLst>
   </p:cSld>
@@ -3660,7 +3946,7 @@
           <p:cNvPr id="2" name="Titel 1">
             <a:extLst>
               <a:ext uri="{FF2B5EF4-FFF2-40B4-BE49-F238E27FC236}">
-                <a16:creationId xmlns:a16="http://schemas.microsoft.com/office/drawing/2014/main" id="{A1C410C2-5B0D-9954-626C-D37E224A5C74}"/>
+                <a16:creationId xmlns:a16="http://schemas.microsoft.com/office/drawing/2014/main" id="{25EDFDE5-FCE7-22B1-7A02-1668ADC7D309}"/>
               </a:ext>
             </a:extLst>
           </p:cNvPr>
@@ -3677,8 +3963,20 @@
           <a:lstStyle/>
           <a:p>
             <a:r>
+              <a:rPr lang="nl-NL" dirty="0" err="1"/>
+              <a:t>What</a:t>
+            </a:r>
+            <a:r>
               <a:rPr lang="nl-NL" dirty="0"/>
-              <a:t>Slot</a:t>
+              <a:t> is </a:t>
+            </a:r>
+            <a:r>
+              <a:rPr lang="nl-NL" dirty="0" err="1"/>
+              <a:t>Avalonia</a:t>
+            </a:r>
+            <a:r>
+              <a:rPr lang="nl-NL" dirty="0"/>
+              <a:t> UI?</a:t>
             </a:r>
           </a:p>
         </p:txBody>
@@ -3688,7 +3986,7 @@
           <p:cNvPr id="3" name="Tijdelijke aanduiding voor inhoud 2">
             <a:extLst>
               <a:ext uri="{FF2B5EF4-FFF2-40B4-BE49-F238E27FC236}">
-                <a16:creationId xmlns:a16="http://schemas.microsoft.com/office/drawing/2014/main" id="{A0533A29-68FC-4998-756A-4A5669DB3DA7}"/>
+                <a16:creationId xmlns:a16="http://schemas.microsoft.com/office/drawing/2014/main" id="{B4A8B3E8-21C5-CB9D-4318-D07FC69D7343}"/>
               </a:ext>
             </a:extLst>
           </p:cNvPr>
@@ -3704,14 +4002,1707 @@
           <a:bodyPr/>
           <a:lstStyle/>
           <a:p>
-            <a:endParaRPr lang="nl-NL"/>
-          </a:p>
-        </p:txBody>
-      </p:sp>
+            <a:r>
+              <a:rPr lang="nl-NL" dirty="0"/>
+              <a:t>MVVM </a:t>
+            </a:r>
+            <a:r>
+              <a:rPr lang="nl-NL" dirty="0" err="1"/>
+              <a:t>framework</a:t>
+            </a:r>
+            <a:r>
+              <a:rPr lang="nl-NL" dirty="0"/>
+              <a:t> in .NET 8</a:t>
+            </a:r>
+          </a:p>
+          <a:p>
+            <a:r>
+              <a:rPr lang="nl-NL" dirty="0"/>
+              <a:t>Cross-platform</a:t>
+            </a:r>
+          </a:p>
+        </p:txBody>
+      </p:sp>
+      <p:sp>
+        <p:nvSpPr>
+          <p:cNvPr id="4" name="Rectangle 3">
+            <a:extLst>
+              <a:ext uri="{FF2B5EF4-FFF2-40B4-BE49-F238E27FC236}">
+                <a16:creationId xmlns:a16="http://schemas.microsoft.com/office/drawing/2014/main" id="{7D938917-266A-98E8-4612-83709D409572}"/>
+              </a:ext>
+            </a:extLst>
+          </p:cNvPr>
+          <p:cNvSpPr/>
+          <p:nvPr/>
+        </p:nvSpPr>
+        <p:spPr>
+          <a:xfrm>
+            <a:off x="0" y="5560786"/>
+            <a:ext cx="12192000" cy="1502228"/>
+          </a:xfrm>
+          <a:prstGeom prst="rect">
+            <a:avLst/>
+          </a:prstGeom>
+          <a:solidFill>
+            <a:schemeClr val="bg1">
+              <a:lumMod val="85000"/>
+            </a:schemeClr>
+          </a:solidFill>
+          <a:ln>
+            <a:noFill/>
+          </a:ln>
+        </p:spPr>
+        <p:style>
+          <a:lnRef idx="2">
+            <a:schemeClr val="accent1">
+              <a:shade val="15000"/>
+            </a:schemeClr>
+          </a:lnRef>
+          <a:fillRef idx="1">
+            <a:schemeClr val="accent1"/>
+          </a:fillRef>
+          <a:effectRef idx="0">
+            <a:schemeClr val="accent1"/>
+          </a:effectRef>
+          <a:fontRef idx="minor">
+            <a:schemeClr val="lt1"/>
+          </a:fontRef>
+        </p:style>
+        <p:txBody>
+          <a:bodyPr rtlCol="0" anchor="ctr"/>
+          <a:lstStyle/>
+          <a:p>
+            <a:pPr algn="ctr"/>
+            <a:endParaRPr lang="en-GB"/>
+          </a:p>
+        </p:txBody>
+      </p:sp>
+      <p:pic>
+        <p:nvPicPr>
+          <p:cNvPr id="5" name="Graphic 4">
+            <a:extLst>
+              <a:ext uri="{FF2B5EF4-FFF2-40B4-BE49-F238E27FC236}">
+                <a16:creationId xmlns:a16="http://schemas.microsoft.com/office/drawing/2014/main" id="{D94B3C6D-45F9-9C4F-F850-34C436BC6A3D}"/>
+              </a:ext>
+            </a:extLst>
+          </p:cNvPr>
+          <p:cNvPicPr>
+            <a:picLocks noChangeAspect="1"/>
+          </p:cNvPicPr>
+          <p:nvPr/>
+        </p:nvPicPr>
+        <p:blipFill>
+          <a:blip r:embed="rId2">
+            <a:extLst>
+              <a:ext uri="{96DAC541-7B7A-43D3-8B79-37D633B846F1}">
+                <asvg:svgBlip xmlns:asvg="http://schemas.microsoft.com/office/drawing/2016/SVG/main" r:embed="rId3"/>
+              </a:ext>
+            </a:extLst>
+          </a:blip>
+          <a:stretch>
+            <a:fillRect/>
+          </a:stretch>
+        </p:blipFill>
+        <p:spPr>
+          <a:xfrm>
+            <a:off x="4607734" y="5560786"/>
+            <a:ext cx="2976532" cy="1488267"/>
+          </a:xfrm>
+          <a:prstGeom prst="rect">
+            <a:avLst/>
+          </a:prstGeom>
+        </p:spPr>
+      </p:pic>
     </p:spTree>
     <p:extLst>
       <p:ext uri="{BB962C8B-B14F-4D97-AF65-F5344CB8AC3E}">
-        <p14:creationId xmlns:p14="http://schemas.microsoft.com/office/powerpoint/2010/main" val="3828918007"/>
+        <p14:creationId xmlns:p14="http://schemas.microsoft.com/office/powerpoint/2010/main" val="3704858244"/>
+      </p:ext>
+    </p:extLst>
+  </p:cSld>
+  <p:clrMapOvr>
+    <a:masterClrMapping/>
+  </p:clrMapOvr>
+</p:sld>
+</file>
+
+<file path=ppt/slides/slide4.xml><?xml version="1.0" encoding="utf-8"?>
+<p:sld xmlns:a="http://schemas.openxmlformats.org/drawingml/2006/main" xmlns:r="http://schemas.openxmlformats.org/officeDocument/2006/relationships" xmlns:p="http://schemas.openxmlformats.org/presentationml/2006/main">
+  <p:cSld>
+    <p:spTree>
+      <p:nvGrpSpPr>
+        <p:cNvPr id="1" name=""/>
+        <p:cNvGrpSpPr/>
+        <p:nvPr/>
+      </p:nvGrpSpPr>
+      <p:grpSpPr>
+        <a:xfrm>
+          <a:off x="0" y="0"/>
+          <a:ext cx="0" cy="0"/>
+          <a:chOff x="0" y="0"/>
+          <a:chExt cx="0" cy="0"/>
+        </a:xfrm>
+      </p:grpSpPr>
+      <p:sp>
+        <p:nvSpPr>
+          <p:cNvPr id="2" name="Titel 1">
+            <a:extLst>
+              <a:ext uri="{FF2B5EF4-FFF2-40B4-BE49-F238E27FC236}">
+                <a16:creationId xmlns:a16="http://schemas.microsoft.com/office/drawing/2014/main" id="{25EDFDE5-FCE7-22B1-7A02-1668ADC7D309}"/>
+              </a:ext>
+            </a:extLst>
+          </p:cNvPr>
+          <p:cNvSpPr>
+            <a:spLocks noGrp="1"/>
+          </p:cNvSpPr>
+          <p:nvPr>
+            <p:ph type="title"/>
+          </p:nvPr>
+        </p:nvSpPr>
+        <p:spPr/>
+        <p:txBody>
+          <a:bodyPr/>
+          <a:lstStyle/>
+          <a:p>
+            <a:r>
+              <a:rPr lang="nl-NL" dirty="0"/>
+              <a:t>A brief </a:t>
+            </a:r>
+            <a:r>
+              <a:rPr lang="nl-NL" dirty="0" err="1"/>
+              <a:t>history</a:t>
+            </a:r>
+            <a:endParaRPr lang="nl-NL" dirty="0"/>
+          </a:p>
+        </p:txBody>
+      </p:sp>
+      <p:sp>
+        <p:nvSpPr>
+          <p:cNvPr id="3" name="Tijdelijke aanduiding voor inhoud 2">
+            <a:extLst>
+              <a:ext uri="{FF2B5EF4-FFF2-40B4-BE49-F238E27FC236}">
+                <a16:creationId xmlns:a16="http://schemas.microsoft.com/office/drawing/2014/main" id="{B4A8B3E8-21C5-CB9D-4318-D07FC69D7343}"/>
+              </a:ext>
+            </a:extLst>
+          </p:cNvPr>
+          <p:cNvSpPr>
+            <a:spLocks noGrp="1"/>
+          </p:cNvSpPr>
+          <p:nvPr>
+            <p:ph idx="1"/>
+          </p:nvPr>
+        </p:nvSpPr>
+        <p:spPr/>
+        <p:txBody>
+          <a:bodyPr/>
+          <a:lstStyle/>
+          <a:p>
+            <a:r>
+              <a:rPr lang="nl-NL" dirty="0" err="1"/>
+              <a:t>When</a:t>
+            </a:r>
+            <a:r>
+              <a:rPr lang="nl-NL" dirty="0"/>
+              <a:t> was </a:t>
+            </a:r>
+            <a:r>
+              <a:rPr lang="nl-NL" dirty="0" err="1"/>
+              <a:t>Avalonia</a:t>
+            </a:r>
+            <a:r>
+              <a:rPr lang="nl-NL" dirty="0"/>
+              <a:t> UI </a:t>
+            </a:r>
+            <a:r>
+              <a:rPr lang="nl-NL" dirty="0" err="1"/>
+              <a:t>invented</a:t>
+            </a:r>
+            <a:r>
+              <a:rPr lang="nl-NL" dirty="0"/>
+              <a:t>?</a:t>
+            </a:r>
+          </a:p>
+        </p:txBody>
+      </p:sp>
+      <p:sp>
+        <p:nvSpPr>
+          <p:cNvPr id="4" name="Rectangle 3">
+            <a:extLst>
+              <a:ext uri="{FF2B5EF4-FFF2-40B4-BE49-F238E27FC236}">
+                <a16:creationId xmlns:a16="http://schemas.microsoft.com/office/drawing/2014/main" id="{7D938917-266A-98E8-4612-83709D409572}"/>
+              </a:ext>
+            </a:extLst>
+          </p:cNvPr>
+          <p:cNvSpPr/>
+          <p:nvPr/>
+        </p:nvSpPr>
+        <p:spPr>
+          <a:xfrm>
+            <a:off x="0" y="5560786"/>
+            <a:ext cx="12192000" cy="1502228"/>
+          </a:xfrm>
+          <a:prstGeom prst="rect">
+            <a:avLst/>
+          </a:prstGeom>
+          <a:solidFill>
+            <a:schemeClr val="bg1">
+              <a:lumMod val="85000"/>
+            </a:schemeClr>
+          </a:solidFill>
+          <a:ln>
+            <a:noFill/>
+          </a:ln>
+        </p:spPr>
+        <p:style>
+          <a:lnRef idx="2">
+            <a:schemeClr val="accent1">
+              <a:shade val="15000"/>
+            </a:schemeClr>
+          </a:lnRef>
+          <a:fillRef idx="1">
+            <a:schemeClr val="accent1"/>
+          </a:fillRef>
+          <a:effectRef idx="0">
+            <a:schemeClr val="accent1"/>
+          </a:effectRef>
+          <a:fontRef idx="minor">
+            <a:schemeClr val="lt1"/>
+          </a:fontRef>
+        </p:style>
+        <p:txBody>
+          <a:bodyPr rtlCol="0" anchor="ctr"/>
+          <a:lstStyle/>
+          <a:p>
+            <a:pPr algn="ctr"/>
+            <a:endParaRPr lang="en-GB"/>
+          </a:p>
+        </p:txBody>
+      </p:sp>
+      <p:pic>
+        <p:nvPicPr>
+          <p:cNvPr id="5" name="Graphic 4">
+            <a:extLst>
+              <a:ext uri="{FF2B5EF4-FFF2-40B4-BE49-F238E27FC236}">
+                <a16:creationId xmlns:a16="http://schemas.microsoft.com/office/drawing/2014/main" id="{D94B3C6D-45F9-9C4F-F850-34C436BC6A3D}"/>
+              </a:ext>
+            </a:extLst>
+          </p:cNvPr>
+          <p:cNvPicPr>
+            <a:picLocks noChangeAspect="1"/>
+          </p:cNvPicPr>
+          <p:nvPr/>
+        </p:nvPicPr>
+        <p:blipFill>
+          <a:blip r:embed="rId2">
+            <a:extLst>
+              <a:ext uri="{96DAC541-7B7A-43D3-8B79-37D633B846F1}">
+                <asvg:svgBlip xmlns:asvg="http://schemas.microsoft.com/office/drawing/2016/SVG/main" r:embed="rId3"/>
+              </a:ext>
+            </a:extLst>
+          </a:blip>
+          <a:stretch>
+            <a:fillRect/>
+          </a:stretch>
+        </p:blipFill>
+        <p:spPr>
+          <a:xfrm>
+            <a:off x="4607734" y="5560786"/>
+            <a:ext cx="2976532" cy="1488267"/>
+          </a:xfrm>
+          <a:prstGeom prst="rect">
+            <a:avLst/>
+          </a:prstGeom>
+        </p:spPr>
+      </p:pic>
+    </p:spTree>
+    <p:extLst>
+      <p:ext uri="{BB962C8B-B14F-4D97-AF65-F5344CB8AC3E}">
+        <p14:creationId xmlns:p14="http://schemas.microsoft.com/office/powerpoint/2010/main" val="239667681"/>
+      </p:ext>
+    </p:extLst>
+  </p:cSld>
+  <p:clrMapOvr>
+    <a:masterClrMapping/>
+  </p:clrMapOvr>
+</p:sld>
+</file>
+
+<file path=ppt/slides/slide5.xml><?xml version="1.0" encoding="utf-8"?>
+<p:sld xmlns:a="http://schemas.openxmlformats.org/drawingml/2006/main" xmlns:r="http://schemas.openxmlformats.org/officeDocument/2006/relationships" xmlns:p="http://schemas.openxmlformats.org/presentationml/2006/main">
+  <p:cSld>
+    <p:spTree>
+      <p:nvGrpSpPr>
+        <p:cNvPr id="1" name=""/>
+        <p:cNvGrpSpPr/>
+        <p:nvPr/>
+      </p:nvGrpSpPr>
+      <p:grpSpPr>
+        <a:xfrm>
+          <a:off x="0" y="0"/>
+          <a:ext cx="0" cy="0"/>
+          <a:chOff x="0" y="0"/>
+          <a:chExt cx="0" cy="0"/>
+        </a:xfrm>
+      </p:grpSpPr>
+      <p:sp>
+        <p:nvSpPr>
+          <p:cNvPr id="2" name="Titel 1">
+            <a:extLst>
+              <a:ext uri="{FF2B5EF4-FFF2-40B4-BE49-F238E27FC236}">
+                <a16:creationId xmlns:a16="http://schemas.microsoft.com/office/drawing/2014/main" id="{25EDFDE5-FCE7-22B1-7A02-1668ADC7D309}"/>
+              </a:ext>
+            </a:extLst>
+          </p:cNvPr>
+          <p:cNvSpPr>
+            <a:spLocks noGrp="1"/>
+          </p:cNvSpPr>
+          <p:nvPr>
+            <p:ph type="title"/>
+          </p:nvPr>
+        </p:nvSpPr>
+        <p:spPr/>
+        <p:txBody>
+          <a:bodyPr/>
+          <a:lstStyle/>
+          <a:p>
+            <a:r>
+              <a:rPr lang="nl-NL" dirty="0" err="1"/>
+              <a:t>Competing</a:t>
+            </a:r>
+            <a:r>
+              <a:rPr lang="nl-NL" dirty="0"/>
+              <a:t> </a:t>
+            </a:r>
+            <a:r>
+              <a:rPr lang="nl-NL" dirty="0" err="1"/>
+              <a:t>products</a:t>
+            </a:r>
+            <a:endParaRPr lang="nl-NL" dirty="0"/>
+          </a:p>
+        </p:txBody>
+      </p:sp>
+      <p:sp>
+        <p:nvSpPr>
+          <p:cNvPr id="3" name="Tijdelijke aanduiding voor inhoud 2">
+            <a:extLst>
+              <a:ext uri="{FF2B5EF4-FFF2-40B4-BE49-F238E27FC236}">
+                <a16:creationId xmlns:a16="http://schemas.microsoft.com/office/drawing/2014/main" id="{B4A8B3E8-21C5-CB9D-4318-D07FC69D7343}"/>
+              </a:ext>
+            </a:extLst>
+          </p:cNvPr>
+          <p:cNvSpPr>
+            <a:spLocks noGrp="1"/>
+          </p:cNvSpPr>
+          <p:nvPr>
+            <p:ph idx="1"/>
+          </p:nvPr>
+        </p:nvSpPr>
+        <p:spPr/>
+        <p:txBody>
+          <a:bodyPr/>
+          <a:lstStyle/>
+          <a:p>
+            <a:r>
+              <a:rPr lang="nl-NL" dirty="0" err="1"/>
+              <a:t>Who</a:t>
+            </a:r>
+            <a:r>
+              <a:rPr lang="nl-NL" dirty="0"/>
+              <a:t> are </a:t>
+            </a:r>
+            <a:r>
+              <a:rPr lang="nl-NL" dirty="0" err="1"/>
+              <a:t>Avalonias</a:t>
+            </a:r>
+            <a:r>
+              <a:rPr lang="nl-NL" dirty="0"/>
+              <a:t> </a:t>
+            </a:r>
+            <a:r>
+              <a:rPr lang="nl-NL" dirty="0" err="1"/>
+              <a:t>competitors</a:t>
+            </a:r>
+            <a:r>
+              <a:rPr lang="nl-NL" dirty="0"/>
+              <a:t>?</a:t>
+            </a:r>
+          </a:p>
+          <a:p>
+            <a:r>
+              <a:rPr lang="nl-NL" dirty="0" err="1"/>
+              <a:t>Avalonia</a:t>
+            </a:r>
+            <a:r>
+              <a:rPr lang="nl-NL" dirty="0"/>
+              <a:t> </a:t>
+            </a:r>
+            <a:r>
+              <a:rPr lang="nl-NL" dirty="0" err="1"/>
+              <a:t>challenges</a:t>
+            </a:r>
+            <a:r>
+              <a:rPr lang="nl-NL" dirty="0"/>
+              <a:t> </a:t>
+            </a:r>
+            <a:r>
+              <a:rPr lang="nl-NL" dirty="0" err="1"/>
+              <a:t>who</a:t>
+            </a:r>
+            <a:r>
+              <a:rPr lang="nl-NL" dirty="0"/>
+              <a:t>?</a:t>
+            </a:r>
+          </a:p>
+        </p:txBody>
+      </p:sp>
+      <p:sp>
+        <p:nvSpPr>
+          <p:cNvPr id="4" name="Rectangle 3">
+            <a:extLst>
+              <a:ext uri="{FF2B5EF4-FFF2-40B4-BE49-F238E27FC236}">
+                <a16:creationId xmlns:a16="http://schemas.microsoft.com/office/drawing/2014/main" id="{7D938917-266A-98E8-4612-83709D409572}"/>
+              </a:ext>
+            </a:extLst>
+          </p:cNvPr>
+          <p:cNvSpPr/>
+          <p:nvPr/>
+        </p:nvSpPr>
+        <p:spPr>
+          <a:xfrm>
+            <a:off x="0" y="5560786"/>
+            <a:ext cx="12192000" cy="1502228"/>
+          </a:xfrm>
+          <a:prstGeom prst="rect">
+            <a:avLst/>
+          </a:prstGeom>
+          <a:solidFill>
+            <a:schemeClr val="bg1">
+              <a:lumMod val="85000"/>
+            </a:schemeClr>
+          </a:solidFill>
+          <a:ln>
+            <a:noFill/>
+          </a:ln>
+        </p:spPr>
+        <p:style>
+          <a:lnRef idx="2">
+            <a:schemeClr val="accent1">
+              <a:shade val="15000"/>
+            </a:schemeClr>
+          </a:lnRef>
+          <a:fillRef idx="1">
+            <a:schemeClr val="accent1"/>
+          </a:fillRef>
+          <a:effectRef idx="0">
+            <a:schemeClr val="accent1"/>
+          </a:effectRef>
+          <a:fontRef idx="minor">
+            <a:schemeClr val="lt1"/>
+          </a:fontRef>
+        </p:style>
+        <p:txBody>
+          <a:bodyPr rtlCol="0" anchor="ctr"/>
+          <a:lstStyle/>
+          <a:p>
+            <a:pPr algn="ctr"/>
+            <a:endParaRPr lang="en-GB"/>
+          </a:p>
+        </p:txBody>
+      </p:sp>
+      <p:pic>
+        <p:nvPicPr>
+          <p:cNvPr id="5" name="Graphic 4">
+            <a:extLst>
+              <a:ext uri="{FF2B5EF4-FFF2-40B4-BE49-F238E27FC236}">
+                <a16:creationId xmlns:a16="http://schemas.microsoft.com/office/drawing/2014/main" id="{D94B3C6D-45F9-9C4F-F850-34C436BC6A3D}"/>
+              </a:ext>
+            </a:extLst>
+          </p:cNvPr>
+          <p:cNvPicPr>
+            <a:picLocks noChangeAspect="1"/>
+          </p:cNvPicPr>
+          <p:nvPr/>
+        </p:nvPicPr>
+        <p:blipFill>
+          <a:blip r:embed="rId2">
+            <a:extLst>
+              <a:ext uri="{96DAC541-7B7A-43D3-8B79-37D633B846F1}">
+                <asvg:svgBlip xmlns:asvg="http://schemas.microsoft.com/office/drawing/2016/SVG/main" r:embed="rId3"/>
+              </a:ext>
+            </a:extLst>
+          </a:blip>
+          <a:stretch>
+            <a:fillRect/>
+          </a:stretch>
+        </p:blipFill>
+        <p:spPr>
+          <a:xfrm>
+            <a:off x="4607734" y="5560786"/>
+            <a:ext cx="2976532" cy="1488267"/>
+          </a:xfrm>
+          <a:prstGeom prst="rect">
+            <a:avLst/>
+          </a:prstGeom>
+        </p:spPr>
+      </p:pic>
+    </p:spTree>
+    <p:extLst>
+      <p:ext uri="{BB962C8B-B14F-4D97-AF65-F5344CB8AC3E}">
+        <p14:creationId xmlns:p14="http://schemas.microsoft.com/office/powerpoint/2010/main" val="1413966082"/>
+      </p:ext>
+    </p:extLst>
+  </p:cSld>
+  <p:clrMapOvr>
+    <a:masterClrMapping/>
+  </p:clrMapOvr>
+</p:sld>
+</file>
+
+<file path=ppt/slides/slide6.xml><?xml version="1.0" encoding="utf-8"?>
+<p:sld xmlns:a="http://schemas.openxmlformats.org/drawingml/2006/main" xmlns:r="http://schemas.openxmlformats.org/officeDocument/2006/relationships" xmlns:p="http://schemas.openxmlformats.org/presentationml/2006/main">
+  <p:cSld>
+    <p:spTree>
+      <p:nvGrpSpPr>
+        <p:cNvPr id="1" name=""/>
+        <p:cNvGrpSpPr/>
+        <p:nvPr/>
+      </p:nvGrpSpPr>
+      <p:grpSpPr>
+        <a:xfrm>
+          <a:off x="0" y="0"/>
+          <a:ext cx="0" cy="0"/>
+          <a:chOff x="0" y="0"/>
+          <a:chExt cx="0" cy="0"/>
+        </a:xfrm>
+      </p:grpSpPr>
+      <p:sp>
+        <p:nvSpPr>
+          <p:cNvPr id="2" name="Titel 1">
+            <a:extLst>
+              <a:ext uri="{FF2B5EF4-FFF2-40B4-BE49-F238E27FC236}">
+                <a16:creationId xmlns:a16="http://schemas.microsoft.com/office/drawing/2014/main" id="{25EDFDE5-FCE7-22B1-7A02-1668ADC7D309}"/>
+              </a:ext>
+            </a:extLst>
+          </p:cNvPr>
+          <p:cNvSpPr>
+            <a:spLocks noGrp="1"/>
+          </p:cNvSpPr>
+          <p:nvPr>
+            <p:ph type="title"/>
+          </p:nvPr>
+        </p:nvSpPr>
+        <p:spPr/>
+        <p:txBody>
+          <a:bodyPr/>
+          <a:lstStyle/>
+          <a:p>
+            <a:r>
+              <a:rPr lang="nl-NL" dirty="0" err="1"/>
+              <a:t>What</a:t>
+            </a:r>
+            <a:r>
+              <a:rPr lang="nl-NL" dirty="0"/>
+              <a:t> </a:t>
+            </a:r>
+            <a:r>
+              <a:rPr lang="nl-NL" dirty="0" err="1"/>
+              <a:t>problems</a:t>
+            </a:r>
+            <a:r>
+              <a:rPr lang="nl-NL" dirty="0"/>
+              <a:t> does </a:t>
+            </a:r>
+            <a:r>
+              <a:rPr lang="nl-NL" dirty="0" err="1"/>
+              <a:t>it</a:t>
+            </a:r>
+            <a:r>
+              <a:rPr lang="nl-NL" dirty="0"/>
+              <a:t> </a:t>
+            </a:r>
+            <a:r>
+              <a:rPr lang="nl-NL" dirty="0" err="1"/>
+              <a:t>solve</a:t>
+            </a:r>
+            <a:r>
+              <a:rPr lang="nl-NL" dirty="0"/>
+              <a:t>?</a:t>
+            </a:r>
+          </a:p>
+        </p:txBody>
+      </p:sp>
+      <p:sp>
+        <p:nvSpPr>
+          <p:cNvPr id="3" name="Tijdelijke aanduiding voor inhoud 2">
+            <a:extLst>
+              <a:ext uri="{FF2B5EF4-FFF2-40B4-BE49-F238E27FC236}">
+                <a16:creationId xmlns:a16="http://schemas.microsoft.com/office/drawing/2014/main" id="{B4A8B3E8-21C5-CB9D-4318-D07FC69D7343}"/>
+              </a:ext>
+            </a:extLst>
+          </p:cNvPr>
+          <p:cNvSpPr>
+            <a:spLocks noGrp="1"/>
+          </p:cNvSpPr>
+          <p:nvPr>
+            <p:ph idx="1"/>
+          </p:nvPr>
+        </p:nvSpPr>
+        <p:spPr/>
+        <p:txBody>
+          <a:bodyPr/>
+          <a:lstStyle/>
+          <a:p>
+            <a:pPr marL="0" indent="0">
+              <a:buNone/>
+            </a:pPr>
+            <a:endParaRPr lang="nl-NL" dirty="0"/>
+          </a:p>
+        </p:txBody>
+      </p:sp>
+      <p:sp>
+        <p:nvSpPr>
+          <p:cNvPr id="4" name="Rectangle 3">
+            <a:extLst>
+              <a:ext uri="{FF2B5EF4-FFF2-40B4-BE49-F238E27FC236}">
+                <a16:creationId xmlns:a16="http://schemas.microsoft.com/office/drawing/2014/main" id="{7D938917-266A-98E8-4612-83709D409572}"/>
+              </a:ext>
+            </a:extLst>
+          </p:cNvPr>
+          <p:cNvSpPr/>
+          <p:nvPr/>
+        </p:nvSpPr>
+        <p:spPr>
+          <a:xfrm>
+            <a:off x="0" y="5560786"/>
+            <a:ext cx="12192000" cy="1502228"/>
+          </a:xfrm>
+          <a:prstGeom prst="rect">
+            <a:avLst/>
+          </a:prstGeom>
+          <a:solidFill>
+            <a:schemeClr val="bg1">
+              <a:lumMod val="85000"/>
+            </a:schemeClr>
+          </a:solidFill>
+          <a:ln>
+            <a:noFill/>
+          </a:ln>
+        </p:spPr>
+        <p:style>
+          <a:lnRef idx="2">
+            <a:schemeClr val="accent1">
+              <a:shade val="15000"/>
+            </a:schemeClr>
+          </a:lnRef>
+          <a:fillRef idx="1">
+            <a:schemeClr val="accent1"/>
+          </a:fillRef>
+          <a:effectRef idx="0">
+            <a:schemeClr val="accent1"/>
+          </a:effectRef>
+          <a:fontRef idx="minor">
+            <a:schemeClr val="lt1"/>
+          </a:fontRef>
+        </p:style>
+        <p:txBody>
+          <a:bodyPr rtlCol="0" anchor="ctr"/>
+          <a:lstStyle/>
+          <a:p>
+            <a:pPr algn="ctr"/>
+            <a:endParaRPr lang="en-GB"/>
+          </a:p>
+        </p:txBody>
+      </p:sp>
+      <p:pic>
+        <p:nvPicPr>
+          <p:cNvPr id="5" name="Graphic 4">
+            <a:extLst>
+              <a:ext uri="{FF2B5EF4-FFF2-40B4-BE49-F238E27FC236}">
+                <a16:creationId xmlns:a16="http://schemas.microsoft.com/office/drawing/2014/main" id="{D94B3C6D-45F9-9C4F-F850-34C436BC6A3D}"/>
+              </a:ext>
+            </a:extLst>
+          </p:cNvPr>
+          <p:cNvPicPr>
+            <a:picLocks noChangeAspect="1"/>
+          </p:cNvPicPr>
+          <p:nvPr/>
+        </p:nvPicPr>
+        <p:blipFill>
+          <a:blip r:embed="rId2">
+            <a:extLst>
+              <a:ext uri="{96DAC541-7B7A-43D3-8B79-37D633B846F1}">
+                <asvg:svgBlip xmlns:asvg="http://schemas.microsoft.com/office/drawing/2016/SVG/main" r:embed="rId3"/>
+              </a:ext>
+            </a:extLst>
+          </a:blip>
+          <a:stretch>
+            <a:fillRect/>
+          </a:stretch>
+        </p:blipFill>
+        <p:spPr>
+          <a:xfrm>
+            <a:off x="4607734" y="5560786"/>
+            <a:ext cx="2976532" cy="1488267"/>
+          </a:xfrm>
+          <a:prstGeom prst="rect">
+            <a:avLst/>
+          </a:prstGeom>
+        </p:spPr>
+      </p:pic>
+    </p:spTree>
+    <p:extLst>
+      <p:ext uri="{BB962C8B-B14F-4D97-AF65-F5344CB8AC3E}">
+        <p14:creationId xmlns:p14="http://schemas.microsoft.com/office/powerpoint/2010/main" val="1515480802"/>
+      </p:ext>
+    </p:extLst>
+  </p:cSld>
+  <p:clrMapOvr>
+    <a:masterClrMapping/>
+  </p:clrMapOvr>
+</p:sld>
+</file>
+
+<file path=ppt/slides/slide7.xml><?xml version="1.0" encoding="utf-8"?>
+<p:sld xmlns:a="http://schemas.openxmlformats.org/drawingml/2006/main" xmlns:r="http://schemas.openxmlformats.org/officeDocument/2006/relationships" xmlns:p="http://schemas.openxmlformats.org/presentationml/2006/main">
+  <p:cSld>
+    <p:spTree>
+      <p:nvGrpSpPr>
+        <p:cNvPr id="1" name=""/>
+        <p:cNvGrpSpPr/>
+        <p:nvPr/>
+      </p:nvGrpSpPr>
+      <p:grpSpPr>
+        <a:xfrm>
+          <a:off x="0" y="0"/>
+          <a:ext cx="0" cy="0"/>
+          <a:chOff x="0" y="0"/>
+          <a:chExt cx="0" cy="0"/>
+        </a:xfrm>
+      </p:grpSpPr>
+      <p:sp>
+        <p:nvSpPr>
+          <p:cNvPr id="2" name="Titel 1">
+            <a:extLst>
+              <a:ext uri="{FF2B5EF4-FFF2-40B4-BE49-F238E27FC236}">
+                <a16:creationId xmlns:a16="http://schemas.microsoft.com/office/drawing/2014/main" id="{25EDFDE5-FCE7-22B1-7A02-1668ADC7D309}"/>
+              </a:ext>
+            </a:extLst>
+          </p:cNvPr>
+          <p:cNvSpPr>
+            <a:spLocks noGrp="1"/>
+          </p:cNvSpPr>
+          <p:nvPr>
+            <p:ph type="title"/>
+          </p:nvPr>
+        </p:nvSpPr>
+        <p:spPr/>
+        <p:txBody>
+          <a:bodyPr/>
+          <a:lstStyle/>
+          <a:p>
+            <a:r>
+              <a:rPr lang="nl-NL" dirty="0"/>
+              <a:t>Visual Studio </a:t>
+            </a:r>
+            <a:r>
+              <a:rPr lang="nl-NL" dirty="0" err="1"/>
+              <a:t>vs</a:t>
+            </a:r>
+            <a:r>
+              <a:rPr lang="nl-NL" dirty="0"/>
+              <a:t> </a:t>
+            </a:r>
+            <a:r>
+              <a:rPr lang="nl-NL" dirty="0" err="1"/>
+              <a:t>VScode</a:t>
+            </a:r>
+            <a:endParaRPr lang="nl-NL" dirty="0"/>
+          </a:p>
+        </p:txBody>
+      </p:sp>
+      <p:sp>
+        <p:nvSpPr>
+          <p:cNvPr id="3" name="Tijdelijke aanduiding voor inhoud 2">
+            <a:extLst>
+              <a:ext uri="{FF2B5EF4-FFF2-40B4-BE49-F238E27FC236}">
+                <a16:creationId xmlns:a16="http://schemas.microsoft.com/office/drawing/2014/main" id="{B4A8B3E8-21C5-CB9D-4318-D07FC69D7343}"/>
+              </a:ext>
+            </a:extLst>
+          </p:cNvPr>
+          <p:cNvSpPr>
+            <a:spLocks noGrp="1"/>
+          </p:cNvSpPr>
+          <p:nvPr>
+            <p:ph idx="1"/>
+          </p:nvPr>
+        </p:nvSpPr>
+        <p:spPr/>
+        <p:txBody>
+          <a:bodyPr/>
+          <a:lstStyle/>
+          <a:p>
+            <a:r>
+              <a:rPr lang="nl-NL" dirty="0"/>
+              <a:t>Both support C#</a:t>
+            </a:r>
+          </a:p>
+          <a:p>
+            <a:r>
+              <a:rPr lang="nl-NL" dirty="0"/>
+              <a:t>Visual Studio is most prominent (previewer)</a:t>
+            </a:r>
+          </a:p>
+          <a:p>
+            <a:r>
+              <a:rPr lang="nl-NL" dirty="0" err="1"/>
+              <a:t>Vscode</a:t>
+            </a:r>
+            <a:r>
+              <a:rPr lang="nl-NL" dirty="0"/>
+              <a:t> extension is </a:t>
+            </a:r>
+            <a:r>
+              <a:rPr lang="nl-NL" dirty="0" err="1"/>
+              <a:t>very</a:t>
+            </a:r>
+            <a:r>
+              <a:rPr lang="nl-NL" dirty="0"/>
+              <a:t> </a:t>
+            </a:r>
+            <a:r>
+              <a:rPr lang="nl-NL" dirty="0" err="1"/>
+              <a:t>early</a:t>
+            </a:r>
+            <a:endParaRPr lang="nl-NL" dirty="0"/>
+          </a:p>
+        </p:txBody>
+      </p:sp>
+      <p:sp>
+        <p:nvSpPr>
+          <p:cNvPr id="4" name="Rectangle 3">
+            <a:extLst>
+              <a:ext uri="{FF2B5EF4-FFF2-40B4-BE49-F238E27FC236}">
+                <a16:creationId xmlns:a16="http://schemas.microsoft.com/office/drawing/2014/main" id="{7D938917-266A-98E8-4612-83709D409572}"/>
+              </a:ext>
+            </a:extLst>
+          </p:cNvPr>
+          <p:cNvSpPr/>
+          <p:nvPr/>
+        </p:nvSpPr>
+        <p:spPr>
+          <a:xfrm>
+            <a:off x="0" y="5560786"/>
+            <a:ext cx="12192000" cy="1502228"/>
+          </a:xfrm>
+          <a:prstGeom prst="rect">
+            <a:avLst/>
+          </a:prstGeom>
+          <a:solidFill>
+            <a:schemeClr val="bg1">
+              <a:lumMod val="85000"/>
+            </a:schemeClr>
+          </a:solidFill>
+          <a:ln>
+            <a:noFill/>
+          </a:ln>
+        </p:spPr>
+        <p:style>
+          <a:lnRef idx="2">
+            <a:schemeClr val="accent1">
+              <a:shade val="15000"/>
+            </a:schemeClr>
+          </a:lnRef>
+          <a:fillRef idx="1">
+            <a:schemeClr val="accent1"/>
+          </a:fillRef>
+          <a:effectRef idx="0">
+            <a:schemeClr val="accent1"/>
+          </a:effectRef>
+          <a:fontRef idx="minor">
+            <a:schemeClr val="lt1"/>
+          </a:fontRef>
+        </p:style>
+        <p:txBody>
+          <a:bodyPr rtlCol="0" anchor="ctr"/>
+          <a:lstStyle/>
+          <a:p>
+            <a:pPr algn="ctr"/>
+            <a:endParaRPr lang="en-GB"/>
+          </a:p>
+        </p:txBody>
+      </p:sp>
+      <p:pic>
+        <p:nvPicPr>
+          <p:cNvPr id="5" name="Graphic 4">
+            <a:extLst>
+              <a:ext uri="{FF2B5EF4-FFF2-40B4-BE49-F238E27FC236}">
+                <a16:creationId xmlns:a16="http://schemas.microsoft.com/office/drawing/2014/main" id="{D94B3C6D-45F9-9C4F-F850-34C436BC6A3D}"/>
+              </a:ext>
+            </a:extLst>
+          </p:cNvPr>
+          <p:cNvPicPr>
+            <a:picLocks noChangeAspect="1"/>
+          </p:cNvPicPr>
+          <p:nvPr/>
+        </p:nvPicPr>
+        <p:blipFill>
+          <a:blip r:embed="rId2">
+            <a:extLst>
+              <a:ext uri="{96DAC541-7B7A-43D3-8B79-37D633B846F1}">
+                <asvg:svgBlip xmlns:asvg="http://schemas.microsoft.com/office/drawing/2016/SVG/main" r:embed="rId3"/>
+              </a:ext>
+            </a:extLst>
+          </a:blip>
+          <a:stretch>
+            <a:fillRect/>
+          </a:stretch>
+        </p:blipFill>
+        <p:spPr>
+          <a:xfrm>
+            <a:off x="4607734" y="5560786"/>
+            <a:ext cx="2976532" cy="1488267"/>
+          </a:xfrm>
+          <a:prstGeom prst="rect">
+            <a:avLst/>
+          </a:prstGeom>
+        </p:spPr>
+      </p:pic>
+    </p:spTree>
+    <p:extLst>
+      <p:ext uri="{BB962C8B-B14F-4D97-AF65-F5344CB8AC3E}">
+        <p14:creationId xmlns:p14="http://schemas.microsoft.com/office/powerpoint/2010/main" val="3043704060"/>
+      </p:ext>
+    </p:extLst>
+  </p:cSld>
+  <p:clrMapOvr>
+    <a:masterClrMapping/>
+  </p:clrMapOvr>
+</p:sld>
+</file>
+
+<file path=ppt/slides/slide8.xml><?xml version="1.0" encoding="utf-8"?>
+<p:sld xmlns:a="http://schemas.openxmlformats.org/drawingml/2006/main" xmlns:r="http://schemas.openxmlformats.org/officeDocument/2006/relationships" xmlns:p="http://schemas.openxmlformats.org/presentationml/2006/main">
+  <p:cSld>
+    <p:spTree>
+      <p:nvGrpSpPr>
+        <p:cNvPr id="1" name=""/>
+        <p:cNvGrpSpPr/>
+        <p:nvPr/>
+      </p:nvGrpSpPr>
+      <p:grpSpPr>
+        <a:xfrm>
+          <a:off x="0" y="0"/>
+          <a:ext cx="0" cy="0"/>
+          <a:chOff x="0" y="0"/>
+          <a:chExt cx="0" cy="0"/>
+        </a:xfrm>
+      </p:grpSpPr>
+      <p:sp>
+        <p:nvSpPr>
+          <p:cNvPr id="2" name="Titel 1">
+            <a:extLst>
+              <a:ext uri="{FF2B5EF4-FFF2-40B4-BE49-F238E27FC236}">
+                <a16:creationId xmlns:a16="http://schemas.microsoft.com/office/drawing/2014/main" id="{25EDFDE5-FCE7-22B1-7A02-1668ADC7D309}"/>
+              </a:ext>
+            </a:extLst>
+          </p:cNvPr>
+          <p:cNvSpPr>
+            <a:spLocks noGrp="1"/>
+          </p:cNvSpPr>
+          <p:nvPr>
+            <p:ph type="title"/>
+          </p:nvPr>
+        </p:nvSpPr>
+        <p:spPr/>
+        <p:txBody>
+          <a:bodyPr/>
+          <a:lstStyle/>
+          <a:p>
+            <a:r>
+              <a:rPr lang="nl-NL" dirty="0"/>
+              <a:t>Workshop</a:t>
+            </a:r>
+          </a:p>
+        </p:txBody>
+      </p:sp>
+      <p:sp>
+        <p:nvSpPr>
+          <p:cNvPr id="3" name="Tijdelijke aanduiding voor inhoud 2">
+            <a:extLst>
+              <a:ext uri="{FF2B5EF4-FFF2-40B4-BE49-F238E27FC236}">
+                <a16:creationId xmlns:a16="http://schemas.microsoft.com/office/drawing/2014/main" id="{B4A8B3E8-21C5-CB9D-4318-D07FC69D7343}"/>
+              </a:ext>
+            </a:extLst>
+          </p:cNvPr>
+          <p:cNvSpPr>
+            <a:spLocks noGrp="1"/>
+          </p:cNvSpPr>
+          <p:nvPr>
+            <p:ph idx="1"/>
+          </p:nvPr>
+        </p:nvSpPr>
+        <p:spPr/>
+        <p:txBody>
+          <a:bodyPr>
+            <a:normAutofit/>
+          </a:bodyPr>
+          <a:lstStyle/>
+          <a:p>
+            <a:r>
+              <a:rPr lang="nl-NL" sz="2000" dirty="0" err="1"/>
+              <a:t>Character</a:t>
+            </a:r>
+            <a:r>
+              <a:rPr lang="nl-NL" sz="2000" dirty="0"/>
+              <a:t> </a:t>
+            </a:r>
+            <a:r>
+              <a:rPr lang="nl-NL" sz="2000" dirty="0" err="1"/>
+              <a:t>creator</a:t>
+            </a:r>
+            <a:endParaRPr lang="nl-NL" sz="2000" dirty="0"/>
+          </a:p>
+          <a:p>
+            <a:r>
+              <a:rPr lang="nl-NL" sz="2000" dirty="0"/>
+              <a:t>Take a look at </a:t>
+            </a:r>
+            <a:r>
+              <a:rPr lang="nl-NL" sz="2000" dirty="0" err="1"/>
+              <a:t>the</a:t>
+            </a:r>
+            <a:r>
+              <a:rPr lang="nl-NL" sz="2000" dirty="0"/>
+              <a:t> project </a:t>
+            </a:r>
+            <a:r>
+              <a:rPr lang="nl-NL" sz="2000" dirty="0" err="1"/>
+              <a:t>to</a:t>
+            </a:r>
+            <a:r>
+              <a:rPr lang="nl-NL" sz="2000" dirty="0"/>
+              <a:t> </a:t>
+            </a:r>
+            <a:r>
+              <a:rPr lang="nl-NL" sz="2000" dirty="0" err="1"/>
+              <a:t>study</a:t>
+            </a:r>
+            <a:r>
+              <a:rPr lang="nl-NL" sz="2000" dirty="0"/>
+              <a:t> </a:t>
+            </a:r>
+            <a:r>
+              <a:rPr lang="nl-NL" sz="2000" dirty="0" err="1"/>
+              <a:t>the</a:t>
+            </a:r>
+            <a:r>
+              <a:rPr lang="nl-NL" sz="2000" dirty="0"/>
+              <a:t> environment</a:t>
+            </a:r>
+          </a:p>
+          <a:p>
+            <a:pPr marL="0" indent="0">
+              <a:buNone/>
+            </a:pPr>
+            <a:endParaRPr lang="nl-NL" sz="2000" dirty="0"/>
+          </a:p>
+          <a:p>
+            <a:r>
+              <a:rPr lang="nl-NL" sz="2000" dirty="0"/>
+              <a:t>Challenge 1: </a:t>
+            </a:r>
+            <a:r>
+              <a:rPr lang="nl-NL" sz="2000" dirty="0" err="1"/>
+              <a:t>Add</a:t>
+            </a:r>
+            <a:r>
+              <a:rPr lang="nl-NL" sz="2000" dirty="0"/>
+              <a:t> </a:t>
+            </a:r>
+            <a:r>
+              <a:rPr lang="nl-NL" sz="2000" dirty="0" err="1"/>
+              <a:t>the</a:t>
+            </a:r>
+            <a:r>
+              <a:rPr lang="nl-NL" sz="2000" dirty="0"/>
+              <a:t> </a:t>
+            </a:r>
+            <a:r>
+              <a:rPr lang="nl-NL" sz="2000" dirty="0" err="1"/>
+              <a:t>characters</a:t>
+            </a:r>
+            <a:r>
+              <a:rPr lang="nl-NL" sz="2000" dirty="0"/>
+              <a:t> arms. (hint: Check </a:t>
+            </a:r>
+            <a:r>
+              <a:rPr lang="nl-NL" sz="2000" dirty="0" err="1"/>
+              <a:t>the</a:t>
+            </a:r>
+            <a:r>
+              <a:rPr lang="nl-NL" sz="2000" dirty="0"/>
+              <a:t> </a:t>
+            </a:r>
+            <a:r>
+              <a:rPr lang="nl-NL" sz="2000" dirty="0" err="1"/>
+              <a:t>grids</a:t>
+            </a:r>
+            <a:r>
+              <a:rPr lang="nl-NL" sz="2000" dirty="0"/>
+              <a:t>)</a:t>
+            </a:r>
+          </a:p>
+          <a:p>
+            <a:r>
+              <a:rPr lang="nl-NL" sz="2000" dirty="0"/>
+              <a:t>Challenge 2: </a:t>
+            </a:r>
+            <a:r>
+              <a:rPr lang="nl-NL" sz="2000" dirty="0" err="1"/>
+              <a:t>Create</a:t>
+            </a:r>
+            <a:r>
+              <a:rPr lang="nl-NL" sz="2000" dirty="0"/>
+              <a:t> </a:t>
+            </a:r>
+            <a:r>
+              <a:rPr lang="nl-NL" sz="2000" dirty="0" err="1"/>
+              <a:t>height</a:t>
+            </a:r>
+            <a:r>
+              <a:rPr lang="nl-NL" sz="2000" dirty="0"/>
+              <a:t> </a:t>
+            </a:r>
+            <a:r>
+              <a:rPr lang="nl-NL" sz="2000" dirty="0" err="1"/>
+              <a:t>and</a:t>
+            </a:r>
+            <a:r>
+              <a:rPr lang="nl-NL" sz="2000" dirty="0"/>
+              <a:t> </a:t>
+            </a:r>
+            <a:r>
+              <a:rPr lang="nl-NL" sz="2000" dirty="0" err="1"/>
+              <a:t>width</a:t>
+            </a:r>
+            <a:r>
+              <a:rPr lang="nl-NL" sz="2000" dirty="0"/>
+              <a:t> </a:t>
+            </a:r>
+            <a:r>
+              <a:rPr lang="nl-NL" sz="2000" dirty="0" err="1"/>
+              <a:t>numerics</a:t>
+            </a:r>
+            <a:r>
+              <a:rPr lang="nl-NL" sz="2000" dirty="0"/>
+              <a:t>, </a:t>
+            </a:r>
+            <a:r>
+              <a:rPr lang="nl-NL" sz="2000" dirty="0" err="1"/>
+              <a:t>and</a:t>
+            </a:r>
+            <a:r>
+              <a:rPr lang="nl-NL" sz="2000" dirty="0"/>
+              <a:t> bind </a:t>
+            </a:r>
+            <a:r>
+              <a:rPr lang="nl-NL" sz="2000" dirty="0" err="1"/>
+              <a:t>them</a:t>
+            </a:r>
+            <a:r>
+              <a:rPr lang="nl-NL" sz="2000" dirty="0"/>
+              <a:t> </a:t>
+            </a:r>
+            <a:r>
+              <a:rPr lang="nl-NL" sz="2000" dirty="0" err="1"/>
+              <a:t>with</a:t>
+            </a:r>
+            <a:r>
+              <a:rPr lang="nl-NL" sz="2000" dirty="0"/>
+              <a:t> </a:t>
+            </a:r>
+            <a:r>
+              <a:rPr lang="nl-NL" sz="2000" dirty="0" err="1"/>
+              <a:t>the</a:t>
+            </a:r>
+            <a:r>
+              <a:rPr lang="nl-NL" sz="2000" dirty="0"/>
+              <a:t> </a:t>
+            </a:r>
+            <a:r>
+              <a:rPr lang="nl-NL" sz="2000" dirty="0" err="1"/>
+              <a:t>height</a:t>
+            </a:r>
+            <a:r>
+              <a:rPr lang="nl-NL" sz="2000" dirty="0"/>
+              <a:t> </a:t>
+            </a:r>
+            <a:r>
+              <a:rPr lang="nl-NL" sz="2000" dirty="0" err="1"/>
+              <a:t>and</a:t>
+            </a:r>
+            <a:r>
+              <a:rPr lang="nl-NL" sz="2000" dirty="0"/>
+              <a:t> </a:t>
+            </a:r>
+            <a:r>
+              <a:rPr lang="nl-NL" sz="2000" dirty="0" err="1"/>
+              <a:t>width</a:t>
+            </a:r>
+            <a:r>
+              <a:rPr lang="nl-NL" sz="2000" dirty="0"/>
+              <a:t> of </a:t>
+            </a:r>
+            <a:r>
+              <a:rPr lang="nl-NL" sz="2000" dirty="0" err="1"/>
+              <a:t>the</a:t>
+            </a:r>
+            <a:r>
+              <a:rPr lang="nl-NL" sz="2000" dirty="0"/>
+              <a:t> </a:t>
+            </a:r>
+            <a:r>
+              <a:rPr lang="nl-NL" sz="2000" dirty="0" err="1"/>
+              <a:t>character</a:t>
+            </a:r>
+            <a:r>
+              <a:rPr lang="nl-NL" sz="2000" dirty="0"/>
+              <a:t>. </a:t>
+            </a:r>
+            <a:r>
+              <a:rPr lang="nl-NL" sz="2000"/>
+              <a:t>()</a:t>
+            </a:r>
+            <a:endParaRPr lang="nl-NL" sz="2000" dirty="0"/>
+          </a:p>
+          <a:p>
+            <a:r>
+              <a:rPr lang="nl-NL" sz="2000" dirty="0"/>
+              <a:t>Challenge 3: </a:t>
+            </a:r>
+            <a:r>
+              <a:rPr lang="nl-NL" sz="2000" dirty="0" err="1"/>
+              <a:t>Create</a:t>
+            </a:r>
+            <a:r>
+              <a:rPr lang="nl-NL" sz="2000" dirty="0"/>
+              <a:t> a new class </a:t>
+            </a:r>
+            <a:r>
+              <a:rPr lang="nl-NL" sz="2000" dirty="0" err="1"/>
+              <a:t>named</a:t>
+            </a:r>
+            <a:r>
+              <a:rPr lang="nl-NL" sz="2000" dirty="0"/>
+              <a:t> </a:t>
+            </a:r>
+            <a:r>
+              <a:rPr lang="nl-NL" sz="2000" dirty="0" err="1"/>
+              <a:t>Gamebreaker</a:t>
+            </a:r>
+            <a:r>
+              <a:rPr lang="nl-NL" sz="2000" dirty="0"/>
+              <a:t>, </a:t>
+            </a:r>
+            <a:r>
+              <a:rPr lang="nl-NL" sz="2000" dirty="0" err="1"/>
+              <a:t>which</a:t>
+            </a:r>
+            <a:r>
+              <a:rPr lang="nl-NL" sz="2000" dirty="0"/>
+              <a:t> </a:t>
+            </a:r>
+            <a:r>
+              <a:rPr lang="nl-NL" sz="2000" dirty="0" err="1"/>
+              <a:t>allows</a:t>
+            </a:r>
+            <a:r>
+              <a:rPr lang="nl-NL" sz="2000" dirty="0"/>
+              <a:t> </a:t>
+            </a:r>
+            <a:r>
+              <a:rPr lang="nl-NL" sz="2000" dirty="0" err="1"/>
+              <a:t>the</a:t>
+            </a:r>
+            <a:r>
+              <a:rPr lang="nl-NL" sz="2000" dirty="0"/>
+              <a:t> user </a:t>
+            </a:r>
+            <a:r>
+              <a:rPr lang="nl-NL" sz="2000" dirty="0" err="1"/>
+              <a:t>to</a:t>
+            </a:r>
+            <a:r>
+              <a:rPr lang="nl-NL" sz="2000" dirty="0"/>
+              <a:t> </a:t>
+            </a:r>
+            <a:r>
+              <a:rPr lang="nl-NL" sz="2000" dirty="0" err="1"/>
+              <a:t>manipulate</a:t>
+            </a:r>
+            <a:r>
+              <a:rPr lang="nl-NL" sz="2000" dirty="0"/>
+              <a:t> </a:t>
+            </a:r>
+            <a:r>
+              <a:rPr lang="nl-NL" sz="2000" dirty="0" err="1"/>
+              <a:t>all</a:t>
+            </a:r>
+            <a:r>
+              <a:rPr lang="nl-NL" sz="2000" dirty="0"/>
+              <a:t> </a:t>
+            </a:r>
+            <a:r>
+              <a:rPr lang="nl-NL" sz="2000" dirty="0" err="1"/>
+              <a:t>the</a:t>
+            </a:r>
+            <a:r>
+              <a:rPr lang="nl-NL" sz="2000" dirty="0"/>
+              <a:t> </a:t>
+            </a:r>
+            <a:r>
+              <a:rPr lang="nl-NL" sz="2000" dirty="0" err="1"/>
+              <a:t>stats</a:t>
+            </a:r>
+            <a:r>
+              <a:rPr lang="nl-NL" sz="2000" dirty="0"/>
+              <a:t>, </a:t>
+            </a:r>
+            <a:r>
+              <a:rPr lang="nl-NL" sz="2000" dirty="0" err="1"/>
+              <a:t>including</a:t>
+            </a:r>
+            <a:r>
+              <a:rPr lang="nl-NL" sz="2000" dirty="0"/>
+              <a:t> </a:t>
+            </a:r>
+            <a:r>
+              <a:rPr lang="nl-NL" sz="2000" dirty="0" err="1"/>
+              <a:t>height</a:t>
+            </a:r>
+            <a:r>
+              <a:rPr lang="nl-NL" sz="2000" dirty="0"/>
+              <a:t> </a:t>
+            </a:r>
+            <a:r>
+              <a:rPr lang="nl-NL" sz="2000" dirty="0" err="1"/>
+              <a:t>and</a:t>
+            </a:r>
+            <a:r>
+              <a:rPr lang="nl-NL" sz="2000" dirty="0"/>
+              <a:t> </a:t>
+            </a:r>
+            <a:r>
+              <a:rPr lang="nl-NL" sz="2000" dirty="0" err="1"/>
+              <a:t>width</a:t>
+            </a:r>
+            <a:r>
+              <a:rPr lang="nl-NL" sz="2000" dirty="0"/>
+              <a:t>.</a:t>
+            </a:r>
+          </a:p>
+        </p:txBody>
+      </p:sp>
+      <p:sp>
+        <p:nvSpPr>
+          <p:cNvPr id="4" name="Rectangle 3">
+            <a:extLst>
+              <a:ext uri="{FF2B5EF4-FFF2-40B4-BE49-F238E27FC236}">
+                <a16:creationId xmlns:a16="http://schemas.microsoft.com/office/drawing/2014/main" id="{7D938917-266A-98E8-4612-83709D409572}"/>
+              </a:ext>
+            </a:extLst>
+          </p:cNvPr>
+          <p:cNvSpPr/>
+          <p:nvPr/>
+        </p:nvSpPr>
+        <p:spPr>
+          <a:xfrm>
+            <a:off x="0" y="5560786"/>
+            <a:ext cx="12192000" cy="1502228"/>
+          </a:xfrm>
+          <a:prstGeom prst="rect">
+            <a:avLst/>
+          </a:prstGeom>
+          <a:solidFill>
+            <a:schemeClr val="bg1">
+              <a:lumMod val="85000"/>
+            </a:schemeClr>
+          </a:solidFill>
+          <a:ln>
+            <a:noFill/>
+          </a:ln>
+        </p:spPr>
+        <p:style>
+          <a:lnRef idx="2">
+            <a:schemeClr val="accent1">
+              <a:shade val="15000"/>
+            </a:schemeClr>
+          </a:lnRef>
+          <a:fillRef idx="1">
+            <a:schemeClr val="accent1"/>
+          </a:fillRef>
+          <a:effectRef idx="0">
+            <a:schemeClr val="accent1"/>
+          </a:effectRef>
+          <a:fontRef idx="minor">
+            <a:schemeClr val="lt1"/>
+          </a:fontRef>
+        </p:style>
+        <p:txBody>
+          <a:bodyPr rtlCol="0" anchor="ctr"/>
+          <a:lstStyle/>
+          <a:p>
+            <a:pPr algn="ctr"/>
+            <a:endParaRPr lang="en-GB"/>
+          </a:p>
+        </p:txBody>
+      </p:sp>
+      <p:pic>
+        <p:nvPicPr>
+          <p:cNvPr id="5" name="Graphic 4">
+            <a:extLst>
+              <a:ext uri="{FF2B5EF4-FFF2-40B4-BE49-F238E27FC236}">
+                <a16:creationId xmlns:a16="http://schemas.microsoft.com/office/drawing/2014/main" id="{D94B3C6D-45F9-9C4F-F850-34C436BC6A3D}"/>
+              </a:ext>
+            </a:extLst>
+          </p:cNvPr>
+          <p:cNvPicPr>
+            <a:picLocks noChangeAspect="1"/>
+          </p:cNvPicPr>
+          <p:nvPr/>
+        </p:nvPicPr>
+        <p:blipFill>
+          <a:blip r:embed="rId2">
+            <a:extLst>
+              <a:ext uri="{96DAC541-7B7A-43D3-8B79-37D633B846F1}">
+                <asvg:svgBlip xmlns:asvg="http://schemas.microsoft.com/office/drawing/2016/SVG/main" r:embed="rId3"/>
+              </a:ext>
+            </a:extLst>
+          </a:blip>
+          <a:stretch>
+            <a:fillRect/>
+          </a:stretch>
+        </p:blipFill>
+        <p:spPr>
+          <a:xfrm>
+            <a:off x="4607734" y="5560786"/>
+            <a:ext cx="2976532" cy="1488267"/>
+          </a:xfrm>
+          <a:prstGeom prst="rect">
+            <a:avLst/>
+          </a:prstGeom>
+        </p:spPr>
+      </p:pic>
+    </p:spTree>
+    <p:extLst>
+      <p:ext uri="{BB962C8B-B14F-4D97-AF65-F5344CB8AC3E}">
+        <p14:creationId xmlns:p14="http://schemas.microsoft.com/office/powerpoint/2010/main" val="1345336737"/>
+      </p:ext>
+    </p:extLst>
+  </p:cSld>
+  <p:clrMapOvr>
+    <a:masterClrMapping/>
+  </p:clrMapOvr>
+</p:sld>
+</file>
+
+<file path=ppt/slides/slide9.xml><?xml version="1.0" encoding="utf-8"?>
+<p:sld xmlns:a="http://schemas.openxmlformats.org/drawingml/2006/main" xmlns:r="http://schemas.openxmlformats.org/officeDocument/2006/relationships" xmlns:p="http://schemas.openxmlformats.org/presentationml/2006/main">
+  <p:cSld>
+    <p:spTree>
+      <p:nvGrpSpPr>
+        <p:cNvPr id="1" name=""/>
+        <p:cNvGrpSpPr/>
+        <p:nvPr/>
+      </p:nvGrpSpPr>
+      <p:grpSpPr>
+        <a:xfrm>
+          <a:off x="0" y="0"/>
+          <a:ext cx="0" cy="0"/>
+          <a:chOff x="0" y="0"/>
+          <a:chExt cx="0" cy="0"/>
+        </a:xfrm>
+      </p:grpSpPr>
+      <p:sp>
+        <p:nvSpPr>
+          <p:cNvPr id="2" name="Titel 1">
+            <a:extLst>
+              <a:ext uri="{FF2B5EF4-FFF2-40B4-BE49-F238E27FC236}">
+                <a16:creationId xmlns:a16="http://schemas.microsoft.com/office/drawing/2014/main" id="{25EDFDE5-FCE7-22B1-7A02-1668ADC7D309}"/>
+              </a:ext>
+            </a:extLst>
+          </p:cNvPr>
+          <p:cNvSpPr>
+            <a:spLocks noGrp="1"/>
+          </p:cNvSpPr>
+          <p:nvPr>
+            <p:ph type="title"/>
+          </p:nvPr>
+        </p:nvSpPr>
+        <p:spPr/>
+        <p:txBody>
+          <a:bodyPr/>
+          <a:lstStyle/>
+          <a:p>
+            <a:r>
+              <a:rPr lang="nl-NL" dirty="0"/>
+              <a:t>Pros/</a:t>
+            </a:r>
+            <a:r>
+              <a:rPr lang="nl-NL" dirty="0" err="1"/>
+              <a:t>cons</a:t>
+            </a:r>
+            <a:endParaRPr lang="nl-NL" dirty="0"/>
+          </a:p>
+        </p:txBody>
+      </p:sp>
+      <p:sp>
+        <p:nvSpPr>
+          <p:cNvPr id="3" name="Tijdelijke aanduiding voor inhoud 2">
+            <a:extLst>
+              <a:ext uri="{FF2B5EF4-FFF2-40B4-BE49-F238E27FC236}">
+                <a16:creationId xmlns:a16="http://schemas.microsoft.com/office/drawing/2014/main" id="{B4A8B3E8-21C5-CB9D-4318-D07FC69D7343}"/>
+              </a:ext>
+            </a:extLst>
+          </p:cNvPr>
+          <p:cNvSpPr>
+            <a:spLocks noGrp="1"/>
+          </p:cNvSpPr>
+          <p:nvPr>
+            <p:ph idx="1"/>
+          </p:nvPr>
+        </p:nvSpPr>
+        <p:spPr/>
+        <p:txBody>
+          <a:bodyPr>
+            <a:normAutofit/>
+          </a:bodyPr>
+          <a:lstStyle/>
+          <a:p>
+            <a:r>
+              <a:rPr lang="nl-NL" sz="3200" dirty="0"/>
+              <a:t>Pros</a:t>
+            </a:r>
+          </a:p>
+          <a:p>
+            <a:pPr lvl="1"/>
+            <a:r>
+              <a:rPr lang="nl-NL" sz="2800" dirty="0" err="1"/>
+              <a:t>sdfsdf</a:t>
+            </a:r>
+            <a:endParaRPr lang="nl-NL" sz="2800" dirty="0"/>
+          </a:p>
+          <a:p>
+            <a:r>
+              <a:rPr lang="nl-NL" sz="3200" dirty="0" err="1"/>
+              <a:t>Cons</a:t>
+            </a:r>
+            <a:endParaRPr lang="nl-NL" sz="3200" dirty="0"/>
+          </a:p>
+          <a:p>
+            <a:pPr lvl="1"/>
+            <a:r>
+              <a:rPr lang="nl-NL" sz="2800" dirty="0" err="1"/>
+              <a:t>sdfsdf</a:t>
+            </a:r>
+            <a:endParaRPr lang="nl-NL" sz="2800" dirty="0"/>
+          </a:p>
+        </p:txBody>
+      </p:sp>
+      <p:sp>
+        <p:nvSpPr>
+          <p:cNvPr id="4" name="Rectangle 3">
+            <a:extLst>
+              <a:ext uri="{FF2B5EF4-FFF2-40B4-BE49-F238E27FC236}">
+                <a16:creationId xmlns:a16="http://schemas.microsoft.com/office/drawing/2014/main" id="{7D938917-266A-98E8-4612-83709D409572}"/>
+              </a:ext>
+            </a:extLst>
+          </p:cNvPr>
+          <p:cNvSpPr/>
+          <p:nvPr/>
+        </p:nvSpPr>
+        <p:spPr>
+          <a:xfrm>
+            <a:off x="0" y="5560786"/>
+            <a:ext cx="12192000" cy="1502228"/>
+          </a:xfrm>
+          <a:prstGeom prst="rect">
+            <a:avLst/>
+          </a:prstGeom>
+          <a:solidFill>
+            <a:schemeClr val="bg1">
+              <a:lumMod val="85000"/>
+            </a:schemeClr>
+          </a:solidFill>
+          <a:ln>
+            <a:noFill/>
+          </a:ln>
+        </p:spPr>
+        <p:style>
+          <a:lnRef idx="2">
+            <a:schemeClr val="accent1">
+              <a:shade val="15000"/>
+            </a:schemeClr>
+          </a:lnRef>
+          <a:fillRef idx="1">
+            <a:schemeClr val="accent1"/>
+          </a:fillRef>
+          <a:effectRef idx="0">
+            <a:schemeClr val="accent1"/>
+          </a:effectRef>
+          <a:fontRef idx="minor">
+            <a:schemeClr val="lt1"/>
+          </a:fontRef>
+        </p:style>
+        <p:txBody>
+          <a:bodyPr rtlCol="0" anchor="ctr"/>
+          <a:lstStyle/>
+          <a:p>
+            <a:pPr algn="ctr"/>
+            <a:endParaRPr lang="en-GB"/>
+          </a:p>
+        </p:txBody>
+      </p:sp>
+      <p:pic>
+        <p:nvPicPr>
+          <p:cNvPr id="5" name="Graphic 4">
+            <a:extLst>
+              <a:ext uri="{FF2B5EF4-FFF2-40B4-BE49-F238E27FC236}">
+                <a16:creationId xmlns:a16="http://schemas.microsoft.com/office/drawing/2014/main" id="{D94B3C6D-45F9-9C4F-F850-34C436BC6A3D}"/>
+              </a:ext>
+            </a:extLst>
+          </p:cNvPr>
+          <p:cNvPicPr>
+            <a:picLocks noChangeAspect="1"/>
+          </p:cNvPicPr>
+          <p:nvPr/>
+        </p:nvPicPr>
+        <p:blipFill>
+          <a:blip r:embed="rId2">
+            <a:extLst>
+              <a:ext uri="{96DAC541-7B7A-43D3-8B79-37D633B846F1}">
+                <asvg:svgBlip xmlns:asvg="http://schemas.microsoft.com/office/drawing/2016/SVG/main" r:embed="rId3"/>
+              </a:ext>
+            </a:extLst>
+          </a:blip>
+          <a:stretch>
+            <a:fillRect/>
+          </a:stretch>
+        </p:blipFill>
+        <p:spPr>
+          <a:xfrm>
+            <a:off x="4607734" y="5560786"/>
+            <a:ext cx="2976532" cy="1488267"/>
+          </a:xfrm>
+          <a:prstGeom prst="rect">
+            <a:avLst/>
+          </a:prstGeom>
+        </p:spPr>
+      </p:pic>
+    </p:spTree>
+    <p:extLst>
+      <p:ext uri="{BB962C8B-B14F-4D97-AF65-F5344CB8AC3E}">
+        <p14:creationId xmlns:p14="http://schemas.microsoft.com/office/powerpoint/2010/main" val="2940024769"/>
       </p:ext>
     </p:extLst>
   </p:cSld>

--- a/presentation/AvaloniaUI_presentation.pptx
+++ b/presentation/AvaloniaUI_presentation.pptx
@@ -4,17 +4,21 @@
   <p:sldMasterIdLst>
     <p:sldMasterId id="2147483648" r:id="rId1"/>
   </p:sldMasterIdLst>
+  <p:notesMasterIdLst>
+    <p:notesMasterId r:id="rId13"/>
+  </p:notesMasterIdLst>
   <p:sldIdLst>
     <p:sldId id="256" r:id="rId2"/>
     <p:sldId id="259" r:id="rId3"/>
     <p:sldId id="260" r:id="rId4"/>
     <p:sldId id="261" r:id="rId5"/>
     <p:sldId id="262" r:id="rId6"/>
-    <p:sldId id="263" r:id="rId7"/>
-    <p:sldId id="264" r:id="rId8"/>
-    <p:sldId id="265" r:id="rId9"/>
-    <p:sldId id="266" r:id="rId10"/>
-    <p:sldId id="267" r:id="rId11"/>
+    <p:sldId id="268" r:id="rId7"/>
+    <p:sldId id="263" r:id="rId8"/>
+    <p:sldId id="264" r:id="rId9"/>
+    <p:sldId id="265" r:id="rId10"/>
+    <p:sldId id="266" r:id="rId11"/>
+    <p:sldId id="267" r:id="rId12"/>
   </p:sldIdLst>
   <p:sldSz cx="12192000" cy="6858000"/>
   <p:notesSz cx="6858000" cy="9144000"/>
@@ -114,11 +118,558 @@
     </a:lvl9pPr>
   </p:defaultTextStyle>
   <p:extLst>
+    <p:ext uri="{521415D9-36F7-43E2-AB2F-B90AF26B5E84}">
+      <p14:sectionLst xmlns:p14="http://schemas.microsoft.com/office/powerpoint/2010/main">
+        <p14:section name="Default Section" id="{7624EA23-A062-433C-BD0C-8ED7F1932679}">
+          <p14:sldIdLst>
+            <p14:sldId id="256"/>
+            <p14:sldId id="259"/>
+            <p14:sldId id="260"/>
+            <p14:sldId id="261"/>
+            <p14:sldId id="262"/>
+            <p14:sldId id="268"/>
+            <p14:sldId id="263"/>
+            <p14:sldId id="264"/>
+            <p14:sldId id="265"/>
+            <p14:sldId id="266"/>
+            <p14:sldId id="267"/>
+          </p14:sldIdLst>
+        </p14:section>
+      </p14:sectionLst>
+    </p:ext>
     <p:ext uri="{EFAFB233-063F-42B5-8137-9DF3F51BA10A}">
       <p15:sldGuideLst xmlns:p15="http://schemas.microsoft.com/office/powerpoint/2012/main"/>
     </p:ext>
   </p:extLst>
 </p:presentation>
+</file>
+
+<file path=ppt/notesMasters/notesMaster1.xml><?xml version="1.0" encoding="utf-8"?>
+<p:notesMaster xmlns:a="http://schemas.openxmlformats.org/drawingml/2006/main" xmlns:r="http://schemas.openxmlformats.org/officeDocument/2006/relationships" xmlns:p="http://schemas.openxmlformats.org/presentationml/2006/main">
+  <p:cSld>
+    <p:bg>
+      <p:bgRef idx="1001">
+        <a:schemeClr val="bg1"/>
+      </p:bgRef>
+    </p:bg>
+    <p:spTree>
+      <p:nvGrpSpPr>
+        <p:cNvPr id="1" name=""/>
+        <p:cNvGrpSpPr/>
+        <p:nvPr/>
+      </p:nvGrpSpPr>
+      <p:grpSpPr>
+        <a:xfrm>
+          <a:off x="0" y="0"/>
+          <a:ext cx="0" cy="0"/>
+          <a:chOff x="0" y="0"/>
+          <a:chExt cx="0" cy="0"/>
+        </a:xfrm>
+      </p:grpSpPr>
+      <p:sp>
+        <p:nvSpPr>
+          <p:cNvPr id="2" name="Header Placeholder 1"/>
+          <p:cNvSpPr>
+            <a:spLocks noGrp="1"/>
+          </p:cNvSpPr>
+          <p:nvPr>
+            <p:ph type="hdr" sz="quarter"/>
+          </p:nvPr>
+        </p:nvSpPr>
+        <p:spPr>
+          <a:xfrm>
+            <a:off x="0" y="0"/>
+            <a:ext cx="2971800" cy="458788"/>
+          </a:xfrm>
+          <a:prstGeom prst="rect">
+            <a:avLst/>
+          </a:prstGeom>
+        </p:spPr>
+        <p:txBody>
+          <a:bodyPr vert="horz" lIns="91440" tIns="45720" rIns="91440" bIns="45720" rtlCol="0"/>
+          <a:lstStyle>
+            <a:lvl1pPr algn="l">
+              <a:defRPr sz="1200"/>
+            </a:lvl1pPr>
+          </a:lstStyle>
+          <a:p>
+            <a:endParaRPr lang="nl-NL"/>
+          </a:p>
+        </p:txBody>
+      </p:sp>
+      <p:sp>
+        <p:nvSpPr>
+          <p:cNvPr id="3" name="Date Placeholder 2"/>
+          <p:cNvSpPr>
+            <a:spLocks noGrp="1"/>
+          </p:cNvSpPr>
+          <p:nvPr>
+            <p:ph type="dt" idx="1"/>
+          </p:nvPr>
+        </p:nvSpPr>
+        <p:spPr>
+          <a:xfrm>
+            <a:off x="3884613" y="0"/>
+            <a:ext cx="2971800" cy="458788"/>
+          </a:xfrm>
+          <a:prstGeom prst="rect">
+            <a:avLst/>
+          </a:prstGeom>
+        </p:spPr>
+        <p:txBody>
+          <a:bodyPr vert="horz" lIns="91440" tIns="45720" rIns="91440" bIns="45720" rtlCol="0"/>
+          <a:lstStyle>
+            <a:lvl1pPr algn="r">
+              <a:defRPr sz="1200"/>
+            </a:lvl1pPr>
+          </a:lstStyle>
+          <a:p>
+            <a:fld id="{D1F4D0EE-A379-441F-B824-ED7864835324}" type="datetimeFigureOut">
+              <a:rPr lang="nl-NL" smtClean="0"/>
+              <a:t>10-10-2024</a:t>
+            </a:fld>
+            <a:endParaRPr lang="nl-NL"/>
+          </a:p>
+        </p:txBody>
+      </p:sp>
+      <p:sp>
+        <p:nvSpPr>
+          <p:cNvPr id="4" name="Slide Image Placeholder 3"/>
+          <p:cNvSpPr>
+            <a:spLocks noGrp="1" noRot="1" noChangeAspect="1"/>
+          </p:cNvSpPr>
+          <p:nvPr>
+            <p:ph type="sldImg" idx="2"/>
+          </p:nvPr>
+        </p:nvSpPr>
+        <p:spPr>
+          <a:xfrm>
+            <a:off x="685800" y="1143000"/>
+            <a:ext cx="5486400" cy="3086100"/>
+          </a:xfrm>
+          <a:prstGeom prst="rect">
+            <a:avLst/>
+          </a:prstGeom>
+          <a:noFill/>
+          <a:ln w="12700">
+            <a:solidFill>
+              <a:prstClr val="black"/>
+            </a:solidFill>
+          </a:ln>
+        </p:spPr>
+        <p:txBody>
+          <a:bodyPr vert="horz" lIns="91440" tIns="45720" rIns="91440" bIns="45720" rtlCol="0" anchor="ctr"/>
+          <a:lstStyle/>
+          <a:p>
+            <a:endParaRPr lang="nl-NL"/>
+          </a:p>
+        </p:txBody>
+      </p:sp>
+      <p:sp>
+        <p:nvSpPr>
+          <p:cNvPr id="5" name="Notes Placeholder 4"/>
+          <p:cNvSpPr>
+            <a:spLocks noGrp="1"/>
+          </p:cNvSpPr>
+          <p:nvPr>
+            <p:ph type="body" sz="quarter" idx="3"/>
+          </p:nvPr>
+        </p:nvSpPr>
+        <p:spPr>
+          <a:xfrm>
+            <a:off x="685800" y="4400550"/>
+            <a:ext cx="5486400" cy="3600450"/>
+          </a:xfrm>
+          <a:prstGeom prst="rect">
+            <a:avLst/>
+          </a:prstGeom>
+        </p:spPr>
+        <p:txBody>
+          <a:bodyPr vert="horz" lIns="91440" tIns="45720" rIns="91440" bIns="45720" rtlCol="0"/>
+          <a:lstStyle/>
+          <a:p>
+            <a:pPr lvl="0"/>
+            <a:r>
+              <a:rPr lang="en-US"/>
+              <a:t>Click to edit Master text styles</a:t>
+            </a:r>
+          </a:p>
+          <a:p>
+            <a:pPr lvl="1"/>
+            <a:r>
+              <a:rPr lang="en-US"/>
+              <a:t>Second level</a:t>
+            </a:r>
+          </a:p>
+          <a:p>
+            <a:pPr lvl="2"/>
+            <a:r>
+              <a:rPr lang="en-US"/>
+              <a:t>Third level</a:t>
+            </a:r>
+          </a:p>
+          <a:p>
+            <a:pPr lvl="3"/>
+            <a:r>
+              <a:rPr lang="en-US"/>
+              <a:t>Fourth level</a:t>
+            </a:r>
+          </a:p>
+          <a:p>
+            <a:pPr lvl="4"/>
+            <a:r>
+              <a:rPr lang="en-US"/>
+              <a:t>Fifth level</a:t>
+            </a:r>
+            <a:endParaRPr lang="nl-NL"/>
+          </a:p>
+        </p:txBody>
+      </p:sp>
+      <p:sp>
+        <p:nvSpPr>
+          <p:cNvPr id="6" name="Footer Placeholder 5"/>
+          <p:cNvSpPr>
+            <a:spLocks noGrp="1"/>
+          </p:cNvSpPr>
+          <p:nvPr>
+            <p:ph type="ftr" sz="quarter" idx="4"/>
+          </p:nvPr>
+        </p:nvSpPr>
+        <p:spPr>
+          <a:xfrm>
+            <a:off x="0" y="8685213"/>
+            <a:ext cx="2971800" cy="458787"/>
+          </a:xfrm>
+          <a:prstGeom prst="rect">
+            <a:avLst/>
+          </a:prstGeom>
+        </p:spPr>
+        <p:txBody>
+          <a:bodyPr vert="horz" lIns="91440" tIns="45720" rIns="91440" bIns="45720" rtlCol="0" anchor="b"/>
+          <a:lstStyle>
+            <a:lvl1pPr algn="l">
+              <a:defRPr sz="1200"/>
+            </a:lvl1pPr>
+          </a:lstStyle>
+          <a:p>
+            <a:endParaRPr lang="nl-NL"/>
+          </a:p>
+        </p:txBody>
+      </p:sp>
+      <p:sp>
+        <p:nvSpPr>
+          <p:cNvPr id="7" name="Slide Number Placeholder 6"/>
+          <p:cNvSpPr>
+            <a:spLocks noGrp="1"/>
+          </p:cNvSpPr>
+          <p:nvPr>
+            <p:ph type="sldNum" sz="quarter" idx="5"/>
+          </p:nvPr>
+        </p:nvSpPr>
+        <p:spPr>
+          <a:xfrm>
+            <a:off x="3884613" y="8685213"/>
+            <a:ext cx="2971800" cy="458787"/>
+          </a:xfrm>
+          <a:prstGeom prst="rect">
+            <a:avLst/>
+          </a:prstGeom>
+        </p:spPr>
+        <p:txBody>
+          <a:bodyPr vert="horz" lIns="91440" tIns="45720" rIns="91440" bIns="45720" rtlCol="0" anchor="b"/>
+          <a:lstStyle>
+            <a:lvl1pPr algn="r">
+              <a:defRPr sz="1200"/>
+            </a:lvl1pPr>
+          </a:lstStyle>
+          <a:p>
+            <a:fld id="{40A0B7DC-64D0-4966-9D1A-4791655AD581}" type="slidenum">
+              <a:rPr lang="nl-NL" smtClean="0"/>
+              <a:t>‹#›</a:t>
+            </a:fld>
+            <a:endParaRPr lang="nl-NL"/>
+          </a:p>
+        </p:txBody>
+      </p:sp>
+    </p:spTree>
+    <p:extLst>
+      <p:ext uri="{BB962C8B-B14F-4D97-AF65-F5344CB8AC3E}">
+        <p14:creationId xmlns:p14="http://schemas.microsoft.com/office/powerpoint/2010/main" val="3829751949"/>
+      </p:ext>
+    </p:extLst>
+  </p:cSld>
+  <p:clrMap bg1="lt1" tx1="dk1" bg2="lt2" tx2="dk2" accent1="accent1" accent2="accent2" accent3="accent3" accent4="accent4" accent5="accent5" accent6="accent6" hlink="hlink" folHlink="folHlink"/>
+  <p:notesStyle>
+    <a:lvl1pPr marL="0" algn="l" defTabSz="914400" rtl="0" eaLnBrk="1" latinLnBrk="0" hangingPunct="1">
+      <a:defRPr sz="1200" kern="1200">
+        <a:solidFill>
+          <a:schemeClr val="tx1"/>
+        </a:solidFill>
+        <a:latin typeface="+mn-lt"/>
+        <a:ea typeface="+mn-ea"/>
+        <a:cs typeface="+mn-cs"/>
+      </a:defRPr>
+    </a:lvl1pPr>
+    <a:lvl2pPr marL="457200" algn="l" defTabSz="914400" rtl="0" eaLnBrk="1" latinLnBrk="0" hangingPunct="1">
+      <a:defRPr sz="1200" kern="1200">
+        <a:solidFill>
+          <a:schemeClr val="tx1"/>
+        </a:solidFill>
+        <a:latin typeface="+mn-lt"/>
+        <a:ea typeface="+mn-ea"/>
+        <a:cs typeface="+mn-cs"/>
+      </a:defRPr>
+    </a:lvl2pPr>
+    <a:lvl3pPr marL="914400" algn="l" defTabSz="914400" rtl="0" eaLnBrk="1" latinLnBrk="0" hangingPunct="1">
+      <a:defRPr sz="1200" kern="1200">
+        <a:solidFill>
+          <a:schemeClr val="tx1"/>
+        </a:solidFill>
+        <a:latin typeface="+mn-lt"/>
+        <a:ea typeface="+mn-ea"/>
+        <a:cs typeface="+mn-cs"/>
+      </a:defRPr>
+    </a:lvl3pPr>
+    <a:lvl4pPr marL="1371600" algn="l" defTabSz="914400" rtl="0" eaLnBrk="1" latinLnBrk="0" hangingPunct="1">
+      <a:defRPr sz="1200" kern="1200">
+        <a:solidFill>
+          <a:schemeClr val="tx1"/>
+        </a:solidFill>
+        <a:latin typeface="+mn-lt"/>
+        <a:ea typeface="+mn-ea"/>
+        <a:cs typeface="+mn-cs"/>
+      </a:defRPr>
+    </a:lvl4pPr>
+    <a:lvl5pPr marL="1828800" algn="l" defTabSz="914400" rtl="0" eaLnBrk="1" latinLnBrk="0" hangingPunct="1">
+      <a:defRPr sz="1200" kern="1200">
+        <a:solidFill>
+          <a:schemeClr val="tx1"/>
+        </a:solidFill>
+        <a:latin typeface="+mn-lt"/>
+        <a:ea typeface="+mn-ea"/>
+        <a:cs typeface="+mn-cs"/>
+      </a:defRPr>
+    </a:lvl5pPr>
+    <a:lvl6pPr marL="2286000" algn="l" defTabSz="914400" rtl="0" eaLnBrk="1" latinLnBrk="0" hangingPunct="1">
+      <a:defRPr sz="1200" kern="1200">
+        <a:solidFill>
+          <a:schemeClr val="tx1"/>
+        </a:solidFill>
+        <a:latin typeface="+mn-lt"/>
+        <a:ea typeface="+mn-ea"/>
+        <a:cs typeface="+mn-cs"/>
+      </a:defRPr>
+    </a:lvl6pPr>
+    <a:lvl7pPr marL="2743200" algn="l" defTabSz="914400" rtl="0" eaLnBrk="1" latinLnBrk="0" hangingPunct="1">
+      <a:defRPr sz="1200" kern="1200">
+        <a:solidFill>
+          <a:schemeClr val="tx1"/>
+        </a:solidFill>
+        <a:latin typeface="+mn-lt"/>
+        <a:ea typeface="+mn-ea"/>
+        <a:cs typeface="+mn-cs"/>
+      </a:defRPr>
+    </a:lvl7pPr>
+    <a:lvl8pPr marL="3200400" algn="l" defTabSz="914400" rtl="0" eaLnBrk="1" latinLnBrk="0" hangingPunct="1">
+      <a:defRPr sz="1200" kern="1200">
+        <a:solidFill>
+          <a:schemeClr val="tx1"/>
+        </a:solidFill>
+        <a:latin typeface="+mn-lt"/>
+        <a:ea typeface="+mn-ea"/>
+        <a:cs typeface="+mn-cs"/>
+      </a:defRPr>
+    </a:lvl8pPr>
+    <a:lvl9pPr marL="3657600" algn="l" defTabSz="914400" rtl="0" eaLnBrk="1" latinLnBrk="0" hangingPunct="1">
+      <a:defRPr sz="1200" kern="1200">
+        <a:solidFill>
+          <a:schemeClr val="tx1"/>
+        </a:solidFill>
+        <a:latin typeface="+mn-lt"/>
+        <a:ea typeface="+mn-ea"/>
+        <a:cs typeface="+mn-cs"/>
+      </a:defRPr>
+    </a:lvl9pPr>
+  </p:notesStyle>
+</p:notesMaster>
+</file>
+
+<file path=ppt/notesSlides/notesSlide1.xml><?xml version="1.0" encoding="utf-8"?>
+<p:notes xmlns:a="http://schemas.openxmlformats.org/drawingml/2006/main" xmlns:r="http://schemas.openxmlformats.org/officeDocument/2006/relationships" xmlns:p="http://schemas.openxmlformats.org/presentationml/2006/main">
+  <p:cSld>
+    <p:spTree>
+      <p:nvGrpSpPr>
+        <p:cNvPr id="1" name=""/>
+        <p:cNvGrpSpPr/>
+        <p:nvPr/>
+      </p:nvGrpSpPr>
+      <p:grpSpPr>
+        <a:xfrm>
+          <a:off x="0" y="0"/>
+          <a:ext cx="0" cy="0"/>
+          <a:chOff x="0" y="0"/>
+          <a:chExt cx="0" cy="0"/>
+        </a:xfrm>
+      </p:grpSpPr>
+      <p:sp>
+        <p:nvSpPr>
+          <p:cNvPr id="2" name="Slide Image Placeholder 1"/>
+          <p:cNvSpPr>
+            <a:spLocks noGrp="1" noRot="1" noChangeAspect="1"/>
+          </p:cNvSpPr>
+          <p:nvPr>
+            <p:ph type="sldImg"/>
+          </p:nvPr>
+        </p:nvSpPr>
+        <p:spPr/>
+      </p:sp>
+      <p:sp>
+        <p:nvSpPr>
+          <p:cNvPr id="3" name="Notes Placeholder 2"/>
+          <p:cNvSpPr>
+            <a:spLocks noGrp="1"/>
+          </p:cNvSpPr>
+          <p:nvPr>
+            <p:ph type="body" idx="1"/>
+          </p:nvPr>
+        </p:nvSpPr>
+        <p:spPr/>
+        <p:txBody>
+          <a:bodyPr/>
+          <a:lstStyle/>
+          <a:p>
+            <a:r>
+              <a:rPr lang="nl-NL" dirty="0"/>
+              <a:t>Mohamed : Brief </a:t>
+            </a:r>
+            <a:r>
+              <a:rPr lang="nl-NL" dirty="0" err="1"/>
+              <a:t>history</a:t>
+            </a:r>
+            <a:r>
+              <a:rPr lang="nl-NL" dirty="0"/>
+              <a:t>, </a:t>
+            </a:r>
+            <a:r>
+              <a:rPr lang="nl-NL" dirty="0" err="1"/>
+              <a:t>competing</a:t>
+            </a:r>
+            <a:r>
+              <a:rPr lang="nl-NL" dirty="0"/>
+              <a:t> </a:t>
+            </a:r>
+            <a:r>
+              <a:rPr lang="nl-NL" dirty="0" err="1"/>
+              <a:t>products</a:t>
+            </a:r>
+            <a:r>
+              <a:rPr lang="nl-NL" dirty="0"/>
+              <a:t>, </a:t>
+            </a:r>
+            <a:r>
+              <a:rPr lang="nl-NL" dirty="0" err="1"/>
+              <a:t>visual</a:t>
+            </a:r>
+            <a:r>
+              <a:rPr lang="nl-NL" dirty="0"/>
+              <a:t> studio</a:t>
+            </a:r>
+          </a:p>
+          <a:p>
+            <a:r>
+              <a:rPr lang="nl-NL" dirty="0"/>
+              <a:t>Glenn : </a:t>
+            </a:r>
+            <a:r>
+              <a:rPr lang="nl-NL" dirty="0" err="1"/>
+              <a:t>What</a:t>
+            </a:r>
+            <a:r>
+              <a:rPr lang="nl-NL" dirty="0"/>
+              <a:t> is </a:t>
+            </a:r>
+            <a:r>
+              <a:rPr lang="nl-NL" dirty="0" err="1"/>
+              <a:t>Avalonia</a:t>
+            </a:r>
+            <a:r>
+              <a:rPr lang="nl-NL" dirty="0"/>
+              <a:t>, </a:t>
+            </a:r>
+            <a:r>
+              <a:rPr lang="nl-NL" dirty="0" err="1"/>
+              <a:t>What</a:t>
+            </a:r>
+            <a:r>
+              <a:rPr lang="nl-NL" dirty="0"/>
+              <a:t> </a:t>
+            </a:r>
+            <a:r>
+              <a:rPr lang="nl-NL" dirty="0" err="1"/>
+              <a:t>problems</a:t>
+            </a:r>
+            <a:r>
+              <a:rPr lang="nl-NL" dirty="0"/>
+              <a:t> does </a:t>
+            </a:r>
+            <a:r>
+              <a:rPr lang="nl-NL" dirty="0" err="1"/>
+              <a:t>it</a:t>
+            </a:r>
+            <a:r>
+              <a:rPr lang="nl-NL" dirty="0"/>
+              <a:t> </a:t>
+            </a:r>
+            <a:r>
+              <a:rPr lang="nl-NL" dirty="0" err="1"/>
+              <a:t>solve</a:t>
+            </a:r>
+            <a:r>
+              <a:rPr lang="nl-NL" dirty="0"/>
+              <a:t>, </a:t>
+            </a:r>
+            <a:r>
+              <a:rPr lang="nl-NL" dirty="0" err="1"/>
+              <a:t>VsCode</a:t>
+            </a:r>
+            <a:endParaRPr lang="nl-NL" dirty="0"/>
+          </a:p>
+        </p:txBody>
+      </p:sp>
+      <p:sp>
+        <p:nvSpPr>
+          <p:cNvPr id="4" name="Slide Number Placeholder 3"/>
+          <p:cNvSpPr>
+            <a:spLocks noGrp="1"/>
+          </p:cNvSpPr>
+          <p:nvPr>
+            <p:ph type="sldNum" sz="quarter" idx="5"/>
+          </p:nvPr>
+        </p:nvSpPr>
+        <p:spPr/>
+        <p:txBody>
+          <a:bodyPr/>
+          <a:lstStyle/>
+          <a:p>
+            <a:fld id="{40A0B7DC-64D0-4966-9D1A-4791655AD581}" type="slidenum">
+              <a:rPr lang="nl-NL" smtClean="0"/>
+              <a:t>2</a:t>
+            </a:fld>
+            <a:endParaRPr lang="nl-NL"/>
+          </a:p>
+        </p:txBody>
+      </p:sp>
+    </p:spTree>
+    <p:extLst>
+      <p:ext uri="{BB962C8B-B14F-4D97-AF65-F5344CB8AC3E}">
+        <p14:creationId xmlns:p14="http://schemas.microsoft.com/office/powerpoint/2010/main" val="3065036670"/>
+      </p:ext>
+    </p:extLst>
+  </p:cSld>
+  <p:clrMapOvr>
+    <a:masterClrMapping/>
+  </p:clrMapOvr>
+</p:notes>
 </file>
 
 <file path=ppt/slideLayouts/slideLayout1.xml><?xml version="1.0" encoding="utf-8"?>
@@ -268,7 +819,7 @@
           <a:p>
             <a:fld id="{FB3CBBC7-512E-4C81-913B-C81B6CFF109F}" type="datetimeFigureOut">
               <a:rPr lang="nl-NL" smtClean="0"/>
-              <a:t>7-10-2024</a:t>
+              <a:t>10-10-2024</a:t>
             </a:fld>
             <a:endParaRPr lang="nl-NL"/>
           </a:p>
@@ -466,7 +1017,7 @@
           <a:p>
             <a:fld id="{FB3CBBC7-512E-4C81-913B-C81B6CFF109F}" type="datetimeFigureOut">
               <a:rPr lang="nl-NL" smtClean="0"/>
-              <a:t>7-10-2024</a:t>
+              <a:t>10-10-2024</a:t>
             </a:fld>
             <a:endParaRPr lang="nl-NL"/>
           </a:p>
@@ -674,7 +1225,7 @@
           <a:p>
             <a:fld id="{FB3CBBC7-512E-4C81-913B-C81B6CFF109F}" type="datetimeFigureOut">
               <a:rPr lang="nl-NL" smtClean="0"/>
-              <a:t>7-10-2024</a:t>
+              <a:t>10-10-2024</a:t>
             </a:fld>
             <a:endParaRPr lang="nl-NL"/>
           </a:p>
@@ -872,7 +1423,7 @@
           <a:p>
             <a:fld id="{FB3CBBC7-512E-4C81-913B-C81B6CFF109F}" type="datetimeFigureOut">
               <a:rPr lang="nl-NL" smtClean="0"/>
-              <a:t>7-10-2024</a:t>
+              <a:t>10-10-2024</a:t>
             </a:fld>
             <a:endParaRPr lang="nl-NL"/>
           </a:p>
@@ -1147,7 +1698,7 @@
           <a:p>
             <a:fld id="{FB3CBBC7-512E-4C81-913B-C81B6CFF109F}" type="datetimeFigureOut">
               <a:rPr lang="nl-NL" smtClean="0"/>
-              <a:t>7-10-2024</a:t>
+              <a:t>10-10-2024</a:t>
             </a:fld>
             <a:endParaRPr lang="nl-NL"/>
           </a:p>
@@ -1412,7 +1963,7 @@
           <a:p>
             <a:fld id="{FB3CBBC7-512E-4C81-913B-C81B6CFF109F}" type="datetimeFigureOut">
               <a:rPr lang="nl-NL" smtClean="0"/>
-              <a:t>7-10-2024</a:t>
+              <a:t>10-10-2024</a:t>
             </a:fld>
             <a:endParaRPr lang="nl-NL"/>
           </a:p>
@@ -1824,7 +2375,7 @@
           <a:p>
             <a:fld id="{FB3CBBC7-512E-4C81-913B-C81B6CFF109F}" type="datetimeFigureOut">
               <a:rPr lang="nl-NL" smtClean="0"/>
-              <a:t>7-10-2024</a:t>
+              <a:t>10-10-2024</a:t>
             </a:fld>
             <a:endParaRPr lang="nl-NL"/>
           </a:p>
@@ -1965,7 +2516,7 @@
           <a:p>
             <a:fld id="{FB3CBBC7-512E-4C81-913B-C81B6CFF109F}" type="datetimeFigureOut">
               <a:rPr lang="nl-NL" smtClean="0"/>
-              <a:t>7-10-2024</a:t>
+              <a:t>10-10-2024</a:t>
             </a:fld>
             <a:endParaRPr lang="nl-NL"/>
           </a:p>
@@ -2078,7 +2629,7 @@
           <a:p>
             <a:fld id="{FB3CBBC7-512E-4C81-913B-C81B6CFF109F}" type="datetimeFigureOut">
               <a:rPr lang="nl-NL" smtClean="0"/>
-              <a:t>7-10-2024</a:t>
+              <a:t>10-10-2024</a:t>
             </a:fld>
             <a:endParaRPr lang="nl-NL"/>
           </a:p>
@@ -2389,7 +2940,7 @@
           <a:p>
             <a:fld id="{FB3CBBC7-512E-4C81-913B-C81B6CFF109F}" type="datetimeFigureOut">
               <a:rPr lang="nl-NL" smtClean="0"/>
-              <a:t>7-10-2024</a:t>
+              <a:t>10-10-2024</a:t>
             </a:fld>
             <a:endParaRPr lang="nl-NL"/>
           </a:p>
@@ -2677,7 +3228,7 @@
           <a:p>
             <a:fld id="{FB3CBBC7-512E-4C81-913B-C81B6CFF109F}" type="datetimeFigureOut">
               <a:rPr lang="nl-NL" smtClean="0"/>
-              <a:t>7-10-2024</a:t>
+              <a:t>10-10-2024</a:t>
             </a:fld>
             <a:endParaRPr lang="nl-NL"/>
           </a:p>
@@ -2918,7 +3469,7 @@
           <a:p>
             <a:fld id="{FB3CBBC7-512E-4C81-913B-C81B6CFF109F}" type="datetimeFigureOut">
               <a:rPr lang="nl-NL" smtClean="0"/>
-              <a:t>7-10-2024</a:t>
+              <a:t>10-10-2024</a:t>
             </a:fld>
             <a:endParaRPr lang="nl-NL"/>
           </a:p>
@@ -3363,7 +3914,7 @@
           <a:p>
             <a:r>
               <a:rPr lang="nl-NL" dirty="0"/>
-              <a:t>Workshop 14th </a:t>
+              <a:t>Workshop 16th </a:t>
             </a:r>
             <a:r>
               <a:rPr lang="nl-NL" dirty="0" err="1"/>
@@ -3497,6 +4048,212 @@
           <p:cNvPr id="2" name="Titel 1">
             <a:extLst>
               <a:ext uri="{FF2B5EF4-FFF2-40B4-BE49-F238E27FC236}">
+                <a16:creationId xmlns:a16="http://schemas.microsoft.com/office/drawing/2014/main" id="{25EDFDE5-FCE7-22B1-7A02-1668ADC7D309}"/>
+              </a:ext>
+            </a:extLst>
+          </p:cNvPr>
+          <p:cNvSpPr>
+            <a:spLocks noGrp="1"/>
+          </p:cNvSpPr>
+          <p:nvPr>
+            <p:ph type="title"/>
+          </p:nvPr>
+        </p:nvSpPr>
+        <p:spPr/>
+        <p:txBody>
+          <a:bodyPr/>
+          <a:lstStyle/>
+          <a:p>
+            <a:r>
+              <a:rPr lang="nl-NL" dirty="0"/>
+              <a:t>Pros/</a:t>
+            </a:r>
+            <a:r>
+              <a:rPr lang="nl-NL" dirty="0" err="1"/>
+              <a:t>cons</a:t>
+            </a:r>
+            <a:endParaRPr lang="nl-NL" dirty="0"/>
+          </a:p>
+        </p:txBody>
+      </p:sp>
+      <p:sp>
+        <p:nvSpPr>
+          <p:cNvPr id="3" name="Tijdelijke aanduiding voor inhoud 2">
+            <a:extLst>
+              <a:ext uri="{FF2B5EF4-FFF2-40B4-BE49-F238E27FC236}">
+                <a16:creationId xmlns:a16="http://schemas.microsoft.com/office/drawing/2014/main" id="{B4A8B3E8-21C5-CB9D-4318-D07FC69D7343}"/>
+              </a:ext>
+            </a:extLst>
+          </p:cNvPr>
+          <p:cNvSpPr>
+            <a:spLocks noGrp="1"/>
+          </p:cNvSpPr>
+          <p:nvPr>
+            <p:ph idx="1"/>
+          </p:nvPr>
+        </p:nvSpPr>
+        <p:spPr/>
+        <p:txBody>
+          <a:bodyPr>
+            <a:normAutofit/>
+          </a:bodyPr>
+          <a:lstStyle/>
+          <a:p>
+            <a:r>
+              <a:rPr lang="nl-NL" sz="3200" dirty="0"/>
+              <a:t>Pros</a:t>
+            </a:r>
+          </a:p>
+          <a:p>
+            <a:pPr lvl="1"/>
+            <a:r>
+              <a:rPr lang="nl-NL" sz="2800" dirty="0" err="1"/>
+              <a:t>sdfsdf</a:t>
+            </a:r>
+            <a:endParaRPr lang="nl-NL" sz="2800" dirty="0"/>
+          </a:p>
+          <a:p>
+            <a:r>
+              <a:rPr lang="nl-NL" sz="3200" dirty="0" err="1"/>
+              <a:t>Cons</a:t>
+            </a:r>
+            <a:endParaRPr lang="nl-NL" sz="3200" dirty="0"/>
+          </a:p>
+          <a:p>
+            <a:pPr lvl="1"/>
+            <a:r>
+              <a:rPr lang="nl-NL" sz="2800" dirty="0" err="1"/>
+              <a:t>sdfsdf</a:t>
+            </a:r>
+            <a:endParaRPr lang="nl-NL" sz="2800" dirty="0"/>
+          </a:p>
+        </p:txBody>
+      </p:sp>
+      <p:sp>
+        <p:nvSpPr>
+          <p:cNvPr id="4" name="Rectangle 3">
+            <a:extLst>
+              <a:ext uri="{FF2B5EF4-FFF2-40B4-BE49-F238E27FC236}">
+                <a16:creationId xmlns:a16="http://schemas.microsoft.com/office/drawing/2014/main" id="{7D938917-266A-98E8-4612-83709D409572}"/>
+              </a:ext>
+            </a:extLst>
+          </p:cNvPr>
+          <p:cNvSpPr/>
+          <p:nvPr/>
+        </p:nvSpPr>
+        <p:spPr>
+          <a:xfrm>
+            <a:off x="0" y="5560786"/>
+            <a:ext cx="12192000" cy="1502228"/>
+          </a:xfrm>
+          <a:prstGeom prst="rect">
+            <a:avLst/>
+          </a:prstGeom>
+          <a:solidFill>
+            <a:schemeClr val="bg1">
+              <a:lumMod val="85000"/>
+            </a:schemeClr>
+          </a:solidFill>
+          <a:ln>
+            <a:noFill/>
+          </a:ln>
+        </p:spPr>
+        <p:style>
+          <a:lnRef idx="2">
+            <a:schemeClr val="accent1">
+              <a:shade val="15000"/>
+            </a:schemeClr>
+          </a:lnRef>
+          <a:fillRef idx="1">
+            <a:schemeClr val="accent1"/>
+          </a:fillRef>
+          <a:effectRef idx="0">
+            <a:schemeClr val="accent1"/>
+          </a:effectRef>
+          <a:fontRef idx="minor">
+            <a:schemeClr val="lt1"/>
+          </a:fontRef>
+        </p:style>
+        <p:txBody>
+          <a:bodyPr rtlCol="0" anchor="ctr"/>
+          <a:lstStyle/>
+          <a:p>
+            <a:pPr algn="ctr"/>
+            <a:endParaRPr lang="en-GB"/>
+          </a:p>
+        </p:txBody>
+      </p:sp>
+      <p:pic>
+        <p:nvPicPr>
+          <p:cNvPr id="5" name="Graphic 4">
+            <a:extLst>
+              <a:ext uri="{FF2B5EF4-FFF2-40B4-BE49-F238E27FC236}">
+                <a16:creationId xmlns:a16="http://schemas.microsoft.com/office/drawing/2014/main" id="{D94B3C6D-45F9-9C4F-F850-34C436BC6A3D}"/>
+              </a:ext>
+            </a:extLst>
+          </p:cNvPr>
+          <p:cNvPicPr>
+            <a:picLocks noChangeAspect="1"/>
+          </p:cNvPicPr>
+          <p:nvPr/>
+        </p:nvPicPr>
+        <p:blipFill>
+          <a:blip r:embed="rId2">
+            <a:extLst>
+              <a:ext uri="{96DAC541-7B7A-43D3-8B79-37D633B846F1}">
+                <asvg:svgBlip xmlns:asvg="http://schemas.microsoft.com/office/drawing/2016/SVG/main" r:embed="rId3"/>
+              </a:ext>
+            </a:extLst>
+          </a:blip>
+          <a:stretch>
+            <a:fillRect/>
+          </a:stretch>
+        </p:blipFill>
+        <p:spPr>
+          <a:xfrm>
+            <a:off x="4607734" y="5560786"/>
+            <a:ext cx="2976532" cy="1488267"/>
+          </a:xfrm>
+          <a:prstGeom prst="rect">
+            <a:avLst/>
+          </a:prstGeom>
+        </p:spPr>
+      </p:pic>
+    </p:spTree>
+    <p:extLst>
+      <p:ext uri="{BB962C8B-B14F-4D97-AF65-F5344CB8AC3E}">
+        <p14:creationId xmlns:p14="http://schemas.microsoft.com/office/powerpoint/2010/main" val="2940024769"/>
+      </p:ext>
+    </p:extLst>
+  </p:cSld>
+  <p:clrMapOvr>
+    <a:masterClrMapping/>
+  </p:clrMapOvr>
+</p:sld>
+</file>
+
+<file path=ppt/slides/slide11.xml><?xml version="1.0" encoding="utf-8"?>
+<p:sld xmlns:a="http://schemas.openxmlformats.org/drawingml/2006/main" xmlns:r="http://schemas.openxmlformats.org/officeDocument/2006/relationships" xmlns:p="http://schemas.openxmlformats.org/presentationml/2006/main">
+  <p:cSld>
+    <p:spTree>
+      <p:nvGrpSpPr>
+        <p:cNvPr id="1" name=""/>
+        <p:cNvGrpSpPr/>
+        <p:nvPr/>
+      </p:nvGrpSpPr>
+      <p:grpSpPr>
+        <a:xfrm>
+          <a:off x="0" y="0"/>
+          <a:ext cx="0" cy="0"/>
+          <a:chOff x="0" y="0"/>
+          <a:chExt cx="0" cy="0"/>
+        </a:xfrm>
+      </p:grpSpPr>
+      <p:sp>
+        <p:nvSpPr>
+          <p:cNvPr id="2" name="Titel 1">
+            <a:extLst>
+              <a:ext uri="{FF2B5EF4-FFF2-40B4-BE49-F238E27FC236}">
                 <a16:creationId xmlns:a16="http://schemas.microsoft.com/office/drawing/2014/main" id="{4C57296D-33F2-7794-807A-BD5A3DA9579A}"/>
               </a:ext>
             </a:extLst>
@@ -3890,10 +4647,10 @@
           <p:nvPr/>
         </p:nvPicPr>
         <p:blipFill>
-          <a:blip r:embed="rId2">
+          <a:blip r:embed="rId3">
             <a:extLst>
               <a:ext uri="{96DAC541-7B7A-43D3-8B79-37D633B846F1}">
-                <asvg:svgBlip xmlns:asvg="http://schemas.microsoft.com/office/drawing/2016/SVG/main" r:embed="rId3"/>
+                <asvg:svgBlip xmlns:asvg="http://schemas.microsoft.com/office/drawing/2016/SVG/main" r:embed="rId4"/>
               </a:ext>
             </a:extLst>
           </a:blip>
@@ -4577,6 +5334,97 @@
       </p:grpSpPr>
       <p:sp>
         <p:nvSpPr>
+          <p:cNvPr id="2" name="Title 1">
+            <a:extLst>
+              <a:ext uri="{FF2B5EF4-FFF2-40B4-BE49-F238E27FC236}">
+                <a16:creationId xmlns:a16="http://schemas.microsoft.com/office/drawing/2014/main" id="{1AB72867-90A7-45AB-82F1-36979805BB2E}"/>
+              </a:ext>
+            </a:extLst>
+          </p:cNvPr>
+          <p:cNvSpPr>
+            <a:spLocks noGrp="1"/>
+          </p:cNvSpPr>
+          <p:nvPr>
+            <p:ph type="title"/>
+          </p:nvPr>
+        </p:nvSpPr>
+        <p:spPr/>
+        <p:txBody>
+          <a:bodyPr/>
+          <a:lstStyle/>
+          <a:p>
+            <a:r>
+              <a:rPr lang="nl-NL"/>
+              <a:t>MAUI</a:t>
+            </a:r>
+            <a:endParaRPr lang="nl-NL" dirty="0"/>
+          </a:p>
+        </p:txBody>
+      </p:sp>
+      <p:pic>
+        <p:nvPicPr>
+          <p:cNvPr id="4" name="Content Placeholder 3">
+            <a:extLst>
+              <a:ext uri="{FF2B5EF4-FFF2-40B4-BE49-F238E27FC236}">
+                <a16:creationId xmlns:a16="http://schemas.microsoft.com/office/drawing/2014/main" id="{27A8994A-2D50-486D-9551-E1F1F56FDC0B}"/>
+              </a:ext>
+            </a:extLst>
+          </p:cNvPr>
+          <p:cNvPicPr>
+            <a:picLocks noGrp="1" noChangeAspect="1"/>
+          </p:cNvPicPr>
+          <p:nvPr>
+            <p:ph idx="1"/>
+          </p:nvPr>
+        </p:nvPicPr>
+        <p:blipFill>
+          <a:blip r:embed="rId2"/>
+          <a:stretch>
+            <a:fillRect/>
+          </a:stretch>
+        </p:blipFill>
+        <p:spPr>
+          <a:xfrm>
+            <a:off x="-1" y="2202426"/>
+            <a:ext cx="12195665" cy="4655574"/>
+          </a:xfrm>
+          <a:prstGeom prst="rect">
+            <a:avLst/>
+          </a:prstGeom>
+        </p:spPr>
+      </p:pic>
+    </p:spTree>
+    <p:extLst>
+      <p:ext uri="{BB962C8B-B14F-4D97-AF65-F5344CB8AC3E}">
+        <p14:creationId xmlns:p14="http://schemas.microsoft.com/office/powerpoint/2010/main" val="42823906"/>
+      </p:ext>
+    </p:extLst>
+  </p:cSld>
+  <p:clrMapOvr>
+    <a:masterClrMapping/>
+  </p:clrMapOvr>
+</p:sld>
+</file>
+
+<file path=ppt/slides/slide7.xml><?xml version="1.0" encoding="utf-8"?>
+<p:sld xmlns:a="http://schemas.openxmlformats.org/drawingml/2006/main" xmlns:r="http://schemas.openxmlformats.org/officeDocument/2006/relationships" xmlns:p="http://schemas.openxmlformats.org/presentationml/2006/main">
+  <p:cSld>
+    <p:spTree>
+      <p:nvGrpSpPr>
+        <p:cNvPr id="1" name=""/>
+        <p:cNvGrpSpPr/>
+        <p:nvPr/>
+      </p:nvGrpSpPr>
+      <p:grpSpPr>
+        <a:xfrm>
+          <a:off x="0" y="0"/>
+          <a:ext cx="0" cy="0"/>
+          <a:chOff x="0" y="0"/>
+          <a:chExt cx="0" cy="0"/>
+        </a:xfrm>
+      </p:grpSpPr>
+      <p:sp>
+        <p:nvSpPr>
           <p:cNvPr id="2" name="Titel 1">
             <a:extLst>
               <a:ext uri="{FF2B5EF4-FFF2-40B4-BE49-F238E27FC236}">
@@ -4762,7 +5610,7 @@
 </p:sld>
 </file>
 
-<file path=ppt/slides/slide7.xml><?xml version="1.0" encoding="utf-8"?>
+<file path=ppt/slides/slide8.xml><?xml version="1.0" encoding="utf-8"?>
 <p:sld xmlns:a="http://schemas.openxmlformats.org/drawingml/2006/main" xmlns:r="http://schemas.openxmlformats.org/officeDocument/2006/relationships" xmlns:p="http://schemas.openxmlformats.org/presentationml/2006/main">
   <p:cSld>
     <p:spTree>
@@ -4980,7 +5828,7 @@
 </p:sld>
 </file>
 
-<file path=ppt/slides/slide8.xml><?xml version="1.0" encoding="utf-8"?>
+<file path=ppt/slides/slide9.xml><?xml version="1.0" encoding="utf-8"?>
 <p:sld xmlns:a="http://schemas.openxmlformats.org/drawingml/2006/main" xmlns:r="http://schemas.openxmlformats.org/officeDocument/2006/relationships" xmlns:p="http://schemas.openxmlformats.org/presentationml/2006/main">
   <p:cSld>
     <p:spTree>
@@ -5497,212 +6345,6 @@
     <p:extLst>
       <p:ext uri="{BB962C8B-B14F-4D97-AF65-F5344CB8AC3E}">
         <p14:creationId xmlns:p14="http://schemas.microsoft.com/office/powerpoint/2010/main" val="1345336737"/>
-      </p:ext>
-    </p:extLst>
-  </p:cSld>
-  <p:clrMapOvr>
-    <a:masterClrMapping/>
-  </p:clrMapOvr>
-</p:sld>
-</file>
-
-<file path=ppt/slides/slide9.xml><?xml version="1.0" encoding="utf-8"?>
-<p:sld xmlns:a="http://schemas.openxmlformats.org/drawingml/2006/main" xmlns:r="http://schemas.openxmlformats.org/officeDocument/2006/relationships" xmlns:p="http://schemas.openxmlformats.org/presentationml/2006/main">
-  <p:cSld>
-    <p:spTree>
-      <p:nvGrpSpPr>
-        <p:cNvPr id="1" name=""/>
-        <p:cNvGrpSpPr/>
-        <p:nvPr/>
-      </p:nvGrpSpPr>
-      <p:grpSpPr>
-        <a:xfrm>
-          <a:off x="0" y="0"/>
-          <a:ext cx="0" cy="0"/>
-          <a:chOff x="0" y="0"/>
-          <a:chExt cx="0" cy="0"/>
-        </a:xfrm>
-      </p:grpSpPr>
-      <p:sp>
-        <p:nvSpPr>
-          <p:cNvPr id="2" name="Titel 1">
-            <a:extLst>
-              <a:ext uri="{FF2B5EF4-FFF2-40B4-BE49-F238E27FC236}">
-                <a16:creationId xmlns:a16="http://schemas.microsoft.com/office/drawing/2014/main" id="{25EDFDE5-FCE7-22B1-7A02-1668ADC7D309}"/>
-              </a:ext>
-            </a:extLst>
-          </p:cNvPr>
-          <p:cNvSpPr>
-            <a:spLocks noGrp="1"/>
-          </p:cNvSpPr>
-          <p:nvPr>
-            <p:ph type="title"/>
-          </p:nvPr>
-        </p:nvSpPr>
-        <p:spPr/>
-        <p:txBody>
-          <a:bodyPr/>
-          <a:lstStyle/>
-          <a:p>
-            <a:r>
-              <a:rPr lang="nl-NL" dirty="0"/>
-              <a:t>Pros/</a:t>
-            </a:r>
-            <a:r>
-              <a:rPr lang="nl-NL" dirty="0" err="1"/>
-              <a:t>cons</a:t>
-            </a:r>
-            <a:endParaRPr lang="nl-NL" dirty="0"/>
-          </a:p>
-        </p:txBody>
-      </p:sp>
-      <p:sp>
-        <p:nvSpPr>
-          <p:cNvPr id="3" name="Tijdelijke aanduiding voor inhoud 2">
-            <a:extLst>
-              <a:ext uri="{FF2B5EF4-FFF2-40B4-BE49-F238E27FC236}">
-                <a16:creationId xmlns:a16="http://schemas.microsoft.com/office/drawing/2014/main" id="{B4A8B3E8-21C5-CB9D-4318-D07FC69D7343}"/>
-              </a:ext>
-            </a:extLst>
-          </p:cNvPr>
-          <p:cNvSpPr>
-            <a:spLocks noGrp="1"/>
-          </p:cNvSpPr>
-          <p:nvPr>
-            <p:ph idx="1"/>
-          </p:nvPr>
-        </p:nvSpPr>
-        <p:spPr/>
-        <p:txBody>
-          <a:bodyPr>
-            <a:normAutofit/>
-          </a:bodyPr>
-          <a:lstStyle/>
-          <a:p>
-            <a:r>
-              <a:rPr lang="nl-NL" sz="3200" dirty="0"/>
-              <a:t>Pros</a:t>
-            </a:r>
-          </a:p>
-          <a:p>
-            <a:pPr lvl="1"/>
-            <a:r>
-              <a:rPr lang="nl-NL" sz="2800" dirty="0" err="1"/>
-              <a:t>sdfsdf</a:t>
-            </a:r>
-            <a:endParaRPr lang="nl-NL" sz="2800" dirty="0"/>
-          </a:p>
-          <a:p>
-            <a:r>
-              <a:rPr lang="nl-NL" sz="3200" dirty="0" err="1"/>
-              <a:t>Cons</a:t>
-            </a:r>
-            <a:endParaRPr lang="nl-NL" sz="3200" dirty="0"/>
-          </a:p>
-          <a:p>
-            <a:pPr lvl="1"/>
-            <a:r>
-              <a:rPr lang="nl-NL" sz="2800" dirty="0" err="1"/>
-              <a:t>sdfsdf</a:t>
-            </a:r>
-            <a:endParaRPr lang="nl-NL" sz="2800" dirty="0"/>
-          </a:p>
-        </p:txBody>
-      </p:sp>
-      <p:sp>
-        <p:nvSpPr>
-          <p:cNvPr id="4" name="Rectangle 3">
-            <a:extLst>
-              <a:ext uri="{FF2B5EF4-FFF2-40B4-BE49-F238E27FC236}">
-                <a16:creationId xmlns:a16="http://schemas.microsoft.com/office/drawing/2014/main" id="{7D938917-266A-98E8-4612-83709D409572}"/>
-              </a:ext>
-            </a:extLst>
-          </p:cNvPr>
-          <p:cNvSpPr/>
-          <p:nvPr/>
-        </p:nvSpPr>
-        <p:spPr>
-          <a:xfrm>
-            <a:off x="0" y="5560786"/>
-            <a:ext cx="12192000" cy="1502228"/>
-          </a:xfrm>
-          <a:prstGeom prst="rect">
-            <a:avLst/>
-          </a:prstGeom>
-          <a:solidFill>
-            <a:schemeClr val="bg1">
-              <a:lumMod val="85000"/>
-            </a:schemeClr>
-          </a:solidFill>
-          <a:ln>
-            <a:noFill/>
-          </a:ln>
-        </p:spPr>
-        <p:style>
-          <a:lnRef idx="2">
-            <a:schemeClr val="accent1">
-              <a:shade val="15000"/>
-            </a:schemeClr>
-          </a:lnRef>
-          <a:fillRef idx="1">
-            <a:schemeClr val="accent1"/>
-          </a:fillRef>
-          <a:effectRef idx="0">
-            <a:schemeClr val="accent1"/>
-          </a:effectRef>
-          <a:fontRef idx="minor">
-            <a:schemeClr val="lt1"/>
-          </a:fontRef>
-        </p:style>
-        <p:txBody>
-          <a:bodyPr rtlCol="0" anchor="ctr"/>
-          <a:lstStyle/>
-          <a:p>
-            <a:pPr algn="ctr"/>
-            <a:endParaRPr lang="en-GB"/>
-          </a:p>
-        </p:txBody>
-      </p:sp>
-      <p:pic>
-        <p:nvPicPr>
-          <p:cNvPr id="5" name="Graphic 4">
-            <a:extLst>
-              <a:ext uri="{FF2B5EF4-FFF2-40B4-BE49-F238E27FC236}">
-                <a16:creationId xmlns:a16="http://schemas.microsoft.com/office/drawing/2014/main" id="{D94B3C6D-45F9-9C4F-F850-34C436BC6A3D}"/>
-              </a:ext>
-            </a:extLst>
-          </p:cNvPr>
-          <p:cNvPicPr>
-            <a:picLocks noChangeAspect="1"/>
-          </p:cNvPicPr>
-          <p:nvPr/>
-        </p:nvPicPr>
-        <p:blipFill>
-          <a:blip r:embed="rId2">
-            <a:extLst>
-              <a:ext uri="{96DAC541-7B7A-43D3-8B79-37D633B846F1}">
-                <asvg:svgBlip xmlns:asvg="http://schemas.microsoft.com/office/drawing/2016/SVG/main" r:embed="rId3"/>
-              </a:ext>
-            </a:extLst>
-          </a:blip>
-          <a:stretch>
-            <a:fillRect/>
-          </a:stretch>
-        </p:blipFill>
-        <p:spPr>
-          <a:xfrm>
-            <a:off x="4607734" y="5560786"/>
-            <a:ext cx="2976532" cy="1488267"/>
-          </a:xfrm>
-          <a:prstGeom prst="rect">
-            <a:avLst/>
-          </a:prstGeom>
-        </p:spPr>
-      </p:pic>
-    </p:spTree>
-    <p:extLst>
-      <p:ext uri="{BB962C8B-B14F-4D97-AF65-F5344CB8AC3E}">
-        <p14:creationId xmlns:p14="http://schemas.microsoft.com/office/powerpoint/2010/main" val="2940024769"/>
       </p:ext>
     </p:extLst>
   </p:cSld>
@@ -6025,4 +6667,319 @@
     </a:ext>
   </a:extLst>
 </a:theme>
+</file>
+
+<file path=ppt/theme/theme2.xml><?xml version="1.0" encoding="utf-8"?>
+<a:theme xmlns:a="http://schemas.openxmlformats.org/drawingml/2006/main" name="Office Theme">
+  <a:themeElements>
+    <a:clrScheme name="Office">
+      <a:dk1>
+        <a:sysClr val="windowText" lastClr="000000"/>
+      </a:dk1>
+      <a:lt1>
+        <a:sysClr val="window" lastClr="FFFFFF"/>
+      </a:lt1>
+      <a:dk2>
+        <a:srgbClr val="0E2841"/>
+      </a:dk2>
+      <a:lt2>
+        <a:srgbClr val="E8E8E8"/>
+      </a:lt2>
+      <a:accent1>
+        <a:srgbClr val="156082"/>
+      </a:accent1>
+      <a:accent2>
+        <a:srgbClr val="E97132"/>
+      </a:accent2>
+      <a:accent3>
+        <a:srgbClr val="196B24"/>
+      </a:accent3>
+      <a:accent4>
+        <a:srgbClr val="0F9ED5"/>
+      </a:accent4>
+      <a:accent5>
+        <a:srgbClr val="A02B93"/>
+      </a:accent5>
+      <a:accent6>
+        <a:srgbClr val="4EA72E"/>
+      </a:accent6>
+      <a:hlink>
+        <a:srgbClr val="467886"/>
+      </a:hlink>
+      <a:folHlink>
+        <a:srgbClr val="96607D"/>
+      </a:folHlink>
+    </a:clrScheme>
+    <a:fontScheme name="Office">
+      <a:majorFont>
+        <a:latin typeface="Aptos Display" panose="02110004020202020204"/>
+        <a:ea typeface=""/>
+        <a:cs typeface=""/>
+        <a:font script="Jpan" typeface="游ゴシック Light"/>
+        <a:font script="Hang" typeface="맑은 고딕"/>
+        <a:font script="Hans" typeface="等线 Light"/>
+        <a:font script="Hant" typeface="新細明體"/>
+        <a:font script="Arab" typeface="Times New Roman"/>
+        <a:font script="Hebr" typeface="Times New Roman"/>
+        <a:font script="Thai" typeface="Angsana New"/>
+        <a:font script="Ethi" typeface="Nyala"/>
+        <a:font script="Beng" typeface="Vrinda"/>
+        <a:font script="Gujr" typeface="Shruti"/>
+        <a:font script="Khmr" typeface="MoolBoran"/>
+        <a:font script="Knda" typeface="Tunga"/>
+        <a:font script="Guru" typeface="Raavi"/>
+        <a:font script="Cans" typeface="Euphemia"/>
+        <a:font script="Cher" typeface="Plantagenet Cherokee"/>
+        <a:font script="Yiii" typeface="Microsoft Yi Baiti"/>
+        <a:font script="Tibt" typeface="Microsoft Himalaya"/>
+        <a:font script="Thaa" typeface="MV Boli"/>
+        <a:font script="Deva" typeface="Mangal"/>
+        <a:font script="Telu" typeface="Gautami"/>
+        <a:font script="Taml" typeface="Latha"/>
+        <a:font script="Syrc" typeface="Estrangelo Edessa"/>
+        <a:font script="Orya" typeface="Kalinga"/>
+        <a:font script="Mlym" typeface="Kartika"/>
+        <a:font script="Laoo" typeface="DokChampa"/>
+        <a:font script="Sinh" typeface="Iskoola Pota"/>
+        <a:font script="Mong" typeface="Mongolian Baiti"/>
+        <a:font script="Viet" typeface="Times New Roman"/>
+        <a:font script="Uigh" typeface="Microsoft Uighur"/>
+        <a:font script="Geor" typeface="Sylfaen"/>
+        <a:font script="Armn" typeface="Arial"/>
+        <a:font script="Bugi" typeface="Leelawadee UI"/>
+        <a:font script="Bopo" typeface="Microsoft JhengHei"/>
+        <a:font script="Java" typeface="Javanese Text"/>
+        <a:font script="Lisu" typeface="Segoe UI"/>
+        <a:font script="Mymr" typeface="Myanmar Text"/>
+        <a:font script="Nkoo" typeface="Ebrima"/>
+        <a:font script="Olck" typeface="Nirmala UI"/>
+        <a:font script="Osma" typeface="Ebrima"/>
+        <a:font script="Phag" typeface="Phagspa"/>
+        <a:font script="Syrn" typeface="Estrangelo Edessa"/>
+        <a:font script="Syrj" typeface="Estrangelo Edessa"/>
+        <a:font script="Syre" typeface="Estrangelo Edessa"/>
+        <a:font script="Sora" typeface="Nirmala UI"/>
+        <a:font script="Tale" typeface="Microsoft Tai Le"/>
+        <a:font script="Talu" typeface="Microsoft New Tai Lue"/>
+        <a:font script="Tfng" typeface="Ebrima"/>
+      </a:majorFont>
+      <a:minorFont>
+        <a:latin typeface="Aptos" panose="02110004020202020204"/>
+        <a:ea typeface=""/>
+        <a:cs typeface=""/>
+        <a:font script="Jpan" typeface="游ゴシック"/>
+        <a:font script="Hang" typeface="맑은 고딕"/>
+        <a:font script="Hans" typeface="等线"/>
+        <a:font script="Hant" typeface="新細明體"/>
+        <a:font script="Arab" typeface="Arial"/>
+        <a:font script="Hebr" typeface="Arial"/>
+        <a:font script="Thai" typeface="Cordia New"/>
+        <a:font script="Ethi" typeface="Nyala"/>
+        <a:font script="Beng" typeface="Vrinda"/>
+        <a:font script="Gujr" typeface="Shruti"/>
+        <a:font script="Khmr" typeface="DaunPenh"/>
+        <a:font script="Knda" typeface="Tunga"/>
+        <a:font script="Guru" typeface="Raavi"/>
+        <a:font script="Cans" typeface="Euphemia"/>
+        <a:font script="Cher" typeface="Plantagenet Cherokee"/>
+        <a:font script="Yiii" typeface="Microsoft Yi Baiti"/>
+        <a:font script="Tibt" typeface="Microsoft Himalaya"/>
+        <a:font script="Thaa" typeface="MV Boli"/>
+        <a:font script="Deva" typeface="Mangal"/>
+        <a:font script="Telu" typeface="Gautami"/>
+        <a:font script="Taml" typeface="Latha"/>
+        <a:font script="Syrc" typeface="Estrangelo Edessa"/>
+        <a:font script="Orya" typeface="Kalinga"/>
+        <a:font script="Mlym" typeface="Kartika"/>
+        <a:font script="Laoo" typeface="DokChampa"/>
+        <a:font script="Sinh" typeface="Iskoola Pota"/>
+        <a:font script="Mong" typeface="Mongolian Baiti"/>
+        <a:font script="Viet" typeface="Arial"/>
+        <a:font script="Uigh" typeface="Microsoft Uighur"/>
+        <a:font script="Geor" typeface="Sylfaen"/>
+        <a:font script="Armn" typeface="Arial"/>
+        <a:font script="Bugi" typeface="Leelawadee UI"/>
+        <a:font script="Bopo" typeface="Microsoft JhengHei"/>
+        <a:font script="Java" typeface="Javanese Text"/>
+        <a:font script="Lisu" typeface="Segoe UI"/>
+        <a:font script="Mymr" typeface="Myanmar Text"/>
+        <a:font script="Nkoo" typeface="Ebrima"/>
+        <a:font script="Olck" typeface="Nirmala UI"/>
+        <a:font script="Osma" typeface="Ebrima"/>
+        <a:font script="Phag" typeface="Phagspa"/>
+        <a:font script="Syrn" typeface="Estrangelo Edessa"/>
+        <a:font script="Syrj" typeface="Estrangelo Edessa"/>
+        <a:font script="Syre" typeface="Estrangelo Edessa"/>
+        <a:font script="Sora" typeface="Nirmala UI"/>
+        <a:font script="Tale" typeface="Microsoft Tai Le"/>
+        <a:font script="Talu" typeface="Microsoft New Tai Lue"/>
+        <a:font script="Tfng" typeface="Ebrima"/>
+      </a:minorFont>
+    </a:fontScheme>
+    <a:fmtScheme name="Office">
+      <a:fillStyleLst>
+        <a:solidFill>
+          <a:schemeClr val="phClr"/>
+        </a:solidFill>
+        <a:gradFill rotWithShape="1">
+          <a:gsLst>
+            <a:gs pos="0">
+              <a:schemeClr val="phClr">
+                <a:lumMod val="110000"/>
+                <a:satMod val="105000"/>
+                <a:tint val="67000"/>
+              </a:schemeClr>
+            </a:gs>
+            <a:gs pos="50000">
+              <a:schemeClr val="phClr">
+                <a:lumMod val="105000"/>
+                <a:satMod val="103000"/>
+                <a:tint val="73000"/>
+              </a:schemeClr>
+            </a:gs>
+            <a:gs pos="100000">
+              <a:schemeClr val="phClr">
+                <a:lumMod val="105000"/>
+                <a:satMod val="109000"/>
+                <a:tint val="81000"/>
+              </a:schemeClr>
+            </a:gs>
+          </a:gsLst>
+          <a:lin ang="5400000" scaled="0"/>
+        </a:gradFill>
+        <a:gradFill rotWithShape="1">
+          <a:gsLst>
+            <a:gs pos="0">
+              <a:schemeClr val="phClr">
+                <a:satMod val="103000"/>
+                <a:lumMod val="102000"/>
+                <a:tint val="94000"/>
+              </a:schemeClr>
+            </a:gs>
+            <a:gs pos="50000">
+              <a:schemeClr val="phClr">
+                <a:satMod val="110000"/>
+                <a:lumMod val="100000"/>
+                <a:shade val="100000"/>
+              </a:schemeClr>
+            </a:gs>
+            <a:gs pos="100000">
+              <a:schemeClr val="phClr">
+                <a:lumMod val="99000"/>
+                <a:satMod val="120000"/>
+                <a:shade val="78000"/>
+              </a:schemeClr>
+            </a:gs>
+          </a:gsLst>
+          <a:lin ang="5400000" scaled="0"/>
+        </a:gradFill>
+      </a:fillStyleLst>
+      <a:lnStyleLst>
+        <a:ln w="12700" cap="flat" cmpd="sng" algn="ctr">
+          <a:solidFill>
+            <a:schemeClr val="phClr"/>
+          </a:solidFill>
+          <a:prstDash val="solid"/>
+          <a:miter lim="800000"/>
+        </a:ln>
+        <a:ln w="19050" cap="flat" cmpd="sng" algn="ctr">
+          <a:solidFill>
+            <a:schemeClr val="phClr"/>
+          </a:solidFill>
+          <a:prstDash val="solid"/>
+          <a:miter lim="800000"/>
+        </a:ln>
+        <a:ln w="25400" cap="flat" cmpd="sng" algn="ctr">
+          <a:solidFill>
+            <a:schemeClr val="phClr"/>
+          </a:solidFill>
+          <a:prstDash val="solid"/>
+          <a:miter lim="800000"/>
+        </a:ln>
+      </a:lnStyleLst>
+      <a:effectStyleLst>
+        <a:effectStyle>
+          <a:effectLst/>
+        </a:effectStyle>
+        <a:effectStyle>
+          <a:effectLst/>
+        </a:effectStyle>
+        <a:effectStyle>
+          <a:effectLst>
+            <a:outerShdw blurRad="57150" dist="19050" dir="5400000" algn="ctr" rotWithShape="0">
+              <a:srgbClr val="000000">
+                <a:alpha val="63000"/>
+              </a:srgbClr>
+            </a:outerShdw>
+          </a:effectLst>
+        </a:effectStyle>
+      </a:effectStyleLst>
+      <a:bgFillStyleLst>
+        <a:solidFill>
+          <a:schemeClr val="phClr"/>
+        </a:solidFill>
+        <a:solidFill>
+          <a:schemeClr val="phClr">
+            <a:tint val="95000"/>
+            <a:satMod val="170000"/>
+          </a:schemeClr>
+        </a:solidFill>
+        <a:gradFill rotWithShape="1">
+          <a:gsLst>
+            <a:gs pos="0">
+              <a:schemeClr val="phClr">
+                <a:tint val="93000"/>
+                <a:satMod val="150000"/>
+                <a:shade val="98000"/>
+                <a:lumMod val="102000"/>
+              </a:schemeClr>
+            </a:gs>
+            <a:gs pos="50000">
+              <a:schemeClr val="phClr">
+                <a:tint val="98000"/>
+                <a:satMod val="130000"/>
+                <a:shade val="90000"/>
+                <a:lumMod val="103000"/>
+              </a:schemeClr>
+            </a:gs>
+            <a:gs pos="100000">
+              <a:schemeClr val="phClr">
+                <a:shade val="63000"/>
+                <a:satMod val="120000"/>
+              </a:schemeClr>
+            </a:gs>
+          </a:gsLst>
+          <a:lin ang="5400000" scaled="0"/>
+        </a:gradFill>
+      </a:bgFillStyleLst>
+    </a:fmtScheme>
+  </a:themeElements>
+  <a:objectDefaults>
+    <a:lnDef>
+      <a:spPr/>
+      <a:bodyPr/>
+      <a:lstStyle/>
+      <a:style>
+        <a:lnRef idx="2">
+          <a:schemeClr val="accent1"/>
+        </a:lnRef>
+        <a:fillRef idx="0">
+          <a:schemeClr val="accent1"/>
+        </a:fillRef>
+        <a:effectRef idx="1">
+          <a:schemeClr val="accent1"/>
+        </a:effectRef>
+        <a:fontRef idx="minor">
+          <a:schemeClr val="tx1"/>
+        </a:fontRef>
+      </a:style>
+    </a:lnDef>
+  </a:objectDefaults>
+  <a:extraClrSchemeLst/>
+  <a:extLst>
+    <a:ext uri="{05A4C25C-085E-4340-85A3-A5531E510DB2}">
+      <thm15:themeFamily xmlns:thm15="http://schemas.microsoft.com/office/thememl/2012/main" name="Office Theme" id="{2E142A2C-CD16-42D6-873A-C26D2A0506FA}" vid="{1BDDFF52-6CD6-40A5-AB3C-68EB2F1E4D0A}"/>
+    </a:ext>
+  </a:extLst>
+</a:theme>
 </file>
--- a/presentation/AvaloniaUI_presentation.pptx
+++ b/presentation/AvaloniaUI_presentation.pptx
@@ -5,20 +5,25 @@
     <p:sldMasterId id="2147483648" r:id="rId1"/>
   </p:sldMasterIdLst>
   <p:notesMasterIdLst>
-    <p:notesMasterId r:id="rId13"/>
+    <p:notesMasterId r:id="rId18"/>
   </p:notesMasterIdLst>
   <p:sldIdLst>
     <p:sldId id="256" r:id="rId2"/>
     <p:sldId id="259" r:id="rId3"/>
     <p:sldId id="260" r:id="rId4"/>
-    <p:sldId id="261" r:id="rId5"/>
-    <p:sldId id="262" r:id="rId6"/>
-    <p:sldId id="268" r:id="rId7"/>
-    <p:sldId id="263" r:id="rId8"/>
-    <p:sldId id="264" r:id="rId9"/>
-    <p:sldId id="265" r:id="rId10"/>
-    <p:sldId id="266" r:id="rId11"/>
-    <p:sldId id="267" r:id="rId12"/>
+    <p:sldId id="269" r:id="rId5"/>
+    <p:sldId id="275" r:id="rId6"/>
+    <p:sldId id="271" r:id="rId7"/>
+    <p:sldId id="268" r:id="rId8"/>
+    <p:sldId id="272" r:id="rId9"/>
+    <p:sldId id="273" r:id="rId10"/>
+    <p:sldId id="274" r:id="rId11"/>
+    <p:sldId id="263" r:id="rId12"/>
+    <p:sldId id="264" r:id="rId13"/>
+    <p:sldId id="270" r:id="rId14"/>
+    <p:sldId id="265" r:id="rId15"/>
+    <p:sldId id="266" r:id="rId16"/>
+    <p:sldId id="267" r:id="rId17"/>
   </p:sldIdLst>
   <p:sldSz cx="12192000" cy="6858000"/>
   <p:notesSz cx="6858000" cy="9144000"/>
@@ -125,11 +130,16 @@
             <p14:sldId id="256"/>
             <p14:sldId id="259"/>
             <p14:sldId id="260"/>
-            <p14:sldId id="261"/>
-            <p14:sldId id="262"/>
+            <p14:sldId id="269"/>
+            <p14:sldId id="275"/>
+            <p14:sldId id="271"/>
             <p14:sldId id="268"/>
+            <p14:sldId id="272"/>
+            <p14:sldId id="273"/>
+            <p14:sldId id="274"/>
             <p14:sldId id="263"/>
             <p14:sldId id="264"/>
+            <p14:sldId id="270"/>
             <p14:sldId id="265"/>
             <p14:sldId id="266"/>
             <p14:sldId id="267"/>
@@ -142,6 +152,894 @@
     </p:ext>
   </p:extLst>
 </p:presentation>
+</file>
+
+<file path=ppt/revisionInfo.xml><?xml version="1.0" encoding="utf-8"?>
+<p1510:revInfo xmlns:a="http://schemas.openxmlformats.org/drawingml/2006/main" xmlns:r="http://schemas.openxmlformats.org/officeDocument/2006/relationships" xmlns:p1510="http://schemas.microsoft.com/office/powerpoint/2015/10/main">
+  <p1510:revLst>
+    <p1510:client id="{3CA675EC-37BF-5FDE-9C3A-398C9BA86701}" v="41" dt="2024-10-14T17:16:13.898"/>
+    <p1510:client id="{626B24D1-BF14-EB5D-F7A8-F807D77BC383}" v="183" dt="2024-10-14T18:48:08.736"/>
+    <p1510:client id="{72D82D1A-74F4-6336-15D0-D5A55AE2C90C}" v="34" dt="2024-10-15T18:06:56.360"/>
+    <p1510:client id="{790E176E-2748-451E-BC32-93CC26797EF1}" v="696" dt="2024-10-14T18:44:38.616"/>
+    <p1510:client id="{FD1F1787-5002-369A-00B0-FE88770009D7}" v="16" dt="2024-10-14T17:11:15.654"/>
+  </p1510:revLst>
+</p1510:revInfo>
+</file>
+
+<file path=ppt/changesInfos/changesInfo1.xml><?xml version="1.0" encoding="utf-8"?>
+<pc:chgInfo xmlns:a="http://schemas.openxmlformats.org/drawingml/2006/main" xmlns:r="http://schemas.openxmlformats.org/officeDocument/2006/relationships" xmlns:ac="http://schemas.microsoft.com/office/drawing/2013/main/command" xmlns:pc="http://schemas.microsoft.com/office/powerpoint/2013/main/command">
+  <pc:docChgLst>
+    <pc:chgData name="Verstraelen,Glenn G.L.A." userId="S::460806@student.fontys.nl::2fe77ce7-f47c-4220-bb1f-d43630c4abf1" providerId="AD" clId="Web-{3CA675EC-37BF-5FDE-9C3A-398C9BA86701}"/>
+    <pc:docChg chg="addSld modSld modSection">
+      <pc:chgData name="Verstraelen,Glenn G.L.A." userId="S::460806@student.fontys.nl::2fe77ce7-f47c-4220-bb1f-d43630c4abf1" providerId="AD" clId="Web-{3CA675EC-37BF-5FDE-9C3A-398C9BA86701}" dt="2024-10-14T17:16:13.898" v="37" actId="1076"/>
+      <pc:docMkLst>
+        <pc:docMk/>
+      </pc:docMkLst>
+      <pc:sldChg chg="modSp">
+        <pc:chgData name="Verstraelen,Glenn G.L.A." userId="S::460806@student.fontys.nl::2fe77ce7-f47c-4220-bb1f-d43630c4abf1" providerId="AD" clId="Web-{3CA675EC-37BF-5FDE-9C3A-398C9BA86701}" dt="2024-10-14T17:12:14.639" v="8" actId="20577"/>
+        <pc:sldMkLst>
+          <pc:docMk/>
+          <pc:sldMk cId="3588017530" sldId="259"/>
+        </pc:sldMkLst>
+        <pc:spChg chg="mod">
+          <ac:chgData name="Verstraelen,Glenn G.L.A." userId="S::460806@student.fontys.nl::2fe77ce7-f47c-4220-bb1f-d43630c4abf1" providerId="AD" clId="Web-{3CA675EC-37BF-5FDE-9C3A-398C9BA86701}" dt="2024-10-14T17:12:03.139" v="1" actId="1076"/>
+          <ac:spMkLst>
+            <pc:docMk/>
+            <pc:sldMk cId="3588017530" sldId="259"/>
+            <ac:spMk id="2" creationId="{25EDFDE5-FCE7-22B1-7A02-1668ADC7D309}"/>
+          </ac:spMkLst>
+        </pc:spChg>
+        <pc:spChg chg="mod">
+          <ac:chgData name="Verstraelen,Glenn G.L.A." userId="S::460806@student.fontys.nl::2fe77ce7-f47c-4220-bb1f-d43630c4abf1" providerId="AD" clId="Web-{3CA675EC-37BF-5FDE-9C3A-398C9BA86701}" dt="2024-10-14T17:12:14.639" v="8" actId="20577"/>
+          <ac:spMkLst>
+            <pc:docMk/>
+            <pc:sldMk cId="3588017530" sldId="259"/>
+            <ac:spMk id="3" creationId="{B4A8B3E8-21C5-CB9D-4318-D07FC69D7343}"/>
+          </ac:spMkLst>
+        </pc:spChg>
+      </pc:sldChg>
+      <pc:sldChg chg="addSp modSp add replId">
+        <pc:chgData name="Verstraelen,Glenn G.L.A." userId="S::460806@student.fontys.nl::2fe77ce7-f47c-4220-bb1f-d43630c4abf1" providerId="AD" clId="Web-{3CA675EC-37BF-5FDE-9C3A-398C9BA86701}" dt="2024-10-14T17:16:13.898" v="37" actId="1076"/>
+        <pc:sldMkLst>
+          <pc:docMk/>
+          <pc:sldMk cId="3399054289" sldId="270"/>
+        </pc:sldMkLst>
+        <pc:spChg chg="mod">
+          <ac:chgData name="Verstraelen,Glenn G.L.A." userId="S::460806@student.fontys.nl::2fe77ce7-f47c-4220-bb1f-d43630c4abf1" providerId="AD" clId="Web-{3CA675EC-37BF-5FDE-9C3A-398C9BA86701}" dt="2024-10-14T17:15:53.444" v="34" actId="1076"/>
+          <ac:spMkLst>
+            <pc:docMk/>
+            <pc:sldMk cId="3399054289" sldId="270"/>
+            <ac:spMk id="2" creationId="{25EDFDE5-FCE7-22B1-7A02-1668ADC7D309}"/>
+          </ac:spMkLst>
+        </pc:spChg>
+        <pc:spChg chg="mod">
+          <ac:chgData name="Verstraelen,Glenn G.L.A." userId="S::460806@student.fontys.nl::2fe77ce7-f47c-4220-bb1f-d43630c4abf1" providerId="AD" clId="Web-{3CA675EC-37BF-5FDE-9C3A-398C9BA86701}" dt="2024-10-14T17:15:40.381" v="31" actId="20577"/>
+          <ac:spMkLst>
+            <pc:docMk/>
+            <pc:sldMk cId="3399054289" sldId="270"/>
+            <ac:spMk id="3" creationId="{B4A8B3E8-21C5-CB9D-4318-D07FC69D7343}"/>
+          </ac:spMkLst>
+        </pc:spChg>
+        <pc:picChg chg="add mod">
+          <ac:chgData name="Verstraelen,Glenn G.L.A." userId="S::460806@student.fontys.nl::2fe77ce7-f47c-4220-bb1f-d43630c4abf1" providerId="AD" clId="Web-{3CA675EC-37BF-5FDE-9C3A-398C9BA86701}" dt="2024-10-14T17:16:13.898" v="37" actId="1076"/>
+          <ac:picMkLst>
+            <pc:docMk/>
+            <pc:sldMk cId="3399054289" sldId="270"/>
+            <ac:picMk id="6" creationId="{BBA7D996-7D48-49F1-336F-AE7B1257419B}"/>
+          </ac:picMkLst>
+        </pc:picChg>
+      </pc:sldChg>
+    </pc:docChg>
+  </pc:docChgLst>
+  <pc:docChgLst>
+    <pc:chgData name="Ismael,Mohamed M.M." userId="S::439588@student.fontys.nl::a0e2a40c-ebf3-4752-bd88-84657f2bf7d9" providerId="AD" clId="Web-{790E176E-2748-451E-BC32-93CC26797EF1}"/>
+    <pc:docChg chg="addSld delSld modSld sldOrd modSection">
+      <pc:chgData name="Ismael,Mohamed M.M." userId="S::439588@student.fontys.nl::a0e2a40c-ebf3-4752-bd88-84657f2bf7d9" providerId="AD" clId="Web-{790E176E-2748-451E-BC32-93CC26797EF1}" dt="2024-10-14T18:44:38.616" v="670"/>
+      <pc:docMkLst>
+        <pc:docMk/>
+      </pc:docMkLst>
+      <pc:sldChg chg="modSp">
+        <pc:chgData name="Ismael,Mohamed M.M." userId="S::439588@student.fontys.nl::a0e2a40c-ebf3-4752-bd88-84657f2bf7d9" providerId="AD" clId="Web-{790E176E-2748-451E-BC32-93CC26797EF1}" dt="2024-10-14T17:18:15.996" v="2" actId="20577"/>
+        <pc:sldMkLst>
+          <pc:docMk/>
+          <pc:sldMk cId="1493883860" sldId="256"/>
+        </pc:sldMkLst>
+        <pc:spChg chg="mod">
+          <ac:chgData name="Ismael,Mohamed M.M." userId="S::439588@student.fontys.nl::a0e2a40c-ebf3-4752-bd88-84657f2bf7d9" providerId="AD" clId="Web-{790E176E-2748-451E-BC32-93CC26797EF1}" dt="2024-10-14T17:18:15.996" v="2" actId="20577"/>
+          <ac:spMkLst>
+            <pc:docMk/>
+            <pc:sldMk cId="1493883860" sldId="256"/>
+            <ac:spMk id="3" creationId="{9BBFDD2F-C107-8753-1D8B-6B56924A8962}"/>
+          </ac:spMkLst>
+        </pc:spChg>
+      </pc:sldChg>
+      <pc:sldChg chg="modSp">
+        <pc:chgData name="Ismael,Mohamed M.M." userId="S::439588@student.fontys.nl::a0e2a40c-ebf3-4752-bd88-84657f2bf7d9" providerId="AD" clId="Web-{790E176E-2748-451E-BC32-93CC26797EF1}" dt="2024-10-14T17:19:16.733" v="6" actId="20577"/>
+        <pc:sldMkLst>
+          <pc:docMk/>
+          <pc:sldMk cId="3588017530" sldId="259"/>
+        </pc:sldMkLst>
+        <pc:spChg chg="mod">
+          <ac:chgData name="Ismael,Mohamed M.M." userId="S::439588@student.fontys.nl::a0e2a40c-ebf3-4752-bd88-84657f2bf7d9" providerId="AD" clId="Web-{790E176E-2748-451E-BC32-93CC26797EF1}" dt="2024-10-14T17:19:16.733" v="6" actId="20577"/>
+          <ac:spMkLst>
+            <pc:docMk/>
+            <pc:sldMk cId="3588017530" sldId="259"/>
+            <ac:spMk id="3" creationId="{B4A8B3E8-21C5-CB9D-4318-D07FC69D7343}"/>
+          </ac:spMkLst>
+        </pc:spChg>
+      </pc:sldChg>
+      <pc:sldChg chg="ord">
+        <pc:chgData name="Ismael,Mohamed M.M." userId="S::439588@student.fontys.nl::a0e2a40c-ebf3-4752-bd88-84657f2bf7d9" providerId="AD" clId="Web-{790E176E-2748-451E-BC32-93CC26797EF1}" dt="2024-10-14T18:44:38.616" v="670"/>
+        <pc:sldMkLst>
+          <pc:docMk/>
+          <pc:sldMk cId="42823906" sldId="268"/>
+        </pc:sldMkLst>
+      </pc:sldChg>
+      <pc:sldChg chg="modSp new">
+        <pc:chgData name="Ismael,Mohamed M.M." userId="S::439588@student.fontys.nl::a0e2a40c-ebf3-4752-bd88-84657f2bf7d9" providerId="AD" clId="Web-{790E176E-2748-451E-BC32-93CC26797EF1}" dt="2024-10-14T17:44:40.895" v="300" actId="20577"/>
+        <pc:sldMkLst>
+          <pc:docMk/>
+          <pc:sldMk cId="1777112110" sldId="271"/>
+        </pc:sldMkLst>
+        <pc:spChg chg="mod">
+          <ac:chgData name="Ismael,Mohamed M.M." userId="S::439588@student.fontys.nl::a0e2a40c-ebf3-4752-bd88-84657f2bf7d9" providerId="AD" clId="Web-{790E176E-2748-451E-BC32-93CC26797EF1}" dt="2024-10-14T17:21:00.236" v="15" actId="20577"/>
+          <ac:spMkLst>
+            <pc:docMk/>
+            <pc:sldMk cId="1777112110" sldId="271"/>
+            <ac:spMk id="2" creationId="{0302944F-5AB1-9188-1567-728E880124E1}"/>
+          </ac:spMkLst>
+        </pc:spChg>
+        <pc:spChg chg="mod">
+          <ac:chgData name="Ismael,Mohamed M.M." userId="S::439588@student.fontys.nl::a0e2a40c-ebf3-4752-bd88-84657f2bf7d9" providerId="AD" clId="Web-{790E176E-2748-451E-BC32-93CC26797EF1}" dt="2024-10-14T17:21:07.627" v="23" actId="20577"/>
+          <ac:spMkLst>
+            <pc:docMk/>
+            <pc:sldMk cId="1777112110" sldId="271"/>
+            <ac:spMk id="3" creationId="{5CC8B634-327A-66FA-9F15-A5178F468B42}"/>
+          </ac:spMkLst>
+        </pc:spChg>
+        <pc:spChg chg="mod">
+          <ac:chgData name="Ismael,Mohamed M.M." userId="S::439588@student.fontys.nl::a0e2a40c-ebf3-4752-bd88-84657f2bf7d9" providerId="AD" clId="Web-{790E176E-2748-451E-BC32-93CC26797EF1}" dt="2024-10-14T17:44:40.895" v="300" actId="20577"/>
+          <ac:spMkLst>
+            <pc:docMk/>
+            <pc:sldMk cId="1777112110" sldId="271"/>
+            <ac:spMk id="4" creationId="{DF721A37-111F-25D9-F7BE-FF99205BDB34}"/>
+          </ac:spMkLst>
+        </pc:spChg>
+        <pc:spChg chg="mod">
+          <ac:chgData name="Ismael,Mohamed M.M." userId="S::439588@student.fontys.nl::a0e2a40c-ebf3-4752-bd88-84657f2bf7d9" providerId="AD" clId="Web-{790E176E-2748-451E-BC32-93CC26797EF1}" dt="2024-10-14T17:21:15.315" v="27" actId="20577"/>
+          <ac:spMkLst>
+            <pc:docMk/>
+            <pc:sldMk cId="1777112110" sldId="271"/>
+            <ac:spMk id="5" creationId="{C7E2F6D9-7350-43B9-9C00-4645A26B3764}"/>
+          </ac:spMkLst>
+        </pc:spChg>
+        <pc:spChg chg="mod">
+          <ac:chgData name="Ismael,Mohamed M.M." userId="S::439588@student.fontys.nl::a0e2a40c-ebf3-4752-bd88-84657f2bf7d9" providerId="AD" clId="Web-{790E176E-2748-451E-BC32-93CC26797EF1}" dt="2024-10-14T17:44:38.629" v="298" actId="20577"/>
+          <ac:spMkLst>
+            <pc:docMk/>
+            <pc:sldMk cId="1777112110" sldId="271"/>
+            <ac:spMk id="6" creationId="{3F2015BB-A8A1-074B-74F3-8B6D8B4A6131}"/>
+          </ac:spMkLst>
+        </pc:spChg>
+      </pc:sldChg>
+      <pc:sldChg chg="modSp new">
+        <pc:chgData name="Ismael,Mohamed M.M." userId="S::439588@student.fontys.nl::a0e2a40c-ebf3-4752-bd88-84657f2bf7d9" providerId="AD" clId="Web-{790E176E-2748-451E-BC32-93CC26797EF1}" dt="2024-10-14T18:11:01.121" v="508" actId="20577"/>
+        <pc:sldMkLst>
+          <pc:docMk/>
+          <pc:sldMk cId="2667198754" sldId="272"/>
+        </pc:sldMkLst>
+        <pc:spChg chg="mod">
+          <ac:chgData name="Ismael,Mohamed M.M." userId="S::439588@student.fontys.nl::a0e2a40c-ebf3-4752-bd88-84657f2bf7d9" providerId="AD" clId="Web-{790E176E-2748-451E-BC32-93CC26797EF1}" dt="2024-10-14T17:42:23.124" v="242" actId="20577"/>
+          <ac:spMkLst>
+            <pc:docMk/>
+            <pc:sldMk cId="2667198754" sldId="272"/>
+            <ac:spMk id="2" creationId="{289B4B56-A609-E1C6-4C55-5E5027D8FE0F}"/>
+          </ac:spMkLst>
+        </pc:spChg>
+        <pc:spChg chg="mod">
+          <ac:chgData name="Ismael,Mohamed M.M." userId="S::439588@student.fontys.nl::a0e2a40c-ebf3-4752-bd88-84657f2bf7d9" providerId="AD" clId="Web-{790E176E-2748-451E-BC32-93CC26797EF1}" dt="2024-10-14T17:42:28.999" v="250" actId="20577"/>
+          <ac:spMkLst>
+            <pc:docMk/>
+            <pc:sldMk cId="2667198754" sldId="272"/>
+            <ac:spMk id="3" creationId="{D28C4036-1527-7517-987D-FA428B761FFC}"/>
+          </ac:spMkLst>
+        </pc:spChg>
+        <pc:spChg chg="mod">
+          <ac:chgData name="Ismael,Mohamed M.M." userId="S::439588@student.fontys.nl::a0e2a40c-ebf3-4752-bd88-84657f2bf7d9" providerId="AD" clId="Web-{790E176E-2748-451E-BC32-93CC26797EF1}" dt="2024-10-14T18:10:47.043" v="492" actId="20577"/>
+          <ac:spMkLst>
+            <pc:docMk/>
+            <pc:sldMk cId="2667198754" sldId="272"/>
+            <ac:spMk id="4" creationId="{2AF4B2CB-5B38-CE16-3227-A9171EE3F0F6}"/>
+          </ac:spMkLst>
+        </pc:spChg>
+        <pc:spChg chg="mod">
+          <ac:chgData name="Ismael,Mohamed M.M." userId="S::439588@student.fontys.nl::a0e2a40c-ebf3-4752-bd88-84657f2bf7d9" providerId="AD" clId="Web-{790E176E-2748-451E-BC32-93CC26797EF1}" dt="2024-10-14T17:42:34.437" v="254" actId="20577"/>
+          <ac:spMkLst>
+            <pc:docMk/>
+            <pc:sldMk cId="2667198754" sldId="272"/>
+            <ac:spMk id="5" creationId="{0AF28914-DE62-68C5-CE33-D2BB1C6E6761}"/>
+          </ac:spMkLst>
+        </pc:spChg>
+        <pc:spChg chg="mod">
+          <ac:chgData name="Ismael,Mohamed M.M." userId="S::439588@student.fontys.nl::a0e2a40c-ebf3-4752-bd88-84657f2bf7d9" providerId="AD" clId="Web-{790E176E-2748-451E-BC32-93CC26797EF1}" dt="2024-10-14T18:11:01.121" v="508" actId="20577"/>
+          <ac:spMkLst>
+            <pc:docMk/>
+            <pc:sldMk cId="2667198754" sldId="272"/>
+            <ac:spMk id="6" creationId="{11EA44CC-6F23-4AF1-742E-38BD07B2AC78}"/>
+          </ac:spMkLst>
+        </pc:spChg>
+      </pc:sldChg>
+      <pc:sldChg chg="modSp new">
+        <pc:chgData name="Ismael,Mohamed M.M." userId="S::439588@student.fontys.nl::a0e2a40c-ebf3-4752-bd88-84657f2bf7d9" providerId="AD" clId="Web-{790E176E-2748-451E-BC32-93CC26797EF1}" dt="2024-10-14T18:18:40.403" v="616" actId="20577"/>
+        <pc:sldMkLst>
+          <pc:docMk/>
+          <pc:sldMk cId="2968501324" sldId="273"/>
+        </pc:sldMkLst>
+        <pc:spChg chg="mod">
+          <ac:chgData name="Ismael,Mohamed M.M." userId="S::439588@student.fontys.nl::a0e2a40c-ebf3-4752-bd88-84657f2bf7d9" providerId="AD" clId="Web-{790E176E-2748-451E-BC32-93CC26797EF1}" dt="2024-10-14T18:02:00.665" v="466" actId="20577"/>
+          <ac:spMkLst>
+            <pc:docMk/>
+            <pc:sldMk cId="2968501324" sldId="273"/>
+            <ac:spMk id="2" creationId="{DC7164B3-E944-6C7E-2BB3-BB1BE8344E46}"/>
+          </ac:spMkLst>
+        </pc:spChg>
+        <pc:spChg chg="mod">
+          <ac:chgData name="Ismael,Mohamed M.M." userId="S::439588@student.fontys.nl::a0e2a40c-ebf3-4752-bd88-84657f2bf7d9" providerId="AD" clId="Web-{790E176E-2748-451E-BC32-93CC26797EF1}" dt="2024-10-14T18:02:06.462" v="470" actId="20577"/>
+          <ac:spMkLst>
+            <pc:docMk/>
+            <pc:sldMk cId="2968501324" sldId="273"/>
+            <ac:spMk id="3" creationId="{A02B0077-D1ED-F86C-4E04-482347CC2DDE}"/>
+          </ac:spMkLst>
+        </pc:spChg>
+        <pc:spChg chg="mod">
+          <ac:chgData name="Ismael,Mohamed M.M." userId="S::439588@student.fontys.nl::a0e2a40c-ebf3-4752-bd88-84657f2bf7d9" providerId="AD" clId="Web-{790E176E-2748-451E-BC32-93CC26797EF1}" dt="2024-10-14T18:17:52.683" v="610" actId="20577"/>
+          <ac:spMkLst>
+            <pc:docMk/>
+            <pc:sldMk cId="2968501324" sldId="273"/>
+            <ac:spMk id="4" creationId="{300756DF-D0B9-68D4-784E-53B809716D2A}"/>
+          </ac:spMkLst>
+        </pc:spChg>
+        <pc:spChg chg="mod">
+          <ac:chgData name="Ismael,Mohamed M.M." userId="S::439588@student.fontys.nl::a0e2a40c-ebf3-4752-bd88-84657f2bf7d9" providerId="AD" clId="Web-{790E176E-2748-451E-BC32-93CC26797EF1}" dt="2024-10-14T18:02:19.181" v="472" actId="20577"/>
+          <ac:spMkLst>
+            <pc:docMk/>
+            <pc:sldMk cId="2968501324" sldId="273"/>
+            <ac:spMk id="5" creationId="{0D1E4D6B-5D8E-5AE6-976F-CD2DBA573E69}"/>
+          </ac:spMkLst>
+        </pc:spChg>
+        <pc:spChg chg="mod">
+          <ac:chgData name="Ismael,Mohamed M.M." userId="S::439588@student.fontys.nl::a0e2a40c-ebf3-4752-bd88-84657f2bf7d9" providerId="AD" clId="Web-{790E176E-2748-451E-BC32-93CC26797EF1}" dt="2024-10-14T18:18:40.403" v="616" actId="20577"/>
+          <ac:spMkLst>
+            <pc:docMk/>
+            <pc:sldMk cId="2968501324" sldId="273"/>
+            <ac:spMk id="6" creationId="{AD92BDEC-7632-B131-AB0F-6C0BB29ADFA4}"/>
+          </ac:spMkLst>
+        </pc:spChg>
+      </pc:sldChg>
+      <pc:sldChg chg="new del">
+        <pc:chgData name="Ismael,Mohamed M.M." userId="S::439588@student.fontys.nl::a0e2a40c-ebf3-4752-bd88-84657f2bf7d9" providerId="AD" clId="Web-{790E176E-2748-451E-BC32-93CC26797EF1}" dt="2024-10-14T18:18:46.325" v="618"/>
+        <pc:sldMkLst>
+          <pc:docMk/>
+          <pc:sldMk cId="470329576" sldId="274"/>
+        </pc:sldMkLst>
+      </pc:sldChg>
+      <pc:sldChg chg="addSp delSp modSp new">
+        <pc:chgData name="Ismael,Mohamed M.M." userId="S::439588@student.fontys.nl::a0e2a40c-ebf3-4752-bd88-84657f2bf7d9" providerId="AD" clId="Web-{790E176E-2748-451E-BC32-93CC26797EF1}" dt="2024-10-14T18:27:45.578" v="669" actId="14100"/>
+        <pc:sldMkLst>
+          <pc:docMk/>
+          <pc:sldMk cId="2024885572" sldId="274"/>
+        </pc:sldMkLst>
+        <pc:spChg chg="mod">
+          <ac:chgData name="Ismael,Mohamed M.M." userId="S::439588@student.fontys.nl::a0e2a40c-ebf3-4752-bd88-84657f2bf7d9" providerId="AD" clId="Web-{790E176E-2748-451E-BC32-93CC26797EF1}" dt="2024-10-14T18:19:04.170" v="634" actId="20577"/>
+          <ac:spMkLst>
+            <pc:docMk/>
+            <pc:sldMk cId="2024885572" sldId="274"/>
+            <ac:spMk id="2" creationId="{51599CAB-CF01-656A-9DE0-032C1145A423}"/>
+          </ac:spMkLst>
+        </pc:spChg>
+        <pc:spChg chg="mod">
+          <ac:chgData name="Ismael,Mohamed M.M." userId="S::439588@student.fontys.nl::a0e2a40c-ebf3-4752-bd88-84657f2bf7d9" providerId="AD" clId="Web-{790E176E-2748-451E-BC32-93CC26797EF1}" dt="2024-10-14T18:26:51.092" v="661" actId="20577"/>
+          <ac:spMkLst>
+            <pc:docMk/>
+            <pc:sldMk cId="2024885572" sldId="274"/>
+            <ac:spMk id="3" creationId="{80FFCBF0-27E3-8DE7-DEBE-61FCB308B752}"/>
+          </ac:spMkLst>
+        </pc:spChg>
+        <pc:picChg chg="add del mod">
+          <ac:chgData name="Ismael,Mohamed M.M." userId="S::439588@student.fontys.nl::a0e2a40c-ebf3-4752-bd88-84657f2bf7d9" providerId="AD" clId="Web-{790E176E-2748-451E-BC32-93CC26797EF1}" dt="2024-10-14T18:27:14.390" v="666"/>
+          <ac:picMkLst>
+            <pc:docMk/>
+            <pc:sldMk cId="2024885572" sldId="274"/>
+            <ac:picMk id="4" creationId="{FE3C4DC2-116A-D256-2B06-986E8F8E0375}"/>
+          </ac:picMkLst>
+        </pc:picChg>
+        <pc:picChg chg="add mod">
+          <ac:chgData name="Ismael,Mohamed M.M." userId="S::439588@student.fontys.nl::a0e2a40c-ebf3-4752-bd88-84657f2bf7d9" providerId="AD" clId="Web-{790E176E-2748-451E-BC32-93CC26797EF1}" dt="2024-10-14T18:27:45.578" v="669" actId="14100"/>
+          <ac:picMkLst>
+            <pc:docMk/>
+            <pc:sldMk cId="2024885572" sldId="274"/>
+            <ac:picMk id="6" creationId="{7328E482-ABDB-35CE-287F-AA88A4B2621B}"/>
+          </ac:picMkLst>
+        </pc:picChg>
+      </pc:sldChg>
+    </pc:docChg>
+  </pc:docChgLst>
+  <pc:docChgLst>
+    <pc:chgData name="Verstraelen,Glenn G.L.A." userId="S::460806@student.fontys.nl::2fe77ce7-f47c-4220-bb1f-d43630c4abf1" providerId="AD" clId="Web-{72D82D1A-74F4-6336-15D0-D5A55AE2C90C}"/>
+    <pc:docChg chg="addSld modSld sldOrd modSection">
+      <pc:chgData name="Verstraelen,Glenn G.L.A." userId="S::460806@student.fontys.nl::2fe77ce7-f47c-4220-bb1f-d43630c4abf1" providerId="AD" clId="Web-{72D82D1A-74F4-6336-15D0-D5A55AE2C90C}" dt="2024-10-15T18:06:56.360" v="35" actId="1076"/>
+      <pc:docMkLst>
+        <pc:docMk/>
+      </pc:docMkLst>
+      <pc:sldChg chg="modSp">
+        <pc:chgData name="Verstraelen,Glenn G.L.A." userId="S::460806@student.fontys.nl::2fe77ce7-f47c-4220-bb1f-d43630c4abf1" providerId="AD" clId="Web-{72D82D1A-74F4-6336-15D0-D5A55AE2C90C}" dt="2024-10-15T18:04:33.623" v="18" actId="20577"/>
+        <pc:sldMkLst>
+          <pc:docMk/>
+          <pc:sldMk cId="3704858244" sldId="260"/>
+        </pc:sldMkLst>
+        <pc:spChg chg="mod">
+          <ac:chgData name="Verstraelen,Glenn G.L.A." userId="S::460806@student.fontys.nl::2fe77ce7-f47c-4220-bb1f-d43630c4abf1" providerId="AD" clId="Web-{72D82D1A-74F4-6336-15D0-D5A55AE2C90C}" dt="2024-10-15T18:04:33.623" v="18" actId="20577"/>
+          <ac:spMkLst>
+            <pc:docMk/>
+            <pc:sldMk cId="3704858244" sldId="260"/>
+            <ac:spMk id="3" creationId="{B4A8B3E8-21C5-CB9D-4318-D07FC69D7343}"/>
+          </ac:spMkLst>
+        </pc:spChg>
+      </pc:sldChg>
+      <pc:sldChg chg="modSp">
+        <pc:chgData name="Verstraelen,Glenn G.L.A." userId="S::460806@student.fontys.nl::2fe77ce7-f47c-4220-bb1f-d43630c4abf1" providerId="AD" clId="Web-{72D82D1A-74F4-6336-15D0-D5A55AE2C90C}" dt="2024-10-15T18:00:32.056" v="14" actId="20577"/>
+        <pc:sldMkLst>
+          <pc:docMk/>
+          <pc:sldMk cId="1345336737" sldId="265"/>
+        </pc:sldMkLst>
+        <pc:spChg chg="mod">
+          <ac:chgData name="Verstraelen,Glenn G.L.A." userId="S::460806@student.fontys.nl::2fe77ce7-f47c-4220-bb1f-d43630c4abf1" providerId="AD" clId="Web-{72D82D1A-74F4-6336-15D0-D5A55AE2C90C}" dt="2024-10-15T18:00:32.056" v="14" actId="20577"/>
+          <ac:spMkLst>
+            <pc:docMk/>
+            <pc:sldMk cId="1345336737" sldId="265"/>
+            <ac:spMk id="3" creationId="{B4A8B3E8-21C5-CB9D-4318-D07FC69D7343}"/>
+          </ac:spMkLst>
+        </pc:spChg>
+      </pc:sldChg>
+      <pc:sldChg chg="delSp modSp">
+        <pc:chgData name="Verstraelen,Glenn G.L.A." userId="S::460806@student.fontys.nl::2fe77ce7-f47c-4220-bb1f-d43630c4abf1" providerId="AD" clId="Web-{72D82D1A-74F4-6336-15D0-D5A55AE2C90C}" dt="2024-10-15T18:05:53.546" v="21" actId="1076"/>
+        <pc:sldMkLst>
+          <pc:docMk/>
+          <pc:sldMk cId="835318207" sldId="269"/>
+        </pc:sldMkLst>
+        <pc:spChg chg="del">
+          <ac:chgData name="Verstraelen,Glenn G.L.A." userId="S::460806@student.fontys.nl::2fe77ce7-f47c-4220-bb1f-d43630c4abf1" providerId="AD" clId="Web-{72D82D1A-74F4-6336-15D0-D5A55AE2C90C}" dt="2024-10-15T18:05:25.921" v="19"/>
+          <ac:spMkLst>
+            <pc:docMk/>
+            <pc:sldMk cId="835318207" sldId="269"/>
+            <ac:spMk id="8" creationId="{9DED8609-3A53-2210-4CAD-613326B365CE}"/>
+          </ac:spMkLst>
+        </pc:spChg>
+        <pc:picChg chg="mod">
+          <ac:chgData name="Verstraelen,Glenn G.L.A." userId="S::460806@student.fontys.nl::2fe77ce7-f47c-4220-bb1f-d43630c4abf1" providerId="AD" clId="Web-{72D82D1A-74F4-6336-15D0-D5A55AE2C90C}" dt="2024-10-15T18:05:53.546" v="21" actId="1076"/>
+          <ac:picMkLst>
+            <pc:docMk/>
+            <pc:sldMk cId="835318207" sldId="269"/>
+            <ac:picMk id="6" creationId="{E2CA3D1C-7D7C-6A9A-8B7E-8BF7E51A4E61}"/>
+          </ac:picMkLst>
+        </pc:picChg>
+      </pc:sldChg>
+      <pc:sldChg chg="modSp ord">
+        <pc:chgData name="Verstraelen,Glenn G.L.A." userId="S::460806@student.fontys.nl::2fe77ce7-f47c-4220-bb1f-d43630c4abf1" providerId="AD" clId="Web-{72D82D1A-74F4-6336-15D0-D5A55AE2C90C}" dt="2024-10-15T17:56:00.050" v="5"/>
+        <pc:sldMkLst>
+          <pc:docMk/>
+          <pc:sldMk cId="1777112110" sldId="271"/>
+        </pc:sldMkLst>
+        <pc:spChg chg="mod">
+          <ac:chgData name="Verstraelen,Glenn G.L.A." userId="S::460806@student.fontys.nl::2fe77ce7-f47c-4220-bb1f-d43630c4abf1" providerId="AD" clId="Web-{72D82D1A-74F4-6336-15D0-D5A55AE2C90C}" dt="2024-10-15T17:54:44.908" v="4" actId="20577"/>
+          <ac:spMkLst>
+            <pc:docMk/>
+            <pc:sldMk cId="1777112110" sldId="271"/>
+            <ac:spMk id="4" creationId="{DF721A37-111F-25D9-F7BE-FF99205BDB34}"/>
+          </ac:spMkLst>
+        </pc:spChg>
+      </pc:sldChg>
+      <pc:sldChg chg="addSp delSp modSp add replId">
+        <pc:chgData name="Verstraelen,Glenn G.L.A." userId="S::460806@student.fontys.nl::2fe77ce7-f47c-4220-bb1f-d43630c4abf1" providerId="AD" clId="Web-{72D82D1A-74F4-6336-15D0-D5A55AE2C90C}" dt="2024-10-15T18:06:56.360" v="35" actId="1076"/>
+        <pc:sldMkLst>
+          <pc:docMk/>
+          <pc:sldMk cId="2031867315" sldId="275"/>
+        </pc:sldMkLst>
+        <pc:spChg chg="add mod">
+          <ac:chgData name="Verstraelen,Glenn G.L.A." userId="S::460806@student.fontys.nl::2fe77ce7-f47c-4220-bb1f-d43630c4abf1" providerId="AD" clId="Web-{72D82D1A-74F4-6336-15D0-D5A55AE2C90C}" dt="2024-10-15T18:06:56.360" v="35" actId="1076"/>
+          <ac:spMkLst>
+            <pc:docMk/>
+            <pc:sldMk cId="2031867315" sldId="275"/>
+            <ac:spMk id="8" creationId="{149E8F6B-C3BA-F609-B57E-9A8C67E84082}"/>
+          </ac:spMkLst>
+        </pc:spChg>
+        <pc:picChg chg="add mod">
+          <ac:chgData name="Verstraelen,Glenn G.L.A." userId="S::460806@student.fontys.nl::2fe77ce7-f47c-4220-bb1f-d43630c4abf1" providerId="AD" clId="Web-{72D82D1A-74F4-6336-15D0-D5A55AE2C90C}" dt="2024-10-15T18:06:40.516" v="32" actId="1076"/>
+          <ac:picMkLst>
+            <pc:docMk/>
+            <pc:sldMk cId="2031867315" sldId="275"/>
+            <ac:picMk id="3" creationId="{C96DFA52-7E6B-4C7D-B69B-22EEA49D6041}"/>
+          </ac:picMkLst>
+        </pc:picChg>
+        <pc:picChg chg="del">
+          <ac:chgData name="Verstraelen,Glenn G.L.A." userId="S::460806@student.fontys.nl::2fe77ce7-f47c-4220-bb1f-d43630c4abf1" providerId="AD" clId="Web-{72D82D1A-74F4-6336-15D0-D5A55AE2C90C}" dt="2024-10-15T18:05:56.718" v="23"/>
+          <ac:picMkLst>
+            <pc:docMk/>
+            <pc:sldMk cId="2031867315" sldId="275"/>
+            <ac:picMk id="6" creationId="{E2CA3D1C-7D7C-6A9A-8B7E-8BF7E51A4E61}"/>
+          </ac:picMkLst>
+        </pc:picChg>
+        <pc:picChg chg="add mod">
+          <ac:chgData name="Verstraelen,Glenn G.L.A." userId="S::460806@student.fontys.nl::2fe77ce7-f47c-4220-bb1f-d43630c4abf1" providerId="AD" clId="Web-{72D82D1A-74F4-6336-15D0-D5A55AE2C90C}" dt="2024-10-15T18:06:44.813" v="33" actId="1076"/>
+          <ac:picMkLst>
+            <pc:docMk/>
+            <pc:sldMk cId="2031867315" sldId="275"/>
+            <ac:picMk id="7" creationId="{3EA968B9-C2A6-43C8-BD3C-B2B50ECB34B4}"/>
+          </ac:picMkLst>
+        </pc:picChg>
+      </pc:sldChg>
+    </pc:docChg>
+  </pc:docChgLst>
+  <pc:docChgLst>
+    <pc:chgData name="Verstraelen,Glenn G.L.A." userId="S::460806@student.fontys.nl::2fe77ce7-f47c-4220-bb1f-d43630c4abf1" providerId="AD" clId="Web-{FD1F1787-5002-369A-00B0-FE88770009D7}"/>
+    <pc:docChg chg="addSld delSld modSld modSection">
+      <pc:chgData name="Verstraelen,Glenn G.L.A." userId="S::460806@student.fontys.nl::2fe77ce7-f47c-4220-bb1f-d43630c4abf1" providerId="AD" clId="Web-{FD1F1787-5002-369A-00B0-FE88770009D7}" dt="2024-10-14T17:11:15.654" v="14"/>
+      <pc:docMkLst>
+        <pc:docMk/>
+      </pc:docMkLst>
+      <pc:sldChg chg="delSp">
+        <pc:chgData name="Verstraelen,Glenn G.L.A." userId="S::460806@student.fontys.nl::2fe77ce7-f47c-4220-bb1f-d43630c4abf1" providerId="AD" clId="Web-{FD1F1787-5002-369A-00B0-FE88770009D7}" dt="2024-10-14T17:10:06.917" v="12"/>
+        <pc:sldMkLst>
+          <pc:docMk/>
+          <pc:sldMk cId="3704858244" sldId="260"/>
+        </pc:sldMkLst>
+        <pc:picChg chg="del">
+          <ac:chgData name="Verstraelen,Glenn G.L.A." userId="S::460806@student.fontys.nl::2fe77ce7-f47c-4220-bb1f-d43630c4abf1" providerId="AD" clId="Web-{FD1F1787-5002-369A-00B0-FE88770009D7}" dt="2024-10-14T17:10:06.917" v="12"/>
+          <ac:picMkLst>
+            <pc:docMk/>
+            <pc:sldMk cId="3704858244" sldId="260"/>
+            <ac:picMk id="6" creationId="{E2CA3D1C-7D7C-6A9A-8B7E-8BF7E51A4E61}"/>
+          </ac:picMkLst>
+        </pc:picChg>
+      </pc:sldChg>
+      <pc:sldChg chg="addSp delSp modSp add replId">
+        <pc:chgData name="Verstraelen,Glenn G.L.A." userId="S::460806@student.fontys.nl::2fe77ce7-f47c-4220-bb1f-d43630c4abf1" providerId="AD" clId="Web-{FD1F1787-5002-369A-00B0-FE88770009D7}" dt="2024-10-14T17:09:55.604" v="11" actId="14100"/>
+        <pc:sldMkLst>
+          <pc:docMk/>
+          <pc:sldMk cId="835318207" sldId="269"/>
+        </pc:sldMkLst>
+        <pc:spChg chg="mod">
+          <ac:chgData name="Verstraelen,Glenn G.L.A." userId="S::460806@student.fontys.nl::2fe77ce7-f47c-4220-bb1f-d43630c4abf1" providerId="AD" clId="Web-{FD1F1787-5002-369A-00B0-FE88770009D7}" dt="2024-10-14T17:09:40.760" v="6" actId="20577"/>
+          <ac:spMkLst>
+            <pc:docMk/>
+            <pc:sldMk cId="835318207" sldId="269"/>
+            <ac:spMk id="2" creationId="{25EDFDE5-FCE7-22B1-7A02-1668ADC7D309}"/>
+          </ac:spMkLst>
+        </pc:spChg>
+        <pc:spChg chg="del">
+          <ac:chgData name="Verstraelen,Glenn G.L.A." userId="S::460806@student.fontys.nl::2fe77ce7-f47c-4220-bb1f-d43630c4abf1" providerId="AD" clId="Web-{FD1F1787-5002-369A-00B0-FE88770009D7}" dt="2024-10-14T17:09:44.260" v="7"/>
+          <ac:spMkLst>
+            <pc:docMk/>
+            <pc:sldMk cId="835318207" sldId="269"/>
+            <ac:spMk id="3" creationId="{B4A8B3E8-21C5-CB9D-4318-D07FC69D7343}"/>
+          </ac:spMkLst>
+        </pc:spChg>
+        <pc:spChg chg="add mod">
+          <ac:chgData name="Verstraelen,Glenn G.L.A." userId="S::460806@student.fontys.nl::2fe77ce7-f47c-4220-bb1f-d43630c4abf1" providerId="AD" clId="Web-{FD1F1787-5002-369A-00B0-FE88770009D7}" dt="2024-10-14T17:09:44.260" v="7"/>
+          <ac:spMkLst>
+            <pc:docMk/>
+            <pc:sldMk cId="835318207" sldId="269"/>
+            <ac:spMk id="8" creationId="{9DED8609-3A53-2210-4CAD-613326B365CE}"/>
+          </ac:spMkLst>
+        </pc:spChg>
+        <pc:picChg chg="mod">
+          <ac:chgData name="Verstraelen,Glenn G.L.A." userId="S::460806@student.fontys.nl::2fe77ce7-f47c-4220-bb1f-d43630c4abf1" providerId="AD" clId="Web-{FD1F1787-5002-369A-00B0-FE88770009D7}" dt="2024-10-14T17:09:55.604" v="11" actId="14100"/>
+          <ac:picMkLst>
+            <pc:docMk/>
+            <pc:sldMk cId="835318207" sldId="269"/>
+            <ac:picMk id="6" creationId="{E2CA3D1C-7D7C-6A9A-8B7E-8BF7E51A4E61}"/>
+          </ac:picMkLst>
+        </pc:picChg>
+      </pc:sldChg>
+      <pc:sldChg chg="new del">
+        <pc:chgData name="Verstraelen,Glenn G.L.A." userId="S::460806@student.fontys.nl::2fe77ce7-f47c-4220-bb1f-d43630c4abf1" providerId="AD" clId="Web-{FD1F1787-5002-369A-00B0-FE88770009D7}" dt="2024-10-14T17:11:15.654" v="14"/>
+        <pc:sldMkLst>
+          <pc:docMk/>
+          <pc:sldMk cId="891163654" sldId="270"/>
+        </pc:sldMkLst>
+      </pc:sldChg>
+    </pc:docChg>
+  </pc:docChgLst>
+  <pc:docChgLst>
+    <pc:chgData name="Verstraelen,Glenn G.L.A." userId="S::460806@student.fontys.nl::2fe77ce7-f47c-4220-bb1f-d43630c4abf1" providerId="AD" clId="Web-{626B24D1-BF14-EB5D-F7A8-F807D77BC383}"/>
+    <pc:docChg chg="delSld modSld sldOrd modSection">
+      <pc:chgData name="Verstraelen,Glenn G.L.A." userId="S::460806@student.fontys.nl::2fe77ce7-f47c-4220-bb1f-d43630c4abf1" providerId="AD" clId="Web-{626B24D1-BF14-EB5D-F7A8-F807D77BC383}" dt="2024-10-14T18:48:08.736" v="175" actId="20577"/>
+      <pc:docMkLst>
+        <pc:docMk/>
+      </pc:docMkLst>
+      <pc:sldChg chg="modSp">
+        <pc:chgData name="Verstraelen,Glenn G.L.A." userId="S::460806@student.fontys.nl::2fe77ce7-f47c-4220-bb1f-d43630c4abf1" providerId="AD" clId="Web-{626B24D1-BF14-EB5D-F7A8-F807D77BC383}" dt="2024-10-14T18:45:38.399" v="172" actId="20577"/>
+        <pc:sldMkLst>
+          <pc:docMk/>
+          <pc:sldMk cId="3588017530" sldId="259"/>
+        </pc:sldMkLst>
+        <pc:spChg chg="mod">
+          <ac:chgData name="Verstraelen,Glenn G.L.A." userId="S::460806@student.fontys.nl::2fe77ce7-f47c-4220-bb1f-d43630c4abf1" providerId="AD" clId="Web-{626B24D1-BF14-EB5D-F7A8-F807D77BC383}" dt="2024-10-14T18:45:38.399" v="172" actId="20577"/>
+          <ac:spMkLst>
+            <pc:docMk/>
+            <pc:sldMk cId="3588017530" sldId="259"/>
+            <ac:spMk id="3" creationId="{B4A8B3E8-21C5-CB9D-4318-D07FC69D7343}"/>
+          </ac:spMkLst>
+        </pc:spChg>
+      </pc:sldChg>
+      <pc:sldChg chg="modSp">
+        <pc:chgData name="Verstraelen,Glenn G.L.A." userId="S::460806@student.fontys.nl::2fe77ce7-f47c-4220-bb1f-d43630c4abf1" providerId="AD" clId="Web-{626B24D1-BF14-EB5D-F7A8-F807D77BC383}" dt="2024-10-14T18:48:08.736" v="175" actId="20577"/>
+        <pc:sldMkLst>
+          <pc:docMk/>
+          <pc:sldMk cId="3704858244" sldId="260"/>
+        </pc:sldMkLst>
+        <pc:spChg chg="mod">
+          <ac:chgData name="Verstraelen,Glenn G.L.A." userId="S::460806@student.fontys.nl::2fe77ce7-f47c-4220-bb1f-d43630c4abf1" providerId="AD" clId="Web-{626B24D1-BF14-EB5D-F7A8-F807D77BC383}" dt="2024-10-14T18:48:08.736" v="175" actId="20577"/>
+          <ac:spMkLst>
+            <pc:docMk/>
+            <pc:sldMk cId="3704858244" sldId="260"/>
+            <ac:spMk id="3" creationId="{B4A8B3E8-21C5-CB9D-4318-D07FC69D7343}"/>
+          </ac:spMkLst>
+        </pc:spChg>
+      </pc:sldChg>
+      <pc:sldChg chg="del">
+        <pc:chgData name="Verstraelen,Glenn G.L.A." userId="S::460806@student.fontys.nl::2fe77ce7-f47c-4220-bb1f-d43630c4abf1" providerId="AD" clId="Web-{626B24D1-BF14-EB5D-F7A8-F807D77BC383}" dt="2024-10-14T17:18:44.137" v="0"/>
+        <pc:sldMkLst>
+          <pc:docMk/>
+          <pc:sldMk cId="239667681" sldId="261"/>
+        </pc:sldMkLst>
+      </pc:sldChg>
+      <pc:sldChg chg="del">
+        <pc:chgData name="Verstraelen,Glenn G.L.A." userId="S::460806@student.fontys.nl::2fe77ce7-f47c-4220-bb1f-d43630c4abf1" providerId="AD" clId="Web-{626B24D1-BF14-EB5D-F7A8-F807D77BC383}" dt="2024-10-14T18:45:33.930" v="169"/>
+        <pc:sldMkLst>
+          <pc:docMk/>
+          <pc:sldMk cId="1413966082" sldId="262"/>
+        </pc:sldMkLst>
+      </pc:sldChg>
+      <pc:sldChg chg="addSp modSp ord">
+        <pc:chgData name="Verstraelen,Glenn G.L.A." userId="S::460806@student.fontys.nl::2fe77ce7-f47c-4220-bb1f-d43630c4abf1" providerId="AD" clId="Web-{626B24D1-BF14-EB5D-F7A8-F807D77BC383}" dt="2024-10-14T18:43:54.659" v="168"/>
+        <pc:sldMkLst>
+          <pc:docMk/>
+          <pc:sldMk cId="1515480802" sldId="263"/>
+        </pc:sldMkLst>
+        <pc:spChg chg="mod">
+          <ac:chgData name="Verstraelen,Glenn G.L.A." userId="S::460806@student.fontys.nl::2fe77ce7-f47c-4220-bb1f-d43630c4abf1" providerId="AD" clId="Web-{626B24D1-BF14-EB5D-F7A8-F807D77BC383}" dt="2024-10-14T18:26:18.302" v="110" actId="20577"/>
+          <ac:spMkLst>
+            <pc:docMk/>
+            <pc:sldMk cId="1515480802" sldId="263"/>
+            <ac:spMk id="3" creationId="{B4A8B3E8-21C5-CB9D-4318-D07FC69D7343}"/>
+          </ac:spMkLst>
+        </pc:spChg>
+        <pc:picChg chg="add mod">
+          <ac:chgData name="Verstraelen,Glenn G.L.A." userId="S::460806@student.fontys.nl::2fe77ce7-f47c-4220-bb1f-d43630c4abf1" providerId="AD" clId="Web-{626B24D1-BF14-EB5D-F7A8-F807D77BC383}" dt="2024-10-14T18:13:18.023" v="68" actId="1076"/>
+          <ac:picMkLst>
+            <pc:docMk/>
+            <pc:sldMk cId="1515480802" sldId="263"/>
+            <ac:picMk id="6" creationId="{1DF53D76-2BB6-CFA8-B566-5DF828E6F3DC}"/>
+          </ac:picMkLst>
+        </pc:picChg>
+        <pc:picChg chg="add mod">
+          <ac:chgData name="Verstraelen,Glenn G.L.A." userId="S::460806@student.fontys.nl::2fe77ce7-f47c-4220-bb1f-d43630c4abf1" providerId="AD" clId="Web-{626B24D1-BF14-EB5D-F7A8-F807D77BC383}" dt="2024-10-14T18:13:14.929" v="66" actId="1076"/>
+          <ac:picMkLst>
+            <pc:docMk/>
+            <pc:sldMk cId="1515480802" sldId="263"/>
+            <ac:picMk id="7" creationId="{C2FEBE32-53D8-ACE4-0516-8F0BA81AA81B}"/>
+          </ac:picMkLst>
+        </pc:picChg>
+        <pc:picChg chg="add mod">
+          <ac:chgData name="Verstraelen,Glenn G.L.A." userId="S::460806@student.fontys.nl::2fe77ce7-f47c-4220-bb1f-d43630c4abf1" providerId="AD" clId="Web-{626B24D1-BF14-EB5D-F7A8-F807D77BC383}" dt="2024-10-14T18:13:31.665" v="75" actId="1076"/>
+          <ac:picMkLst>
+            <pc:docMk/>
+            <pc:sldMk cId="1515480802" sldId="263"/>
+            <ac:picMk id="8" creationId="{0C49DB24-8B9A-F8CE-9774-13E7C723496B}"/>
+          </ac:picMkLst>
+        </pc:picChg>
+        <pc:picChg chg="add mod">
+          <ac:chgData name="Verstraelen,Glenn G.L.A." userId="S::460806@student.fontys.nl::2fe77ce7-f47c-4220-bb1f-d43630c4abf1" providerId="AD" clId="Web-{626B24D1-BF14-EB5D-F7A8-F807D77BC383}" dt="2024-10-14T18:13:28.571" v="74" actId="1076"/>
+          <ac:picMkLst>
+            <pc:docMk/>
+            <pc:sldMk cId="1515480802" sldId="263"/>
+            <ac:picMk id="9" creationId="{CCC16674-0238-8EE2-C48C-936FD0AACE91}"/>
+          </ac:picMkLst>
+        </pc:picChg>
+        <pc:picChg chg="add mod">
+          <ac:chgData name="Verstraelen,Glenn G.L.A." userId="S::460806@student.fontys.nl::2fe77ce7-f47c-4220-bb1f-d43630c4abf1" providerId="AD" clId="Web-{626B24D1-BF14-EB5D-F7A8-F807D77BC383}" dt="2024-10-14T18:13:21.602" v="71" actId="1076"/>
+          <ac:picMkLst>
+            <pc:docMk/>
+            <pc:sldMk cId="1515480802" sldId="263"/>
+            <ac:picMk id="10" creationId="{A8CC478B-44AF-3A72-F375-62869ABAAB4A}"/>
+          </ac:picMkLst>
+        </pc:picChg>
+      </pc:sldChg>
+      <pc:sldChg chg="modSp">
+        <pc:chgData name="Verstraelen,Glenn G.L.A." userId="S::460806@student.fontys.nl::2fe77ce7-f47c-4220-bb1f-d43630c4abf1" providerId="AD" clId="Web-{626B24D1-BF14-EB5D-F7A8-F807D77BC383}" dt="2024-10-14T17:44:03.947" v="42" actId="20577"/>
+        <pc:sldMkLst>
+          <pc:docMk/>
+          <pc:sldMk cId="3043704060" sldId="264"/>
+        </pc:sldMkLst>
+        <pc:spChg chg="mod">
+          <ac:chgData name="Verstraelen,Glenn G.L.A." userId="S::460806@student.fontys.nl::2fe77ce7-f47c-4220-bb1f-d43630c4abf1" providerId="AD" clId="Web-{626B24D1-BF14-EB5D-F7A8-F807D77BC383}" dt="2024-10-14T17:44:03.947" v="42" actId="20577"/>
+          <ac:spMkLst>
+            <pc:docMk/>
+            <pc:sldMk cId="3043704060" sldId="264"/>
+            <ac:spMk id="3" creationId="{B4A8B3E8-21C5-CB9D-4318-D07FC69D7343}"/>
+          </ac:spMkLst>
+        </pc:spChg>
+      </pc:sldChg>
+      <pc:sldChg chg="modSp">
+        <pc:chgData name="Verstraelen,Glenn G.L.A." userId="S::460806@student.fontys.nl::2fe77ce7-f47c-4220-bb1f-d43630c4abf1" providerId="AD" clId="Web-{626B24D1-BF14-EB5D-F7A8-F807D77BC383}" dt="2024-10-14T17:43:18.898" v="34" actId="20577"/>
+        <pc:sldMkLst>
+          <pc:docMk/>
+          <pc:sldMk cId="1345336737" sldId="265"/>
+        </pc:sldMkLst>
+        <pc:spChg chg="mod">
+          <ac:chgData name="Verstraelen,Glenn G.L.A." userId="S::460806@student.fontys.nl::2fe77ce7-f47c-4220-bb1f-d43630c4abf1" providerId="AD" clId="Web-{626B24D1-BF14-EB5D-F7A8-F807D77BC383}" dt="2024-10-14T17:43:18.898" v="34" actId="20577"/>
+          <ac:spMkLst>
+            <pc:docMk/>
+            <pc:sldMk cId="1345336737" sldId="265"/>
+            <ac:spMk id="2" creationId="{25EDFDE5-FCE7-22B1-7A02-1668ADC7D309}"/>
+          </ac:spMkLst>
+        </pc:spChg>
+        <pc:spChg chg="mod">
+          <ac:chgData name="Verstraelen,Glenn G.L.A." userId="S::460806@student.fontys.nl::2fe77ce7-f47c-4220-bb1f-d43630c4abf1" providerId="AD" clId="Web-{626B24D1-BF14-EB5D-F7A8-F807D77BC383}" dt="2024-10-14T17:19:42.530" v="7" actId="20577"/>
+          <ac:spMkLst>
+            <pc:docMk/>
+            <pc:sldMk cId="1345336737" sldId="265"/>
+            <ac:spMk id="3" creationId="{B4A8B3E8-21C5-CB9D-4318-D07FC69D7343}"/>
+          </ac:spMkLst>
+        </pc:spChg>
+      </pc:sldChg>
+      <pc:sldChg chg="modSp">
+        <pc:chgData name="Verstraelen,Glenn G.L.A." userId="S::460806@student.fontys.nl::2fe77ce7-f47c-4220-bb1f-d43630c4abf1" providerId="AD" clId="Web-{626B24D1-BF14-EB5D-F7A8-F807D77BC383}" dt="2024-10-14T17:43:15.336" v="33" actId="20577"/>
+        <pc:sldMkLst>
+          <pc:docMk/>
+          <pc:sldMk cId="3399054289" sldId="270"/>
+        </pc:sldMkLst>
+        <pc:spChg chg="mod">
+          <ac:chgData name="Verstraelen,Glenn G.L.A." userId="S::460806@student.fontys.nl::2fe77ce7-f47c-4220-bb1f-d43630c4abf1" providerId="AD" clId="Web-{626B24D1-BF14-EB5D-F7A8-F807D77BC383}" dt="2024-10-14T17:43:15.336" v="33" actId="20577"/>
+          <ac:spMkLst>
+            <pc:docMk/>
+            <pc:sldMk cId="3399054289" sldId="270"/>
+            <ac:spMk id="2" creationId="{25EDFDE5-FCE7-22B1-7A02-1668ADC7D309}"/>
+          </ac:spMkLst>
+        </pc:spChg>
+      </pc:sldChg>
+      <pc:sldChg chg="addSp modSp">
+        <pc:chgData name="Verstraelen,Glenn G.L.A." userId="S::460806@student.fontys.nl::2fe77ce7-f47c-4220-bb1f-d43630c4abf1" providerId="AD" clId="Web-{626B24D1-BF14-EB5D-F7A8-F807D77BC383}" dt="2024-10-14T18:25:19.392" v="98" actId="1076"/>
+        <pc:sldMkLst>
+          <pc:docMk/>
+          <pc:sldMk cId="1777112110" sldId="271"/>
+        </pc:sldMkLst>
+        <pc:spChg chg="mod">
+          <ac:chgData name="Verstraelen,Glenn G.L.A." userId="S::460806@student.fontys.nl::2fe77ce7-f47c-4220-bb1f-d43630c4abf1" providerId="AD" clId="Web-{626B24D1-BF14-EB5D-F7A8-F807D77BC383}" dt="2024-10-14T18:25:19.330" v="94" actId="1076"/>
+          <ac:spMkLst>
+            <pc:docMk/>
+            <pc:sldMk cId="1777112110" sldId="271"/>
+            <ac:spMk id="2" creationId="{0302944F-5AB1-9188-1567-728E880124E1}"/>
+          </ac:spMkLst>
+        </pc:spChg>
+        <pc:spChg chg="mod">
+          <ac:chgData name="Verstraelen,Glenn G.L.A." userId="S::460806@student.fontys.nl::2fe77ce7-f47c-4220-bb1f-d43630c4abf1" providerId="AD" clId="Web-{626B24D1-BF14-EB5D-F7A8-F807D77BC383}" dt="2024-10-14T18:25:19.345" v="95" actId="1076"/>
+          <ac:spMkLst>
+            <pc:docMk/>
+            <pc:sldMk cId="1777112110" sldId="271"/>
+            <ac:spMk id="3" creationId="{5CC8B634-327A-66FA-9F15-A5178F468B42}"/>
+          </ac:spMkLst>
+        </pc:spChg>
+        <pc:spChg chg="mod">
+          <ac:chgData name="Verstraelen,Glenn G.L.A." userId="S::460806@student.fontys.nl::2fe77ce7-f47c-4220-bb1f-d43630c4abf1" providerId="AD" clId="Web-{626B24D1-BF14-EB5D-F7A8-F807D77BC383}" dt="2024-10-14T18:25:19.361" v="96" actId="1076"/>
+          <ac:spMkLst>
+            <pc:docMk/>
+            <pc:sldMk cId="1777112110" sldId="271"/>
+            <ac:spMk id="4" creationId="{DF721A37-111F-25D9-F7BE-FF99205BDB34}"/>
+          </ac:spMkLst>
+        </pc:spChg>
+        <pc:spChg chg="mod">
+          <ac:chgData name="Verstraelen,Glenn G.L.A." userId="S::460806@student.fontys.nl::2fe77ce7-f47c-4220-bb1f-d43630c4abf1" providerId="AD" clId="Web-{626B24D1-BF14-EB5D-F7A8-F807D77BC383}" dt="2024-10-14T18:25:19.361" v="97" actId="1076"/>
+          <ac:spMkLst>
+            <pc:docMk/>
+            <pc:sldMk cId="1777112110" sldId="271"/>
+            <ac:spMk id="5" creationId="{C7E2F6D9-7350-43B9-9C00-4645A26B3764}"/>
+          </ac:spMkLst>
+        </pc:spChg>
+        <pc:spChg chg="mod">
+          <ac:chgData name="Verstraelen,Glenn G.L.A." userId="S::460806@student.fontys.nl::2fe77ce7-f47c-4220-bb1f-d43630c4abf1" providerId="AD" clId="Web-{626B24D1-BF14-EB5D-F7A8-F807D77BC383}" dt="2024-10-14T18:25:19.392" v="98" actId="1076"/>
+          <ac:spMkLst>
+            <pc:docMk/>
+            <pc:sldMk cId="1777112110" sldId="271"/>
+            <ac:spMk id="6" creationId="{3F2015BB-A8A1-074B-74F3-8B6D8B4A6131}"/>
+          </ac:spMkLst>
+        </pc:spChg>
+        <pc:spChg chg="add">
+          <ac:chgData name="Verstraelen,Glenn G.L.A." userId="S::460806@student.fontys.nl::2fe77ce7-f47c-4220-bb1f-d43630c4abf1" providerId="AD" clId="Web-{626B24D1-BF14-EB5D-F7A8-F807D77BC383}" dt="2024-10-14T18:24:47.672" v="76"/>
+          <ac:spMkLst>
+            <pc:docMk/>
+            <pc:sldMk cId="1777112110" sldId="271"/>
+            <ac:spMk id="8" creationId="{1F097F5A-DFBF-994C-BD31-AD8A7D721FE4}"/>
+          </ac:spMkLst>
+        </pc:spChg>
+        <pc:picChg chg="add">
+          <ac:chgData name="Verstraelen,Glenn G.L.A." userId="S::460806@student.fontys.nl::2fe77ce7-f47c-4220-bb1f-d43630c4abf1" providerId="AD" clId="Web-{626B24D1-BF14-EB5D-F7A8-F807D77BC383}" dt="2024-10-14T18:24:47.687" v="77"/>
+          <ac:picMkLst>
+            <pc:docMk/>
+            <pc:sldMk cId="1777112110" sldId="271"/>
+            <ac:picMk id="10" creationId="{D37BAE08-BC5C-17A6-B7D2-8A907AAF9B47}"/>
+          </ac:picMkLst>
+        </pc:picChg>
+      </pc:sldChg>
+      <pc:sldChg chg="addSp modSp">
+        <pc:chgData name="Verstraelen,Glenn G.L.A." userId="S::460806@student.fontys.nl::2fe77ce7-f47c-4220-bb1f-d43630c4abf1" providerId="AD" clId="Web-{626B24D1-BF14-EB5D-F7A8-F807D77BC383}" dt="2024-10-14T18:31:30.601" v="153" actId="1076"/>
+        <pc:sldMkLst>
+          <pc:docMk/>
+          <pc:sldMk cId="2667198754" sldId="272"/>
+        </pc:sldMkLst>
+        <pc:spChg chg="mod">
+          <ac:chgData name="Verstraelen,Glenn G.L.A." userId="S::460806@student.fontys.nl::2fe77ce7-f47c-4220-bb1f-d43630c4abf1" providerId="AD" clId="Web-{626B24D1-BF14-EB5D-F7A8-F807D77BC383}" dt="2024-10-14T18:25:10.407" v="89" actId="1076"/>
+          <ac:spMkLst>
+            <pc:docMk/>
+            <pc:sldMk cId="2667198754" sldId="272"/>
+            <ac:spMk id="2" creationId="{289B4B56-A609-E1C6-4C55-5E5027D8FE0F}"/>
+          </ac:spMkLst>
+        </pc:spChg>
+        <pc:spChg chg="mod">
+          <ac:chgData name="Verstraelen,Glenn G.L.A." userId="S::460806@student.fontys.nl::2fe77ce7-f47c-4220-bb1f-d43630c4abf1" providerId="AD" clId="Web-{626B24D1-BF14-EB5D-F7A8-F807D77BC383}" dt="2024-10-14T18:25:10.423" v="90" actId="1076"/>
+          <ac:spMkLst>
+            <pc:docMk/>
+            <pc:sldMk cId="2667198754" sldId="272"/>
+            <ac:spMk id="3" creationId="{D28C4036-1527-7517-987D-FA428B761FFC}"/>
+          </ac:spMkLst>
+        </pc:spChg>
+        <pc:spChg chg="mod">
+          <ac:chgData name="Verstraelen,Glenn G.L.A." userId="S::460806@student.fontys.nl::2fe77ce7-f47c-4220-bb1f-d43630c4abf1" providerId="AD" clId="Web-{626B24D1-BF14-EB5D-F7A8-F807D77BC383}" dt="2024-10-14T18:25:10.439" v="91" actId="1076"/>
+          <ac:spMkLst>
+            <pc:docMk/>
+            <pc:sldMk cId="2667198754" sldId="272"/>
+            <ac:spMk id="4" creationId="{2AF4B2CB-5B38-CE16-3227-A9171EE3F0F6}"/>
+          </ac:spMkLst>
+        </pc:spChg>
+        <pc:spChg chg="mod">
+          <ac:chgData name="Verstraelen,Glenn G.L.A." userId="S::460806@student.fontys.nl::2fe77ce7-f47c-4220-bb1f-d43630c4abf1" providerId="AD" clId="Web-{626B24D1-BF14-EB5D-F7A8-F807D77BC383}" dt="2024-10-14T18:25:10.454" v="92" actId="1076"/>
+          <ac:spMkLst>
+            <pc:docMk/>
+            <pc:sldMk cId="2667198754" sldId="272"/>
+            <ac:spMk id="5" creationId="{0AF28914-DE62-68C5-CE33-D2BB1C6E6761}"/>
+          </ac:spMkLst>
+        </pc:spChg>
+        <pc:spChg chg="mod">
+          <ac:chgData name="Verstraelen,Glenn G.L.A." userId="S::460806@student.fontys.nl::2fe77ce7-f47c-4220-bb1f-d43630c4abf1" providerId="AD" clId="Web-{626B24D1-BF14-EB5D-F7A8-F807D77BC383}" dt="2024-10-14T18:25:10.470" v="93" actId="1076"/>
+          <ac:spMkLst>
+            <pc:docMk/>
+            <pc:sldMk cId="2667198754" sldId="272"/>
+            <ac:spMk id="6" creationId="{11EA44CC-6F23-4AF1-742E-38BD07B2AC78}"/>
+          </ac:spMkLst>
+        </pc:spChg>
+        <pc:spChg chg="add">
+          <ac:chgData name="Verstraelen,Glenn G.L.A." userId="S::460806@student.fontys.nl::2fe77ce7-f47c-4220-bb1f-d43630c4abf1" providerId="AD" clId="Web-{626B24D1-BF14-EB5D-F7A8-F807D77BC383}" dt="2024-10-14T18:24:49.125" v="78"/>
+          <ac:spMkLst>
+            <pc:docMk/>
+            <pc:sldMk cId="2667198754" sldId="272"/>
+            <ac:spMk id="8" creationId="{51C951A4-2546-F70D-80A5-2FC6630EF701}"/>
+          </ac:spMkLst>
+        </pc:spChg>
+        <pc:picChg chg="add">
+          <ac:chgData name="Verstraelen,Glenn G.L.A." userId="S::460806@student.fontys.nl::2fe77ce7-f47c-4220-bb1f-d43630c4abf1" providerId="AD" clId="Web-{626B24D1-BF14-EB5D-F7A8-F807D77BC383}" dt="2024-10-14T18:24:49.156" v="79"/>
+          <ac:picMkLst>
+            <pc:docMk/>
+            <pc:sldMk cId="2667198754" sldId="272"/>
+            <ac:picMk id="10" creationId="{681EAC2D-3D95-0102-18EF-2C6B0D9549BB}"/>
+          </ac:picMkLst>
+        </pc:picChg>
+        <pc:picChg chg="add mod">
+          <ac:chgData name="Verstraelen,Glenn G.L.A." userId="S::460806@student.fontys.nl::2fe77ce7-f47c-4220-bb1f-d43630c4abf1" providerId="AD" clId="Web-{626B24D1-BF14-EB5D-F7A8-F807D77BC383}" dt="2024-10-14T18:31:30.601" v="153" actId="1076"/>
+          <ac:picMkLst>
+            <pc:docMk/>
+            <pc:sldMk cId="2667198754" sldId="272"/>
+            <ac:picMk id="11" creationId="{41260D1C-5390-606F-2B06-C34FB4BE7D23}"/>
+          </ac:picMkLst>
+        </pc:picChg>
+      </pc:sldChg>
+      <pc:sldChg chg="addSp modSp ord">
+        <pc:chgData name="Verstraelen,Glenn G.L.A." userId="S::460806@student.fontys.nl::2fe77ce7-f47c-4220-bb1f-d43630c4abf1" providerId="AD" clId="Web-{626B24D1-BF14-EB5D-F7A8-F807D77BC383}" dt="2024-10-14T18:32:34.214" v="167"/>
+        <pc:sldMkLst>
+          <pc:docMk/>
+          <pc:sldMk cId="2968501324" sldId="273"/>
+        </pc:sldMkLst>
+        <pc:spChg chg="mod">
+          <ac:chgData name="Verstraelen,Glenn G.L.A." userId="S::460806@student.fontys.nl::2fe77ce7-f47c-4220-bb1f-d43630c4abf1" providerId="AD" clId="Web-{626B24D1-BF14-EB5D-F7A8-F807D77BC383}" dt="2024-10-14T18:24:58.032" v="84" actId="1076"/>
+          <ac:spMkLst>
+            <pc:docMk/>
+            <pc:sldMk cId="2968501324" sldId="273"/>
+            <ac:spMk id="2" creationId="{DC7164B3-E944-6C7E-2BB3-BB1BE8344E46}"/>
+          </ac:spMkLst>
+        </pc:spChg>
+        <pc:spChg chg="mod">
+          <ac:chgData name="Verstraelen,Glenn G.L.A." userId="S::460806@student.fontys.nl::2fe77ce7-f47c-4220-bb1f-d43630c4abf1" providerId="AD" clId="Web-{626B24D1-BF14-EB5D-F7A8-F807D77BC383}" dt="2024-10-14T18:24:58.047" v="85" actId="1076"/>
+          <ac:spMkLst>
+            <pc:docMk/>
+            <pc:sldMk cId="2968501324" sldId="273"/>
+            <ac:spMk id="3" creationId="{A02B0077-D1ED-F86C-4E04-482347CC2DDE}"/>
+          </ac:spMkLst>
+        </pc:spChg>
+        <pc:spChg chg="mod">
+          <ac:chgData name="Verstraelen,Glenn G.L.A." userId="S::460806@student.fontys.nl::2fe77ce7-f47c-4220-bb1f-d43630c4abf1" providerId="AD" clId="Web-{626B24D1-BF14-EB5D-F7A8-F807D77BC383}" dt="2024-10-14T18:24:58.063" v="86" actId="1076"/>
+          <ac:spMkLst>
+            <pc:docMk/>
+            <pc:sldMk cId="2968501324" sldId="273"/>
+            <ac:spMk id="4" creationId="{300756DF-D0B9-68D4-784E-53B809716D2A}"/>
+          </ac:spMkLst>
+        </pc:spChg>
+        <pc:spChg chg="mod">
+          <ac:chgData name="Verstraelen,Glenn G.L.A." userId="S::460806@student.fontys.nl::2fe77ce7-f47c-4220-bb1f-d43630c4abf1" providerId="AD" clId="Web-{626B24D1-BF14-EB5D-F7A8-F807D77BC383}" dt="2024-10-14T18:24:58.079" v="87" actId="1076"/>
+          <ac:spMkLst>
+            <pc:docMk/>
+            <pc:sldMk cId="2968501324" sldId="273"/>
+            <ac:spMk id="5" creationId="{0D1E4D6B-5D8E-5AE6-976F-CD2DBA573E69}"/>
+          </ac:spMkLst>
+        </pc:spChg>
+        <pc:spChg chg="mod">
+          <ac:chgData name="Verstraelen,Glenn G.L.A." userId="S::460806@student.fontys.nl::2fe77ce7-f47c-4220-bb1f-d43630c4abf1" providerId="AD" clId="Web-{626B24D1-BF14-EB5D-F7A8-F807D77BC383}" dt="2024-10-14T18:24:58.094" v="88" actId="1076"/>
+          <ac:spMkLst>
+            <pc:docMk/>
+            <pc:sldMk cId="2968501324" sldId="273"/>
+            <ac:spMk id="6" creationId="{AD92BDEC-7632-B131-AB0F-6C0BB29ADFA4}"/>
+          </ac:spMkLst>
+        </pc:spChg>
+        <pc:spChg chg="add">
+          <ac:chgData name="Verstraelen,Glenn G.L.A." userId="S::460806@student.fontys.nl::2fe77ce7-f47c-4220-bb1f-d43630c4abf1" providerId="AD" clId="Web-{626B24D1-BF14-EB5D-F7A8-F807D77BC383}" dt="2024-10-14T18:24:50" v="80"/>
+          <ac:spMkLst>
+            <pc:docMk/>
+            <pc:sldMk cId="2968501324" sldId="273"/>
+            <ac:spMk id="8" creationId="{91D51496-1384-ECD6-A4C7-F3FC56CDE3FF}"/>
+          </ac:spMkLst>
+        </pc:spChg>
+        <pc:picChg chg="add">
+          <ac:chgData name="Verstraelen,Glenn G.L.A." userId="S::460806@student.fontys.nl::2fe77ce7-f47c-4220-bb1f-d43630c4abf1" providerId="AD" clId="Web-{626B24D1-BF14-EB5D-F7A8-F807D77BC383}" dt="2024-10-14T18:24:50.016" v="81"/>
+          <ac:picMkLst>
+            <pc:docMk/>
+            <pc:sldMk cId="2968501324" sldId="273"/>
+            <ac:picMk id="10" creationId="{AB2EBF35-EAA3-34E8-1652-C02ABA8BF92E}"/>
+          </ac:picMkLst>
+        </pc:picChg>
+        <pc:picChg chg="add mod modCrop">
+          <ac:chgData name="Verstraelen,Glenn G.L.A." userId="S::460806@student.fontys.nl::2fe77ce7-f47c-4220-bb1f-d43630c4abf1" providerId="AD" clId="Web-{626B24D1-BF14-EB5D-F7A8-F807D77BC383}" dt="2024-10-14T18:32:34.214" v="167"/>
+          <ac:picMkLst>
+            <pc:docMk/>
+            <pc:sldMk cId="2968501324" sldId="273"/>
+            <ac:picMk id="11" creationId="{D75E6748-94DA-9166-71E7-37C1D761B09C}"/>
+          </ac:picMkLst>
+        </pc:picChg>
+      </pc:sldChg>
+      <pc:sldChg chg="addSp">
+        <pc:chgData name="Verstraelen,Glenn G.L.A." userId="S::460806@student.fontys.nl::2fe77ce7-f47c-4220-bb1f-d43630c4abf1" providerId="AD" clId="Web-{626B24D1-BF14-EB5D-F7A8-F807D77BC383}" dt="2024-10-14T18:24:50.484" v="83"/>
+        <pc:sldMkLst>
+          <pc:docMk/>
+          <pc:sldMk cId="2024885572" sldId="274"/>
+        </pc:sldMkLst>
+        <pc:spChg chg="add">
+          <ac:chgData name="Verstraelen,Glenn G.L.A." userId="S::460806@student.fontys.nl::2fe77ce7-f47c-4220-bb1f-d43630c4abf1" providerId="AD" clId="Web-{626B24D1-BF14-EB5D-F7A8-F807D77BC383}" dt="2024-10-14T18:24:50.469" v="82"/>
+          <ac:spMkLst>
+            <pc:docMk/>
+            <pc:sldMk cId="2024885572" sldId="274"/>
+            <ac:spMk id="5" creationId="{6FB200FA-73B1-B197-7900-75DD186F12B7}"/>
+          </ac:spMkLst>
+        </pc:spChg>
+        <pc:picChg chg="add">
+          <ac:chgData name="Verstraelen,Glenn G.L.A." userId="S::460806@student.fontys.nl::2fe77ce7-f47c-4220-bb1f-d43630c4abf1" providerId="AD" clId="Web-{626B24D1-BF14-EB5D-F7A8-F807D77BC383}" dt="2024-10-14T18:24:50.484" v="83"/>
+          <ac:picMkLst>
+            <pc:docMk/>
+            <pc:sldMk cId="2024885572" sldId="274"/>
+            <ac:picMk id="7" creationId="{B6AA50BD-CC1D-E739-755C-83A61CBA8ECD}"/>
+          </ac:picMkLst>
+        </pc:picChg>
+      </pc:sldChg>
+    </pc:docChg>
+  </pc:docChgLst>
+</pc:chgInfo>
 </file>
 
 <file path=ppt/notesMasters/notesMaster1.xml><?xml version="1.0" encoding="utf-8"?>
@@ -226,7 +1124,7 @@
           <a:p>
             <a:fld id="{D1F4D0EE-A379-441F-B824-ED7864835324}" type="datetimeFigureOut">
               <a:rPr lang="nl-NL" smtClean="0"/>
-              <a:t>10-10-2024</a:t>
+              <a:t>15-10-2024</a:t>
             </a:fld>
             <a:endParaRPr lang="nl-NL"/>
           </a:p>
@@ -539,100 +1437,100 @@
           <a:lstStyle/>
           <a:p>
             <a:r>
-              <a:rPr lang="nl-NL" dirty="0"/>
+              <a:rPr lang="nl-NL"/>
               <a:t>Mohamed : Brief </a:t>
             </a:r>
             <a:r>
-              <a:rPr lang="nl-NL" dirty="0" err="1"/>
+              <a:rPr lang="nl-NL" err="1"/>
               <a:t>history</a:t>
             </a:r>
             <a:r>
-              <a:rPr lang="nl-NL" dirty="0"/>
+              <a:rPr lang="nl-NL"/>
               <a:t>, </a:t>
             </a:r>
             <a:r>
-              <a:rPr lang="nl-NL" dirty="0" err="1"/>
+              <a:rPr lang="nl-NL" err="1"/>
               <a:t>competing</a:t>
             </a:r>
             <a:r>
-              <a:rPr lang="nl-NL" dirty="0"/>
+              <a:rPr lang="nl-NL"/>
               <a:t> </a:t>
             </a:r>
             <a:r>
-              <a:rPr lang="nl-NL" dirty="0" err="1"/>
+              <a:rPr lang="nl-NL" err="1"/>
               <a:t>products</a:t>
             </a:r>
             <a:r>
-              <a:rPr lang="nl-NL" dirty="0"/>
+              <a:rPr lang="nl-NL"/>
               <a:t>, </a:t>
             </a:r>
             <a:r>
-              <a:rPr lang="nl-NL" dirty="0" err="1"/>
+              <a:rPr lang="nl-NL" err="1"/>
               <a:t>visual</a:t>
             </a:r>
             <a:r>
-              <a:rPr lang="nl-NL" dirty="0"/>
+              <a:rPr lang="nl-NL"/>
               <a:t> studio</a:t>
             </a:r>
           </a:p>
           <a:p>
             <a:r>
-              <a:rPr lang="nl-NL" dirty="0"/>
+              <a:rPr lang="nl-NL"/>
               <a:t>Glenn : </a:t>
             </a:r>
             <a:r>
-              <a:rPr lang="nl-NL" dirty="0" err="1"/>
+              <a:rPr lang="nl-NL" err="1"/>
               <a:t>What</a:t>
             </a:r>
             <a:r>
-              <a:rPr lang="nl-NL" dirty="0"/>
+              <a:rPr lang="nl-NL"/>
               <a:t> is </a:t>
             </a:r>
             <a:r>
-              <a:rPr lang="nl-NL" dirty="0" err="1"/>
+              <a:rPr lang="nl-NL" err="1"/>
               <a:t>Avalonia</a:t>
             </a:r>
             <a:r>
-              <a:rPr lang="nl-NL" dirty="0"/>
+              <a:rPr lang="nl-NL"/>
               <a:t>, </a:t>
             </a:r>
             <a:r>
-              <a:rPr lang="nl-NL" dirty="0" err="1"/>
+              <a:rPr lang="nl-NL" err="1"/>
               <a:t>What</a:t>
             </a:r>
             <a:r>
-              <a:rPr lang="nl-NL" dirty="0"/>
+              <a:rPr lang="nl-NL"/>
               <a:t> </a:t>
             </a:r>
             <a:r>
-              <a:rPr lang="nl-NL" dirty="0" err="1"/>
+              <a:rPr lang="nl-NL" err="1"/>
               <a:t>problems</a:t>
             </a:r>
             <a:r>
-              <a:rPr lang="nl-NL" dirty="0"/>
+              <a:rPr lang="nl-NL"/>
               <a:t> does </a:t>
             </a:r>
             <a:r>
-              <a:rPr lang="nl-NL" dirty="0" err="1"/>
+              <a:rPr lang="nl-NL" err="1"/>
               <a:t>it</a:t>
             </a:r>
             <a:r>
-              <a:rPr lang="nl-NL" dirty="0"/>
+              <a:rPr lang="nl-NL"/>
               <a:t> </a:t>
             </a:r>
             <a:r>
-              <a:rPr lang="nl-NL" dirty="0" err="1"/>
+              <a:rPr lang="nl-NL" err="1"/>
               <a:t>solve</a:t>
             </a:r>
             <a:r>
-              <a:rPr lang="nl-NL" dirty="0"/>
+              <a:rPr lang="nl-NL"/>
               <a:t>, </a:t>
             </a:r>
             <a:r>
-              <a:rPr lang="nl-NL" dirty="0" err="1"/>
+              <a:rPr lang="nl-NL" err="1"/>
               <a:t>VsCode</a:t>
             </a:r>
-            <a:endParaRPr lang="nl-NL" dirty="0"/>
+            <a:endParaRPr lang="nl-NL"/>
           </a:p>
         </p:txBody>
       </p:sp>
@@ -819,7 +1717,7 @@
           <a:p>
             <a:fld id="{FB3CBBC7-512E-4C81-913B-C81B6CFF109F}" type="datetimeFigureOut">
               <a:rPr lang="nl-NL" smtClean="0"/>
-              <a:t>10-10-2024</a:t>
+              <a:t>15-10-2024</a:t>
             </a:fld>
             <a:endParaRPr lang="nl-NL"/>
           </a:p>
@@ -1017,7 +1915,7 @@
           <a:p>
             <a:fld id="{FB3CBBC7-512E-4C81-913B-C81B6CFF109F}" type="datetimeFigureOut">
               <a:rPr lang="nl-NL" smtClean="0"/>
-              <a:t>10-10-2024</a:t>
+              <a:t>15-10-2024</a:t>
             </a:fld>
             <a:endParaRPr lang="nl-NL"/>
           </a:p>
@@ -1225,7 +2123,7 @@
           <a:p>
             <a:fld id="{FB3CBBC7-512E-4C81-913B-C81B6CFF109F}" type="datetimeFigureOut">
               <a:rPr lang="nl-NL" smtClean="0"/>
-              <a:t>10-10-2024</a:t>
+              <a:t>15-10-2024</a:t>
             </a:fld>
             <a:endParaRPr lang="nl-NL"/>
           </a:p>
@@ -1423,7 +2321,7 @@
           <a:p>
             <a:fld id="{FB3CBBC7-512E-4C81-913B-C81B6CFF109F}" type="datetimeFigureOut">
               <a:rPr lang="nl-NL" smtClean="0"/>
-              <a:t>10-10-2024</a:t>
+              <a:t>15-10-2024</a:t>
             </a:fld>
             <a:endParaRPr lang="nl-NL"/>
           </a:p>
@@ -1698,7 +2596,7 @@
           <a:p>
             <a:fld id="{FB3CBBC7-512E-4C81-913B-C81B6CFF109F}" type="datetimeFigureOut">
               <a:rPr lang="nl-NL" smtClean="0"/>
-              <a:t>10-10-2024</a:t>
+              <a:t>15-10-2024</a:t>
             </a:fld>
             <a:endParaRPr lang="nl-NL"/>
           </a:p>
@@ -1963,7 +2861,7 @@
           <a:p>
             <a:fld id="{FB3CBBC7-512E-4C81-913B-C81B6CFF109F}" type="datetimeFigureOut">
               <a:rPr lang="nl-NL" smtClean="0"/>
-              <a:t>10-10-2024</a:t>
+              <a:t>15-10-2024</a:t>
             </a:fld>
             <a:endParaRPr lang="nl-NL"/>
           </a:p>
@@ -2375,7 +3273,7 @@
           <a:p>
             <a:fld id="{FB3CBBC7-512E-4C81-913B-C81B6CFF109F}" type="datetimeFigureOut">
               <a:rPr lang="nl-NL" smtClean="0"/>
-              <a:t>10-10-2024</a:t>
+              <a:t>15-10-2024</a:t>
             </a:fld>
             <a:endParaRPr lang="nl-NL"/>
           </a:p>
@@ -2516,7 +3414,7 @@
           <a:p>
             <a:fld id="{FB3CBBC7-512E-4C81-913B-C81B6CFF109F}" type="datetimeFigureOut">
               <a:rPr lang="nl-NL" smtClean="0"/>
-              <a:t>10-10-2024</a:t>
+              <a:t>15-10-2024</a:t>
             </a:fld>
             <a:endParaRPr lang="nl-NL"/>
           </a:p>
@@ -2629,7 +3527,7 @@
           <a:p>
             <a:fld id="{FB3CBBC7-512E-4C81-913B-C81B6CFF109F}" type="datetimeFigureOut">
               <a:rPr lang="nl-NL" smtClean="0"/>
-              <a:t>10-10-2024</a:t>
+              <a:t>15-10-2024</a:t>
             </a:fld>
             <a:endParaRPr lang="nl-NL"/>
           </a:p>
@@ -2940,7 +3838,7 @@
           <a:p>
             <a:fld id="{FB3CBBC7-512E-4C81-913B-C81B6CFF109F}" type="datetimeFigureOut">
               <a:rPr lang="nl-NL" smtClean="0"/>
-              <a:t>10-10-2024</a:t>
+              <a:t>15-10-2024</a:t>
             </a:fld>
             <a:endParaRPr lang="nl-NL"/>
           </a:p>
@@ -3228,7 +4126,7 @@
           <a:p>
             <a:fld id="{FB3CBBC7-512E-4C81-913B-C81B6CFF109F}" type="datetimeFigureOut">
               <a:rPr lang="nl-NL" smtClean="0"/>
-              <a:t>10-10-2024</a:t>
+              <a:t>15-10-2024</a:t>
             </a:fld>
             <a:endParaRPr lang="nl-NL"/>
           </a:p>
@@ -3469,7 +4367,7 @@
           <a:p>
             <a:fld id="{FB3CBBC7-512E-4C81-913B-C81B6CFF109F}" type="datetimeFigureOut">
               <a:rPr lang="nl-NL" smtClean="0"/>
-              <a:t>10-10-2024</a:t>
+              <a:t>15-10-2024</a:t>
             </a:fld>
             <a:endParaRPr lang="nl-NL"/>
           </a:p>
@@ -3913,14 +4811,14 @@
           <a:lstStyle/>
           <a:p>
             <a:r>
-              <a:rPr lang="nl-NL" dirty="0"/>
+              <a:rPr lang="nl-NL"/>
               <a:t>Workshop 16th </a:t>
             </a:r>
             <a:r>
-              <a:rPr lang="nl-NL" dirty="0" err="1"/>
+              <a:rPr lang="nl-NL" err="1"/>
               <a:t>October</a:t>
             </a:r>
-            <a:endParaRPr lang="nl-NL" dirty="0"/>
+            <a:endParaRPr lang="nl-NL"/>
           </a:p>
         </p:txBody>
       </p:sp>
@@ -3947,33 +4845,40 @@
           </a:xfrm>
         </p:spPr>
         <p:txBody>
-          <a:bodyPr/>
+          <a:bodyPr vert="horz" lIns="91440" tIns="45720" rIns="91440" bIns="45720" rtlCol="0" anchor="t">
+            <a:normAutofit/>
+          </a:bodyPr>
           <a:lstStyle/>
           <a:p>
             <a:r>
-              <a:rPr lang="nl-NL" dirty="0" err="1"/>
+              <a:rPr lang="nl-NL" err="1"/>
               <a:t>Created</a:t>
             </a:r>
             <a:r>
-              <a:rPr lang="nl-NL" dirty="0"/>
+              <a:rPr lang="nl-NL"/>
               <a:t> </a:t>
             </a:r>
             <a:r>
-              <a:rPr lang="nl-NL" dirty="0" err="1"/>
+              <a:rPr lang="nl-NL" err="1"/>
               <a:t>by</a:t>
             </a:r>
             <a:r>
-              <a:rPr lang="nl-NL" dirty="0"/>
+              <a:rPr lang="nl-NL"/>
               <a:t> Mohamed Ismael </a:t>
             </a:r>
             <a:r>
-              <a:rPr lang="nl-NL" dirty="0" err="1"/>
+              <a:rPr lang="nl-NL" err="1"/>
               <a:t>and</a:t>
             </a:r>
             <a:r>
-              <a:rPr lang="nl-NL" dirty="0"/>
-              <a:t> Glenn Verstraelen</a:t>
-            </a:r>
+              <a:rPr lang="nl-NL"/>
+              <a:t> Glenn </a:t>
+            </a:r>
+            <a:r>
+              <a:rPr lang="nl-NL" err="1"/>
+              <a:t>Verstraelen</a:t>
+            </a:r>
+            <a:endParaRPr lang="nl-NL"/>
           </a:p>
         </p:txBody>
       </p:sp>
@@ -4048,7 +4953,7 @@
           <p:cNvPr id="2" name="Titel 1">
             <a:extLst>
               <a:ext uri="{FF2B5EF4-FFF2-40B4-BE49-F238E27FC236}">
-                <a16:creationId xmlns:a16="http://schemas.microsoft.com/office/drawing/2014/main" id="{25EDFDE5-FCE7-22B1-7A02-1668ADC7D309}"/>
+                <a16:creationId xmlns:a16="http://schemas.microsoft.com/office/drawing/2014/main" id="{51599CAB-CF01-656A-9DE0-032C1145A423}"/>
               </a:ext>
             </a:extLst>
           </p:cNvPr>
@@ -4065,14 +4970,13 @@
           <a:lstStyle/>
           <a:p>
             <a:r>
-              <a:rPr lang="nl-NL" dirty="0"/>
-              <a:t>Pros/</a:t>
-            </a:r>
-            <a:r>
-              <a:rPr lang="nl-NL" dirty="0" err="1"/>
-              <a:t>cons</a:t>
-            </a:r>
-            <a:endParaRPr lang="nl-NL" dirty="0"/>
+              <a:rPr lang="nl-NL"/>
+              <a:t>WPF </a:t>
+            </a:r>
+            <a:r>
+              <a:rPr lang="nl-NL" err="1"/>
+              <a:t>intergration</a:t>
+            </a:r>
           </a:p>
         </p:txBody>
       </p:sp>
@@ -4081,7 +4985,7 @@
           <p:cNvPr id="3" name="Tijdelijke aanduiding voor inhoud 2">
             <a:extLst>
               <a:ext uri="{FF2B5EF4-FFF2-40B4-BE49-F238E27FC236}">
-                <a16:creationId xmlns:a16="http://schemas.microsoft.com/office/drawing/2014/main" id="{B4A8B3E8-21C5-CB9D-4318-D07FC69D7343}"/>
+                <a16:creationId xmlns:a16="http://schemas.microsoft.com/office/drawing/2014/main" id="{80FFCBF0-27E3-8DE7-DEBE-61FCB308B752}"/>
               </a:ext>
             </a:extLst>
           </p:cNvPr>
@@ -4094,47 +4998,123 @@
         </p:nvSpPr>
         <p:spPr/>
         <p:txBody>
-          <a:bodyPr>
+          <a:bodyPr vert="horz" lIns="91440" tIns="45720" rIns="91440" bIns="45720" rtlCol="0" anchor="t">
             <a:normAutofit/>
           </a:bodyPr>
           <a:lstStyle/>
           <a:p>
             <a:r>
-              <a:rPr lang="nl-NL" sz="3200" dirty="0"/>
-              <a:t>Pros</a:t>
-            </a:r>
-          </a:p>
-          <a:p>
-            <a:pPr lvl="1"/>
-            <a:r>
-              <a:rPr lang="nl-NL" sz="2800" dirty="0" err="1"/>
-              <a:t>sdfsdf</a:t>
-            </a:r>
-            <a:endParaRPr lang="nl-NL" sz="2800" dirty="0"/>
-          </a:p>
-          <a:p>
-            <a:r>
-              <a:rPr lang="nl-NL" sz="3200" dirty="0" err="1"/>
-              <a:t>Cons</a:t>
-            </a:r>
-            <a:endParaRPr lang="nl-NL" sz="3200" dirty="0"/>
-          </a:p>
-          <a:p>
-            <a:pPr lvl="1"/>
-            <a:r>
-              <a:rPr lang="nl-NL" sz="2800" dirty="0" err="1"/>
-              <a:t>sdfsdf</a:t>
-            </a:r>
-            <a:endParaRPr lang="nl-NL" sz="2800" dirty="0"/>
-          </a:p>
-        </p:txBody>
-      </p:sp>
-      <p:sp>
-        <p:nvSpPr>
-          <p:cNvPr id="4" name="Rectangle 3">
-            <a:extLst>
-              <a:ext uri="{FF2B5EF4-FFF2-40B4-BE49-F238E27FC236}">
-                <a16:creationId xmlns:a16="http://schemas.microsoft.com/office/drawing/2014/main" id="{7D938917-266A-98E8-4612-83709D409572}"/>
+              <a:rPr lang="nl-NL" err="1"/>
+              <a:t>Avalonia</a:t>
+            </a:r>
+            <a:r>
+              <a:rPr lang="nl-NL"/>
+              <a:t> XPF </a:t>
+            </a:r>
+          </a:p>
+          <a:p>
+            <a:r>
+              <a:rPr lang="nl-NL"/>
+              <a:t>WPF </a:t>
+            </a:r>
+            <a:r>
+              <a:rPr lang="nl-NL" err="1"/>
+              <a:t>applications</a:t>
+            </a:r>
+            <a:r>
+              <a:rPr lang="nl-NL"/>
+              <a:t> on </a:t>
+            </a:r>
+            <a:r>
+              <a:rPr lang="nl-NL" err="1"/>
+              <a:t>macOS</a:t>
+            </a:r>
+            <a:r>
+              <a:rPr lang="nl-NL"/>
+              <a:t>, </a:t>
+            </a:r>
+            <a:r>
+              <a:rPr lang="nl-NL" err="1"/>
+              <a:t>and</a:t>
+            </a:r>
+            <a:r>
+              <a:rPr lang="nl-NL"/>
+              <a:t> Linux </a:t>
+            </a:r>
+          </a:p>
+          <a:p>
+            <a:r>
+              <a:rPr lang="nl-NL" err="1"/>
+              <a:t>Reuse</a:t>
+            </a:r>
+            <a:r>
+              <a:rPr lang="nl-NL"/>
+              <a:t> </a:t>
+            </a:r>
+            <a:r>
+              <a:rPr lang="nl-NL" err="1"/>
+              <a:t>existing</a:t>
+            </a:r>
+            <a:r>
+              <a:rPr lang="nl-NL"/>
+              <a:t> WPF code</a:t>
+            </a:r>
+          </a:p>
+          <a:p>
+            <a:r>
+              <a:rPr lang="nl-NL"/>
+              <a:t>Preserve </a:t>
+            </a:r>
+            <a:r>
+              <a:rPr lang="nl-NL" err="1"/>
+              <a:t>investments</a:t>
+            </a:r>
+            <a:r>
+              <a:rPr lang="nl-NL"/>
+              <a:t> in </a:t>
+            </a:r>
+            <a:r>
+              <a:rPr lang="nl-NL" err="1"/>
+              <a:t>third</a:t>
+            </a:r>
+            <a:r>
+              <a:rPr lang="nl-NL"/>
+              <a:t>-party </a:t>
+            </a:r>
+            <a:r>
+              <a:rPr lang="nl-NL" err="1"/>
+              <a:t>controls</a:t>
+            </a:r>
+            <a:r>
+              <a:rPr lang="nl-NL"/>
+              <a:t> </a:t>
+            </a:r>
+          </a:p>
+          <a:p>
+            <a:r>
+              <a:rPr lang="nl-NL"/>
+              <a:t>Port WPF apps </a:t>
+            </a:r>
+            <a:r>
+              <a:rPr lang="nl-NL" err="1"/>
+              <a:t>to</a:t>
+            </a:r>
+            <a:r>
+              <a:rPr lang="nl-NL"/>
+              <a:t> new platforms </a:t>
+            </a:r>
+          </a:p>
+          <a:p>
+            <a:endParaRPr lang="nl-NL"/>
+          </a:p>
+        </p:txBody>
+      </p:sp>
+      <p:sp>
+        <p:nvSpPr>
+          <p:cNvPr id="5" name="Rectangle 3">
+            <a:extLst>
+              <a:ext uri="{FF2B5EF4-FFF2-40B4-BE49-F238E27FC236}">
+                <a16:creationId xmlns:a16="http://schemas.microsoft.com/office/drawing/2014/main" id="{6FB200FA-73B1-B197-7900-75DD186F12B7}"/>
               </a:ext>
             </a:extLst>
           </p:cNvPr>
@@ -4185,6 +5165,1843 @@
       </p:sp>
       <p:pic>
         <p:nvPicPr>
+          <p:cNvPr id="7" name="Graphic 6">
+            <a:extLst>
+              <a:ext uri="{FF2B5EF4-FFF2-40B4-BE49-F238E27FC236}">
+                <a16:creationId xmlns:a16="http://schemas.microsoft.com/office/drawing/2014/main" id="{B6AA50BD-CC1D-E739-755C-83A61CBA8ECD}"/>
+              </a:ext>
+            </a:extLst>
+          </p:cNvPr>
+          <p:cNvPicPr>
+            <a:picLocks noChangeAspect="1"/>
+          </p:cNvPicPr>
+          <p:nvPr/>
+        </p:nvPicPr>
+        <p:blipFill>
+          <a:blip r:embed="rId2">
+            <a:extLst>
+              <a:ext uri="{96DAC541-7B7A-43D3-8B79-37D633B846F1}">
+                <asvg:svgBlip xmlns:asvg="http://schemas.microsoft.com/office/drawing/2016/SVG/main" r:embed="rId3"/>
+              </a:ext>
+            </a:extLst>
+          </a:blip>
+          <a:stretch>
+            <a:fillRect/>
+          </a:stretch>
+        </p:blipFill>
+        <p:spPr>
+          <a:xfrm>
+            <a:off x="4607734" y="5560786"/>
+            <a:ext cx="2976532" cy="1488267"/>
+          </a:xfrm>
+          <a:prstGeom prst="rect">
+            <a:avLst/>
+          </a:prstGeom>
+        </p:spPr>
+      </p:pic>
+      <p:pic>
+        <p:nvPicPr>
+          <p:cNvPr id="6" name="Afbeelding 5" descr="Afbeelding met tekst, schermopname, Lettertype&#10;&#10;Automatisch gegenereerde beschrijving">
+            <a:extLst>
+              <a:ext uri="{FF2B5EF4-FFF2-40B4-BE49-F238E27FC236}">
+                <a16:creationId xmlns:a16="http://schemas.microsoft.com/office/drawing/2014/main" id="{7328E482-ABDB-35CE-287F-AA88A4B2621B}"/>
+              </a:ext>
+            </a:extLst>
+          </p:cNvPr>
+          <p:cNvPicPr>
+            <a:picLocks noChangeAspect="1"/>
+          </p:cNvPicPr>
+          <p:nvPr/>
+        </p:nvPicPr>
+        <p:blipFill>
+          <a:blip r:embed="rId4"/>
+          <a:stretch>
+            <a:fillRect/>
+          </a:stretch>
+        </p:blipFill>
+        <p:spPr>
+          <a:xfrm>
+            <a:off x="6096000" y="-4762"/>
+            <a:ext cx="6096000" cy="2095500"/>
+          </a:xfrm>
+          <a:prstGeom prst="rect">
+            <a:avLst/>
+          </a:prstGeom>
+        </p:spPr>
+      </p:pic>
+    </p:spTree>
+    <p:extLst>
+      <p:ext uri="{BB962C8B-B14F-4D97-AF65-F5344CB8AC3E}">
+        <p14:creationId xmlns:p14="http://schemas.microsoft.com/office/powerpoint/2010/main" val="2024885572"/>
+      </p:ext>
+    </p:extLst>
+  </p:cSld>
+  <p:clrMapOvr>
+    <a:masterClrMapping/>
+  </p:clrMapOvr>
+</p:sld>
+</file>
+
+<file path=ppt/slides/slide11.xml><?xml version="1.0" encoding="utf-8"?>
+<p:sld xmlns:a="http://schemas.openxmlformats.org/drawingml/2006/main" xmlns:r="http://schemas.openxmlformats.org/officeDocument/2006/relationships" xmlns:p="http://schemas.openxmlformats.org/presentationml/2006/main">
+  <p:cSld>
+    <p:spTree>
+      <p:nvGrpSpPr>
+        <p:cNvPr id="1" name=""/>
+        <p:cNvGrpSpPr/>
+        <p:nvPr/>
+      </p:nvGrpSpPr>
+      <p:grpSpPr>
+        <a:xfrm>
+          <a:off x="0" y="0"/>
+          <a:ext cx="0" cy="0"/>
+          <a:chOff x="0" y="0"/>
+          <a:chExt cx="0" cy="0"/>
+        </a:xfrm>
+      </p:grpSpPr>
+      <p:sp>
+        <p:nvSpPr>
+          <p:cNvPr id="2" name="Titel 1">
+            <a:extLst>
+              <a:ext uri="{FF2B5EF4-FFF2-40B4-BE49-F238E27FC236}">
+                <a16:creationId xmlns:a16="http://schemas.microsoft.com/office/drawing/2014/main" id="{25EDFDE5-FCE7-22B1-7A02-1668ADC7D309}"/>
+              </a:ext>
+            </a:extLst>
+          </p:cNvPr>
+          <p:cNvSpPr>
+            <a:spLocks noGrp="1"/>
+          </p:cNvSpPr>
+          <p:nvPr>
+            <p:ph type="title"/>
+          </p:nvPr>
+        </p:nvSpPr>
+        <p:spPr/>
+        <p:txBody>
+          <a:bodyPr/>
+          <a:lstStyle/>
+          <a:p>
+            <a:r>
+              <a:rPr lang="nl-NL" err="1"/>
+              <a:t>What</a:t>
+            </a:r>
+            <a:r>
+              <a:rPr lang="nl-NL"/>
+              <a:t> </a:t>
+            </a:r>
+            <a:r>
+              <a:rPr lang="nl-NL" err="1"/>
+              <a:t>problems</a:t>
+            </a:r>
+            <a:r>
+              <a:rPr lang="nl-NL"/>
+              <a:t> does </a:t>
+            </a:r>
+            <a:r>
+              <a:rPr lang="nl-NL" err="1"/>
+              <a:t>it</a:t>
+            </a:r>
+            <a:r>
+              <a:rPr lang="nl-NL"/>
+              <a:t> </a:t>
+            </a:r>
+            <a:r>
+              <a:rPr lang="nl-NL" err="1"/>
+              <a:t>solve</a:t>
+            </a:r>
+            <a:r>
+              <a:rPr lang="nl-NL"/>
+              <a:t>?</a:t>
+            </a:r>
+          </a:p>
+        </p:txBody>
+      </p:sp>
+      <p:sp>
+        <p:nvSpPr>
+          <p:cNvPr id="3" name="Tijdelijke aanduiding voor inhoud 2">
+            <a:extLst>
+              <a:ext uri="{FF2B5EF4-FFF2-40B4-BE49-F238E27FC236}">
+                <a16:creationId xmlns:a16="http://schemas.microsoft.com/office/drawing/2014/main" id="{B4A8B3E8-21C5-CB9D-4318-D07FC69D7343}"/>
+              </a:ext>
+            </a:extLst>
+          </p:cNvPr>
+          <p:cNvSpPr>
+            <a:spLocks noGrp="1"/>
+          </p:cNvSpPr>
+          <p:nvPr>
+            <p:ph idx="1"/>
+          </p:nvPr>
+        </p:nvSpPr>
+        <p:spPr/>
+        <p:txBody>
+          <a:bodyPr vert="horz" lIns="91440" tIns="45720" rIns="91440" bIns="45720" rtlCol="0" anchor="t">
+            <a:normAutofit/>
+          </a:bodyPr>
+          <a:lstStyle/>
+          <a:p>
+            <a:r>
+              <a:rPr lang="nl-NL"/>
+              <a:t>Cross-platform</a:t>
+            </a:r>
+          </a:p>
+          <a:p>
+            <a:r>
+              <a:rPr lang="nl-NL" err="1"/>
+              <a:t>Dynamic</a:t>
+            </a:r>
+            <a:r>
+              <a:rPr lang="nl-NL"/>
+              <a:t> UI development (previewer)</a:t>
+            </a:r>
+          </a:p>
+          <a:p>
+            <a:r>
+              <a:rPr lang="en-GB"/>
+              <a:t>Active adoption</a:t>
+            </a:r>
+          </a:p>
+          <a:p>
+            <a:r>
+              <a:rPr lang="en-GB"/>
+              <a:t>Supports mobile development, WPF doesn’t</a:t>
+            </a:r>
+            <a:endParaRPr lang="nl-NL"/>
+          </a:p>
+        </p:txBody>
+      </p:sp>
+      <p:sp>
+        <p:nvSpPr>
+          <p:cNvPr id="4" name="Rectangle 3">
+            <a:extLst>
+              <a:ext uri="{FF2B5EF4-FFF2-40B4-BE49-F238E27FC236}">
+                <a16:creationId xmlns:a16="http://schemas.microsoft.com/office/drawing/2014/main" id="{7D938917-266A-98E8-4612-83709D409572}"/>
+              </a:ext>
+            </a:extLst>
+          </p:cNvPr>
+          <p:cNvSpPr/>
+          <p:nvPr/>
+        </p:nvSpPr>
+        <p:spPr>
+          <a:xfrm>
+            <a:off x="0" y="5560786"/>
+            <a:ext cx="12192000" cy="1502228"/>
+          </a:xfrm>
+          <a:prstGeom prst="rect">
+            <a:avLst/>
+          </a:prstGeom>
+          <a:solidFill>
+            <a:schemeClr val="bg1">
+              <a:lumMod val="85000"/>
+            </a:schemeClr>
+          </a:solidFill>
+          <a:ln>
+            <a:noFill/>
+          </a:ln>
+        </p:spPr>
+        <p:style>
+          <a:lnRef idx="2">
+            <a:schemeClr val="accent1">
+              <a:shade val="15000"/>
+            </a:schemeClr>
+          </a:lnRef>
+          <a:fillRef idx="1">
+            <a:schemeClr val="accent1"/>
+          </a:fillRef>
+          <a:effectRef idx="0">
+            <a:schemeClr val="accent1"/>
+          </a:effectRef>
+          <a:fontRef idx="minor">
+            <a:schemeClr val="lt1"/>
+          </a:fontRef>
+        </p:style>
+        <p:txBody>
+          <a:bodyPr rtlCol="0" anchor="ctr"/>
+          <a:lstStyle/>
+          <a:p>
+            <a:pPr algn="ctr"/>
+            <a:endParaRPr lang="en-GB"/>
+          </a:p>
+        </p:txBody>
+      </p:sp>
+      <p:pic>
+        <p:nvPicPr>
+          <p:cNvPr id="5" name="Graphic 4">
+            <a:extLst>
+              <a:ext uri="{FF2B5EF4-FFF2-40B4-BE49-F238E27FC236}">
+                <a16:creationId xmlns:a16="http://schemas.microsoft.com/office/drawing/2014/main" id="{D94B3C6D-45F9-9C4F-F850-34C436BC6A3D}"/>
+              </a:ext>
+            </a:extLst>
+          </p:cNvPr>
+          <p:cNvPicPr>
+            <a:picLocks noChangeAspect="1"/>
+          </p:cNvPicPr>
+          <p:nvPr/>
+        </p:nvPicPr>
+        <p:blipFill>
+          <a:blip r:embed="rId2">
+            <a:extLst>
+              <a:ext uri="{96DAC541-7B7A-43D3-8B79-37D633B846F1}">
+                <asvg:svgBlip xmlns:asvg="http://schemas.microsoft.com/office/drawing/2016/SVG/main" r:embed="rId3"/>
+              </a:ext>
+            </a:extLst>
+          </a:blip>
+          <a:stretch>
+            <a:fillRect/>
+          </a:stretch>
+        </p:blipFill>
+        <p:spPr>
+          <a:xfrm>
+            <a:off x="4607734" y="5560786"/>
+            <a:ext cx="2976532" cy="1488267"/>
+          </a:xfrm>
+          <a:prstGeom prst="rect">
+            <a:avLst/>
+          </a:prstGeom>
+        </p:spPr>
+      </p:pic>
+      <p:pic>
+        <p:nvPicPr>
+          <p:cNvPr id="6" name="Afbeelding 5" descr="Afbeelding met zwart, duisternis&#10;&#10;Automatisch gegenereerde beschrijving">
+            <a:extLst>
+              <a:ext uri="{FF2B5EF4-FFF2-40B4-BE49-F238E27FC236}">
+                <a16:creationId xmlns:a16="http://schemas.microsoft.com/office/drawing/2014/main" id="{1DF53D76-2BB6-CFA8-B566-5DF828E6F3DC}"/>
+              </a:ext>
+            </a:extLst>
+          </p:cNvPr>
+          <p:cNvPicPr>
+            <a:picLocks noChangeAspect="1"/>
+          </p:cNvPicPr>
+          <p:nvPr/>
+        </p:nvPicPr>
+        <p:blipFill>
+          <a:blip r:embed="rId4"/>
+          <a:stretch>
+            <a:fillRect/>
+          </a:stretch>
+        </p:blipFill>
+        <p:spPr>
+          <a:xfrm>
+            <a:off x="9079735" y="2650934"/>
+            <a:ext cx="1358748" cy="784953"/>
+          </a:xfrm>
+          <a:prstGeom prst="rect">
+            <a:avLst/>
+          </a:prstGeom>
+        </p:spPr>
+      </p:pic>
+      <p:pic>
+        <p:nvPicPr>
+          <p:cNvPr id="7" name="Afbeelding 6" descr="Afbeelding met Lettertype, logo, Graphics, tekst&#10;&#10;Automatisch gegenereerde beschrijving">
+            <a:extLst>
+              <a:ext uri="{FF2B5EF4-FFF2-40B4-BE49-F238E27FC236}">
+                <a16:creationId xmlns:a16="http://schemas.microsoft.com/office/drawing/2014/main" id="{C2FEBE32-53D8-ACE4-0516-8F0BA81AA81B}"/>
+              </a:ext>
+            </a:extLst>
+          </p:cNvPr>
+          <p:cNvPicPr>
+            <a:picLocks noChangeAspect="1"/>
+          </p:cNvPicPr>
+          <p:nvPr/>
+        </p:nvPicPr>
+        <p:blipFill>
+          <a:blip r:embed="rId5"/>
+          <a:stretch>
+            <a:fillRect/>
+          </a:stretch>
+        </p:blipFill>
+        <p:spPr>
+          <a:xfrm>
+            <a:off x="7415729" y="2299770"/>
+            <a:ext cx="1386290" cy="775772"/>
+          </a:xfrm>
+          <a:prstGeom prst="rect">
+            <a:avLst/>
+          </a:prstGeom>
+        </p:spPr>
+      </p:pic>
+      <p:pic>
+        <p:nvPicPr>
+          <p:cNvPr id="8" name="Afbeelding 7" descr="Afbeelding met zwart, duisternis&#10;&#10;Automatisch gegenereerde beschrijving">
+            <a:extLst>
+              <a:ext uri="{FF2B5EF4-FFF2-40B4-BE49-F238E27FC236}">
+                <a16:creationId xmlns:a16="http://schemas.microsoft.com/office/drawing/2014/main" id="{0C49DB24-8B9A-F8CE-9774-13E7C723496B}"/>
+              </a:ext>
+            </a:extLst>
+          </p:cNvPr>
+          <p:cNvPicPr>
+            <a:picLocks noChangeAspect="1"/>
+          </p:cNvPicPr>
+          <p:nvPr/>
+        </p:nvPicPr>
+        <p:blipFill>
+          <a:blip r:embed="rId6"/>
+          <a:stretch>
+            <a:fillRect/>
+          </a:stretch>
+        </p:blipFill>
+        <p:spPr>
+          <a:xfrm>
+            <a:off x="10204373" y="1783356"/>
+            <a:ext cx="1487278" cy="858398"/>
+          </a:xfrm>
+          <a:prstGeom prst="rect">
+            <a:avLst/>
+          </a:prstGeom>
+        </p:spPr>
+      </p:pic>
+      <p:pic>
+        <p:nvPicPr>
+          <p:cNvPr id="9" name="Afbeelding 8" descr="Afbeelding met Graphics, schermopname, Lettertype, grafische vormgeving&#10;&#10;Automatisch gegenereerde beschrijving">
+            <a:extLst>
+              <a:ext uri="{FF2B5EF4-FFF2-40B4-BE49-F238E27FC236}">
+                <a16:creationId xmlns:a16="http://schemas.microsoft.com/office/drawing/2014/main" id="{CCC16674-0238-8EE2-C48C-936FD0AACE91}"/>
+              </a:ext>
+            </a:extLst>
+          </p:cNvPr>
+          <p:cNvPicPr>
+            <a:picLocks noChangeAspect="1"/>
+          </p:cNvPicPr>
+          <p:nvPr/>
+        </p:nvPicPr>
+        <p:blipFill>
+          <a:blip r:embed="rId7"/>
+          <a:stretch>
+            <a:fillRect/>
+          </a:stretch>
+        </p:blipFill>
+        <p:spPr>
+          <a:xfrm>
+            <a:off x="9082031" y="1689252"/>
+            <a:ext cx="984174" cy="956632"/>
+          </a:xfrm>
+          <a:prstGeom prst="rect">
+            <a:avLst/>
+          </a:prstGeom>
+        </p:spPr>
+      </p:pic>
+      <p:pic>
+        <p:nvPicPr>
+          <p:cNvPr id="10" name="Afbeelding 9" descr="Afbeelding met schermopname, symbool, Graphics, ontwerp&#10;&#10;Automatisch gegenereerde beschrijving">
+            <a:extLst>
+              <a:ext uri="{FF2B5EF4-FFF2-40B4-BE49-F238E27FC236}">
+                <a16:creationId xmlns:a16="http://schemas.microsoft.com/office/drawing/2014/main" id="{A8CC478B-44AF-3A72-F375-62869ABAAB4A}"/>
+              </a:ext>
+            </a:extLst>
+          </p:cNvPr>
+          <p:cNvPicPr>
+            <a:picLocks noChangeAspect="1"/>
+          </p:cNvPicPr>
+          <p:nvPr/>
+        </p:nvPicPr>
+        <p:blipFill>
+          <a:blip r:embed="rId8"/>
+          <a:stretch>
+            <a:fillRect/>
+          </a:stretch>
+        </p:blipFill>
+        <p:spPr>
+          <a:xfrm>
+            <a:off x="7812796" y="750524"/>
+            <a:ext cx="2157470" cy="1234807"/>
+          </a:xfrm>
+          <a:prstGeom prst="rect">
+            <a:avLst/>
+          </a:prstGeom>
+        </p:spPr>
+      </p:pic>
+    </p:spTree>
+    <p:extLst>
+      <p:ext uri="{BB962C8B-B14F-4D97-AF65-F5344CB8AC3E}">
+        <p14:creationId xmlns:p14="http://schemas.microsoft.com/office/powerpoint/2010/main" val="1515480802"/>
+      </p:ext>
+    </p:extLst>
+  </p:cSld>
+  <p:clrMapOvr>
+    <a:masterClrMapping/>
+  </p:clrMapOvr>
+</p:sld>
+</file>
+
+<file path=ppt/slides/slide12.xml><?xml version="1.0" encoding="utf-8"?>
+<p:sld xmlns:a="http://schemas.openxmlformats.org/drawingml/2006/main" xmlns:r="http://schemas.openxmlformats.org/officeDocument/2006/relationships" xmlns:p="http://schemas.openxmlformats.org/presentationml/2006/main">
+  <p:cSld>
+    <p:spTree>
+      <p:nvGrpSpPr>
+        <p:cNvPr id="1" name=""/>
+        <p:cNvGrpSpPr/>
+        <p:nvPr/>
+      </p:nvGrpSpPr>
+      <p:grpSpPr>
+        <a:xfrm>
+          <a:off x="0" y="0"/>
+          <a:ext cx="0" cy="0"/>
+          <a:chOff x="0" y="0"/>
+          <a:chExt cx="0" cy="0"/>
+        </a:xfrm>
+      </p:grpSpPr>
+      <p:sp>
+        <p:nvSpPr>
+          <p:cNvPr id="2" name="Titel 1">
+            <a:extLst>
+              <a:ext uri="{FF2B5EF4-FFF2-40B4-BE49-F238E27FC236}">
+                <a16:creationId xmlns:a16="http://schemas.microsoft.com/office/drawing/2014/main" id="{25EDFDE5-FCE7-22B1-7A02-1668ADC7D309}"/>
+              </a:ext>
+            </a:extLst>
+          </p:cNvPr>
+          <p:cNvSpPr>
+            <a:spLocks noGrp="1"/>
+          </p:cNvSpPr>
+          <p:nvPr>
+            <p:ph type="title"/>
+          </p:nvPr>
+        </p:nvSpPr>
+        <p:spPr/>
+        <p:txBody>
+          <a:bodyPr/>
+          <a:lstStyle/>
+          <a:p>
+            <a:r>
+              <a:rPr lang="nl-NL"/>
+              <a:t>Visual Studio </a:t>
+            </a:r>
+            <a:r>
+              <a:rPr lang="nl-NL" err="1"/>
+              <a:t>vs</a:t>
+            </a:r>
+            <a:r>
+              <a:rPr lang="nl-NL"/>
+              <a:t> </a:t>
+            </a:r>
+            <a:r>
+              <a:rPr lang="nl-NL" err="1"/>
+              <a:t>VScode</a:t>
+            </a:r>
+            <a:endParaRPr lang="nl-NL"/>
+          </a:p>
+        </p:txBody>
+      </p:sp>
+      <p:sp>
+        <p:nvSpPr>
+          <p:cNvPr id="3" name="Tijdelijke aanduiding voor inhoud 2">
+            <a:extLst>
+              <a:ext uri="{FF2B5EF4-FFF2-40B4-BE49-F238E27FC236}">
+                <a16:creationId xmlns:a16="http://schemas.microsoft.com/office/drawing/2014/main" id="{B4A8B3E8-21C5-CB9D-4318-D07FC69D7343}"/>
+              </a:ext>
+            </a:extLst>
+          </p:cNvPr>
+          <p:cNvSpPr>
+            <a:spLocks noGrp="1"/>
+          </p:cNvSpPr>
+          <p:nvPr>
+            <p:ph idx="1"/>
+          </p:nvPr>
+        </p:nvSpPr>
+        <p:spPr/>
+        <p:txBody>
+          <a:bodyPr vert="horz" lIns="91440" tIns="45720" rIns="91440" bIns="45720" rtlCol="0" anchor="t">
+            <a:normAutofit/>
+          </a:bodyPr>
+          <a:lstStyle/>
+          <a:p>
+            <a:r>
+              <a:rPr lang="nl-NL"/>
+              <a:t>Both support C#</a:t>
+            </a:r>
+          </a:p>
+          <a:p>
+            <a:r>
+              <a:rPr lang="nl-NL"/>
+              <a:t>Visual Studio (2022) </a:t>
+            </a:r>
+            <a:r>
+              <a:rPr lang="nl-NL" err="1"/>
+              <a:t>works</a:t>
+            </a:r>
+            <a:r>
+              <a:rPr lang="nl-NL"/>
+              <a:t> </a:t>
+            </a:r>
+            <a:r>
+              <a:rPr lang="nl-NL" err="1"/>
+              <a:t>the</a:t>
+            </a:r>
+            <a:r>
+              <a:rPr lang="nl-NL"/>
+              <a:t> best, thanks to </a:t>
+            </a:r>
+            <a:r>
+              <a:rPr lang="nl-NL" err="1"/>
+              <a:t>the</a:t>
+            </a:r>
+            <a:r>
+              <a:rPr lang="nl-NL"/>
+              <a:t> previewer</a:t>
+            </a:r>
+          </a:p>
+          <a:p>
+            <a:r>
+              <a:rPr lang="nl-NL" err="1"/>
+              <a:t>VScode</a:t>
+            </a:r>
+            <a:r>
+              <a:rPr lang="nl-NL"/>
+              <a:t> extension </a:t>
+            </a:r>
+            <a:r>
+              <a:rPr lang="nl-NL" err="1"/>
+              <a:t>works</a:t>
+            </a:r>
+            <a:r>
+              <a:rPr lang="nl-NL"/>
+              <a:t> </a:t>
+            </a:r>
+            <a:r>
+              <a:rPr lang="nl-NL" err="1"/>
+              <a:t>too</a:t>
+            </a:r>
+            <a:r>
+              <a:rPr lang="nl-NL"/>
+              <a:t>, but </a:t>
+            </a:r>
+            <a:r>
+              <a:rPr lang="nl-NL" err="1"/>
+              <a:t>poor</a:t>
+            </a:r>
+            <a:r>
+              <a:rPr lang="nl-NL"/>
+              <a:t> previewer</a:t>
+            </a:r>
+          </a:p>
+        </p:txBody>
+      </p:sp>
+      <p:sp>
+        <p:nvSpPr>
+          <p:cNvPr id="4" name="Rectangle 3">
+            <a:extLst>
+              <a:ext uri="{FF2B5EF4-FFF2-40B4-BE49-F238E27FC236}">
+                <a16:creationId xmlns:a16="http://schemas.microsoft.com/office/drawing/2014/main" id="{7D938917-266A-98E8-4612-83709D409572}"/>
+              </a:ext>
+            </a:extLst>
+          </p:cNvPr>
+          <p:cNvSpPr/>
+          <p:nvPr/>
+        </p:nvSpPr>
+        <p:spPr>
+          <a:xfrm>
+            <a:off x="0" y="5560786"/>
+            <a:ext cx="12192000" cy="1502228"/>
+          </a:xfrm>
+          <a:prstGeom prst="rect">
+            <a:avLst/>
+          </a:prstGeom>
+          <a:solidFill>
+            <a:schemeClr val="bg1">
+              <a:lumMod val="85000"/>
+            </a:schemeClr>
+          </a:solidFill>
+          <a:ln>
+            <a:noFill/>
+          </a:ln>
+        </p:spPr>
+        <p:style>
+          <a:lnRef idx="2">
+            <a:schemeClr val="accent1">
+              <a:shade val="15000"/>
+            </a:schemeClr>
+          </a:lnRef>
+          <a:fillRef idx="1">
+            <a:schemeClr val="accent1"/>
+          </a:fillRef>
+          <a:effectRef idx="0">
+            <a:schemeClr val="accent1"/>
+          </a:effectRef>
+          <a:fontRef idx="minor">
+            <a:schemeClr val="lt1"/>
+          </a:fontRef>
+        </p:style>
+        <p:txBody>
+          <a:bodyPr rtlCol="0" anchor="ctr"/>
+          <a:lstStyle/>
+          <a:p>
+            <a:pPr algn="ctr"/>
+            <a:endParaRPr lang="en-GB"/>
+          </a:p>
+        </p:txBody>
+      </p:sp>
+      <p:pic>
+        <p:nvPicPr>
+          <p:cNvPr id="5" name="Graphic 4">
+            <a:extLst>
+              <a:ext uri="{FF2B5EF4-FFF2-40B4-BE49-F238E27FC236}">
+                <a16:creationId xmlns:a16="http://schemas.microsoft.com/office/drawing/2014/main" id="{D94B3C6D-45F9-9C4F-F850-34C436BC6A3D}"/>
+              </a:ext>
+            </a:extLst>
+          </p:cNvPr>
+          <p:cNvPicPr>
+            <a:picLocks noChangeAspect="1"/>
+          </p:cNvPicPr>
+          <p:nvPr/>
+        </p:nvPicPr>
+        <p:blipFill>
+          <a:blip r:embed="rId2">
+            <a:extLst>
+              <a:ext uri="{96DAC541-7B7A-43D3-8B79-37D633B846F1}">
+                <asvg:svgBlip xmlns:asvg="http://schemas.microsoft.com/office/drawing/2016/SVG/main" r:embed="rId3"/>
+              </a:ext>
+            </a:extLst>
+          </a:blip>
+          <a:stretch>
+            <a:fillRect/>
+          </a:stretch>
+        </p:blipFill>
+        <p:spPr>
+          <a:xfrm>
+            <a:off x="4607734" y="5560786"/>
+            <a:ext cx="2976532" cy="1488267"/>
+          </a:xfrm>
+          <a:prstGeom prst="rect">
+            <a:avLst/>
+          </a:prstGeom>
+        </p:spPr>
+      </p:pic>
+    </p:spTree>
+    <p:extLst>
+      <p:ext uri="{BB962C8B-B14F-4D97-AF65-F5344CB8AC3E}">
+        <p14:creationId xmlns:p14="http://schemas.microsoft.com/office/powerpoint/2010/main" val="3043704060"/>
+      </p:ext>
+    </p:extLst>
+  </p:cSld>
+  <p:clrMapOvr>
+    <a:masterClrMapping/>
+  </p:clrMapOvr>
+</p:sld>
+</file>
+
+<file path=ppt/slides/slide13.xml><?xml version="1.0" encoding="utf-8"?>
+<p:sld xmlns:a="http://schemas.openxmlformats.org/drawingml/2006/main" xmlns:r="http://schemas.openxmlformats.org/officeDocument/2006/relationships" xmlns:p="http://schemas.openxmlformats.org/presentationml/2006/main">
+  <p:cSld>
+    <p:spTree>
+      <p:nvGrpSpPr>
+        <p:cNvPr id="1" name=""/>
+        <p:cNvGrpSpPr/>
+        <p:nvPr/>
+      </p:nvGrpSpPr>
+      <p:grpSpPr>
+        <a:xfrm>
+          <a:off x="0" y="0"/>
+          <a:ext cx="0" cy="0"/>
+          <a:chOff x="0" y="0"/>
+          <a:chExt cx="0" cy="0"/>
+        </a:xfrm>
+      </p:grpSpPr>
+      <p:sp>
+        <p:nvSpPr>
+          <p:cNvPr id="2" name="Titel 1">
+            <a:extLst>
+              <a:ext uri="{FF2B5EF4-FFF2-40B4-BE49-F238E27FC236}">
+                <a16:creationId xmlns:a16="http://schemas.microsoft.com/office/drawing/2014/main" id="{25EDFDE5-FCE7-22B1-7A02-1668ADC7D309}"/>
+              </a:ext>
+            </a:extLst>
+          </p:cNvPr>
+          <p:cNvSpPr>
+            <a:spLocks noGrp="1"/>
+          </p:cNvSpPr>
+          <p:nvPr>
+            <p:ph type="title"/>
+          </p:nvPr>
+        </p:nvSpPr>
+        <p:spPr>
+          <a:xfrm>
+            <a:off x="838200" y="-2104"/>
+            <a:ext cx="10515600" cy="1325563"/>
+          </a:xfrm>
+        </p:spPr>
+        <p:txBody>
+          <a:bodyPr/>
+          <a:lstStyle/>
+          <a:p>
+            <a:pPr algn="ctr"/>
+            <a:r>
+              <a:rPr lang="nl-NL"/>
+              <a:t>Workshop – </a:t>
+            </a:r>
+            <a:r>
+              <a:rPr lang="nl-NL" err="1"/>
+              <a:t>Character</a:t>
+            </a:r>
+            <a:r>
+              <a:rPr lang="nl-NL"/>
+              <a:t> Creator!</a:t>
+            </a:r>
+          </a:p>
+        </p:txBody>
+      </p:sp>
+      <p:sp>
+        <p:nvSpPr>
+          <p:cNvPr id="3" name="Tijdelijke aanduiding voor inhoud 2">
+            <a:extLst>
+              <a:ext uri="{FF2B5EF4-FFF2-40B4-BE49-F238E27FC236}">
+                <a16:creationId xmlns:a16="http://schemas.microsoft.com/office/drawing/2014/main" id="{B4A8B3E8-21C5-CB9D-4318-D07FC69D7343}"/>
+              </a:ext>
+            </a:extLst>
+          </p:cNvPr>
+          <p:cNvSpPr>
+            <a:spLocks noGrp="1"/>
+          </p:cNvSpPr>
+          <p:nvPr>
+            <p:ph idx="1"/>
+          </p:nvPr>
+        </p:nvSpPr>
+        <p:spPr/>
+        <p:txBody>
+          <a:bodyPr vert="horz" lIns="91440" tIns="45720" rIns="91440" bIns="45720" rtlCol="0" anchor="t">
+            <a:normAutofit/>
+          </a:bodyPr>
+          <a:lstStyle/>
+          <a:p>
+            <a:pPr marL="0" indent="0">
+              <a:buNone/>
+            </a:pPr>
+            <a:endParaRPr lang="nl-NL"/>
+          </a:p>
+        </p:txBody>
+      </p:sp>
+      <p:sp>
+        <p:nvSpPr>
+          <p:cNvPr id="4" name="Rectangle 3">
+            <a:extLst>
+              <a:ext uri="{FF2B5EF4-FFF2-40B4-BE49-F238E27FC236}">
+                <a16:creationId xmlns:a16="http://schemas.microsoft.com/office/drawing/2014/main" id="{7D938917-266A-98E8-4612-83709D409572}"/>
+              </a:ext>
+            </a:extLst>
+          </p:cNvPr>
+          <p:cNvSpPr/>
+          <p:nvPr/>
+        </p:nvSpPr>
+        <p:spPr>
+          <a:xfrm>
+            <a:off x="0" y="5560786"/>
+            <a:ext cx="12192000" cy="1502228"/>
+          </a:xfrm>
+          <a:prstGeom prst="rect">
+            <a:avLst/>
+          </a:prstGeom>
+          <a:solidFill>
+            <a:schemeClr val="bg1">
+              <a:lumMod val="85000"/>
+            </a:schemeClr>
+          </a:solidFill>
+          <a:ln>
+            <a:noFill/>
+          </a:ln>
+        </p:spPr>
+        <p:style>
+          <a:lnRef idx="2">
+            <a:schemeClr val="accent1">
+              <a:shade val="15000"/>
+            </a:schemeClr>
+          </a:lnRef>
+          <a:fillRef idx="1">
+            <a:schemeClr val="accent1"/>
+          </a:fillRef>
+          <a:effectRef idx="0">
+            <a:schemeClr val="accent1"/>
+          </a:effectRef>
+          <a:fontRef idx="minor">
+            <a:schemeClr val="lt1"/>
+          </a:fontRef>
+        </p:style>
+        <p:txBody>
+          <a:bodyPr rtlCol="0" anchor="ctr"/>
+          <a:lstStyle/>
+          <a:p>
+            <a:pPr algn="ctr"/>
+            <a:endParaRPr lang="en-GB"/>
+          </a:p>
+        </p:txBody>
+      </p:sp>
+      <p:pic>
+        <p:nvPicPr>
+          <p:cNvPr id="5" name="Graphic 4">
+            <a:extLst>
+              <a:ext uri="{FF2B5EF4-FFF2-40B4-BE49-F238E27FC236}">
+                <a16:creationId xmlns:a16="http://schemas.microsoft.com/office/drawing/2014/main" id="{D94B3C6D-45F9-9C4F-F850-34C436BC6A3D}"/>
+              </a:ext>
+            </a:extLst>
+          </p:cNvPr>
+          <p:cNvPicPr>
+            <a:picLocks noChangeAspect="1"/>
+          </p:cNvPicPr>
+          <p:nvPr/>
+        </p:nvPicPr>
+        <p:blipFill>
+          <a:blip r:embed="rId2">
+            <a:extLst>
+              <a:ext uri="{96DAC541-7B7A-43D3-8B79-37D633B846F1}">
+                <asvg:svgBlip xmlns:asvg="http://schemas.microsoft.com/office/drawing/2016/SVG/main" r:embed="rId3"/>
+              </a:ext>
+            </a:extLst>
+          </a:blip>
+          <a:stretch>
+            <a:fillRect/>
+          </a:stretch>
+        </p:blipFill>
+        <p:spPr>
+          <a:xfrm>
+            <a:off x="4607734" y="5560786"/>
+            <a:ext cx="2976532" cy="1488267"/>
+          </a:xfrm>
+          <a:prstGeom prst="rect">
+            <a:avLst/>
+          </a:prstGeom>
+        </p:spPr>
+      </p:pic>
+      <p:pic>
+        <p:nvPicPr>
+          <p:cNvPr id="6" name="Afbeelding 5" descr="Afbeelding met tekst, schermopname, diagram, ontwerp&#10;&#10;Automatisch gegenereerde beschrijving">
+            <a:extLst>
+              <a:ext uri="{FF2B5EF4-FFF2-40B4-BE49-F238E27FC236}">
+                <a16:creationId xmlns:a16="http://schemas.microsoft.com/office/drawing/2014/main" id="{BBA7D996-7D48-49F1-336F-AE7B1257419B}"/>
+              </a:ext>
+            </a:extLst>
+          </p:cNvPr>
+          <p:cNvPicPr>
+            <a:picLocks noChangeAspect="1"/>
+          </p:cNvPicPr>
+          <p:nvPr/>
+        </p:nvPicPr>
+        <p:blipFill>
+          <a:blip r:embed="rId4"/>
+          <a:stretch>
+            <a:fillRect/>
+          </a:stretch>
+        </p:blipFill>
+        <p:spPr>
+          <a:xfrm>
+            <a:off x="201976" y="979365"/>
+            <a:ext cx="11769686" cy="4587126"/>
+          </a:xfrm>
+          <a:prstGeom prst="rect">
+            <a:avLst/>
+          </a:prstGeom>
+        </p:spPr>
+      </p:pic>
+    </p:spTree>
+    <p:extLst>
+      <p:ext uri="{BB962C8B-B14F-4D97-AF65-F5344CB8AC3E}">
+        <p14:creationId xmlns:p14="http://schemas.microsoft.com/office/powerpoint/2010/main" val="3399054289"/>
+      </p:ext>
+    </p:extLst>
+  </p:cSld>
+  <p:clrMapOvr>
+    <a:masterClrMapping/>
+  </p:clrMapOvr>
+</p:sld>
+</file>
+
+<file path=ppt/slides/slide14.xml><?xml version="1.0" encoding="utf-8"?>
+<p:sld xmlns:a="http://schemas.openxmlformats.org/drawingml/2006/main" xmlns:r="http://schemas.openxmlformats.org/officeDocument/2006/relationships" xmlns:p="http://schemas.openxmlformats.org/presentationml/2006/main">
+  <p:cSld>
+    <p:spTree>
+      <p:nvGrpSpPr>
+        <p:cNvPr id="1" name=""/>
+        <p:cNvGrpSpPr/>
+        <p:nvPr/>
+      </p:nvGrpSpPr>
+      <p:grpSpPr>
+        <a:xfrm>
+          <a:off x="0" y="0"/>
+          <a:ext cx="0" cy="0"/>
+          <a:chOff x="0" y="0"/>
+          <a:chExt cx="0" cy="0"/>
+        </a:xfrm>
+      </p:grpSpPr>
+      <p:sp>
+        <p:nvSpPr>
+          <p:cNvPr id="2" name="Titel 1">
+            <a:extLst>
+              <a:ext uri="{FF2B5EF4-FFF2-40B4-BE49-F238E27FC236}">
+                <a16:creationId xmlns:a16="http://schemas.microsoft.com/office/drawing/2014/main" id="{25EDFDE5-FCE7-22B1-7A02-1668ADC7D309}"/>
+              </a:ext>
+            </a:extLst>
+          </p:cNvPr>
+          <p:cNvSpPr>
+            <a:spLocks noGrp="1"/>
+          </p:cNvSpPr>
+          <p:nvPr>
+            <p:ph type="title"/>
+          </p:nvPr>
+        </p:nvSpPr>
+        <p:spPr>
+          <a:xfrm>
+            <a:off x="0" y="0"/>
+            <a:ext cx="10515600" cy="1325563"/>
+          </a:xfrm>
+        </p:spPr>
+        <p:txBody>
+          <a:bodyPr/>
+          <a:lstStyle/>
+          <a:p>
+            <a:r>
+              <a:rPr lang="nl-NL"/>
+              <a:t>Workshop – </a:t>
+            </a:r>
+            <a:r>
+              <a:rPr lang="nl-NL" err="1"/>
+              <a:t>Character</a:t>
+            </a:r>
+            <a:r>
+              <a:rPr lang="nl-NL"/>
+              <a:t> Creator!</a:t>
+            </a:r>
+          </a:p>
+        </p:txBody>
+      </p:sp>
+      <p:sp>
+        <p:nvSpPr>
+          <p:cNvPr id="3" name="Tijdelijke aanduiding voor inhoud 2">
+            <a:extLst>
+              <a:ext uri="{FF2B5EF4-FFF2-40B4-BE49-F238E27FC236}">
+                <a16:creationId xmlns:a16="http://schemas.microsoft.com/office/drawing/2014/main" id="{B4A8B3E8-21C5-CB9D-4318-D07FC69D7343}"/>
+              </a:ext>
+            </a:extLst>
+          </p:cNvPr>
+          <p:cNvSpPr>
+            <a:spLocks noGrp="1"/>
+          </p:cNvSpPr>
+          <p:nvPr>
+            <p:ph idx="1"/>
+          </p:nvPr>
+        </p:nvSpPr>
+        <p:spPr>
+          <a:xfrm>
+            <a:off x="0" y="662781"/>
+            <a:ext cx="12192000" cy="4351338"/>
+          </a:xfrm>
+        </p:spPr>
+        <p:txBody>
+          <a:bodyPr vert="horz" lIns="91440" tIns="45720" rIns="91440" bIns="45720" rtlCol="0" anchor="t">
+            <a:normAutofit/>
+          </a:bodyPr>
+          <a:lstStyle/>
+          <a:p>
+            <a:endParaRPr lang="nl-NL" sz="2000"/>
+          </a:p>
+          <a:p>
+            <a:r>
+              <a:rPr lang="nl-NL" sz="2000"/>
+              <a:t>Challenge 1: </a:t>
+            </a:r>
+            <a:r>
+              <a:rPr lang="nl-NL" sz="2000" err="1"/>
+              <a:t>Add</a:t>
+            </a:r>
+            <a:r>
+              <a:rPr lang="nl-NL" sz="2000"/>
+              <a:t> “Name” </a:t>
+            </a:r>
+            <a:r>
+              <a:rPr lang="nl-NL" sz="2000" err="1"/>
+              <a:t>and</a:t>
+            </a:r>
+            <a:r>
+              <a:rPr lang="nl-NL" sz="2000"/>
+              <a:t> “</a:t>
+            </a:r>
+            <a:r>
+              <a:rPr lang="nl-NL" sz="2000" err="1"/>
+              <a:t>Victory</a:t>
+            </a:r>
+            <a:r>
+              <a:rPr lang="nl-NL" sz="2000"/>
+              <a:t> Quote” </a:t>
+            </a:r>
+            <a:r>
+              <a:rPr lang="nl-NL" sz="2000" err="1"/>
+              <a:t>under</a:t>
+            </a:r>
+            <a:r>
+              <a:rPr lang="nl-NL" sz="2000"/>
+              <a:t> </a:t>
+            </a:r>
+            <a:r>
+              <a:rPr lang="nl-NL" sz="2000" err="1"/>
+              <a:t>the</a:t>
+            </a:r>
+            <a:r>
+              <a:rPr lang="nl-NL" sz="2000"/>
+              <a:t> </a:t>
+            </a:r>
+            <a:r>
+              <a:rPr lang="nl-NL" sz="2000" err="1"/>
+              <a:t>character</a:t>
+            </a:r>
+            <a:r>
+              <a:rPr lang="nl-NL" sz="2000"/>
+              <a:t>. Make </a:t>
+            </a:r>
+            <a:r>
+              <a:rPr lang="nl-NL" sz="2000" err="1"/>
+              <a:t>use</a:t>
+            </a:r>
+            <a:r>
+              <a:rPr lang="nl-NL" sz="2000"/>
+              <a:t> of data binding.</a:t>
+            </a:r>
+          </a:p>
+          <a:p>
+            <a:r>
+              <a:rPr lang="nl-NL" sz="2000"/>
+              <a:t>Challenge 2: </a:t>
+            </a:r>
+            <a:r>
+              <a:rPr lang="nl-NL" sz="2000" err="1"/>
+              <a:t>Create</a:t>
+            </a:r>
+            <a:r>
+              <a:rPr lang="nl-NL" sz="2000"/>
+              <a:t> a new class </a:t>
+            </a:r>
+            <a:r>
+              <a:rPr lang="nl-NL" sz="2000" err="1"/>
+              <a:t>named</a:t>
+            </a:r>
+            <a:r>
+              <a:rPr lang="nl-NL" sz="2000"/>
+              <a:t> </a:t>
+            </a:r>
+            <a:r>
+              <a:rPr lang="nl-NL" sz="2000" err="1"/>
+              <a:t>Gamebreaker</a:t>
+            </a:r>
+            <a:r>
+              <a:rPr lang="nl-NL" sz="2000"/>
+              <a:t>, </a:t>
+            </a:r>
+            <a:r>
+              <a:rPr lang="nl-NL" sz="2000" err="1"/>
+              <a:t>which</a:t>
+            </a:r>
+            <a:r>
+              <a:rPr lang="nl-NL" sz="2000"/>
+              <a:t> </a:t>
+            </a:r>
+            <a:r>
+              <a:rPr lang="nl-NL" sz="2000" err="1"/>
+              <a:t>can</a:t>
+            </a:r>
+            <a:r>
+              <a:rPr lang="nl-NL" sz="2000"/>
+              <a:t> </a:t>
+            </a:r>
+            <a:r>
+              <a:rPr lang="nl-NL" sz="2000" err="1"/>
+              <a:t>manipulate</a:t>
+            </a:r>
+            <a:r>
+              <a:rPr lang="nl-NL" sz="2000"/>
+              <a:t> </a:t>
+            </a:r>
+            <a:r>
+              <a:rPr lang="nl-NL" sz="2000" err="1"/>
+              <a:t>all</a:t>
+            </a:r>
+            <a:r>
+              <a:rPr lang="nl-NL" sz="2000"/>
+              <a:t> </a:t>
+            </a:r>
+            <a:r>
+              <a:rPr lang="nl-NL" sz="2000" err="1"/>
+              <a:t>the</a:t>
+            </a:r>
+            <a:r>
+              <a:rPr lang="nl-NL" sz="2000"/>
+              <a:t> </a:t>
+            </a:r>
+            <a:r>
+              <a:rPr lang="nl-NL" sz="2000" err="1"/>
+              <a:t>stats</a:t>
+            </a:r>
+            <a:r>
+              <a:rPr lang="nl-NL" sz="2000"/>
+              <a:t>, </a:t>
+            </a:r>
+            <a:r>
+              <a:rPr lang="nl-NL" sz="2000" err="1"/>
+              <a:t>including</a:t>
+            </a:r>
+            <a:r>
+              <a:rPr lang="nl-NL" sz="2000"/>
+              <a:t> </a:t>
+            </a:r>
+            <a:r>
+              <a:rPr lang="nl-NL" sz="2000" err="1"/>
+              <a:t>height</a:t>
+            </a:r>
+            <a:r>
+              <a:rPr lang="nl-NL" sz="2000"/>
+              <a:t> </a:t>
+            </a:r>
+            <a:r>
+              <a:rPr lang="nl-NL" sz="2000" err="1"/>
+              <a:t>and</a:t>
+            </a:r>
+            <a:r>
+              <a:rPr lang="nl-NL" sz="2000"/>
+              <a:t> </a:t>
+            </a:r>
+            <a:r>
+              <a:rPr lang="nl-NL" sz="2000" err="1"/>
+              <a:t>width</a:t>
+            </a:r>
+            <a:r>
+              <a:rPr lang="nl-NL" sz="2000"/>
+              <a:t>. Make </a:t>
+            </a:r>
+            <a:r>
+              <a:rPr lang="nl-NL" sz="2000" err="1"/>
+              <a:t>sure</a:t>
+            </a:r>
+            <a:r>
+              <a:rPr lang="nl-NL" sz="2000"/>
+              <a:t> </a:t>
+            </a:r>
+            <a:r>
+              <a:rPr lang="nl-NL" sz="2000" err="1"/>
+              <a:t>that</a:t>
+            </a:r>
+            <a:r>
+              <a:rPr lang="nl-NL" sz="2000"/>
+              <a:t> </a:t>
+            </a:r>
+            <a:r>
+              <a:rPr lang="nl-NL" sz="2000" err="1"/>
+              <a:t>the</a:t>
+            </a:r>
+            <a:r>
+              <a:rPr lang="nl-NL" sz="2000"/>
+              <a:t> </a:t>
+            </a:r>
+            <a:r>
+              <a:rPr lang="nl-NL" sz="2000" err="1"/>
+              <a:t>height</a:t>
+            </a:r>
+            <a:r>
+              <a:rPr lang="nl-NL" sz="2000"/>
+              <a:t> </a:t>
+            </a:r>
+            <a:r>
+              <a:rPr lang="nl-NL" sz="2000" err="1"/>
+              <a:t>and</a:t>
+            </a:r>
+            <a:r>
+              <a:rPr lang="nl-NL" sz="2000"/>
+              <a:t> </a:t>
+            </a:r>
+            <a:r>
+              <a:rPr lang="nl-NL" sz="2000" err="1"/>
+              <a:t>width</a:t>
+            </a:r>
+            <a:r>
+              <a:rPr lang="nl-NL" sz="2000"/>
+              <a:t> </a:t>
+            </a:r>
+            <a:r>
+              <a:rPr lang="nl-NL" sz="2000" err="1"/>
+              <a:t>dynamically</a:t>
+            </a:r>
+            <a:r>
+              <a:rPr lang="nl-NL" sz="2000"/>
+              <a:t> change </a:t>
+            </a:r>
+            <a:r>
+              <a:rPr lang="nl-NL" sz="2000" err="1"/>
+              <a:t>the</a:t>
+            </a:r>
+            <a:r>
+              <a:rPr lang="nl-NL" sz="2000"/>
+              <a:t> </a:t>
+            </a:r>
+            <a:r>
+              <a:rPr lang="nl-NL" sz="2000" err="1"/>
+              <a:t>character’s</a:t>
+            </a:r>
+            <a:r>
+              <a:rPr lang="nl-NL" sz="2000"/>
+              <a:t> </a:t>
+            </a:r>
+            <a:r>
+              <a:rPr lang="nl-NL" sz="2000" err="1"/>
+              <a:t>height</a:t>
+            </a:r>
+            <a:r>
+              <a:rPr lang="nl-NL" sz="2000"/>
+              <a:t> </a:t>
+            </a:r>
+            <a:r>
+              <a:rPr lang="nl-NL" sz="2000" err="1"/>
+              <a:t>and</a:t>
+            </a:r>
+            <a:r>
+              <a:rPr lang="nl-NL" sz="2000"/>
+              <a:t> </a:t>
+            </a:r>
+            <a:r>
+              <a:rPr lang="nl-NL" sz="2000" err="1"/>
+              <a:t>width</a:t>
+            </a:r>
+            <a:r>
+              <a:rPr lang="nl-NL" sz="2000"/>
+              <a:t> as well.</a:t>
+            </a:r>
+          </a:p>
+          <a:p>
+            <a:r>
+              <a:rPr lang="nl-NL" sz="2000"/>
+              <a:t>Challenge 3: </a:t>
+            </a:r>
+            <a:r>
+              <a:rPr lang="nl-NL" sz="2000" err="1"/>
+              <a:t>Add</a:t>
+            </a:r>
+            <a:r>
+              <a:rPr lang="nl-NL" sz="2000"/>
+              <a:t> </a:t>
+            </a:r>
+            <a:r>
+              <a:rPr lang="nl-NL" sz="2000" err="1"/>
+              <a:t>color</a:t>
+            </a:r>
+            <a:r>
+              <a:rPr lang="nl-NL" sz="2000"/>
+              <a:t> input </a:t>
+            </a:r>
+            <a:r>
+              <a:rPr lang="nl-NL" sz="2000" err="1"/>
+              <a:t>to</a:t>
+            </a:r>
+            <a:r>
+              <a:rPr lang="nl-NL" sz="2000"/>
+              <a:t> </a:t>
+            </a:r>
+            <a:r>
+              <a:rPr lang="nl-NL" sz="2000" err="1"/>
+              <a:t>customize</a:t>
+            </a:r>
+            <a:r>
+              <a:rPr lang="nl-NL" sz="2000"/>
+              <a:t> </a:t>
+            </a:r>
+            <a:r>
+              <a:rPr lang="nl-NL" sz="2000" err="1"/>
+              <a:t>character</a:t>
+            </a:r>
+            <a:r>
+              <a:rPr lang="nl-NL" sz="2000"/>
+              <a:t> </a:t>
+            </a:r>
+            <a:r>
+              <a:rPr lang="nl-NL" sz="2000" err="1"/>
+              <a:t>color</a:t>
+            </a:r>
+            <a:r>
+              <a:rPr lang="nl-NL" sz="2000"/>
+              <a:t> per body part. Make </a:t>
+            </a:r>
+            <a:r>
+              <a:rPr lang="nl-NL" sz="2000" err="1"/>
+              <a:t>use</a:t>
+            </a:r>
+            <a:r>
+              <a:rPr lang="nl-NL" sz="2000"/>
+              <a:t> of data binding.</a:t>
+            </a:r>
+          </a:p>
+          <a:p>
+            <a:endParaRPr lang="nl-NL" sz="2000"/>
+          </a:p>
+          <a:p>
+            <a:endParaRPr lang="nl-NL" sz="2000"/>
+          </a:p>
+          <a:p>
+            <a:r>
+              <a:rPr lang="nl-NL" sz="2000" err="1"/>
+              <a:t>Helpful</a:t>
+            </a:r>
+            <a:r>
+              <a:rPr lang="nl-NL" sz="2000"/>
+              <a:t> </a:t>
+            </a:r>
+            <a:r>
+              <a:rPr lang="nl-NL" sz="2000" err="1"/>
+              <a:t>recourses</a:t>
+            </a:r>
+            <a:r>
+              <a:rPr lang="nl-NL" sz="2000"/>
+              <a:t>:</a:t>
+            </a:r>
+          </a:p>
+          <a:p>
+            <a:pPr lvl="1"/>
+            <a:r>
+              <a:rPr lang="nl-NL" sz="1600">
+                <a:hlinkClick r:id="rId2"/>
+              </a:rPr>
+              <a:t>https://play.avaloniaui.net/</a:t>
+            </a:r>
+            <a:endParaRPr lang="nl-NL" sz="1600"/>
+          </a:p>
+          <a:p>
+            <a:pPr lvl="1"/>
+            <a:r>
+              <a:rPr lang="nl-NL" sz="1600">
+                <a:ea typeface="+mn-lt"/>
+                <a:cs typeface="+mn-lt"/>
+                <a:hlinkClick r:id="rId3"/>
+              </a:rPr>
+              <a:t>https://docs.avaloniaui.net/docs/welcome</a:t>
+            </a:r>
+            <a:endParaRPr lang="nl-NL" sz="1600"/>
+          </a:p>
+          <a:p>
+            <a:pPr lvl="1"/>
+            <a:r>
+              <a:rPr lang="nl-NL" sz="1600"/>
+              <a:t>README </a:t>
+            </a:r>
+            <a:r>
+              <a:rPr lang="nl-NL" sz="1600" err="1"/>
+              <a:t>for</a:t>
+            </a:r>
+            <a:r>
+              <a:rPr lang="nl-NL" sz="1600"/>
+              <a:t> project </a:t>
+            </a:r>
+            <a:r>
+              <a:rPr lang="nl-NL" sz="1600" err="1"/>
+              <a:t>build</a:t>
+            </a:r>
+            <a:r>
+              <a:rPr lang="nl-NL" sz="1600"/>
+              <a:t> </a:t>
+            </a:r>
+            <a:r>
+              <a:rPr lang="nl-NL" sz="1600" err="1"/>
+              <a:t>instructions</a:t>
+            </a:r>
+            <a:endParaRPr lang="nl-NL" sz="1600"/>
+          </a:p>
+          <a:p>
+            <a:pPr lvl="1"/>
+            <a:r>
+              <a:rPr lang="nl-NL" sz="1600" err="1"/>
+              <a:t>Otherwise</a:t>
+            </a:r>
+            <a:r>
+              <a:rPr lang="nl-NL" sz="1600"/>
+              <a:t>, </a:t>
+            </a:r>
+            <a:r>
+              <a:rPr lang="nl-NL" sz="1600" err="1"/>
+              <a:t>ask</a:t>
+            </a:r>
+            <a:r>
+              <a:rPr lang="nl-NL" sz="1600"/>
+              <a:t> </a:t>
+            </a:r>
+            <a:r>
+              <a:rPr lang="nl-NL" sz="1600" err="1"/>
+              <a:t>us</a:t>
+            </a:r>
+            <a:r>
+              <a:rPr lang="nl-NL" sz="1600"/>
+              <a:t>!</a:t>
+            </a:r>
+          </a:p>
+        </p:txBody>
+      </p:sp>
+      <p:sp>
+        <p:nvSpPr>
+          <p:cNvPr id="4" name="Rectangle 3">
+            <a:extLst>
+              <a:ext uri="{FF2B5EF4-FFF2-40B4-BE49-F238E27FC236}">
+                <a16:creationId xmlns:a16="http://schemas.microsoft.com/office/drawing/2014/main" id="{7D938917-266A-98E8-4612-83709D409572}"/>
+              </a:ext>
+            </a:extLst>
+          </p:cNvPr>
+          <p:cNvSpPr/>
+          <p:nvPr/>
+        </p:nvSpPr>
+        <p:spPr>
+          <a:xfrm>
+            <a:off x="0" y="5560786"/>
+            <a:ext cx="12192000" cy="1502228"/>
+          </a:xfrm>
+          <a:prstGeom prst="rect">
+            <a:avLst/>
+          </a:prstGeom>
+          <a:solidFill>
+            <a:schemeClr val="bg1">
+              <a:lumMod val="85000"/>
+            </a:schemeClr>
+          </a:solidFill>
+          <a:ln>
+            <a:noFill/>
+          </a:ln>
+        </p:spPr>
+        <p:style>
+          <a:lnRef idx="2">
+            <a:schemeClr val="accent1">
+              <a:shade val="15000"/>
+            </a:schemeClr>
+          </a:lnRef>
+          <a:fillRef idx="1">
+            <a:schemeClr val="accent1"/>
+          </a:fillRef>
+          <a:effectRef idx="0">
+            <a:schemeClr val="accent1"/>
+          </a:effectRef>
+          <a:fontRef idx="minor">
+            <a:schemeClr val="lt1"/>
+          </a:fontRef>
+        </p:style>
+        <p:txBody>
+          <a:bodyPr rtlCol="0" anchor="ctr"/>
+          <a:lstStyle/>
+          <a:p>
+            <a:pPr algn="ctr"/>
+            <a:endParaRPr lang="en-GB"/>
+          </a:p>
+        </p:txBody>
+      </p:sp>
+      <p:pic>
+        <p:nvPicPr>
+          <p:cNvPr id="5" name="Graphic 4">
+            <a:extLst>
+              <a:ext uri="{FF2B5EF4-FFF2-40B4-BE49-F238E27FC236}">
+                <a16:creationId xmlns:a16="http://schemas.microsoft.com/office/drawing/2014/main" id="{D94B3C6D-45F9-9C4F-F850-34C436BC6A3D}"/>
+              </a:ext>
+            </a:extLst>
+          </p:cNvPr>
+          <p:cNvPicPr>
+            <a:picLocks noChangeAspect="1"/>
+          </p:cNvPicPr>
+          <p:nvPr/>
+        </p:nvPicPr>
+        <p:blipFill>
+          <a:blip r:embed="rId4">
+            <a:extLst>
+              <a:ext uri="{96DAC541-7B7A-43D3-8B79-37D633B846F1}">
+                <asvg:svgBlip xmlns:asvg="http://schemas.microsoft.com/office/drawing/2016/SVG/main" r:embed="rId5"/>
+              </a:ext>
+            </a:extLst>
+          </a:blip>
+          <a:stretch>
+            <a:fillRect/>
+          </a:stretch>
+        </p:blipFill>
+        <p:spPr>
+          <a:xfrm>
+            <a:off x="4607734" y="5560786"/>
+            <a:ext cx="2976532" cy="1488267"/>
+          </a:xfrm>
+          <a:prstGeom prst="rect">
+            <a:avLst/>
+          </a:prstGeom>
+        </p:spPr>
+      </p:pic>
+    </p:spTree>
+    <p:extLst>
+      <p:ext uri="{BB962C8B-B14F-4D97-AF65-F5344CB8AC3E}">
+        <p14:creationId xmlns:p14="http://schemas.microsoft.com/office/powerpoint/2010/main" val="1345336737"/>
+      </p:ext>
+    </p:extLst>
+  </p:cSld>
+  <p:clrMapOvr>
+    <a:masterClrMapping/>
+  </p:clrMapOvr>
+</p:sld>
+</file>
+
+<file path=ppt/slides/slide15.xml><?xml version="1.0" encoding="utf-8"?>
+<p:sld xmlns:a="http://schemas.openxmlformats.org/drawingml/2006/main" xmlns:r="http://schemas.openxmlformats.org/officeDocument/2006/relationships" xmlns:p="http://schemas.openxmlformats.org/presentationml/2006/main">
+  <p:cSld>
+    <p:spTree>
+      <p:nvGrpSpPr>
+        <p:cNvPr id="1" name=""/>
+        <p:cNvGrpSpPr/>
+        <p:nvPr/>
+      </p:nvGrpSpPr>
+      <p:grpSpPr>
+        <a:xfrm>
+          <a:off x="0" y="0"/>
+          <a:ext cx="0" cy="0"/>
+          <a:chOff x="0" y="0"/>
+          <a:chExt cx="0" cy="0"/>
+        </a:xfrm>
+      </p:grpSpPr>
+      <p:sp>
+        <p:nvSpPr>
+          <p:cNvPr id="2" name="Titel 1">
+            <a:extLst>
+              <a:ext uri="{FF2B5EF4-FFF2-40B4-BE49-F238E27FC236}">
+                <a16:creationId xmlns:a16="http://schemas.microsoft.com/office/drawing/2014/main" id="{25EDFDE5-FCE7-22B1-7A02-1668ADC7D309}"/>
+              </a:ext>
+            </a:extLst>
+          </p:cNvPr>
+          <p:cNvSpPr>
+            <a:spLocks noGrp="1"/>
+          </p:cNvSpPr>
+          <p:nvPr>
+            <p:ph type="title"/>
+          </p:nvPr>
+        </p:nvSpPr>
+        <p:spPr>
+          <a:xfrm>
+            <a:off x="0" y="18255"/>
+            <a:ext cx="10515600" cy="1325563"/>
+          </a:xfrm>
+        </p:spPr>
+        <p:txBody>
+          <a:bodyPr/>
+          <a:lstStyle/>
+          <a:p>
+            <a:r>
+              <a:rPr lang="nl-NL"/>
+              <a:t>Pros/</a:t>
+            </a:r>
+            <a:r>
+              <a:rPr lang="nl-NL" err="1"/>
+              <a:t>cons</a:t>
+            </a:r>
+            <a:endParaRPr lang="nl-NL"/>
+          </a:p>
+        </p:txBody>
+      </p:sp>
+      <p:sp>
+        <p:nvSpPr>
+          <p:cNvPr id="3" name="Tijdelijke aanduiding voor inhoud 2">
+            <a:extLst>
+              <a:ext uri="{FF2B5EF4-FFF2-40B4-BE49-F238E27FC236}">
+                <a16:creationId xmlns:a16="http://schemas.microsoft.com/office/drawing/2014/main" id="{B4A8B3E8-21C5-CB9D-4318-D07FC69D7343}"/>
+              </a:ext>
+            </a:extLst>
+          </p:cNvPr>
+          <p:cNvSpPr>
+            <a:spLocks noGrp="1"/>
+          </p:cNvSpPr>
+          <p:nvPr>
+            <p:ph idx="1"/>
+          </p:nvPr>
+        </p:nvSpPr>
+        <p:spPr>
+          <a:xfrm>
+            <a:off x="0" y="1276633"/>
+            <a:ext cx="10515600" cy="4351338"/>
+          </a:xfrm>
+        </p:spPr>
+        <p:txBody>
+          <a:bodyPr>
+            <a:normAutofit/>
+          </a:bodyPr>
+          <a:lstStyle/>
+          <a:p>
+            <a:r>
+              <a:rPr lang="nl-NL" sz="3200"/>
+              <a:t>Pros</a:t>
+            </a:r>
+          </a:p>
+          <a:p>
+            <a:pPr lvl="1"/>
+            <a:r>
+              <a:rPr lang="nl-NL" sz="2800"/>
+              <a:t>Easy </a:t>
+            </a:r>
+            <a:r>
+              <a:rPr lang="nl-NL" sz="2800" err="1"/>
+              <a:t>to</a:t>
+            </a:r>
+            <a:r>
+              <a:rPr lang="nl-NL" sz="2800"/>
+              <a:t> </a:t>
+            </a:r>
+            <a:r>
+              <a:rPr lang="nl-NL" sz="2800" err="1"/>
+              <a:t>build</a:t>
+            </a:r>
+            <a:r>
+              <a:rPr lang="nl-NL" sz="2800"/>
+              <a:t> modern UI</a:t>
+            </a:r>
+          </a:p>
+          <a:p>
+            <a:pPr lvl="1"/>
+            <a:r>
+              <a:rPr lang="nl-NL" sz="2800"/>
+              <a:t>Easy </a:t>
+            </a:r>
+            <a:r>
+              <a:rPr lang="nl-NL" sz="2800" err="1"/>
+              <a:t>to</a:t>
+            </a:r>
+            <a:r>
+              <a:rPr lang="nl-NL" sz="2800"/>
+              <a:t> </a:t>
+            </a:r>
+            <a:r>
+              <a:rPr lang="nl-NL" sz="2800" err="1"/>
+              <a:t>maintain</a:t>
+            </a:r>
+            <a:r>
+              <a:rPr lang="nl-NL" sz="2800"/>
+              <a:t> code</a:t>
+            </a:r>
+          </a:p>
+          <a:p>
+            <a:pPr lvl="1"/>
+            <a:r>
+              <a:rPr lang="nl-NL" sz="2800"/>
+              <a:t>Easy </a:t>
+            </a:r>
+            <a:r>
+              <a:rPr lang="nl-NL" sz="2800" err="1"/>
+              <a:t>to</a:t>
+            </a:r>
+            <a:r>
+              <a:rPr lang="nl-NL" sz="2800"/>
+              <a:t> test, without </a:t>
+            </a:r>
+            <a:r>
+              <a:rPr lang="nl-NL" sz="2800" err="1"/>
+              <a:t>referencing</a:t>
+            </a:r>
+            <a:r>
+              <a:rPr lang="nl-NL" sz="2800"/>
+              <a:t> UI</a:t>
+            </a:r>
+          </a:p>
+          <a:p>
+            <a:r>
+              <a:rPr lang="nl-NL" sz="3200" err="1"/>
+              <a:t>Cons</a:t>
+            </a:r>
+            <a:endParaRPr lang="nl-NL" sz="3200"/>
+          </a:p>
+          <a:p>
+            <a:pPr lvl="1"/>
+            <a:r>
+              <a:rPr lang="nl-NL" sz="2800" err="1"/>
+              <a:t>Lack</a:t>
+            </a:r>
+            <a:r>
+              <a:rPr lang="nl-NL" sz="2800"/>
+              <a:t> of </a:t>
+            </a:r>
+            <a:r>
+              <a:rPr lang="nl-NL" sz="2800" err="1"/>
+              <a:t>documentation</a:t>
+            </a:r>
+            <a:endParaRPr lang="nl-NL" sz="2800"/>
+          </a:p>
+          <a:p>
+            <a:pPr lvl="1"/>
+            <a:r>
+              <a:rPr lang="nl-NL" sz="2800"/>
+              <a:t>Overkill </a:t>
+            </a:r>
+            <a:r>
+              <a:rPr lang="nl-NL" sz="2800" err="1"/>
+              <a:t>for</a:t>
+            </a:r>
+            <a:r>
+              <a:rPr lang="nl-NL" sz="2800"/>
+              <a:t> single –page or </a:t>
+            </a:r>
+            <a:r>
+              <a:rPr lang="nl-NL" sz="2800" err="1"/>
+              <a:t>very</a:t>
+            </a:r>
+            <a:r>
+              <a:rPr lang="nl-NL" sz="2800"/>
+              <a:t> small apps.</a:t>
+            </a:r>
+          </a:p>
+          <a:p>
+            <a:pPr lvl="1"/>
+            <a:r>
+              <a:rPr lang="nl-NL" sz="2800"/>
+              <a:t>Previewer support</a:t>
+            </a:r>
+          </a:p>
+          <a:p>
+            <a:pPr lvl="1"/>
+            <a:r>
+              <a:rPr lang="nl-NL" sz="2800"/>
+              <a:t>Docker </a:t>
+            </a:r>
+            <a:r>
+              <a:rPr lang="nl-NL" sz="2800" err="1"/>
+              <a:t>limitations</a:t>
+            </a:r>
+            <a:endParaRPr lang="nl-NL" sz="2800"/>
+          </a:p>
+        </p:txBody>
+      </p:sp>
+      <p:sp>
+        <p:nvSpPr>
+          <p:cNvPr id="4" name="Rectangle 3">
+            <a:extLst>
+              <a:ext uri="{FF2B5EF4-FFF2-40B4-BE49-F238E27FC236}">
+                <a16:creationId xmlns:a16="http://schemas.microsoft.com/office/drawing/2014/main" id="{7D938917-266A-98E8-4612-83709D409572}"/>
+              </a:ext>
+            </a:extLst>
+          </p:cNvPr>
+          <p:cNvSpPr/>
+          <p:nvPr/>
+        </p:nvSpPr>
+        <p:spPr>
+          <a:xfrm>
+            <a:off x="0" y="5560786"/>
+            <a:ext cx="12192000" cy="1502228"/>
+          </a:xfrm>
+          <a:prstGeom prst="rect">
+            <a:avLst/>
+          </a:prstGeom>
+          <a:solidFill>
+            <a:schemeClr val="bg1">
+              <a:lumMod val="85000"/>
+            </a:schemeClr>
+          </a:solidFill>
+          <a:ln>
+            <a:noFill/>
+          </a:ln>
+        </p:spPr>
+        <p:style>
+          <a:lnRef idx="2">
+            <a:schemeClr val="accent1">
+              <a:shade val="15000"/>
+            </a:schemeClr>
+          </a:lnRef>
+          <a:fillRef idx="1">
+            <a:schemeClr val="accent1"/>
+          </a:fillRef>
+          <a:effectRef idx="0">
+            <a:schemeClr val="accent1"/>
+          </a:effectRef>
+          <a:fontRef idx="minor">
+            <a:schemeClr val="lt1"/>
+          </a:fontRef>
+        </p:style>
+        <p:txBody>
+          <a:bodyPr rtlCol="0" anchor="ctr"/>
+          <a:lstStyle/>
+          <a:p>
+            <a:pPr algn="ctr"/>
+            <a:endParaRPr lang="en-GB"/>
+          </a:p>
+        </p:txBody>
+      </p:sp>
+      <p:pic>
+        <p:nvPicPr>
           <p:cNvPr id="5" name="Graphic 4">
             <a:extLst>
               <a:ext uri="{FF2B5EF4-FFF2-40B4-BE49-F238E27FC236}">
@@ -4232,7 +7049,7 @@
 </p:sld>
 </file>
 
-<file path=ppt/slides/slide11.xml><?xml version="1.0" encoding="utf-8"?>
+<file path=ppt/slides/slide16.xml><?xml version="1.0" encoding="utf-8"?>
 <p:sld xmlns:a="http://schemas.openxmlformats.org/drawingml/2006/main" xmlns:r="http://schemas.openxmlformats.org/officeDocument/2006/relationships" xmlns:p="http://schemas.openxmlformats.org/presentationml/2006/main">
   <p:cSld>
     <p:spTree>
@@ -4275,15 +7092,7 @@
           <a:bodyPr/>
           <a:lstStyle/>
           <a:p>
-            <a:r>
-              <a:rPr lang="nl-NL" dirty="0"/>
-              <a:t>Workshop 14th </a:t>
-            </a:r>
-            <a:r>
-              <a:rPr lang="nl-NL" dirty="0" err="1"/>
-              <a:t>October</a:t>
-            </a:r>
-            <a:endParaRPr lang="nl-NL" dirty="0"/>
+            <a:endParaRPr lang="nl-NL"/>
           </a:p>
         </p:txBody>
       </p:sp>
@@ -4314,35 +7123,35 @@
           <a:lstStyle/>
           <a:p>
             <a:r>
-              <a:rPr lang="nl-NL" dirty="0" err="1"/>
+              <a:rPr lang="nl-NL" err="1"/>
               <a:t>Thank</a:t>
             </a:r>
             <a:r>
-              <a:rPr lang="nl-NL" dirty="0"/>
+              <a:rPr lang="nl-NL"/>
               <a:t> </a:t>
             </a:r>
             <a:r>
-              <a:rPr lang="nl-NL" dirty="0" err="1"/>
+              <a:rPr lang="nl-NL" err="1"/>
               <a:t>you</a:t>
             </a:r>
             <a:r>
-              <a:rPr lang="nl-NL" dirty="0"/>
+              <a:rPr lang="nl-NL"/>
               <a:t> </a:t>
             </a:r>
             <a:r>
-              <a:rPr lang="nl-NL" dirty="0" err="1"/>
+              <a:rPr lang="nl-NL" err="1"/>
               <a:t>for</a:t>
             </a:r>
             <a:r>
-              <a:rPr lang="nl-NL" dirty="0"/>
+              <a:rPr lang="nl-NL"/>
               <a:t> </a:t>
             </a:r>
             <a:r>
-              <a:rPr lang="nl-NL" dirty="0" err="1"/>
+              <a:rPr lang="nl-NL" err="1"/>
               <a:t>your</a:t>
             </a:r>
             <a:r>
-              <a:rPr lang="nl-NL" dirty="0"/>
+              <a:rPr lang="nl-NL"/>
               <a:t> attention!</a:t>
             </a:r>
           </a:p>
@@ -4430,13 +7239,18 @@
             <p:ph type="title"/>
           </p:nvPr>
         </p:nvSpPr>
-        <p:spPr/>
+        <p:spPr>
+          <a:xfrm>
+            <a:off x="2754" y="-2104"/>
+            <a:ext cx="10515600" cy="1325563"/>
+          </a:xfrm>
+        </p:spPr>
         <p:txBody>
           <a:bodyPr/>
           <a:lstStyle/>
           <a:p>
             <a:r>
-              <a:rPr lang="nl-NL" dirty="0"/>
+              <a:rPr lang="nl-NL"/>
               <a:t>Index</a:t>
             </a:r>
           </a:p>
@@ -4458,123 +7272,175 @@
             <p:ph idx="1"/>
           </p:nvPr>
         </p:nvSpPr>
-        <p:spPr/>
-        <p:txBody>
-          <a:bodyPr/>
+        <p:spPr>
+          <a:xfrm>
+            <a:off x="2754" y="1320685"/>
+            <a:ext cx="10515600" cy="4351338"/>
+          </a:xfrm>
+        </p:spPr>
+        <p:txBody>
+          <a:bodyPr vert="horz" lIns="91440" tIns="45720" rIns="91440" bIns="45720" rtlCol="0" anchor="t">
+            <a:normAutofit fontScale="92500" lnSpcReduction="20000"/>
+          </a:bodyPr>
           <a:lstStyle/>
           <a:p>
             <a:r>
-              <a:rPr lang="nl-NL" dirty="0" err="1"/>
+              <a:rPr lang="nl-NL" err="1"/>
               <a:t>What</a:t>
             </a:r>
             <a:r>
-              <a:rPr lang="nl-NL" dirty="0"/>
+              <a:rPr lang="nl-NL"/>
               <a:t> is </a:t>
             </a:r>
             <a:r>
-              <a:rPr lang="nl-NL" dirty="0" err="1"/>
+              <a:rPr lang="nl-NL" err="1"/>
               <a:t>Avalonia</a:t>
             </a:r>
             <a:r>
-              <a:rPr lang="nl-NL" dirty="0"/>
+              <a:rPr lang="nl-NL"/>
               <a:t> UI?</a:t>
             </a:r>
           </a:p>
           <a:p>
             <a:r>
-              <a:rPr lang="nl-NL" dirty="0"/>
-              <a:t>A brief </a:t>
-            </a:r>
-            <a:r>
-              <a:rPr lang="nl-NL" dirty="0" err="1"/>
-              <a:t>history</a:t>
-            </a:r>
-            <a:endParaRPr lang="nl-NL" dirty="0"/>
-          </a:p>
-          <a:p>
-            <a:r>
-              <a:rPr lang="nl-NL" dirty="0" err="1"/>
-              <a:t>Competing</a:t>
-            </a:r>
-            <a:r>
-              <a:rPr lang="nl-NL" dirty="0"/>
+              <a:rPr lang="nl-NL"/>
+              <a:t>How does MVVM </a:t>
+            </a:r>
+            <a:r>
+              <a:rPr lang="nl-NL" err="1"/>
+              <a:t>work</a:t>
+            </a:r>
+            <a:r>
+              <a:rPr lang="nl-NL"/>
+              <a:t>?</a:t>
+            </a:r>
+          </a:p>
+          <a:p>
+            <a:r>
+              <a:rPr lang="nl-NL" err="1"/>
+              <a:t>Avalonia</a:t>
+            </a:r>
+            <a:r>
+              <a:rPr lang="nl-NL"/>
+              <a:t> UI </a:t>
+            </a:r>
+            <a:r>
+              <a:rPr lang="nl-NL" err="1"/>
+              <a:t>vs</a:t>
+            </a:r>
+            <a:endParaRPr lang="nl-NL"/>
+          </a:p>
+          <a:p>
+            <a:pPr lvl="1">
+              <a:buFont typeface="Courier New" panose="020B0604020202020204" pitchFamily="34" charset="0"/>
+              <a:buChar char="o"/>
+            </a:pPr>
+            <a:r>
+              <a:rPr lang="nl-NL"/>
+              <a:t>MAUI</a:t>
+            </a:r>
+          </a:p>
+          <a:p>
+            <a:pPr lvl="1">
+              <a:buFont typeface="Courier New" panose="020B0604020202020204" pitchFamily="34" charset="0"/>
+              <a:buChar char="o"/>
+            </a:pPr>
+            <a:r>
+              <a:rPr lang="nl-NL" err="1"/>
+              <a:t>Electron</a:t>
+            </a:r>
+            <a:endParaRPr lang="nl-NL"/>
+          </a:p>
+          <a:p>
+            <a:pPr lvl="1">
+              <a:buFont typeface="Courier New" panose="020B0604020202020204" pitchFamily="34" charset="0"/>
+              <a:buChar char="o"/>
+            </a:pPr>
+            <a:r>
+              <a:rPr lang="nl-NL"/>
+              <a:t>Flutter</a:t>
+            </a:r>
+          </a:p>
+          <a:p>
+            <a:r>
+              <a:rPr lang="nl-NL"/>
+              <a:t>WPF </a:t>
+            </a:r>
+            <a:r>
+              <a:rPr lang="nl-NL" err="1"/>
+              <a:t>integration</a:t>
+            </a:r>
+            <a:endParaRPr lang="nl-NL"/>
+          </a:p>
+          <a:p>
+            <a:r>
+              <a:rPr lang="nl-NL" err="1"/>
+              <a:t>What</a:t>
+            </a:r>
+            <a:r>
+              <a:rPr lang="nl-NL"/>
               <a:t> </a:t>
             </a:r>
             <a:r>
-              <a:rPr lang="nl-NL" dirty="0" err="1"/>
-              <a:t>products</a:t>
-            </a:r>
-            <a:endParaRPr lang="nl-NL" dirty="0"/>
-          </a:p>
-          <a:p>
-            <a:r>
-              <a:rPr lang="nl-NL" dirty="0" err="1"/>
-              <a:t>What</a:t>
-            </a:r>
-            <a:r>
-              <a:rPr lang="nl-NL" dirty="0"/>
+              <a:rPr lang="nl-NL" err="1"/>
+              <a:t>problems</a:t>
+            </a:r>
+            <a:r>
+              <a:rPr lang="nl-NL"/>
+              <a:t> does </a:t>
+            </a:r>
+            <a:r>
+              <a:rPr lang="nl-NL" err="1"/>
+              <a:t>it</a:t>
+            </a:r>
+            <a:r>
+              <a:rPr lang="nl-NL"/>
               <a:t> </a:t>
             </a:r>
             <a:r>
-              <a:rPr lang="nl-NL" dirty="0" err="1"/>
-              <a:t>problems</a:t>
-            </a:r>
-            <a:r>
-              <a:rPr lang="nl-NL" dirty="0"/>
-              <a:t> does </a:t>
-            </a:r>
-            <a:r>
-              <a:rPr lang="nl-NL" dirty="0" err="1"/>
-              <a:t>it</a:t>
-            </a:r>
-            <a:r>
-              <a:rPr lang="nl-NL" dirty="0"/>
+              <a:rPr lang="nl-NL" err="1"/>
+              <a:t>solve</a:t>
+            </a:r>
+            <a:r>
+              <a:rPr lang="nl-NL"/>
+              <a:t>?</a:t>
+            </a:r>
+          </a:p>
+          <a:p>
+            <a:r>
+              <a:rPr lang="nl-NL"/>
+              <a:t>Visual Studio </a:t>
+            </a:r>
+            <a:r>
+              <a:rPr lang="nl-NL" err="1"/>
+              <a:t>vs</a:t>
+            </a:r>
+            <a:r>
+              <a:rPr lang="nl-NL"/>
               <a:t> </a:t>
             </a:r>
             <a:r>
-              <a:rPr lang="nl-NL" dirty="0" err="1"/>
-              <a:t>solve</a:t>
-            </a:r>
-            <a:r>
-              <a:rPr lang="nl-NL" dirty="0"/>
-              <a:t>?</a:t>
-            </a:r>
-          </a:p>
-          <a:p>
-            <a:r>
-              <a:rPr lang="nl-NL" dirty="0"/>
-              <a:t>Visual Studio </a:t>
-            </a:r>
-            <a:r>
-              <a:rPr lang="nl-NL" dirty="0" err="1"/>
-              <a:t>vs</a:t>
-            </a:r>
-            <a:r>
-              <a:rPr lang="nl-NL" dirty="0"/>
-              <a:t> </a:t>
-            </a:r>
-            <a:r>
-              <a:rPr lang="nl-NL" dirty="0" err="1"/>
+              <a:rPr lang="nl-NL" err="1"/>
               <a:t>Vscode</a:t>
             </a:r>
-            <a:endParaRPr lang="nl-NL" dirty="0"/>
-          </a:p>
-          <a:p>
-            <a:r>
-              <a:rPr lang="nl-NL" dirty="0"/>
+            <a:endParaRPr lang="nl-NL"/>
+          </a:p>
+          <a:p>
+            <a:r>
+              <a:rPr lang="nl-NL"/>
               <a:t>Workshop</a:t>
             </a:r>
           </a:p>
           <a:p>
             <a:r>
-              <a:rPr lang="nl-NL" dirty="0"/>
+              <a:rPr lang="nl-NL"/>
               <a:t>Pros/</a:t>
             </a:r>
             <a:r>
-              <a:rPr lang="nl-NL" dirty="0" err="1"/>
+              <a:rPr lang="nl-NL" err="1"/>
               <a:t>Cons</a:t>
             </a:r>
-            <a:endParaRPr lang="nl-NL" dirty="0"/>
+            <a:endParaRPr lang="nl-NL"/>
           </a:p>
         </p:txBody>
       </p:sp>
@@ -4720,19 +7586,19 @@
           <a:lstStyle/>
           <a:p>
             <a:r>
-              <a:rPr lang="nl-NL" dirty="0" err="1"/>
+              <a:rPr lang="nl-NL" err="1"/>
               <a:t>What</a:t>
             </a:r>
             <a:r>
-              <a:rPr lang="nl-NL" dirty="0"/>
+              <a:rPr lang="nl-NL"/>
               <a:t> is </a:t>
             </a:r>
             <a:r>
-              <a:rPr lang="nl-NL" dirty="0" err="1"/>
+              <a:rPr lang="nl-NL" err="1"/>
               <a:t>Avalonia</a:t>
             </a:r>
             <a:r>
-              <a:rPr lang="nl-NL" dirty="0"/>
+              <a:rPr lang="nl-NL"/>
               <a:t> UI?</a:t>
             </a:r>
           </a:p>
@@ -4756,26 +7622,144 @@
         </p:nvSpPr>
         <p:spPr/>
         <p:txBody>
-          <a:bodyPr/>
+          <a:bodyPr vert="horz" lIns="91440" tIns="45720" rIns="91440" bIns="45720" rtlCol="0" anchor="t">
+            <a:normAutofit/>
+          </a:bodyPr>
           <a:lstStyle/>
           <a:p>
             <a:r>
-              <a:rPr lang="nl-NL" dirty="0"/>
-              <a:t>MVVM </a:t>
-            </a:r>
-            <a:r>
-              <a:rPr lang="nl-NL" dirty="0" err="1"/>
+              <a:rPr lang="nl-NL"/>
+              <a:t>XAML-</a:t>
+            </a:r>
+            <a:r>
+              <a:rPr lang="nl-NL" err="1"/>
               <a:t>framework</a:t>
             </a:r>
             <a:r>
-              <a:rPr lang="nl-NL" dirty="0"/>
-              <a:t> in .NET 8</a:t>
-            </a:r>
-          </a:p>
-          <a:p>
-            <a:r>
-              <a:rPr lang="nl-NL" dirty="0"/>
-              <a:t>Cross-platform</a:t>
+              <a:rPr lang="nl-NL"/>
+              <a:t> in .NET 8 (WPF </a:t>
+            </a:r>
+            <a:r>
+              <a:rPr lang="nl-NL" err="1"/>
+              <a:t>successor</a:t>
+            </a:r>
+            <a:r>
+              <a:rPr lang="nl-NL"/>
+              <a:t>)</a:t>
+            </a:r>
+          </a:p>
+          <a:p>
+            <a:r>
+              <a:rPr lang="nl-NL"/>
+              <a:t>Open source</a:t>
+            </a:r>
+          </a:p>
+          <a:p>
+            <a:r>
+              <a:rPr lang="nl-NL"/>
+              <a:t>Cross-platform (Win, </a:t>
+            </a:r>
+            <a:r>
+              <a:rPr lang="nl-NL" err="1"/>
+              <a:t>macOS</a:t>
+            </a:r>
+            <a:r>
+              <a:rPr lang="nl-NL"/>
+              <a:t>, Linux, Android, </a:t>
+            </a:r>
+            <a:r>
+              <a:rPr lang="nl-NL" err="1"/>
+              <a:t>WebAssembly</a:t>
+            </a:r>
+            <a:r>
+              <a:rPr lang="nl-NL"/>
+              <a:t>, </a:t>
+            </a:r>
+            <a:r>
+              <a:rPr lang="nl-NL" err="1"/>
+              <a:t>embedded</a:t>
+            </a:r>
+            <a:r>
+              <a:rPr lang="nl-NL"/>
+              <a:t>)</a:t>
+            </a:r>
+          </a:p>
+          <a:p>
+            <a:r>
+              <a:rPr lang="nl-NL" err="1"/>
+              <a:t>Usable</a:t>
+            </a:r>
+            <a:r>
+              <a:rPr lang="nl-NL"/>
+              <a:t> in Visual Studio 2022, </a:t>
+            </a:r>
+            <a:r>
+              <a:rPr lang="nl-NL" err="1"/>
+              <a:t>VScode</a:t>
+            </a:r>
+            <a:r>
+              <a:rPr lang="nl-NL"/>
+              <a:t> </a:t>
+            </a:r>
+            <a:r>
+              <a:rPr lang="nl-NL" err="1"/>
+              <a:t>and</a:t>
+            </a:r>
+            <a:r>
+              <a:rPr lang="nl-NL"/>
+              <a:t> </a:t>
+            </a:r>
+            <a:r>
+              <a:rPr lang="nl-NL" err="1"/>
+              <a:t>JetBrains</a:t>
+            </a:r>
+            <a:r>
+              <a:rPr lang="nl-NL"/>
+              <a:t> Rider.</a:t>
+            </a:r>
+          </a:p>
+          <a:p>
+            <a:r>
+              <a:rPr lang="nl-NL"/>
+              <a:t>Last </a:t>
+            </a:r>
+            <a:r>
+              <a:rPr lang="nl-NL" err="1"/>
+              <a:t>checked</a:t>
+            </a:r>
+            <a:r>
+              <a:rPr lang="nl-NL"/>
+              <a:t> on 12th </a:t>
+            </a:r>
+            <a:r>
+              <a:rPr lang="nl-NL" err="1"/>
+              <a:t>October</a:t>
+            </a:r>
+            <a:r>
+              <a:rPr lang="nl-NL"/>
+              <a:t>:</a:t>
+            </a:r>
+          </a:p>
+          <a:p>
+            <a:pPr lvl="1"/>
+            <a:r>
+              <a:rPr lang="nl-NL" err="1"/>
+              <a:t>Contributors</a:t>
+            </a:r>
+            <a:r>
+              <a:rPr lang="nl-NL"/>
+              <a:t> - 435</a:t>
+            </a:r>
+          </a:p>
+          <a:p>
+            <a:pPr lvl="1"/>
+            <a:r>
+              <a:rPr lang="nl-NL" err="1"/>
+              <a:t>Installs</a:t>
+            </a:r>
+            <a:r>
+              <a:rPr lang="nl-NL"/>
+              <a:t> – 58,206,406</a:t>
             </a:r>
           </a:p>
         </p:txBody>
@@ -4922,60 +7906,15 @@
           <a:lstStyle/>
           <a:p>
             <a:r>
-              <a:rPr lang="nl-NL" dirty="0"/>
-              <a:t>A brief </a:t>
-            </a:r>
-            <a:r>
-              <a:rPr lang="nl-NL" dirty="0" err="1"/>
-              <a:t>history</a:t>
-            </a:r>
-            <a:endParaRPr lang="nl-NL" dirty="0"/>
-          </a:p>
-        </p:txBody>
-      </p:sp>
-      <p:sp>
-        <p:nvSpPr>
-          <p:cNvPr id="3" name="Tijdelijke aanduiding voor inhoud 2">
-            <a:extLst>
-              <a:ext uri="{FF2B5EF4-FFF2-40B4-BE49-F238E27FC236}">
-                <a16:creationId xmlns:a16="http://schemas.microsoft.com/office/drawing/2014/main" id="{B4A8B3E8-21C5-CB9D-4318-D07FC69D7343}"/>
-              </a:ext>
-            </a:extLst>
-          </p:cNvPr>
-          <p:cNvSpPr>
-            <a:spLocks noGrp="1"/>
-          </p:cNvSpPr>
-          <p:nvPr>
-            <p:ph idx="1"/>
-          </p:nvPr>
-        </p:nvSpPr>
-        <p:spPr/>
-        <p:txBody>
-          <a:bodyPr/>
-          <a:lstStyle/>
-          <a:p>
-            <a:r>
-              <a:rPr lang="nl-NL" dirty="0" err="1"/>
-              <a:t>When</a:t>
-            </a:r>
-            <a:r>
-              <a:rPr lang="nl-NL" dirty="0"/>
-              <a:t> was </a:t>
-            </a:r>
-            <a:r>
-              <a:rPr lang="nl-NL" dirty="0" err="1"/>
-              <a:t>Avalonia</a:t>
-            </a:r>
-            <a:r>
-              <a:rPr lang="nl-NL" dirty="0"/>
-              <a:t> UI </a:t>
-            </a:r>
-            <a:r>
-              <a:rPr lang="nl-NL" dirty="0" err="1"/>
-              <a:t>invented</a:t>
-            </a:r>
-            <a:r>
-              <a:rPr lang="nl-NL" dirty="0"/>
+              <a:rPr lang="nl-NL"/>
+              <a:t>How does MVVM </a:t>
+            </a:r>
+            <a:r>
+              <a:rPr lang="nl-NL" err="1"/>
+              <a:t>work</a:t>
+            </a:r>
+            <a:r>
+              <a:rPr lang="nl-NL"/>
               <a:t>?</a:t>
             </a:r>
           </a:p>
@@ -5071,10 +8010,40 @@
           </a:prstGeom>
         </p:spPr>
       </p:pic>
+      <p:pic>
+        <p:nvPicPr>
+          <p:cNvPr id="6" name="Picture 5">
+            <a:extLst>
+              <a:ext uri="{FF2B5EF4-FFF2-40B4-BE49-F238E27FC236}">
+                <a16:creationId xmlns:a16="http://schemas.microsoft.com/office/drawing/2014/main" id="{E2CA3D1C-7D7C-6A9A-8B7E-8BF7E51A4E61}"/>
+              </a:ext>
+            </a:extLst>
+          </p:cNvPr>
+          <p:cNvPicPr>
+            <a:picLocks noChangeAspect="1"/>
+          </p:cNvPicPr>
+          <p:nvPr/>
+        </p:nvPicPr>
+        <p:blipFill>
+          <a:blip r:embed="rId4"/>
+          <a:stretch>
+            <a:fillRect/>
+          </a:stretch>
+        </p:blipFill>
+        <p:spPr>
+          <a:xfrm>
+            <a:off x="3547557" y="1611667"/>
+            <a:ext cx="5106240" cy="3347011"/>
+          </a:xfrm>
+          <a:prstGeom prst="rect">
+            <a:avLst/>
+          </a:prstGeom>
+        </p:spPr>
+      </p:pic>
     </p:spTree>
     <p:extLst>
       <p:ext uri="{BB962C8B-B14F-4D97-AF65-F5344CB8AC3E}">
-        <p14:creationId xmlns:p14="http://schemas.microsoft.com/office/powerpoint/2010/main" val="239667681"/>
+        <p14:creationId xmlns:p14="http://schemas.microsoft.com/office/powerpoint/2010/main" val="835318207"/>
       </p:ext>
     </p:extLst>
   </p:cSld>
@@ -5123,90 +8092,15 @@
           <a:lstStyle/>
           <a:p>
             <a:r>
-              <a:rPr lang="nl-NL" dirty="0" err="1"/>
-              <a:t>Competing</a:t>
-            </a:r>
-            <a:r>
-              <a:rPr lang="nl-NL" dirty="0"/>
-              <a:t> </a:t>
-            </a:r>
-            <a:r>
-              <a:rPr lang="nl-NL" dirty="0" err="1"/>
-              <a:t>products</a:t>
-            </a:r>
-            <a:endParaRPr lang="nl-NL" dirty="0"/>
-          </a:p>
-        </p:txBody>
-      </p:sp>
-      <p:sp>
-        <p:nvSpPr>
-          <p:cNvPr id="3" name="Tijdelijke aanduiding voor inhoud 2">
-            <a:extLst>
-              <a:ext uri="{FF2B5EF4-FFF2-40B4-BE49-F238E27FC236}">
-                <a16:creationId xmlns:a16="http://schemas.microsoft.com/office/drawing/2014/main" id="{B4A8B3E8-21C5-CB9D-4318-D07FC69D7343}"/>
-              </a:ext>
-            </a:extLst>
-          </p:cNvPr>
-          <p:cNvSpPr>
-            <a:spLocks noGrp="1"/>
-          </p:cNvSpPr>
-          <p:nvPr>
-            <p:ph idx="1"/>
-          </p:nvPr>
-        </p:nvSpPr>
-        <p:spPr/>
-        <p:txBody>
-          <a:bodyPr/>
-          <a:lstStyle/>
-          <a:p>
-            <a:r>
-              <a:rPr lang="nl-NL" dirty="0" err="1"/>
-              <a:t>Who</a:t>
-            </a:r>
-            <a:r>
-              <a:rPr lang="nl-NL" dirty="0"/>
-              <a:t> are </a:t>
-            </a:r>
-            <a:r>
-              <a:rPr lang="nl-NL" dirty="0" err="1"/>
-              <a:t>Avalonias</a:t>
-            </a:r>
-            <a:r>
-              <a:rPr lang="nl-NL" dirty="0"/>
-              <a:t> </a:t>
-            </a:r>
-            <a:r>
-              <a:rPr lang="nl-NL" dirty="0" err="1"/>
-              <a:t>competitors</a:t>
-            </a:r>
-            <a:r>
-              <a:rPr lang="nl-NL" dirty="0"/>
-              <a:t>?</a:t>
-            </a:r>
-          </a:p>
-          <a:p>
-            <a:r>
-              <a:rPr lang="nl-NL" dirty="0" err="1"/>
-              <a:t>Avalonia</a:t>
-            </a:r>
-            <a:r>
-              <a:rPr lang="nl-NL" dirty="0"/>
-              <a:t> </a:t>
-            </a:r>
-            <a:r>
-              <a:rPr lang="nl-NL" dirty="0" err="1"/>
-              <a:t>challenges</a:t>
-            </a:r>
-            <a:r>
-              <a:rPr lang="nl-NL" dirty="0"/>
-              <a:t> </a:t>
-            </a:r>
-            <a:r>
-              <a:rPr lang="nl-NL" dirty="0" err="1"/>
-              <a:t>who</a:t>
-            </a:r>
-            <a:r>
-              <a:rPr lang="nl-NL" dirty="0"/>
+              <a:rPr lang="nl-NL"/>
+              <a:t>How does MVVM </a:t>
+            </a:r>
+            <a:r>
+              <a:rPr lang="nl-NL" err="1"/>
+              <a:t>work</a:t>
+            </a:r>
+            <a:r>
+              <a:rPr lang="nl-NL"/>
               <a:t>?</a:t>
             </a:r>
           </a:p>
@@ -5302,10 +8196,116 @@
           </a:prstGeom>
         </p:spPr>
       </p:pic>
+      <p:pic>
+        <p:nvPicPr>
+          <p:cNvPr id="3" name="Afbeelding 2" descr="https://cdn.discordapp.com/attachments/1014867290765934603/1295809680991457342/image.png?ex=6710004e&amp;is=670eaece&amp;hm=6d413dd08a64b4ca640656022cff1de65a568013ee1a31de78a8b9914189e829&amp;">
+            <a:extLst>
+              <a:ext uri="{FF2B5EF4-FFF2-40B4-BE49-F238E27FC236}">
+                <a16:creationId xmlns:a16="http://schemas.microsoft.com/office/drawing/2014/main" id="{C96DFA52-7E6B-4C7D-B69B-22EEA49D6041}"/>
+              </a:ext>
+            </a:extLst>
+          </p:cNvPr>
+          <p:cNvPicPr>
+            <a:picLocks noChangeAspect="1"/>
+          </p:cNvPicPr>
+          <p:nvPr/>
+        </p:nvPicPr>
+        <p:blipFill>
+          <a:blip r:embed="rId4"/>
+          <a:stretch>
+            <a:fillRect/>
+          </a:stretch>
+        </p:blipFill>
+        <p:spPr>
+          <a:xfrm>
+            <a:off x="-2506" y="2471737"/>
+            <a:ext cx="5519487" cy="1914525"/>
+          </a:xfrm>
+          <a:prstGeom prst="rect">
+            <a:avLst/>
+          </a:prstGeom>
+        </p:spPr>
+      </p:pic>
+      <p:pic>
+        <p:nvPicPr>
+          <p:cNvPr id="7" name="Afbeelding 6" descr="https://cdn.discordapp.com/attachments/1014867290765934603/1295809789791572052/image.png?ex=67100068&amp;is=670eaee8&amp;hm=bc6c561451883bab03548870ab170983093c1c9a77b65fdcf8b7edbf0cec322b&amp;">
+            <a:extLst>
+              <a:ext uri="{FF2B5EF4-FFF2-40B4-BE49-F238E27FC236}">
+                <a16:creationId xmlns:a16="http://schemas.microsoft.com/office/drawing/2014/main" id="{3EA968B9-C2A6-43C8-BD3C-B2B50ECB34B4}"/>
+              </a:ext>
+            </a:extLst>
+          </p:cNvPr>
+          <p:cNvPicPr>
+            <a:picLocks noChangeAspect="1"/>
+          </p:cNvPicPr>
+          <p:nvPr/>
+        </p:nvPicPr>
+        <p:blipFill>
+          <a:blip r:embed="rId5"/>
+          <a:stretch>
+            <a:fillRect/>
+          </a:stretch>
+        </p:blipFill>
+        <p:spPr>
+          <a:xfrm>
+            <a:off x="6707354" y="1425240"/>
+            <a:ext cx="5745581" cy="4127835"/>
+          </a:xfrm>
+          <a:prstGeom prst="rect">
+            <a:avLst/>
+          </a:prstGeom>
+        </p:spPr>
+      </p:pic>
+      <p:sp>
+        <p:nvSpPr>
+          <p:cNvPr id="8" name="Pijl: links/rechts 7">
+            <a:extLst>
+              <a:ext uri="{FF2B5EF4-FFF2-40B4-BE49-F238E27FC236}">
+                <a16:creationId xmlns:a16="http://schemas.microsoft.com/office/drawing/2014/main" id="{149E8F6B-C3BA-F609-B57E-9A8C67E84082}"/>
+              </a:ext>
+            </a:extLst>
+          </p:cNvPr>
+          <p:cNvSpPr/>
+          <p:nvPr/>
+        </p:nvSpPr>
+        <p:spPr>
+          <a:xfrm>
+            <a:off x="5514473" y="3188368"/>
+            <a:ext cx="1216152" cy="484632"/>
+          </a:xfrm>
+          <a:prstGeom prst="leftRightArrow">
+            <a:avLst/>
+          </a:prstGeom>
+        </p:spPr>
+        <p:style>
+          <a:lnRef idx="2">
+            <a:schemeClr val="accent1">
+              <a:shade val="15000"/>
+            </a:schemeClr>
+          </a:lnRef>
+          <a:fillRef idx="1">
+            <a:schemeClr val="accent1"/>
+          </a:fillRef>
+          <a:effectRef idx="0">
+            <a:schemeClr val="accent1"/>
+          </a:effectRef>
+          <a:fontRef idx="minor">
+            <a:schemeClr val="lt1"/>
+          </a:fontRef>
+        </p:style>
+        <p:txBody>
+          <a:bodyPr rtlCol="0" anchor="ctr"/>
+          <a:lstStyle/>
+          <a:p>
+            <a:pPr algn="ctr"/>
+            <a:endParaRPr lang="nl-NL"/>
+          </a:p>
+        </p:txBody>
+      </p:sp>
     </p:spTree>
     <p:extLst>
       <p:ext uri="{BB962C8B-B14F-4D97-AF65-F5344CB8AC3E}">
-        <p14:creationId xmlns:p14="http://schemas.microsoft.com/office/powerpoint/2010/main" val="1413966082"/>
+        <p14:creationId xmlns:p14="http://schemas.microsoft.com/office/powerpoint/2010/main" val="2031867315"/>
       </p:ext>
     </p:extLst>
   </p:cSld>
@@ -5334,10 +8334,10 @@
       </p:grpSpPr>
       <p:sp>
         <p:nvSpPr>
-          <p:cNvPr id="2" name="Title 1">
-            <a:extLst>
-              <a:ext uri="{FF2B5EF4-FFF2-40B4-BE49-F238E27FC236}">
-                <a16:creationId xmlns:a16="http://schemas.microsoft.com/office/drawing/2014/main" id="{1AB72867-90A7-45AB-82F1-36979805BB2E}"/>
+          <p:cNvPr id="2" name="Titel 1">
+            <a:extLst>
+              <a:ext uri="{FF2B5EF4-FFF2-40B4-BE49-F238E27FC236}">
+                <a16:creationId xmlns:a16="http://schemas.microsoft.com/office/drawing/2014/main" id="{0302944F-5AB1-9188-1567-728E880124E1}"/>
               </a:ext>
             </a:extLst>
           </p:cNvPr>
@@ -5348,171 +8348,344 @@
             <p:ph type="title"/>
           </p:nvPr>
         </p:nvSpPr>
-        <p:spPr/>
+        <p:spPr>
+          <a:xfrm>
+            <a:off x="839788" y="4178"/>
+            <a:ext cx="10515600" cy="1325563"/>
+          </a:xfrm>
+        </p:spPr>
         <p:txBody>
           <a:bodyPr/>
           <a:lstStyle/>
           <a:p>
             <a:r>
-              <a:rPr lang="nl-NL"/>
-              <a:t>MAUI</a:t>
-            </a:r>
-            <a:endParaRPr lang="nl-NL" dirty="0"/>
-          </a:p>
-        </p:txBody>
-      </p:sp>
-      <p:pic>
-        <p:nvPicPr>
-          <p:cNvPr id="4" name="Content Placeholder 3">
-            <a:extLst>
-              <a:ext uri="{FF2B5EF4-FFF2-40B4-BE49-F238E27FC236}">
-                <a16:creationId xmlns:a16="http://schemas.microsoft.com/office/drawing/2014/main" id="{27A8994A-2D50-486D-9551-E1F1F56FDC0B}"/>
-              </a:ext>
-            </a:extLst>
-          </p:cNvPr>
-          <p:cNvPicPr>
-            <a:picLocks noGrp="1" noChangeAspect="1"/>
-          </p:cNvPicPr>
-          <p:nvPr>
-            <p:ph idx="1"/>
-          </p:nvPr>
-        </p:nvPicPr>
-        <p:blipFill>
-          <a:blip r:embed="rId2"/>
-          <a:stretch>
-            <a:fillRect/>
-          </a:stretch>
-        </p:blipFill>
+              <a:rPr lang="nl-NL" err="1"/>
+              <a:t>Vs</a:t>
+            </a:r>
+            <a:r>
+              <a:rPr lang="nl-NL"/>
+              <a:t> </a:t>
+            </a:r>
+            <a:r>
+              <a:rPr lang="nl-NL" err="1"/>
+              <a:t>Maui</a:t>
+            </a:r>
+          </a:p>
+        </p:txBody>
+      </p:sp>
+      <p:sp>
+        <p:nvSpPr>
+          <p:cNvPr id="3" name="Tijdelijke aanduiding voor tekst 2">
+            <a:extLst>
+              <a:ext uri="{FF2B5EF4-FFF2-40B4-BE49-F238E27FC236}">
+                <a16:creationId xmlns:a16="http://schemas.microsoft.com/office/drawing/2014/main" id="{5CC8B634-327A-66FA-9F15-A5178F468B42}"/>
+              </a:ext>
+            </a:extLst>
+          </p:cNvPr>
+          <p:cNvSpPr>
+            <a:spLocks noGrp="1"/>
+          </p:cNvSpPr>
+          <p:nvPr>
+            <p:ph type="body" idx="1"/>
+          </p:nvPr>
+        </p:nvSpPr>
         <p:spPr>
           <a:xfrm>
-            <a:off x="-1" y="2202426"/>
-            <a:ext cx="12195665" cy="4655574"/>
+            <a:off x="839788" y="1320216"/>
+            <a:ext cx="5157787" cy="823912"/>
           </a:xfrm>
-          <a:prstGeom prst="rect">
-            <a:avLst/>
-          </a:prstGeom>
         </p:spPr>
-      </p:pic>
-    </p:spTree>
-    <p:extLst>
-      <p:ext uri="{BB962C8B-B14F-4D97-AF65-F5344CB8AC3E}">
-        <p14:creationId xmlns:p14="http://schemas.microsoft.com/office/powerpoint/2010/main" val="42823906"/>
-      </p:ext>
-    </p:extLst>
-  </p:cSld>
-  <p:clrMapOvr>
-    <a:masterClrMapping/>
-  </p:clrMapOvr>
-</p:sld>
-</file>
-
-<file path=ppt/slides/slide7.xml><?xml version="1.0" encoding="utf-8"?>
-<p:sld xmlns:a="http://schemas.openxmlformats.org/drawingml/2006/main" xmlns:r="http://schemas.openxmlformats.org/officeDocument/2006/relationships" xmlns:p="http://schemas.openxmlformats.org/presentationml/2006/main">
-  <p:cSld>
-    <p:spTree>
-      <p:nvGrpSpPr>
-        <p:cNvPr id="1" name=""/>
-        <p:cNvGrpSpPr/>
-        <p:nvPr/>
-      </p:nvGrpSpPr>
-      <p:grpSpPr>
-        <a:xfrm>
-          <a:off x="0" y="0"/>
-          <a:ext cx="0" cy="0"/>
-          <a:chOff x="0" y="0"/>
-          <a:chExt cx="0" cy="0"/>
-        </a:xfrm>
-      </p:grpSpPr>
-      <p:sp>
-        <p:nvSpPr>
-          <p:cNvPr id="2" name="Titel 1">
-            <a:extLst>
-              <a:ext uri="{FF2B5EF4-FFF2-40B4-BE49-F238E27FC236}">
-                <a16:creationId xmlns:a16="http://schemas.microsoft.com/office/drawing/2014/main" id="{25EDFDE5-FCE7-22B1-7A02-1668ADC7D309}"/>
-              </a:ext>
-            </a:extLst>
-          </p:cNvPr>
-          <p:cNvSpPr>
-            <a:spLocks noGrp="1"/>
-          </p:cNvSpPr>
-          <p:nvPr>
-            <p:ph type="title"/>
-          </p:nvPr>
-        </p:nvSpPr>
-        <p:spPr/>
         <p:txBody>
           <a:bodyPr/>
           <a:lstStyle/>
           <a:p>
             <a:r>
-              <a:rPr lang="nl-NL" dirty="0" err="1"/>
-              <a:t>What</a:t>
-            </a:r>
-            <a:r>
-              <a:rPr lang="nl-NL" dirty="0"/>
+              <a:rPr lang="nl-NL" err="1"/>
+              <a:t>Avalonia</a:t>
+            </a:r>
+          </a:p>
+        </p:txBody>
+      </p:sp>
+      <p:sp>
+        <p:nvSpPr>
+          <p:cNvPr id="4" name="Tijdelijke aanduiding voor inhoud 3">
+            <a:extLst>
+              <a:ext uri="{FF2B5EF4-FFF2-40B4-BE49-F238E27FC236}">
+                <a16:creationId xmlns:a16="http://schemas.microsoft.com/office/drawing/2014/main" id="{DF721A37-111F-25D9-F7BE-FF99205BDB34}"/>
+              </a:ext>
+            </a:extLst>
+          </p:cNvPr>
+          <p:cNvSpPr>
+            <a:spLocks noGrp="1"/>
+          </p:cNvSpPr>
+          <p:nvPr>
+            <p:ph sz="half" idx="2"/>
+          </p:nvPr>
+        </p:nvSpPr>
+        <p:spPr>
+          <a:xfrm>
+            <a:off x="839788" y="2144128"/>
+            <a:ext cx="5157787" cy="3684588"/>
+          </a:xfrm>
+        </p:spPr>
+        <p:txBody>
+          <a:bodyPr vert="horz" lIns="91440" tIns="45720" rIns="91440" bIns="45720" rtlCol="0" anchor="t">
+            <a:normAutofit/>
+          </a:bodyPr>
+          <a:lstStyle/>
+          <a:p>
+            <a:r>
+              <a:rPr lang="nl-NL" err="1"/>
+              <a:t>Custom</a:t>
+            </a:r>
+            <a:r>
+              <a:rPr lang="nl-NL"/>
               <a:t> </a:t>
             </a:r>
             <a:r>
-              <a:rPr lang="nl-NL" dirty="0" err="1"/>
-              <a:t>problems</a:t>
-            </a:r>
-            <a:r>
-              <a:rPr lang="nl-NL" dirty="0"/>
-              <a:t> does </a:t>
-            </a:r>
-            <a:r>
-              <a:rPr lang="nl-NL" dirty="0" err="1"/>
-              <a:t>it</a:t>
-            </a:r>
-            <a:r>
-              <a:rPr lang="nl-NL" dirty="0"/>
+              <a:rPr lang="nl-NL" err="1"/>
+              <a:t>rendering</a:t>
+            </a:r>
+            <a:endParaRPr lang="nl-NL"/>
+          </a:p>
+          <a:p>
+            <a:r>
+              <a:rPr lang="nl-NL"/>
+              <a:t>Unique UI </a:t>
+            </a:r>
+            <a:r>
+              <a:rPr lang="nl-NL" err="1"/>
+              <a:t>components</a:t>
+            </a:r>
+            <a:endParaRPr lang="nl-NL"/>
+          </a:p>
+          <a:p>
+            <a:r>
+              <a:rPr lang="nl-NL" err="1"/>
+              <a:t>Easier</a:t>
+            </a:r>
+            <a:r>
+              <a:rPr lang="nl-NL"/>
               <a:t> </a:t>
             </a:r>
             <a:r>
-              <a:rPr lang="nl-NL" dirty="0" err="1"/>
-              <a:t>solve</a:t>
-            </a:r>
-            <a:r>
-              <a:rPr lang="nl-NL" dirty="0"/>
-              <a:t>?</a:t>
-            </a:r>
-          </a:p>
-        </p:txBody>
-      </p:sp>
-      <p:sp>
-        <p:nvSpPr>
-          <p:cNvPr id="3" name="Tijdelijke aanduiding voor inhoud 2">
-            <a:extLst>
-              <a:ext uri="{FF2B5EF4-FFF2-40B4-BE49-F238E27FC236}">
-                <a16:creationId xmlns:a16="http://schemas.microsoft.com/office/drawing/2014/main" id="{B4A8B3E8-21C5-CB9D-4318-D07FC69D7343}"/>
-              </a:ext>
-            </a:extLst>
-          </p:cNvPr>
-          <p:cNvSpPr>
-            <a:spLocks noGrp="1"/>
-          </p:cNvSpPr>
-          <p:nvPr>
-            <p:ph idx="1"/>
-          </p:nvPr>
-        </p:nvSpPr>
-        <p:spPr/>
-        <p:txBody>
-          <a:bodyPr/>
-          <a:lstStyle/>
+              <a:rPr lang="nl-NL" err="1"/>
+              <a:t>to</a:t>
+            </a:r>
+            <a:r>
+              <a:rPr lang="nl-NL"/>
+              <a:t> </a:t>
+            </a:r>
+            <a:r>
+              <a:rPr lang="nl-NL" err="1"/>
+              <a:t>maintain</a:t>
+            </a:r>
+            <a:r>
+              <a:rPr lang="nl-NL"/>
+              <a:t> </a:t>
+            </a:r>
+            <a:r>
+              <a:rPr lang="nl-NL" err="1"/>
+              <a:t>and</a:t>
+            </a:r>
+            <a:r>
+              <a:rPr lang="nl-NL"/>
+              <a:t> update</a:t>
+            </a:r>
+          </a:p>
+          <a:p>
+            <a:r>
+              <a:rPr lang="nl-NL"/>
+              <a:t>Supports </a:t>
+            </a:r>
+            <a:r>
+              <a:rPr lang="nl-NL" err="1"/>
+              <a:t>older</a:t>
+            </a:r>
+            <a:r>
+              <a:rPr lang="nl-NL"/>
+              <a:t> Windows (7) </a:t>
+            </a:r>
+            <a:r>
+              <a:rPr lang="nl-NL" err="1"/>
+              <a:t>and</a:t>
+            </a:r>
+            <a:r>
+              <a:rPr lang="nl-NL"/>
+              <a:t> </a:t>
+            </a:r>
+            <a:r>
+              <a:rPr lang="nl-NL" err="1"/>
+              <a:t>MacOS</a:t>
+            </a:r>
+            <a:r>
+              <a:rPr lang="nl-NL"/>
+              <a:t> </a:t>
+            </a:r>
+            <a:r>
+              <a:rPr lang="nl-NL" err="1"/>
+              <a:t>versions</a:t>
+            </a:r>
+            <a:endParaRPr lang="nl-NL"/>
+          </a:p>
+          <a:p>
+            <a:r>
+              <a:rPr lang="nl-NL"/>
+              <a:t>Supports Linux &amp; </a:t>
+            </a:r>
+            <a:r>
+              <a:rPr lang="nl-NL" err="1"/>
+              <a:t>WebAssembly</a:t>
+            </a:r>
+            <a:endParaRPr lang="nl-NL"/>
+          </a:p>
           <a:p>
             <a:pPr marL="0" indent="0">
               <a:buNone/>
             </a:pPr>
-            <a:endParaRPr lang="nl-NL" dirty="0"/>
-          </a:p>
-        </p:txBody>
-      </p:sp>
-      <p:sp>
-        <p:nvSpPr>
-          <p:cNvPr id="4" name="Rectangle 3">
-            <a:extLst>
-              <a:ext uri="{FF2B5EF4-FFF2-40B4-BE49-F238E27FC236}">
-                <a16:creationId xmlns:a16="http://schemas.microsoft.com/office/drawing/2014/main" id="{7D938917-266A-98E8-4612-83709D409572}"/>
+            <a:endParaRPr lang="nl-NL"/>
+          </a:p>
+          <a:p>
+            <a:endParaRPr lang="nl-NL"/>
+          </a:p>
+        </p:txBody>
+      </p:sp>
+      <p:sp>
+        <p:nvSpPr>
+          <p:cNvPr id="5" name="Tijdelijke aanduiding voor tekst 4">
+            <a:extLst>
+              <a:ext uri="{FF2B5EF4-FFF2-40B4-BE49-F238E27FC236}">
+                <a16:creationId xmlns:a16="http://schemas.microsoft.com/office/drawing/2014/main" id="{C7E2F6D9-7350-43B9-9C00-4645A26B3764}"/>
+              </a:ext>
+            </a:extLst>
+          </p:cNvPr>
+          <p:cNvSpPr>
+            <a:spLocks noGrp="1"/>
+          </p:cNvSpPr>
+          <p:nvPr>
+            <p:ph type="body" sz="quarter" idx="3"/>
+          </p:nvPr>
+        </p:nvSpPr>
+        <p:spPr>
+          <a:xfrm>
+            <a:off x="6172200" y="1320216"/>
+            <a:ext cx="5183188" cy="823912"/>
+          </a:xfrm>
+        </p:spPr>
+        <p:txBody>
+          <a:bodyPr/>
+          <a:lstStyle/>
+          <a:p>
+            <a:r>
+              <a:rPr lang="nl-NL" err="1"/>
+              <a:t>Maui</a:t>
+            </a:r>
+          </a:p>
+        </p:txBody>
+      </p:sp>
+      <p:sp>
+        <p:nvSpPr>
+          <p:cNvPr id="6" name="Tijdelijke aanduiding voor inhoud 5">
+            <a:extLst>
+              <a:ext uri="{FF2B5EF4-FFF2-40B4-BE49-F238E27FC236}">
+                <a16:creationId xmlns:a16="http://schemas.microsoft.com/office/drawing/2014/main" id="{3F2015BB-A8A1-074B-74F3-8B6D8B4A6131}"/>
+              </a:ext>
+            </a:extLst>
+          </p:cNvPr>
+          <p:cNvSpPr>
+            <a:spLocks noGrp="1"/>
+          </p:cNvSpPr>
+          <p:nvPr>
+            <p:ph sz="quarter" idx="4"/>
+          </p:nvPr>
+        </p:nvSpPr>
+        <p:spPr>
+          <a:xfrm>
+            <a:off x="6172200" y="2144128"/>
+            <a:ext cx="5183188" cy="3684588"/>
+          </a:xfrm>
+        </p:spPr>
+        <p:txBody>
+          <a:bodyPr vert="horz" lIns="91440" tIns="45720" rIns="91440" bIns="45720" rtlCol="0" anchor="t">
+            <a:normAutofit/>
+          </a:bodyPr>
+          <a:lstStyle/>
+          <a:p>
+            <a:r>
+              <a:rPr lang="nl-NL"/>
+              <a:t>Native </a:t>
+            </a:r>
+            <a:r>
+              <a:rPr lang="nl-NL" err="1"/>
+              <a:t>rendering</a:t>
+            </a:r>
+          </a:p>
+          <a:p>
+            <a:r>
+              <a:rPr lang="nl-NL"/>
+              <a:t>Native UI </a:t>
+            </a:r>
+            <a:r>
+              <a:rPr lang="nl-NL" err="1"/>
+              <a:t>toolkits</a:t>
+            </a:r>
+          </a:p>
+          <a:p>
+            <a:r>
+              <a:rPr lang="nl-NL"/>
+              <a:t>May </a:t>
+            </a:r>
+            <a:r>
+              <a:rPr lang="nl-NL" err="1"/>
+              <a:t>need</a:t>
+            </a:r>
+            <a:r>
+              <a:rPr lang="nl-NL"/>
+              <a:t> </a:t>
+            </a:r>
+            <a:r>
+              <a:rPr lang="nl-NL" err="1"/>
+              <a:t>to</a:t>
+            </a:r>
+            <a:r>
+              <a:rPr lang="nl-NL"/>
+              <a:t> </a:t>
+            </a:r>
+            <a:r>
+              <a:rPr lang="nl-NL" err="1"/>
+              <a:t>reimplement</a:t>
+            </a:r>
+            <a:r>
+              <a:rPr lang="nl-NL"/>
+              <a:t> platform-</a:t>
+            </a:r>
+            <a:r>
+              <a:rPr lang="nl-NL" err="1"/>
+              <a:t>specific</a:t>
+            </a:r>
+            <a:r>
+              <a:rPr lang="nl-NL"/>
+              <a:t> features</a:t>
+            </a:r>
+          </a:p>
+          <a:p>
+            <a:r>
+              <a:rPr lang="nl-NL" err="1"/>
+              <a:t>Lacks</a:t>
+            </a:r>
+            <a:r>
+              <a:rPr lang="nl-NL"/>
+              <a:t> Linux support &amp; web development</a:t>
+            </a:r>
+          </a:p>
+        </p:txBody>
+      </p:sp>
+      <p:sp>
+        <p:nvSpPr>
+          <p:cNvPr id="8" name="Rectangle 3">
+            <a:extLst>
+              <a:ext uri="{FF2B5EF4-FFF2-40B4-BE49-F238E27FC236}">
+                <a16:creationId xmlns:a16="http://schemas.microsoft.com/office/drawing/2014/main" id="{1F097F5A-DFBF-994C-BD31-AD8A7D721FE4}"/>
               </a:ext>
             </a:extLst>
           </p:cNvPr>
@@ -5563,10 +8736,10 @@
       </p:sp>
       <p:pic>
         <p:nvPicPr>
-          <p:cNvPr id="5" name="Graphic 4">
-            <a:extLst>
-              <a:ext uri="{FF2B5EF4-FFF2-40B4-BE49-F238E27FC236}">
-                <a16:creationId xmlns:a16="http://schemas.microsoft.com/office/drawing/2014/main" id="{D94B3C6D-45F9-9C4F-F850-34C436BC6A3D}"/>
+          <p:cNvPr id="10" name="Graphic 9">
+            <a:extLst>
+              <a:ext uri="{FF2B5EF4-FFF2-40B4-BE49-F238E27FC236}">
+                <a16:creationId xmlns:a16="http://schemas.microsoft.com/office/drawing/2014/main" id="{D37BAE08-BC5C-17A6-B7D2-8A907AAF9B47}"/>
               </a:ext>
             </a:extLst>
           </p:cNvPr>
@@ -5600,7 +8773,97 @@
     </p:spTree>
     <p:extLst>
       <p:ext uri="{BB962C8B-B14F-4D97-AF65-F5344CB8AC3E}">
-        <p14:creationId xmlns:p14="http://schemas.microsoft.com/office/powerpoint/2010/main" val="1515480802"/>
+        <p14:creationId xmlns:p14="http://schemas.microsoft.com/office/powerpoint/2010/main" val="1777112110"/>
+      </p:ext>
+    </p:extLst>
+  </p:cSld>
+  <p:clrMapOvr>
+    <a:masterClrMapping/>
+  </p:clrMapOvr>
+</p:sld>
+</file>
+
+<file path=ppt/slides/slide7.xml><?xml version="1.0" encoding="utf-8"?>
+<p:sld xmlns:a="http://schemas.openxmlformats.org/drawingml/2006/main" xmlns:r="http://schemas.openxmlformats.org/officeDocument/2006/relationships" xmlns:p="http://schemas.openxmlformats.org/presentationml/2006/main">
+  <p:cSld>
+    <p:spTree>
+      <p:nvGrpSpPr>
+        <p:cNvPr id="1" name=""/>
+        <p:cNvGrpSpPr/>
+        <p:nvPr/>
+      </p:nvGrpSpPr>
+      <p:grpSpPr>
+        <a:xfrm>
+          <a:off x="0" y="0"/>
+          <a:ext cx="0" cy="0"/>
+          <a:chOff x="0" y="0"/>
+          <a:chExt cx="0" cy="0"/>
+        </a:xfrm>
+      </p:grpSpPr>
+      <p:sp>
+        <p:nvSpPr>
+          <p:cNvPr id="2" name="Title 1">
+            <a:extLst>
+              <a:ext uri="{FF2B5EF4-FFF2-40B4-BE49-F238E27FC236}">
+                <a16:creationId xmlns:a16="http://schemas.microsoft.com/office/drawing/2014/main" id="{1AB72867-90A7-45AB-82F1-36979805BB2E}"/>
+              </a:ext>
+            </a:extLst>
+          </p:cNvPr>
+          <p:cNvSpPr>
+            <a:spLocks noGrp="1"/>
+          </p:cNvSpPr>
+          <p:nvPr>
+            <p:ph type="title"/>
+          </p:nvPr>
+        </p:nvSpPr>
+        <p:spPr/>
+        <p:txBody>
+          <a:bodyPr/>
+          <a:lstStyle/>
+          <a:p>
+            <a:r>
+              <a:rPr lang="nl-NL"/>
+              <a:t>MAUI</a:t>
+            </a:r>
+          </a:p>
+        </p:txBody>
+      </p:sp>
+      <p:pic>
+        <p:nvPicPr>
+          <p:cNvPr id="4" name="Content Placeholder 3">
+            <a:extLst>
+              <a:ext uri="{FF2B5EF4-FFF2-40B4-BE49-F238E27FC236}">
+                <a16:creationId xmlns:a16="http://schemas.microsoft.com/office/drawing/2014/main" id="{27A8994A-2D50-486D-9551-E1F1F56FDC0B}"/>
+              </a:ext>
+            </a:extLst>
+          </p:cNvPr>
+          <p:cNvPicPr>
+            <a:picLocks noGrp="1" noChangeAspect="1"/>
+          </p:cNvPicPr>
+          <p:nvPr>
+            <p:ph idx="1"/>
+          </p:nvPr>
+        </p:nvPicPr>
+        <p:blipFill>
+          <a:blip r:embed="rId2"/>
+          <a:stretch>
+            <a:fillRect/>
+          </a:stretch>
+        </p:blipFill>
+        <p:spPr>
+          <a:xfrm>
+            <a:off x="-1" y="2202426"/>
+            <a:ext cx="12195665" cy="4655574"/>
+          </a:xfrm>
+          <a:prstGeom prst="rect">
+            <a:avLst/>
+          </a:prstGeom>
+        </p:spPr>
+      </p:pic>
+    </p:spTree>
+    <p:extLst>
+      <p:ext uri="{BB962C8B-B14F-4D97-AF65-F5344CB8AC3E}">
+        <p14:creationId xmlns:p14="http://schemas.microsoft.com/office/powerpoint/2010/main" val="42823906"/>
       </p:ext>
     </p:extLst>
   </p:cSld>
@@ -5632,7 +8895,7 @@
           <p:cNvPr id="2" name="Titel 1">
             <a:extLst>
               <a:ext uri="{FF2B5EF4-FFF2-40B4-BE49-F238E27FC236}">
-                <a16:creationId xmlns:a16="http://schemas.microsoft.com/office/drawing/2014/main" id="{25EDFDE5-FCE7-22B1-7A02-1668ADC7D309}"/>
+                <a16:creationId xmlns:a16="http://schemas.microsoft.com/office/drawing/2014/main" id="{289B4B56-A609-E1C6-4C55-5E5027D8FE0F}"/>
               </a:ext>
             </a:extLst>
           </p:cNvPr>
@@ -5643,94 +8906,383 @@
             <p:ph type="title"/>
           </p:nvPr>
         </p:nvSpPr>
-        <p:spPr/>
+        <p:spPr>
+          <a:xfrm>
+            <a:off x="839788" y="-2104"/>
+            <a:ext cx="10515600" cy="1325563"/>
+          </a:xfrm>
+        </p:spPr>
         <p:txBody>
           <a:bodyPr/>
           <a:lstStyle/>
           <a:p>
             <a:r>
-              <a:rPr lang="nl-NL" dirty="0"/>
-              <a:t>Visual Studio </a:t>
-            </a:r>
-            <a:r>
-              <a:rPr lang="nl-NL" dirty="0" err="1"/>
-              <a:t>vs</a:t>
-            </a:r>
-            <a:r>
-              <a:rPr lang="nl-NL" dirty="0"/>
+              <a:rPr lang="nl-NL" err="1"/>
+              <a:t>Vs</a:t>
+            </a:r>
+            <a:r>
+              <a:rPr lang="nl-NL"/>
               <a:t> </a:t>
             </a:r>
             <a:r>
-              <a:rPr lang="nl-NL" dirty="0" err="1"/>
-              <a:t>VScode</a:t>
-            </a:r>
-            <a:endParaRPr lang="nl-NL" dirty="0"/>
-          </a:p>
-        </p:txBody>
-      </p:sp>
-      <p:sp>
-        <p:nvSpPr>
-          <p:cNvPr id="3" name="Tijdelijke aanduiding voor inhoud 2">
-            <a:extLst>
-              <a:ext uri="{FF2B5EF4-FFF2-40B4-BE49-F238E27FC236}">
-                <a16:creationId xmlns:a16="http://schemas.microsoft.com/office/drawing/2014/main" id="{B4A8B3E8-21C5-CB9D-4318-D07FC69D7343}"/>
-              </a:ext>
-            </a:extLst>
-          </p:cNvPr>
-          <p:cNvSpPr>
-            <a:spLocks noGrp="1"/>
-          </p:cNvSpPr>
-          <p:nvPr>
-            <p:ph idx="1"/>
-          </p:nvPr>
-        </p:nvSpPr>
-        <p:spPr/>
+              <a:rPr lang="nl-NL" err="1"/>
+              <a:t>Electron</a:t>
+            </a:r>
+          </a:p>
+        </p:txBody>
+      </p:sp>
+      <p:sp>
+        <p:nvSpPr>
+          <p:cNvPr id="3" name="Tijdelijke aanduiding voor tekst 2">
+            <a:extLst>
+              <a:ext uri="{FF2B5EF4-FFF2-40B4-BE49-F238E27FC236}">
+                <a16:creationId xmlns:a16="http://schemas.microsoft.com/office/drawing/2014/main" id="{D28C4036-1527-7517-987D-FA428B761FFC}"/>
+              </a:ext>
+            </a:extLst>
+          </p:cNvPr>
+          <p:cNvSpPr>
+            <a:spLocks noGrp="1"/>
+          </p:cNvSpPr>
+          <p:nvPr>
+            <p:ph type="body" idx="1"/>
+          </p:nvPr>
+        </p:nvSpPr>
+        <p:spPr>
+          <a:xfrm>
+            <a:off x="839788" y="1313934"/>
+            <a:ext cx="5157787" cy="823912"/>
+          </a:xfrm>
+        </p:spPr>
         <p:txBody>
           <a:bodyPr/>
           <a:lstStyle/>
           <a:p>
             <a:r>
-              <a:rPr lang="nl-NL" dirty="0"/>
-              <a:t>Both support C#</a:t>
-            </a:r>
-          </a:p>
-          <a:p>
-            <a:r>
-              <a:rPr lang="nl-NL" dirty="0"/>
-              <a:t>Visual Studio is most prominent (previewer)</a:t>
-            </a:r>
-          </a:p>
-          <a:p>
-            <a:r>
-              <a:rPr lang="nl-NL" dirty="0" err="1"/>
-              <a:t>Vscode</a:t>
-            </a:r>
-            <a:r>
-              <a:rPr lang="nl-NL" dirty="0"/>
-              <a:t> extension is </a:t>
-            </a:r>
-            <a:r>
-              <a:rPr lang="nl-NL" dirty="0" err="1"/>
-              <a:t>very</a:t>
-            </a:r>
-            <a:r>
-              <a:rPr lang="nl-NL" dirty="0"/>
+              <a:rPr lang="nl-NL" err="1"/>
+              <a:t>Avalonia</a:t>
+            </a:r>
+          </a:p>
+        </p:txBody>
+      </p:sp>
+      <p:sp>
+        <p:nvSpPr>
+          <p:cNvPr id="4" name="Tijdelijke aanduiding voor inhoud 3">
+            <a:extLst>
+              <a:ext uri="{FF2B5EF4-FFF2-40B4-BE49-F238E27FC236}">
+                <a16:creationId xmlns:a16="http://schemas.microsoft.com/office/drawing/2014/main" id="{2AF4B2CB-5B38-CE16-3227-A9171EE3F0F6}"/>
+              </a:ext>
+            </a:extLst>
+          </p:cNvPr>
+          <p:cNvSpPr>
+            <a:spLocks noGrp="1"/>
+          </p:cNvSpPr>
+          <p:nvPr>
+            <p:ph sz="half" idx="2"/>
+          </p:nvPr>
+        </p:nvSpPr>
+        <p:spPr>
+          <a:xfrm>
+            <a:off x="839788" y="2137846"/>
+            <a:ext cx="5157787" cy="3684588"/>
+          </a:xfrm>
+        </p:spPr>
+        <p:txBody>
+          <a:bodyPr vert="horz" lIns="91440" tIns="45720" rIns="91440" bIns="45720" rtlCol="0" anchor="t">
+            <a:normAutofit lnSpcReduction="10000"/>
+          </a:bodyPr>
+          <a:lstStyle/>
+          <a:p>
+            <a:r>
+              <a:rPr lang="nl-NL"/>
+              <a:t>XAML-</a:t>
+            </a:r>
+            <a:r>
+              <a:rPr lang="nl-NL" err="1"/>
+              <a:t>based</a:t>
+            </a:r>
+            <a:r>
+              <a:rPr lang="nl-NL"/>
               <a:t> </a:t>
             </a:r>
             <a:r>
-              <a:rPr lang="nl-NL" dirty="0" err="1"/>
-              <a:t>early</a:t>
-            </a:r>
-            <a:endParaRPr lang="nl-NL" dirty="0"/>
-          </a:p>
-        </p:txBody>
-      </p:sp>
-      <p:sp>
-        <p:nvSpPr>
-          <p:cNvPr id="4" name="Rectangle 3">
-            <a:extLst>
-              <a:ext uri="{FF2B5EF4-FFF2-40B4-BE49-F238E27FC236}">
-                <a16:creationId xmlns:a16="http://schemas.microsoft.com/office/drawing/2014/main" id="{7D938917-266A-98E8-4612-83709D409572}"/>
+              <a:rPr lang="nl-NL" err="1"/>
+              <a:t>framework</a:t>
+            </a:r>
+            <a:endParaRPr lang="nl-NL"/>
+          </a:p>
+          <a:p>
+            <a:r>
+              <a:rPr lang="nl-NL"/>
+              <a:t>C#</a:t>
+            </a:r>
+          </a:p>
+          <a:p>
+            <a:r>
+              <a:rPr lang="nl-NL"/>
+              <a:t>Native hardware </a:t>
+            </a:r>
+            <a:r>
+              <a:rPr lang="nl-NL" err="1"/>
+              <a:t>acceleration</a:t>
+            </a:r>
+            <a:endParaRPr lang="nl-NL"/>
+          </a:p>
+          <a:p>
+            <a:r>
+              <a:rPr lang="nl-NL" err="1"/>
+              <a:t>Integrated</a:t>
+            </a:r>
+            <a:r>
+              <a:rPr lang="nl-NL"/>
+              <a:t> </a:t>
+            </a:r>
+            <a:r>
+              <a:rPr lang="nl-NL" err="1"/>
+              <a:t>debugging</a:t>
+            </a:r>
+            <a:endParaRPr lang="nl-NL"/>
+          </a:p>
+          <a:p>
+            <a:r>
+              <a:rPr lang="nl-NL"/>
+              <a:t>Wide platform support</a:t>
+            </a:r>
+          </a:p>
+          <a:p>
+            <a:r>
+              <a:rPr lang="nl-NL" err="1"/>
+              <a:t>Easier</a:t>
+            </a:r>
+            <a:r>
+              <a:rPr lang="nl-NL"/>
+              <a:t> </a:t>
+            </a:r>
+            <a:r>
+              <a:rPr lang="nl-NL" err="1"/>
+              <a:t>for</a:t>
+            </a:r>
+            <a:r>
+              <a:rPr lang="nl-NL"/>
+              <a:t> .NET </a:t>
+            </a:r>
+            <a:r>
+              <a:rPr lang="nl-NL" err="1"/>
+              <a:t>developers</a:t>
+            </a:r>
+            <a:r>
+              <a:rPr lang="nl-NL"/>
+              <a:t> </a:t>
+            </a:r>
+            <a:r>
+              <a:rPr lang="nl-NL" err="1"/>
+              <a:t>to</a:t>
+            </a:r>
+            <a:r>
+              <a:rPr lang="nl-NL"/>
+              <a:t> </a:t>
+            </a:r>
+            <a:r>
+              <a:rPr lang="nl-NL" err="1"/>
+              <a:t>learn</a:t>
+            </a:r>
+          </a:p>
+          <a:p>
+            <a:endParaRPr lang="nl-NL"/>
+          </a:p>
+          <a:p>
+            <a:endParaRPr lang="nl-NL"/>
+          </a:p>
+        </p:txBody>
+      </p:sp>
+      <p:sp>
+        <p:nvSpPr>
+          <p:cNvPr id="5" name="Tijdelijke aanduiding voor tekst 4">
+            <a:extLst>
+              <a:ext uri="{FF2B5EF4-FFF2-40B4-BE49-F238E27FC236}">
+                <a16:creationId xmlns:a16="http://schemas.microsoft.com/office/drawing/2014/main" id="{0AF28914-DE62-68C5-CE33-D2BB1C6E6761}"/>
+              </a:ext>
+            </a:extLst>
+          </p:cNvPr>
+          <p:cNvSpPr>
+            <a:spLocks noGrp="1"/>
+          </p:cNvSpPr>
+          <p:nvPr>
+            <p:ph type="body" sz="quarter" idx="3"/>
+          </p:nvPr>
+        </p:nvSpPr>
+        <p:spPr>
+          <a:xfrm>
+            <a:off x="6172200" y="1313934"/>
+            <a:ext cx="5183188" cy="823912"/>
+          </a:xfrm>
+        </p:spPr>
+        <p:txBody>
+          <a:bodyPr/>
+          <a:lstStyle/>
+          <a:p>
+            <a:r>
+              <a:rPr lang="nl-NL" err="1"/>
+              <a:t>Electron</a:t>
+            </a:r>
+          </a:p>
+        </p:txBody>
+      </p:sp>
+      <p:sp>
+        <p:nvSpPr>
+          <p:cNvPr id="6" name="Tijdelijke aanduiding voor inhoud 5">
+            <a:extLst>
+              <a:ext uri="{FF2B5EF4-FFF2-40B4-BE49-F238E27FC236}">
+                <a16:creationId xmlns:a16="http://schemas.microsoft.com/office/drawing/2014/main" id="{11EA44CC-6F23-4AF1-742E-38BD07B2AC78}"/>
+              </a:ext>
+            </a:extLst>
+          </p:cNvPr>
+          <p:cNvSpPr>
+            <a:spLocks noGrp="1"/>
+          </p:cNvSpPr>
+          <p:nvPr>
+            <p:ph sz="quarter" idx="4"/>
+          </p:nvPr>
+        </p:nvSpPr>
+        <p:spPr>
+          <a:xfrm>
+            <a:off x="6172200" y="2137846"/>
+            <a:ext cx="5183188" cy="3684588"/>
+          </a:xfrm>
+        </p:spPr>
+        <p:txBody>
+          <a:bodyPr vert="horz" lIns="91440" tIns="45720" rIns="91440" bIns="45720" rtlCol="0" anchor="t">
+            <a:normAutofit lnSpcReduction="10000"/>
+          </a:bodyPr>
+          <a:lstStyle/>
+          <a:p>
+            <a:r>
+              <a:rPr lang="nl-NL"/>
+              <a:t>Built on web </a:t>
+            </a:r>
+            <a:r>
+              <a:rPr lang="nl-NL" err="1"/>
+              <a:t>technologies</a:t>
+            </a:r>
+            <a:r>
+              <a:rPr lang="nl-NL"/>
+              <a:t>. </a:t>
+            </a:r>
+          </a:p>
+          <a:p>
+            <a:r>
+              <a:rPr lang="nl-NL"/>
+              <a:t>HTML, CSS, </a:t>
+            </a:r>
+            <a:r>
+              <a:rPr lang="nl-NL" err="1"/>
+              <a:t>and</a:t>
+            </a:r>
+            <a:r>
+              <a:rPr lang="nl-NL"/>
+              <a:t> </a:t>
+            </a:r>
+            <a:r>
+              <a:rPr lang="nl-NL" err="1"/>
+              <a:t>JavaScript</a:t>
+            </a:r>
+            <a:r>
+              <a:rPr lang="nl-NL"/>
+              <a:t> </a:t>
+            </a:r>
+          </a:p>
+          <a:p>
+            <a:r>
+              <a:rPr lang="nl-NL"/>
+              <a:t>More memory </a:t>
+            </a:r>
+            <a:r>
+              <a:rPr lang="nl-NL" err="1"/>
+              <a:t>usage</a:t>
+            </a:r>
+          </a:p>
+          <a:p>
+            <a:r>
+              <a:rPr lang="nl-NL" err="1"/>
+              <a:t>DevTools</a:t>
+            </a:r>
+            <a:r>
+              <a:rPr lang="nl-NL"/>
+              <a:t> </a:t>
+            </a:r>
+            <a:r>
+              <a:rPr lang="nl-NL" err="1"/>
+              <a:t>for</a:t>
+            </a:r>
+            <a:r>
+              <a:rPr lang="nl-NL"/>
+              <a:t> </a:t>
+            </a:r>
+            <a:r>
+              <a:rPr lang="nl-NL" err="1"/>
+              <a:t>debugging</a:t>
+            </a:r>
+            <a:endParaRPr lang="nl-NL"/>
+          </a:p>
+          <a:p>
+            <a:r>
+              <a:rPr lang="nl-NL" err="1"/>
+              <a:t>Primarly</a:t>
+            </a:r>
+            <a:r>
+              <a:rPr lang="nl-NL"/>
+              <a:t> targets desktop (smaller focus on mobile)</a:t>
+            </a:r>
+          </a:p>
+          <a:p>
+            <a:r>
+              <a:rPr lang="nl-NL" err="1"/>
+              <a:t>Easier</a:t>
+            </a:r>
+            <a:r>
+              <a:rPr lang="nl-NL"/>
+              <a:t> </a:t>
+            </a:r>
+            <a:r>
+              <a:rPr lang="nl-NL" err="1"/>
+              <a:t>for</a:t>
+            </a:r>
+            <a:r>
+              <a:rPr lang="nl-NL"/>
+              <a:t> web </a:t>
+            </a:r>
+            <a:r>
+              <a:rPr lang="nl-NL" err="1"/>
+              <a:t>developers</a:t>
+            </a:r>
+            <a:r>
+              <a:rPr lang="nl-NL"/>
+              <a:t> </a:t>
+            </a:r>
+            <a:r>
+              <a:rPr lang="nl-NL" err="1"/>
+              <a:t>to</a:t>
+            </a:r>
+            <a:r>
+              <a:rPr lang="nl-NL"/>
+              <a:t> </a:t>
+            </a:r>
+            <a:r>
+              <a:rPr lang="nl-NL" err="1"/>
+              <a:t>learn</a:t>
+            </a:r>
+            <a:endParaRPr lang="nl-NL"/>
+          </a:p>
+          <a:p>
+            <a:endParaRPr lang="nl-NL"/>
+          </a:p>
+        </p:txBody>
+      </p:sp>
+      <p:sp>
+        <p:nvSpPr>
+          <p:cNvPr id="8" name="Rectangle 3">
+            <a:extLst>
+              <a:ext uri="{FF2B5EF4-FFF2-40B4-BE49-F238E27FC236}">
+                <a16:creationId xmlns:a16="http://schemas.microsoft.com/office/drawing/2014/main" id="{51C951A4-2546-F70D-80A5-2FC6630EF701}"/>
               </a:ext>
             </a:extLst>
           </p:cNvPr>
@@ -5781,10 +9333,10 @@
       </p:sp>
       <p:pic>
         <p:nvPicPr>
-          <p:cNvPr id="5" name="Graphic 4">
-            <a:extLst>
-              <a:ext uri="{FF2B5EF4-FFF2-40B4-BE49-F238E27FC236}">
-                <a16:creationId xmlns:a16="http://schemas.microsoft.com/office/drawing/2014/main" id="{D94B3C6D-45F9-9C4F-F850-34C436BC6A3D}"/>
+          <p:cNvPr id="10" name="Graphic 9">
+            <a:extLst>
+              <a:ext uri="{FF2B5EF4-FFF2-40B4-BE49-F238E27FC236}">
+                <a16:creationId xmlns:a16="http://schemas.microsoft.com/office/drawing/2014/main" id="{681EAC2D-3D95-0102-18EF-2C6B0D9549BB}"/>
               </a:ext>
             </a:extLst>
           </p:cNvPr>
@@ -5815,10 +9367,40 @@
           </a:prstGeom>
         </p:spPr>
       </p:pic>
+      <p:pic>
+        <p:nvPicPr>
+          <p:cNvPr id="11" name="Afbeelding 10" descr="Afbeelding met cirkel, Graphics, clipart, tekening&#10;&#10;Automatisch gegenereerde beschrijving">
+            <a:extLst>
+              <a:ext uri="{FF2B5EF4-FFF2-40B4-BE49-F238E27FC236}">
+                <a16:creationId xmlns:a16="http://schemas.microsoft.com/office/drawing/2014/main" id="{41260D1C-5390-606F-2B06-C34FB4BE7D23}"/>
+              </a:ext>
+            </a:extLst>
+          </p:cNvPr>
+          <p:cNvPicPr>
+            <a:picLocks noChangeAspect="1"/>
+          </p:cNvPicPr>
+          <p:nvPr/>
+        </p:nvPicPr>
+        <p:blipFill>
+          <a:blip r:embed="rId4"/>
+          <a:stretch>
+            <a:fillRect/>
+          </a:stretch>
+        </p:blipFill>
+        <p:spPr>
+          <a:xfrm>
+            <a:off x="7927826" y="178467"/>
+            <a:ext cx="1670347" cy="1708485"/>
+          </a:xfrm>
+          <a:prstGeom prst="rect">
+            <a:avLst/>
+          </a:prstGeom>
+        </p:spPr>
+      </p:pic>
     </p:spTree>
     <p:extLst>
       <p:ext uri="{BB962C8B-B14F-4D97-AF65-F5344CB8AC3E}">
-        <p14:creationId xmlns:p14="http://schemas.microsoft.com/office/powerpoint/2010/main" val="3043704060"/>
+        <p14:creationId xmlns:p14="http://schemas.microsoft.com/office/powerpoint/2010/main" val="2667198754"/>
       </p:ext>
     </p:extLst>
   </p:cSld>
@@ -5850,7 +9432,7 @@
           <p:cNvPr id="2" name="Titel 1">
             <a:extLst>
               <a:ext uri="{FF2B5EF4-FFF2-40B4-BE49-F238E27FC236}">
-                <a16:creationId xmlns:a16="http://schemas.microsoft.com/office/drawing/2014/main" id="{25EDFDE5-FCE7-22B1-7A02-1668ADC7D309}"/>
+                <a16:creationId xmlns:a16="http://schemas.microsoft.com/office/drawing/2014/main" id="{DC7164B3-E944-6C7E-2BB3-BB1BE8344E46}"/>
               </a:ext>
             </a:extLst>
           </p:cNvPr>
@@ -5861,402 +9443,337 @@
             <p:ph type="title"/>
           </p:nvPr>
         </p:nvSpPr>
-        <p:spPr/>
+        <p:spPr>
+          <a:xfrm>
+            <a:off x="839788" y="4178"/>
+            <a:ext cx="10515600" cy="1325563"/>
+          </a:xfrm>
+        </p:spPr>
         <p:txBody>
           <a:bodyPr/>
           <a:lstStyle/>
           <a:p>
             <a:r>
-              <a:rPr lang="nl-NL" dirty="0"/>
-              <a:t>Workshop</a:t>
-            </a:r>
-          </a:p>
-        </p:txBody>
-      </p:sp>
-      <p:sp>
-        <p:nvSpPr>
-          <p:cNvPr id="3" name="Tijdelijke aanduiding voor inhoud 2">
-            <a:extLst>
-              <a:ext uri="{FF2B5EF4-FFF2-40B4-BE49-F238E27FC236}">
-                <a16:creationId xmlns:a16="http://schemas.microsoft.com/office/drawing/2014/main" id="{B4A8B3E8-21C5-CB9D-4318-D07FC69D7343}"/>
-              </a:ext>
-            </a:extLst>
-          </p:cNvPr>
-          <p:cNvSpPr>
-            <a:spLocks noGrp="1"/>
-          </p:cNvSpPr>
-          <p:nvPr>
-            <p:ph idx="1"/>
-          </p:nvPr>
-        </p:nvSpPr>
-        <p:spPr/>
-        <p:txBody>
-          <a:bodyPr>
+              <a:rPr lang="nl-NL" err="1"/>
+              <a:t>Vs</a:t>
+            </a:r>
+            <a:r>
+              <a:rPr lang="nl-NL"/>
+              <a:t> Flutter</a:t>
+            </a:r>
+          </a:p>
+        </p:txBody>
+      </p:sp>
+      <p:sp>
+        <p:nvSpPr>
+          <p:cNvPr id="3" name="Tijdelijke aanduiding voor tekst 2">
+            <a:extLst>
+              <a:ext uri="{FF2B5EF4-FFF2-40B4-BE49-F238E27FC236}">
+                <a16:creationId xmlns:a16="http://schemas.microsoft.com/office/drawing/2014/main" id="{A02B0077-D1ED-F86C-4E04-482347CC2DDE}"/>
+              </a:ext>
+            </a:extLst>
+          </p:cNvPr>
+          <p:cNvSpPr>
+            <a:spLocks noGrp="1"/>
+          </p:cNvSpPr>
+          <p:nvPr>
+            <p:ph type="body" idx="1"/>
+          </p:nvPr>
+        </p:nvSpPr>
+        <p:spPr>
+          <a:xfrm>
+            <a:off x="839788" y="1320216"/>
+            <a:ext cx="5157787" cy="823912"/>
+          </a:xfrm>
+        </p:spPr>
+        <p:txBody>
+          <a:bodyPr/>
+          <a:lstStyle/>
+          <a:p>
+            <a:r>
+              <a:rPr lang="nl-NL" err="1"/>
+              <a:t>Avalonia</a:t>
+            </a:r>
+            <a:r>
+              <a:rPr lang="nl-NL"/>
+              <a:t> </a:t>
+            </a:r>
+          </a:p>
+        </p:txBody>
+      </p:sp>
+      <p:sp>
+        <p:nvSpPr>
+          <p:cNvPr id="4" name="Tijdelijke aanduiding voor inhoud 3">
+            <a:extLst>
+              <a:ext uri="{FF2B5EF4-FFF2-40B4-BE49-F238E27FC236}">
+                <a16:creationId xmlns:a16="http://schemas.microsoft.com/office/drawing/2014/main" id="{300756DF-D0B9-68D4-784E-53B809716D2A}"/>
+              </a:ext>
+            </a:extLst>
+          </p:cNvPr>
+          <p:cNvSpPr>
+            <a:spLocks noGrp="1"/>
+          </p:cNvSpPr>
+          <p:nvPr>
+            <p:ph sz="half" idx="2"/>
+          </p:nvPr>
+        </p:nvSpPr>
+        <p:spPr>
+          <a:xfrm>
+            <a:off x="839788" y="2144128"/>
+            <a:ext cx="5157787" cy="3684588"/>
+          </a:xfrm>
+        </p:spPr>
+        <p:txBody>
+          <a:bodyPr vert="horz" lIns="91440" tIns="45720" rIns="91440" bIns="45720" rtlCol="0" anchor="t">
             <a:normAutofit/>
           </a:bodyPr>
           <a:lstStyle/>
           <a:p>
             <a:r>
-              <a:rPr lang="nl-NL" sz="2000" dirty="0" err="1"/>
-              <a:t>Character</a:t>
-            </a:r>
-            <a:r>
-              <a:rPr lang="nl-NL" sz="2000" dirty="0"/>
+              <a:rPr lang="nl-NL"/>
+              <a:t>C#</a:t>
+            </a:r>
+          </a:p>
+          <a:p>
+            <a:r>
+              <a:rPr lang="nl-NL"/>
+              <a:t>Tree-</a:t>
+            </a:r>
+            <a:r>
+              <a:rPr lang="nl-NL" err="1"/>
+              <a:t>based</a:t>
+            </a:r>
+            <a:r>
+              <a:rPr lang="nl-NL"/>
+              <a:t> approach </a:t>
+            </a:r>
+          </a:p>
+          <a:p>
+            <a:r>
+              <a:rPr lang="nl-NL"/>
+              <a:t>Both </a:t>
+            </a:r>
+            <a:r>
+              <a:rPr lang="nl-NL" err="1"/>
+              <a:t>use</a:t>
+            </a:r>
+            <a:r>
+              <a:rPr lang="nl-NL"/>
               <a:t> </a:t>
             </a:r>
             <a:r>
-              <a:rPr lang="nl-NL" sz="2000" dirty="0" err="1"/>
-              <a:t>creator</a:t>
-            </a:r>
-            <a:endParaRPr lang="nl-NL" sz="2000" dirty="0"/>
-          </a:p>
-          <a:p>
-            <a:r>
-              <a:rPr lang="nl-NL" sz="2000" dirty="0"/>
-              <a:t>Take a look at </a:t>
-            </a:r>
-            <a:r>
-              <a:rPr lang="nl-NL" sz="2000" dirty="0" err="1"/>
-              <a:t>the</a:t>
-            </a:r>
-            <a:r>
-              <a:rPr lang="nl-NL" sz="2000" dirty="0"/>
-              <a:t> project </a:t>
-            </a:r>
-            <a:r>
-              <a:rPr lang="nl-NL" sz="2000" dirty="0" err="1"/>
-              <a:t>to</a:t>
-            </a:r>
-            <a:r>
-              <a:rPr lang="nl-NL" sz="2000" dirty="0"/>
+              <a:rPr lang="nl-NL" err="1"/>
+              <a:t>Skia</a:t>
+            </a:r>
+            <a:endParaRPr lang="nl-NL"/>
+          </a:p>
+          <a:p>
+            <a:r>
+              <a:rPr lang="nl-NL"/>
+              <a:t>Previewer</a:t>
+            </a:r>
+          </a:p>
+          <a:p>
+            <a:r>
+              <a:rPr lang="nl-NL" err="1"/>
+              <a:t>Growing</a:t>
+            </a:r>
+            <a:r>
+              <a:rPr lang="nl-NL"/>
+              <a:t> community</a:t>
+            </a:r>
+          </a:p>
+          <a:p>
+            <a:r>
+              <a:rPr lang="nl-NL" err="1"/>
+              <a:t>Fewer</a:t>
+            </a:r>
+            <a:r>
+              <a:rPr lang="nl-NL"/>
               <a:t> </a:t>
             </a:r>
             <a:r>
-              <a:rPr lang="nl-NL" sz="2000" dirty="0" err="1"/>
-              <a:t>study</a:t>
-            </a:r>
-            <a:r>
-              <a:rPr lang="nl-NL" sz="2000" dirty="0"/>
+              <a:rPr lang="nl-NL" err="1"/>
+              <a:t>specific</a:t>
+            </a:r>
+            <a:r>
+              <a:rPr lang="nl-NL"/>
+              <a:t> resources </a:t>
+            </a:r>
+            <a:r>
+              <a:rPr lang="nl-NL" err="1"/>
+              <a:t>and</a:t>
+            </a:r>
+            <a:r>
+              <a:rPr lang="nl-NL"/>
               <a:t> </a:t>
             </a:r>
             <a:r>
-              <a:rPr lang="nl-NL" sz="2000" dirty="0" err="1"/>
-              <a:t>the</a:t>
-            </a:r>
-            <a:r>
-              <a:rPr lang="nl-NL" sz="2000" dirty="0"/>
-              <a:t> environment</a:t>
-            </a:r>
-          </a:p>
-          <a:p>
-            <a:pPr marL="0" indent="0">
-              <a:buNone/>
-            </a:pPr>
-            <a:endParaRPr lang="nl-NL" sz="2000" dirty="0"/>
-          </a:p>
-          <a:p>
-            <a:r>
-              <a:rPr lang="nl-NL" sz="2000" dirty="0"/>
-              <a:t>Challenge 1: </a:t>
-            </a:r>
-            <a:r>
-              <a:rPr lang="nl-NL" sz="2000" dirty="0" err="1"/>
-              <a:t>Add</a:t>
-            </a:r>
-            <a:r>
-              <a:rPr lang="nl-NL" sz="2000" dirty="0"/>
+              <a:rPr lang="nl-NL" err="1"/>
+              <a:t>third</a:t>
+            </a:r>
+            <a:r>
+              <a:rPr lang="nl-NL"/>
+              <a:t>-party </a:t>
+            </a:r>
+            <a:r>
+              <a:rPr lang="nl-NL" err="1"/>
+              <a:t>libraries</a:t>
+            </a:r>
+            <a:endParaRPr lang="nl-NL"/>
+          </a:p>
+          <a:p>
+            <a:endParaRPr lang="nl-NL"/>
+          </a:p>
+        </p:txBody>
+      </p:sp>
+      <p:sp>
+        <p:nvSpPr>
+          <p:cNvPr id="5" name="Tijdelijke aanduiding voor tekst 4">
+            <a:extLst>
+              <a:ext uri="{FF2B5EF4-FFF2-40B4-BE49-F238E27FC236}">
+                <a16:creationId xmlns:a16="http://schemas.microsoft.com/office/drawing/2014/main" id="{0D1E4D6B-5D8E-5AE6-976F-CD2DBA573E69}"/>
+              </a:ext>
+            </a:extLst>
+          </p:cNvPr>
+          <p:cNvSpPr>
+            <a:spLocks noGrp="1"/>
+          </p:cNvSpPr>
+          <p:nvPr>
+            <p:ph type="body" sz="quarter" idx="3"/>
+          </p:nvPr>
+        </p:nvSpPr>
+        <p:spPr>
+          <a:xfrm>
+            <a:off x="6172200" y="1320216"/>
+            <a:ext cx="5183188" cy="823912"/>
+          </a:xfrm>
+        </p:spPr>
+        <p:txBody>
+          <a:bodyPr/>
+          <a:lstStyle/>
+          <a:p>
+            <a:r>
+              <a:rPr lang="nl-NL"/>
+              <a:t>Flutter</a:t>
+            </a:r>
+          </a:p>
+        </p:txBody>
+      </p:sp>
+      <p:sp>
+        <p:nvSpPr>
+          <p:cNvPr id="6" name="Tijdelijke aanduiding voor inhoud 5">
+            <a:extLst>
+              <a:ext uri="{FF2B5EF4-FFF2-40B4-BE49-F238E27FC236}">
+                <a16:creationId xmlns:a16="http://schemas.microsoft.com/office/drawing/2014/main" id="{AD92BDEC-7632-B131-AB0F-6C0BB29ADFA4}"/>
+              </a:ext>
+            </a:extLst>
+          </p:cNvPr>
+          <p:cNvSpPr>
+            <a:spLocks noGrp="1"/>
+          </p:cNvSpPr>
+          <p:nvPr>
+            <p:ph sz="quarter" idx="4"/>
+          </p:nvPr>
+        </p:nvSpPr>
+        <p:spPr>
+          <a:xfrm>
+            <a:off x="6172200" y="2144128"/>
+            <a:ext cx="5183188" cy="3684588"/>
+          </a:xfrm>
+        </p:spPr>
+        <p:txBody>
+          <a:bodyPr vert="horz" lIns="91440" tIns="45720" rIns="91440" bIns="45720" rtlCol="0" anchor="t">
+            <a:normAutofit/>
+          </a:bodyPr>
+          <a:lstStyle/>
+          <a:p>
+            <a:r>
+              <a:rPr lang="nl-NL"/>
+              <a:t>Dart</a:t>
+            </a:r>
+          </a:p>
+          <a:p>
+            <a:r>
+              <a:rPr lang="nl-NL"/>
+              <a:t>Widget-</a:t>
+            </a:r>
+            <a:r>
+              <a:rPr lang="nl-NL" err="1"/>
+              <a:t>based</a:t>
+            </a:r>
+            <a:r>
+              <a:rPr lang="nl-NL"/>
+              <a:t> approach</a:t>
+            </a:r>
+          </a:p>
+          <a:p>
+            <a:r>
+              <a:rPr lang="nl-NL"/>
+              <a:t>Hot </a:t>
+            </a:r>
+            <a:r>
+              <a:rPr lang="nl-NL" err="1"/>
+              <a:t>Reload</a:t>
+            </a:r>
+          </a:p>
+          <a:p>
+            <a:r>
+              <a:rPr lang="nl-NL" err="1"/>
+              <a:t>Larger</a:t>
+            </a:r>
+            <a:r>
+              <a:rPr lang="nl-NL"/>
               <a:t> </a:t>
             </a:r>
             <a:r>
-              <a:rPr lang="nl-NL" sz="2000" dirty="0" err="1"/>
-              <a:t>the</a:t>
-            </a:r>
-            <a:r>
-              <a:rPr lang="nl-NL" sz="2000" dirty="0"/>
+              <a:rPr lang="nl-NL" err="1"/>
+              <a:t>active</a:t>
+            </a:r>
+            <a:r>
+              <a:rPr lang="nl-NL"/>
+              <a:t> community</a:t>
+            </a:r>
+          </a:p>
+          <a:p>
+            <a:r>
+              <a:rPr lang="nl-NL" err="1"/>
+              <a:t>Wider</a:t>
+            </a:r>
+            <a:r>
+              <a:rPr lang="nl-NL"/>
+              <a:t> range of </a:t>
+            </a:r>
+            <a:r>
+              <a:rPr lang="nl-NL" err="1"/>
+              <a:t>third</a:t>
+            </a:r>
+            <a:r>
+              <a:rPr lang="nl-NL"/>
+              <a:t>-party packages </a:t>
+            </a:r>
+            <a:r>
+              <a:rPr lang="nl-NL" err="1"/>
+              <a:t>and</a:t>
+            </a:r>
+            <a:r>
+              <a:rPr lang="nl-NL"/>
               <a:t> </a:t>
             </a:r>
             <a:r>
-              <a:rPr lang="nl-NL" sz="2000" dirty="0" err="1"/>
-              <a:t>characters</a:t>
-            </a:r>
-            <a:r>
-              <a:rPr lang="nl-NL" sz="2000" dirty="0"/>
-              <a:t> arms. (hint: Check </a:t>
-            </a:r>
-            <a:r>
-              <a:rPr lang="nl-NL" sz="2000" dirty="0" err="1"/>
-              <a:t>the</a:t>
-            </a:r>
-            <a:r>
-              <a:rPr lang="nl-NL" sz="2000" dirty="0"/>
-              <a:t> </a:t>
-            </a:r>
-            <a:r>
-              <a:rPr lang="nl-NL" sz="2000" dirty="0" err="1"/>
-              <a:t>grids</a:t>
-            </a:r>
-            <a:r>
-              <a:rPr lang="nl-NL" sz="2000" dirty="0"/>
-              <a:t>)</a:t>
-            </a:r>
-          </a:p>
-          <a:p>
-            <a:r>
-              <a:rPr lang="nl-NL" sz="2000" dirty="0"/>
-              <a:t>Challenge 2: </a:t>
-            </a:r>
-            <a:r>
-              <a:rPr lang="nl-NL" sz="2000" dirty="0" err="1"/>
-              <a:t>Create</a:t>
-            </a:r>
-            <a:r>
-              <a:rPr lang="nl-NL" sz="2000" dirty="0"/>
-              <a:t> </a:t>
-            </a:r>
-            <a:r>
-              <a:rPr lang="nl-NL" sz="2000" dirty="0" err="1"/>
-              <a:t>height</a:t>
-            </a:r>
-            <a:r>
-              <a:rPr lang="nl-NL" sz="2000" dirty="0"/>
-              <a:t> </a:t>
-            </a:r>
-            <a:r>
-              <a:rPr lang="nl-NL" sz="2000" dirty="0" err="1"/>
-              <a:t>and</a:t>
-            </a:r>
-            <a:r>
-              <a:rPr lang="nl-NL" sz="2000" dirty="0"/>
-              <a:t> </a:t>
-            </a:r>
-            <a:r>
-              <a:rPr lang="nl-NL" sz="2000" dirty="0" err="1"/>
-              <a:t>width</a:t>
-            </a:r>
-            <a:r>
-              <a:rPr lang="nl-NL" sz="2000" dirty="0"/>
-              <a:t> </a:t>
-            </a:r>
-            <a:r>
-              <a:rPr lang="nl-NL" sz="2000" dirty="0" err="1"/>
-              <a:t>numerics</a:t>
-            </a:r>
-            <a:r>
-              <a:rPr lang="nl-NL" sz="2000" dirty="0"/>
-              <a:t>, </a:t>
-            </a:r>
-            <a:r>
-              <a:rPr lang="nl-NL" sz="2000" dirty="0" err="1"/>
-              <a:t>and</a:t>
-            </a:r>
-            <a:r>
-              <a:rPr lang="nl-NL" sz="2000" dirty="0"/>
-              <a:t> bind </a:t>
-            </a:r>
-            <a:r>
-              <a:rPr lang="nl-NL" sz="2000" dirty="0" err="1"/>
-              <a:t>them</a:t>
-            </a:r>
-            <a:r>
-              <a:rPr lang="nl-NL" sz="2000" dirty="0"/>
-              <a:t> </a:t>
-            </a:r>
-            <a:r>
-              <a:rPr lang="nl-NL" sz="2000" dirty="0" err="1"/>
-              <a:t>with</a:t>
-            </a:r>
-            <a:r>
-              <a:rPr lang="nl-NL" sz="2000" dirty="0"/>
-              <a:t> </a:t>
-            </a:r>
-            <a:r>
-              <a:rPr lang="nl-NL" sz="2000" dirty="0" err="1"/>
-              <a:t>the</a:t>
-            </a:r>
-            <a:r>
-              <a:rPr lang="nl-NL" sz="2000" dirty="0"/>
-              <a:t> </a:t>
-            </a:r>
-            <a:r>
-              <a:rPr lang="nl-NL" sz="2000" dirty="0" err="1"/>
-              <a:t>height</a:t>
-            </a:r>
-            <a:r>
-              <a:rPr lang="nl-NL" sz="2000" dirty="0"/>
-              <a:t> </a:t>
-            </a:r>
-            <a:r>
-              <a:rPr lang="nl-NL" sz="2000" dirty="0" err="1"/>
-              <a:t>and</a:t>
-            </a:r>
-            <a:r>
-              <a:rPr lang="nl-NL" sz="2000" dirty="0"/>
-              <a:t> </a:t>
-            </a:r>
-            <a:r>
-              <a:rPr lang="nl-NL" sz="2000" dirty="0" err="1"/>
-              <a:t>width</a:t>
-            </a:r>
-            <a:r>
-              <a:rPr lang="nl-NL" sz="2000" dirty="0"/>
-              <a:t> of </a:t>
-            </a:r>
-            <a:r>
-              <a:rPr lang="nl-NL" sz="2000" dirty="0" err="1"/>
-              <a:t>the</a:t>
-            </a:r>
-            <a:r>
-              <a:rPr lang="nl-NL" sz="2000" dirty="0"/>
-              <a:t> </a:t>
-            </a:r>
-            <a:r>
-              <a:rPr lang="nl-NL" sz="2000" dirty="0" err="1"/>
-              <a:t>character</a:t>
-            </a:r>
-            <a:r>
-              <a:rPr lang="nl-NL" sz="2000" dirty="0"/>
-              <a:t>. </a:t>
-            </a:r>
-            <a:r>
-              <a:rPr lang="nl-NL" sz="2000"/>
-              <a:t>()</a:t>
-            </a:r>
-            <a:endParaRPr lang="nl-NL" sz="2000" dirty="0"/>
-          </a:p>
-          <a:p>
-            <a:r>
-              <a:rPr lang="nl-NL" sz="2000" dirty="0"/>
-              <a:t>Challenge 3: </a:t>
-            </a:r>
-            <a:r>
-              <a:rPr lang="nl-NL" sz="2000" dirty="0" err="1"/>
-              <a:t>Create</a:t>
-            </a:r>
-            <a:r>
-              <a:rPr lang="nl-NL" sz="2000" dirty="0"/>
-              <a:t> a new class </a:t>
-            </a:r>
-            <a:r>
-              <a:rPr lang="nl-NL" sz="2000" dirty="0" err="1"/>
-              <a:t>named</a:t>
-            </a:r>
-            <a:r>
-              <a:rPr lang="nl-NL" sz="2000" dirty="0"/>
-              <a:t> </a:t>
-            </a:r>
-            <a:r>
-              <a:rPr lang="nl-NL" sz="2000" dirty="0" err="1"/>
-              <a:t>Gamebreaker</a:t>
-            </a:r>
-            <a:r>
-              <a:rPr lang="nl-NL" sz="2000" dirty="0"/>
-              <a:t>, </a:t>
-            </a:r>
-            <a:r>
-              <a:rPr lang="nl-NL" sz="2000" dirty="0" err="1"/>
-              <a:t>which</a:t>
-            </a:r>
-            <a:r>
-              <a:rPr lang="nl-NL" sz="2000" dirty="0"/>
-              <a:t> </a:t>
-            </a:r>
-            <a:r>
-              <a:rPr lang="nl-NL" sz="2000" dirty="0" err="1"/>
-              <a:t>allows</a:t>
-            </a:r>
-            <a:r>
-              <a:rPr lang="nl-NL" sz="2000" dirty="0"/>
-              <a:t> </a:t>
-            </a:r>
-            <a:r>
-              <a:rPr lang="nl-NL" sz="2000" dirty="0" err="1"/>
-              <a:t>the</a:t>
-            </a:r>
-            <a:r>
-              <a:rPr lang="nl-NL" sz="2000" dirty="0"/>
-              <a:t> user </a:t>
-            </a:r>
-            <a:r>
-              <a:rPr lang="nl-NL" sz="2000" dirty="0" err="1"/>
-              <a:t>to</a:t>
-            </a:r>
-            <a:r>
-              <a:rPr lang="nl-NL" sz="2000" dirty="0"/>
-              <a:t> </a:t>
-            </a:r>
-            <a:r>
-              <a:rPr lang="nl-NL" sz="2000" dirty="0" err="1"/>
-              <a:t>manipulate</a:t>
-            </a:r>
-            <a:r>
-              <a:rPr lang="nl-NL" sz="2000" dirty="0"/>
-              <a:t> </a:t>
-            </a:r>
-            <a:r>
-              <a:rPr lang="nl-NL" sz="2000" dirty="0" err="1"/>
-              <a:t>all</a:t>
-            </a:r>
-            <a:r>
-              <a:rPr lang="nl-NL" sz="2000" dirty="0"/>
-              <a:t> </a:t>
-            </a:r>
-            <a:r>
-              <a:rPr lang="nl-NL" sz="2000" dirty="0" err="1"/>
-              <a:t>the</a:t>
-            </a:r>
-            <a:r>
-              <a:rPr lang="nl-NL" sz="2000" dirty="0"/>
-              <a:t> </a:t>
-            </a:r>
-            <a:r>
-              <a:rPr lang="nl-NL" sz="2000" dirty="0" err="1"/>
-              <a:t>stats</a:t>
-            </a:r>
-            <a:r>
-              <a:rPr lang="nl-NL" sz="2000" dirty="0"/>
-              <a:t>, </a:t>
-            </a:r>
-            <a:r>
-              <a:rPr lang="nl-NL" sz="2000" dirty="0" err="1"/>
-              <a:t>including</a:t>
-            </a:r>
-            <a:r>
-              <a:rPr lang="nl-NL" sz="2000" dirty="0"/>
-              <a:t> </a:t>
-            </a:r>
-            <a:r>
-              <a:rPr lang="nl-NL" sz="2000" dirty="0" err="1"/>
-              <a:t>height</a:t>
-            </a:r>
-            <a:r>
-              <a:rPr lang="nl-NL" sz="2000" dirty="0"/>
-              <a:t> </a:t>
-            </a:r>
-            <a:r>
-              <a:rPr lang="nl-NL" sz="2000" dirty="0" err="1"/>
-              <a:t>and</a:t>
-            </a:r>
-            <a:r>
-              <a:rPr lang="nl-NL" sz="2000" dirty="0"/>
-              <a:t> </a:t>
-            </a:r>
-            <a:r>
-              <a:rPr lang="nl-NL" sz="2000" dirty="0" err="1"/>
-              <a:t>width</a:t>
-            </a:r>
-            <a:r>
-              <a:rPr lang="nl-NL" sz="2000" dirty="0"/>
-              <a:t>.</a:t>
-            </a:r>
-          </a:p>
-        </p:txBody>
-      </p:sp>
-      <p:sp>
-        <p:nvSpPr>
-          <p:cNvPr id="4" name="Rectangle 3">
-            <a:extLst>
-              <a:ext uri="{FF2B5EF4-FFF2-40B4-BE49-F238E27FC236}">
-                <a16:creationId xmlns:a16="http://schemas.microsoft.com/office/drawing/2014/main" id="{7D938917-266A-98E8-4612-83709D409572}"/>
+              <a:rPr lang="nl-NL" err="1"/>
+              <a:t>plugins</a:t>
+            </a:r>
+            <a:endParaRPr lang="nl-NL"/>
+          </a:p>
+        </p:txBody>
+      </p:sp>
+      <p:sp>
+        <p:nvSpPr>
+          <p:cNvPr id="8" name="Rectangle 3">
+            <a:extLst>
+              <a:ext uri="{FF2B5EF4-FFF2-40B4-BE49-F238E27FC236}">
+                <a16:creationId xmlns:a16="http://schemas.microsoft.com/office/drawing/2014/main" id="{91D51496-1384-ECD6-A4C7-F3FC56CDE3FF}"/>
               </a:ext>
             </a:extLst>
           </p:cNvPr>
@@ -6307,10 +9824,10 @@
       </p:sp>
       <p:pic>
         <p:nvPicPr>
-          <p:cNvPr id="5" name="Graphic 4">
-            <a:extLst>
-              <a:ext uri="{FF2B5EF4-FFF2-40B4-BE49-F238E27FC236}">
-                <a16:creationId xmlns:a16="http://schemas.microsoft.com/office/drawing/2014/main" id="{D94B3C6D-45F9-9C4F-F850-34C436BC6A3D}"/>
+          <p:cNvPr id="10" name="Graphic 9">
+            <a:extLst>
+              <a:ext uri="{FF2B5EF4-FFF2-40B4-BE49-F238E27FC236}">
+                <a16:creationId xmlns:a16="http://schemas.microsoft.com/office/drawing/2014/main" id="{AB2EBF35-EAA3-34E8-1652-C02ABA8BF92E}"/>
               </a:ext>
             </a:extLst>
           </p:cNvPr>
@@ -6341,10 +9858,39 @@
           </a:prstGeom>
         </p:spPr>
       </p:pic>
+      <p:pic>
+        <p:nvPicPr>
+          <p:cNvPr id="11" name="Afbeelding 10" descr="Afbeelding met tekst, Lettertype, Graphics, logo&#10;&#10;Automatisch gegenereerde beschrijving">
+            <a:extLst>
+              <a:ext uri="{FF2B5EF4-FFF2-40B4-BE49-F238E27FC236}">
+                <a16:creationId xmlns:a16="http://schemas.microsoft.com/office/drawing/2014/main" id="{D75E6748-94DA-9166-71E7-37C1D761B09C}"/>
+              </a:ext>
+            </a:extLst>
+          </p:cNvPr>
+          <p:cNvPicPr>
+            <a:picLocks noChangeAspect="1"/>
+          </p:cNvPicPr>
+          <p:nvPr/>
+        </p:nvPicPr>
+        <p:blipFill>
+          <a:blip r:embed="rId4"/>
+          <a:srcRect t="31366" r="7692" b="34783"/>
+          <a:stretch/>
+        </p:blipFill>
+        <p:spPr>
+          <a:xfrm>
+            <a:off x="6262076" y="372477"/>
+            <a:ext cx="3124043" cy="1097624"/>
+          </a:xfrm>
+          <a:prstGeom prst="rect">
+            <a:avLst/>
+          </a:prstGeom>
+        </p:spPr>
+      </p:pic>
     </p:spTree>
     <p:extLst>
       <p:ext uri="{BB962C8B-B14F-4D97-AF65-F5344CB8AC3E}">
-        <p14:creationId xmlns:p14="http://schemas.microsoft.com/office/powerpoint/2010/main" val="1345336737"/>
+        <p14:creationId xmlns:p14="http://schemas.microsoft.com/office/powerpoint/2010/main" val="2968501324"/>
       </p:ext>
     </p:extLst>
   </p:cSld>

--- a/presentation/AvaloniaUI_presentation.pptx
+++ b/presentation/AvaloniaUI_presentation.pptx
@@ -1124,7 +1124,7 @@
           <a:p>
             <a:fld id="{D1F4D0EE-A379-441F-B824-ED7864835324}" type="datetimeFigureOut">
               <a:rPr lang="nl-NL" smtClean="0"/>
-              <a:t>15-10-2024</a:t>
+              <a:t>16-10-2024</a:t>
             </a:fld>
             <a:endParaRPr lang="nl-NL"/>
           </a:p>
@@ -1717,7 +1717,7 @@
           <a:p>
             <a:fld id="{FB3CBBC7-512E-4C81-913B-C81B6CFF109F}" type="datetimeFigureOut">
               <a:rPr lang="nl-NL" smtClean="0"/>
-              <a:t>15-10-2024</a:t>
+              <a:t>16-10-2024</a:t>
             </a:fld>
             <a:endParaRPr lang="nl-NL"/>
           </a:p>
@@ -1915,7 +1915,7 @@
           <a:p>
             <a:fld id="{FB3CBBC7-512E-4C81-913B-C81B6CFF109F}" type="datetimeFigureOut">
               <a:rPr lang="nl-NL" smtClean="0"/>
-              <a:t>15-10-2024</a:t>
+              <a:t>16-10-2024</a:t>
             </a:fld>
             <a:endParaRPr lang="nl-NL"/>
           </a:p>
@@ -2123,7 +2123,7 @@
           <a:p>
             <a:fld id="{FB3CBBC7-512E-4C81-913B-C81B6CFF109F}" type="datetimeFigureOut">
               <a:rPr lang="nl-NL" smtClean="0"/>
-              <a:t>15-10-2024</a:t>
+              <a:t>16-10-2024</a:t>
             </a:fld>
             <a:endParaRPr lang="nl-NL"/>
           </a:p>
@@ -2321,7 +2321,7 @@
           <a:p>
             <a:fld id="{FB3CBBC7-512E-4C81-913B-C81B6CFF109F}" type="datetimeFigureOut">
               <a:rPr lang="nl-NL" smtClean="0"/>
-              <a:t>15-10-2024</a:t>
+              <a:t>16-10-2024</a:t>
             </a:fld>
             <a:endParaRPr lang="nl-NL"/>
           </a:p>
@@ -2596,7 +2596,7 @@
           <a:p>
             <a:fld id="{FB3CBBC7-512E-4C81-913B-C81B6CFF109F}" type="datetimeFigureOut">
               <a:rPr lang="nl-NL" smtClean="0"/>
-              <a:t>15-10-2024</a:t>
+              <a:t>16-10-2024</a:t>
             </a:fld>
             <a:endParaRPr lang="nl-NL"/>
           </a:p>
@@ -2861,7 +2861,7 @@
           <a:p>
             <a:fld id="{FB3CBBC7-512E-4C81-913B-C81B6CFF109F}" type="datetimeFigureOut">
               <a:rPr lang="nl-NL" smtClean="0"/>
-              <a:t>15-10-2024</a:t>
+              <a:t>16-10-2024</a:t>
             </a:fld>
             <a:endParaRPr lang="nl-NL"/>
           </a:p>
@@ -3273,7 +3273,7 @@
           <a:p>
             <a:fld id="{FB3CBBC7-512E-4C81-913B-C81B6CFF109F}" type="datetimeFigureOut">
               <a:rPr lang="nl-NL" smtClean="0"/>
-              <a:t>15-10-2024</a:t>
+              <a:t>16-10-2024</a:t>
             </a:fld>
             <a:endParaRPr lang="nl-NL"/>
           </a:p>
@@ -3414,7 +3414,7 @@
           <a:p>
             <a:fld id="{FB3CBBC7-512E-4C81-913B-C81B6CFF109F}" type="datetimeFigureOut">
               <a:rPr lang="nl-NL" smtClean="0"/>
-              <a:t>15-10-2024</a:t>
+              <a:t>16-10-2024</a:t>
             </a:fld>
             <a:endParaRPr lang="nl-NL"/>
           </a:p>
@@ -3527,7 +3527,7 @@
           <a:p>
             <a:fld id="{FB3CBBC7-512E-4C81-913B-C81B6CFF109F}" type="datetimeFigureOut">
               <a:rPr lang="nl-NL" smtClean="0"/>
-              <a:t>15-10-2024</a:t>
+              <a:t>16-10-2024</a:t>
             </a:fld>
             <a:endParaRPr lang="nl-NL"/>
           </a:p>
@@ -3838,7 +3838,7 @@
           <a:p>
             <a:fld id="{FB3CBBC7-512E-4C81-913B-C81B6CFF109F}" type="datetimeFigureOut">
               <a:rPr lang="nl-NL" smtClean="0"/>
-              <a:t>15-10-2024</a:t>
+              <a:t>16-10-2024</a:t>
             </a:fld>
             <a:endParaRPr lang="nl-NL"/>
           </a:p>
@@ -4126,7 +4126,7 @@
           <a:p>
             <a:fld id="{FB3CBBC7-512E-4C81-913B-C81B6CFF109F}" type="datetimeFigureOut">
               <a:rPr lang="nl-NL" smtClean="0"/>
-              <a:t>15-10-2024</a:t>
+              <a:t>16-10-2024</a:t>
             </a:fld>
             <a:endParaRPr lang="nl-NL"/>
           </a:p>
@@ -4367,7 +4367,7 @@
           <a:p>
             <a:fld id="{FB3CBBC7-512E-4C81-913B-C81B6CFF109F}" type="datetimeFigureOut">
               <a:rPr lang="nl-NL" smtClean="0"/>
-              <a:t>15-10-2024</a:t>
+              <a:t>16-10-2024</a:t>
             </a:fld>
             <a:endParaRPr lang="nl-NL"/>
           </a:p>
@@ -6180,440 +6180,449 @@
         </p:spPr>
         <p:txBody>
           <a:bodyPr vert="horz" lIns="91440" tIns="45720" rIns="91440" bIns="45720" rtlCol="0" anchor="t">
-            <a:normAutofit/>
+            <a:normAutofit lnSpcReduction="10000"/>
           </a:bodyPr>
           <a:lstStyle/>
           <a:p>
-            <a:endParaRPr lang="nl-NL" sz="2000"/>
-          </a:p>
-          <a:p>
-            <a:r>
-              <a:rPr lang="nl-NL" sz="2000"/>
+            <a:endParaRPr lang="nl-NL" sz="2000" dirty="0"/>
+          </a:p>
+          <a:p>
+            <a:r>
+              <a:rPr lang="nl-NL" sz="2000" dirty="0"/>
               <a:t>Challenge 1: </a:t>
             </a:r>
             <a:r>
-              <a:rPr lang="nl-NL" sz="2000" err="1"/>
+              <a:rPr lang="nl-NL" sz="2000" dirty="0" err="1"/>
               <a:t>Add</a:t>
             </a:r>
             <a:r>
-              <a:rPr lang="nl-NL" sz="2000"/>
+              <a:rPr lang="nl-NL" sz="2000" dirty="0"/>
               <a:t> “Name” </a:t>
             </a:r>
             <a:r>
-              <a:rPr lang="nl-NL" sz="2000" err="1"/>
+              <a:rPr lang="nl-NL" sz="2000" dirty="0" err="1"/>
               <a:t>and</a:t>
             </a:r>
             <a:r>
-              <a:rPr lang="nl-NL" sz="2000"/>
+              <a:rPr lang="nl-NL" sz="2000" dirty="0"/>
               <a:t> “</a:t>
             </a:r>
             <a:r>
-              <a:rPr lang="nl-NL" sz="2000" err="1"/>
+              <a:rPr lang="nl-NL" sz="2000" dirty="0" err="1"/>
               <a:t>Victory</a:t>
             </a:r>
             <a:r>
-              <a:rPr lang="nl-NL" sz="2000"/>
+              <a:rPr lang="nl-NL" sz="2000" dirty="0"/>
               <a:t> Quote” </a:t>
             </a:r>
             <a:r>
-              <a:rPr lang="nl-NL" sz="2000" err="1"/>
+              <a:rPr lang="nl-NL" sz="2000" dirty="0" err="1"/>
               <a:t>under</a:t>
             </a:r>
             <a:r>
-              <a:rPr lang="nl-NL" sz="2000"/>
+              <a:rPr lang="nl-NL" sz="2000" dirty="0"/>
               <a:t> </a:t>
             </a:r>
             <a:r>
-              <a:rPr lang="nl-NL" sz="2000" err="1"/>
+              <a:rPr lang="nl-NL" sz="2000" dirty="0" err="1"/>
               <a:t>the</a:t>
             </a:r>
             <a:r>
-              <a:rPr lang="nl-NL" sz="2000"/>
+              <a:rPr lang="nl-NL" sz="2000" dirty="0"/>
               <a:t> </a:t>
             </a:r>
             <a:r>
-              <a:rPr lang="nl-NL" sz="2000" err="1"/>
+              <a:rPr lang="nl-NL" sz="2000" dirty="0" err="1"/>
               <a:t>character</a:t>
             </a:r>
             <a:r>
-              <a:rPr lang="nl-NL" sz="2000"/>
+              <a:rPr lang="nl-NL" sz="2000" dirty="0"/>
               <a:t>. Make </a:t>
             </a:r>
             <a:r>
-              <a:rPr lang="nl-NL" sz="2000" err="1"/>
+              <a:rPr lang="nl-NL" sz="2000" dirty="0" err="1"/>
               <a:t>use</a:t>
             </a:r>
             <a:r>
-              <a:rPr lang="nl-NL" sz="2000"/>
+              <a:rPr lang="nl-NL" sz="2000" dirty="0"/>
               <a:t> of data binding.</a:t>
             </a:r>
           </a:p>
           <a:p>
             <a:r>
-              <a:rPr lang="nl-NL" sz="2000"/>
+              <a:rPr lang="nl-NL" sz="2000" dirty="0"/>
               <a:t>Challenge 2: </a:t>
             </a:r>
             <a:r>
-              <a:rPr lang="nl-NL" sz="2000" err="1"/>
+              <a:rPr lang="nl-NL" sz="2000" dirty="0" err="1"/>
               <a:t>Create</a:t>
             </a:r>
             <a:r>
-              <a:rPr lang="nl-NL" sz="2000"/>
+              <a:rPr lang="nl-NL" sz="2000" dirty="0"/>
               <a:t> a new class </a:t>
             </a:r>
             <a:r>
-              <a:rPr lang="nl-NL" sz="2000" err="1"/>
+              <a:rPr lang="nl-NL" sz="2000" dirty="0" err="1"/>
               <a:t>named</a:t>
             </a:r>
             <a:r>
-              <a:rPr lang="nl-NL" sz="2000"/>
+              <a:rPr lang="nl-NL" sz="2000" dirty="0"/>
               <a:t> </a:t>
             </a:r>
             <a:r>
-              <a:rPr lang="nl-NL" sz="2000" err="1"/>
+              <a:rPr lang="nl-NL" sz="2000" dirty="0" err="1"/>
               <a:t>Gamebreaker</a:t>
             </a:r>
             <a:r>
-              <a:rPr lang="nl-NL" sz="2000"/>
+              <a:rPr lang="nl-NL" sz="2000" dirty="0"/>
               <a:t>, </a:t>
             </a:r>
             <a:r>
-              <a:rPr lang="nl-NL" sz="2000" err="1"/>
+              <a:rPr lang="nl-NL" sz="2000" dirty="0" err="1"/>
               <a:t>which</a:t>
             </a:r>
             <a:r>
-              <a:rPr lang="nl-NL" sz="2000"/>
+              <a:rPr lang="nl-NL" sz="2000" dirty="0"/>
               <a:t> </a:t>
             </a:r>
             <a:r>
-              <a:rPr lang="nl-NL" sz="2000" err="1"/>
+              <a:rPr lang="nl-NL" sz="2000" dirty="0" err="1"/>
               <a:t>can</a:t>
             </a:r>
             <a:r>
-              <a:rPr lang="nl-NL" sz="2000"/>
+              <a:rPr lang="nl-NL" sz="2000" dirty="0"/>
               <a:t> </a:t>
             </a:r>
             <a:r>
-              <a:rPr lang="nl-NL" sz="2000" err="1"/>
+              <a:rPr lang="nl-NL" sz="2000" dirty="0" err="1"/>
               <a:t>manipulate</a:t>
             </a:r>
             <a:r>
-              <a:rPr lang="nl-NL" sz="2000"/>
+              <a:rPr lang="nl-NL" sz="2000" dirty="0"/>
               <a:t> </a:t>
             </a:r>
             <a:r>
-              <a:rPr lang="nl-NL" sz="2000" err="1"/>
+              <a:rPr lang="nl-NL" sz="2000" dirty="0" err="1"/>
               <a:t>all</a:t>
             </a:r>
             <a:r>
-              <a:rPr lang="nl-NL" sz="2000"/>
+              <a:rPr lang="nl-NL" sz="2000" dirty="0"/>
               <a:t> </a:t>
             </a:r>
             <a:r>
-              <a:rPr lang="nl-NL" sz="2000" err="1"/>
+              <a:rPr lang="nl-NL" sz="2000" dirty="0" err="1"/>
               <a:t>the</a:t>
             </a:r>
             <a:r>
-              <a:rPr lang="nl-NL" sz="2000"/>
+              <a:rPr lang="nl-NL" sz="2000" dirty="0"/>
               <a:t> </a:t>
             </a:r>
             <a:r>
-              <a:rPr lang="nl-NL" sz="2000" err="1"/>
+              <a:rPr lang="nl-NL" sz="2000" dirty="0" err="1"/>
               <a:t>stats</a:t>
             </a:r>
             <a:r>
-              <a:rPr lang="nl-NL" sz="2000"/>
+              <a:rPr lang="nl-NL" sz="2000" dirty="0"/>
               <a:t>, </a:t>
             </a:r>
             <a:r>
-              <a:rPr lang="nl-NL" sz="2000" err="1"/>
+              <a:rPr lang="nl-NL" sz="2000" dirty="0" err="1"/>
               <a:t>including</a:t>
             </a:r>
             <a:r>
-              <a:rPr lang="nl-NL" sz="2000"/>
+              <a:rPr lang="nl-NL" sz="2000" dirty="0"/>
               <a:t> </a:t>
             </a:r>
             <a:r>
-              <a:rPr lang="nl-NL" sz="2000" err="1"/>
+              <a:rPr lang="nl-NL" sz="2000" dirty="0" err="1"/>
               <a:t>height</a:t>
             </a:r>
             <a:r>
-              <a:rPr lang="nl-NL" sz="2000"/>
+              <a:rPr lang="nl-NL" sz="2000" dirty="0"/>
               <a:t> </a:t>
             </a:r>
             <a:r>
-              <a:rPr lang="nl-NL" sz="2000" err="1"/>
+              <a:rPr lang="nl-NL" sz="2000" dirty="0" err="1"/>
               <a:t>and</a:t>
             </a:r>
             <a:r>
-              <a:rPr lang="nl-NL" sz="2000"/>
+              <a:rPr lang="nl-NL" sz="2000" dirty="0"/>
               <a:t> </a:t>
             </a:r>
             <a:r>
-              <a:rPr lang="nl-NL" sz="2000" err="1"/>
+              <a:rPr lang="nl-NL" sz="2000" dirty="0" err="1"/>
               <a:t>width</a:t>
             </a:r>
             <a:r>
-              <a:rPr lang="nl-NL" sz="2000"/>
+              <a:rPr lang="nl-NL" sz="2000" dirty="0"/>
               <a:t>. Make </a:t>
             </a:r>
             <a:r>
-              <a:rPr lang="nl-NL" sz="2000" err="1"/>
+              <a:rPr lang="nl-NL" sz="2000" dirty="0" err="1"/>
               <a:t>sure</a:t>
             </a:r>
             <a:r>
-              <a:rPr lang="nl-NL" sz="2000"/>
+              <a:rPr lang="nl-NL" sz="2000" dirty="0"/>
               <a:t> </a:t>
             </a:r>
             <a:r>
-              <a:rPr lang="nl-NL" sz="2000" err="1"/>
+              <a:rPr lang="nl-NL" sz="2000" dirty="0" err="1"/>
               <a:t>that</a:t>
             </a:r>
             <a:r>
-              <a:rPr lang="nl-NL" sz="2000"/>
+              <a:rPr lang="nl-NL" sz="2000" dirty="0"/>
               <a:t> </a:t>
             </a:r>
             <a:r>
-              <a:rPr lang="nl-NL" sz="2000" err="1"/>
+              <a:rPr lang="nl-NL" sz="2000" dirty="0" err="1"/>
               <a:t>the</a:t>
             </a:r>
             <a:r>
-              <a:rPr lang="nl-NL" sz="2000"/>
+              <a:rPr lang="nl-NL" sz="2000" dirty="0"/>
               <a:t> </a:t>
             </a:r>
             <a:r>
-              <a:rPr lang="nl-NL" sz="2000" err="1"/>
+              <a:rPr lang="nl-NL" sz="2000" dirty="0" err="1"/>
               <a:t>height</a:t>
             </a:r>
             <a:r>
-              <a:rPr lang="nl-NL" sz="2000"/>
+              <a:rPr lang="nl-NL" sz="2000" dirty="0"/>
               <a:t> </a:t>
             </a:r>
             <a:r>
-              <a:rPr lang="nl-NL" sz="2000" err="1"/>
+              <a:rPr lang="nl-NL" sz="2000" dirty="0" err="1"/>
               <a:t>and</a:t>
             </a:r>
             <a:r>
-              <a:rPr lang="nl-NL" sz="2000"/>
+              <a:rPr lang="nl-NL" sz="2000" dirty="0"/>
               <a:t> </a:t>
             </a:r>
             <a:r>
-              <a:rPr lang="nl-NL" sz="2000" err="1"/>
+              <a:rPr lang="nl-NL" sz="2000" dirty="0" err="1"/>
               <a:t>width</a:t>
             </a:r>
             <a:r>
-              <a:rPr lang="nl-NL" sz="2000"/>
+              <a:rPr lang="nl-NL" sz="2000" dirty="0"/>
               <a:t> </a:t>
             </a:r>
             <a:r>
-              <a:rPr lang="nl-NL" sz="2000" err="1"/>
+              <a:rPr lang="nl-NL" sz="2000" dirty="0" err="1"/>
               <a:t>dynamically</a:t>
             </a:r>
             <a:r>
-              <a:rPr lang="nl-NL" sz="2000"/>
+              <a:rPr lang="nl-NL" sz="2000" dirty="0"/>
               <a:t> change </a:t>
             </a:r>
             <a:r>
-              <a:rPr lang="nl-NL" sz="2000" err="1"/>
+              <a:rPr lang="nl-NL" sz="2000" dirty="0" err="1"/>
               <a:t>the</a:t>
             </a:r>
             <a:r>
-              <a:rPr lang="nl-NL" sz="2000"/>
+              <a:rPr lang="nl-NL" sz="2000" dirty="0"/>
               <a:t> </a:t>
             </a:r>
             <a:r>
-              <a:rPr lang="nl-NL" sz="2000" err="1"/>
+              <a:rPr lang="nl-NL" sz="2000" dirty="0" err="1"/>
               <a:t>character’s</a:t>
             </a:r>
             <a:r>
-              <a:rPr lang="nl-NL" sz="2000"/>
+              <a:rPr lang="nl-NL" sz="2000" dirty="0"/>
               <a:t> </a:t>
             </a:r>
             <a:r>
-              <a:rPr lang="nl-NL" sz="2000" err="1"/>
+              <a:rPr lang="nl-NL" sz="2000" dirty="0" err="1"/>
               <a:t>height</a:t>
             </a:r>
             <a:r>
-              <a:rPr lang="nl-NL" sz="2000"/>
+              <a:rPr lang="nl-NL" sz="2000" dirty="0"/>
               <a:t> </a:t>
             </a:r>
             <a:r>
-              <a:rPr lang="nl-NL" sz="2000" err="1"/>
+              <a:rPr lang="nl-NL" sz="2000" dirty="0" err="1"/>
               <a:t>and</a:t>
             </a:r>
             <a:r>
-              <a:rPr lang="nl-NL" sz="2000"/>
+              <a:rPr lang="nl-NL" sz="2000" dirty="0"/>
               <a:t> </a:t>
             </a:r>
             <a:r>
-              <a:rPr lang="nl-NL" sz="2000" err="1"/>
+              <a:rPr lang="nl-NL" sz="2000" dirty="0" err="1"/>
               <a:t>width</a:t>
             </a:r>
             <a:r>
-              <a:rPr lang="nl-NL" sz="2000"/>
+              <a:rPr lang="nl-NL" sz="2000" dirty="0"/>
               <a:t> as well.</a:t>
             </a:r>
           </a:p>
           <a:p>
             <a:r>
-              <a:rPr lang="nl-NL" sz="2000"/>
+              <a:rPr lang="nl-NL" sz="2000" dirty="0"/>
               <a:t>Challenge 3: </a:t>
             </a:r>
             <a:r>
-              <a:rPr lang="nl-NL" sz="2000" err="1"/>
+              <a:rPr lang="nl-NL" sz="2000" dirty="0" err="1"/>
               <a:t>Add</a:t>
             </a:r>
             <a:r>
-              <a:rPr lang="nl-NL" sz="2000"/>
+              <a:rPr lang="nl-NL" sz="2000" dirty="0"/>
               <a:t> </a:t>
             </a:r>
             <a:r>
-              <a:rPr lang="nl-NL" sz="2000" err="1"/>
+              <a:rPr lang="nl-NL" sz="2000" dirty="0" err="1"/>
               <a:t>color</a:t>
             </a:r>
             <a:r>
-              <a:rPr lang="nl-NL" sz="2000"/>
+              <a:rPr lang="nl-NL" sz="2000" dirty="0"/>
               <a:t> input </a:t>
             </a:r>
             <a:r>
-              <a:rPr lang="nl-NL" sz="2000" err="1"/>
+              <a:rPr lang="nl-NL" sz="2000" dirty="0" err="1"/>
               <a:t>to</a:t>
             </a:r>
             <a:r>
-              <a:rPr lang="nl-NL" sz="2000"/>
+              <a:rPr lang="nl-NL" sz="2000" dirty="0"/>
               <a:t> </a:t>
             </a:r>
             <a:r>
-              <a:rPr lang="nl-NL" sz="2000" err="1"/>
+              <a:rPr lang="nl-NL" sz="2000" dirty="0" err="1"/>
               <a:t>customize</a:t>
             </a:r>
             <a:r>
-              <a:rPr lang="nl-NL" sz="2000"/>
+              <a:rPr lang="nl-NL" sz="2000" dirty="0"/>
               <a:t> </a:t>
             </a:r>
             <a:r>
-              <a:rPr lang="nl-NL" sz="2000" err="1"/>
+              <a:rPr lang="nl-NL" sz="2000" dirty="0" err="1"/>
               <a:t>character</a:t>
             </a:r>
             <a:r>
-              <a:rPr lang="nl-NL" sz="2000"/>
+              <a:rPr lang="nl-NL" sz="2000" dirty="0"/>
               <a:t> </a:t>
             </a:r>
             <a:r>
-              <a:rPr lang="nl-NL" sz="2000" err="1"/>
+              <a:rPr lang="nl-NL" sz="2000" dirty="0" err="1"/>
               <a:t>color</a:t>
             </a:r>
             <a:r>
-              <a:rPr lang="nl-NL" sz="2000"/>
+              <a:rPr lang="nl-NL" sz="2000" dirty="0"/>
               <a:t> per body part. Make </a:t>
             </a:r>
             <a:r>
-              <a:rPr lang="nl-NL" sz="2000" err="1"/>
+              <a:rPr lang="nl-NL" sz="2000" dirty="0" err="1"/>
               <a:t>use</a:t>
             </a:r>
             <a:r>
-              <a:rPr lang="nl-NL" sz="2000"/>
+              <a:rPr lang="nl-NL" sz="2000" dirty="0"/>
               <a:t> of data binding.</a:t>
             </a:r>
           </a:p>
           <a:p>
-            <a:endParaRPr lang="nl-NL" sz="2000"/>
-          </a:p>
-          <a:p>
-            <a:endParaRPr lang="nl-NL" sz="2000"/>
-          </a:p>
-          <a:p>
-            <a:r>
-              <a:rPr lang="nl-NL" sz="2000" err="1"/>
+            <a:endParaRPr lang="nl-NL" sz="2000" dirty="0"/>
+          </a:p>
+          <a:p>
+            <a:pPr marL="0" indent="0">
+              <a:buNone/>
+            </a:pPr>
+            <a:r>
+              <a:rPr lang="nl-NL" sz="2400" dirty="0"/>
+              <a:t>https://www.github.com/esd-2024-avaloniaui</a:t>
+            </a:r>
+          </a:p>
+          <a:p>
+            <a:endParaRPr lang="nl-NL" sz="2000" dirty="0"/>
+          </a:p>
+          <a:p>
+            <a:r>
+              <a:rPr lang="nl-NL" sz="2000" dirty="0" err="1"/>
               <a:t>Helpful</a:t>
             </a:r>
             <a:r>
-              <a:rPr lang="nl-NL" sz="2000"/>
+              <a:rPr lang="nl-NL" sz="2000" dirty="0"/>
               <a:t> </a:t>
             </a:r>
             <a:r>
-              <a:rPr lang="nl-NL" sz="2000" err="1"/>
+              <a:rPr lang="nl-NL" sz="2000" dirty="0" err="1"/>
               <a:t>recourses</a:t>
             </a:r>
             <a:r>
-              <a:rPr lang="nl-NL" sz="2000"/>
+              <a:rPr lang="nl-NL" sz="2000" dirty="0"/>
               <a:t>:</a:t>
             </a:r>
           </a:p>
           <a:p>
             <a:pPr lvl="1"/>
             <a:r>
-              <a:rPr lang="nl-NL" sz="1600">
+              <a:rPr lang="nl-NL" sz="1600" dirty="0">
                 <a:hlinkClick r:id="rId2"/>
               </a:rPr>
               <a:t>https://play.avaloniaui.net/</a:t>
             </a:r>
-            <a:endParaRPr lang="nl-NL" sz="1600"/>
+            <a:endParaRPr lang="nl-NL" sz="1600" dirty="0"/>
           </a:p>
           <a:p>
             <a:pPr lvl="1"/>
             <a:r>
-              <a:rPr lang="nl-NL" sz="1600">
+              <a:rPr lang="nl-NL" sz="1600" dirty="0">
                 <a:ea typeface="+mn-lt"/>
                 <a:cs typeface="+mn-lt"/>
                 <a:hlinkClick r:id="rId3"/>
               </a:rPr>
               <a:t>https://docs.avaloniaui.net/docs/welcome</a:t>
             </a:r>
-            <a:endParaRPr lang="nl-NL" sz="1600"/>
+            <a:endParaRPr lang="nl-NL" sz="1600" dirty="0"/>
           </a:p>
           <a:p>
             <a:pPr lvl="1"/>
             <a:r>
-              <a:rPr lang="nl-NL" sz="1600"/>
+              <a:rPr lang="nl-NL" sz="1600" dirty="0"/>
               <a:t>README </a:t>
             </a:r>
             <a:r>
-              <a:rPr lang="nl-NL" sz="1600" err="1"/>
+              <a:rPr lang="nl-NL" sz="1600" dirty="0" err="1"/>
               <a:t>for</a:t>
             </a:r>
             <a:r>
-              <a:rPr lang="nl-NL" sz="1600"/>
+              <a:rPr lang="nl-NL" sz="1600" dirty="0"/>
               <a:t> project </a:t>
             </a:r>
             <a:r>
-              <a:rPr lang="nl-NL" sz="1600" err="1"/>
+              <a:rPr lang="nl-NL" sz="1600" dirty="0" err="1"/>
               <a:t>build</a:t>
             </a:r>
             <a:r>
-              <a:rPr lang="nl-NL" sz="1600"/>
+              <a:rPr lang="nl-NL" sz="1600" dirty="0"/>
               <a:t> </a:t>
             </a:r>
             <a:r>
-              <a:rPr lang="nl-NL" sz="1600" err="1"/>
+              <a:rPr lang="nl-NL" sz="1600" dirty="0" err="1"/>
               <a:t>instructions</a:t>
             </a:r>
-            <a:endParaRPr lang="nl-NL" sz="1600"/>
+            <a:endParaRPr lang="nl-NL" sz="1600" dirty="0"/>
           </a:p>
           <a:p>
             <a:pPr lvl="1"/>
             <a:r>
-              <a:rPr lang="nl-NL" sz="1600" err="1"/>
+              <a:rPr lang="nl-NL" sz="1600" dirty="0" err="1"/>
               <a:t>Otherwise</a:t>
             </a:r>
             <a:r>
-              <a:rPr lang="nl-NL" sz="1600"/>
+              <a:rPr lang="nl-NL" sz="1600" dirty="0"/>
               <a:t>, </a:t>
             </a:r>
             <a:r>
-              <a:rPr lang="nl-NL" sz="1600" err="1"/>
+              <a:rPr lang="nl-NL" sz="1600" dirty="0" err="1"/>
               <a:t>ask</a:t>
             </a:r>
             <a:r>
-              <a:rPr lang="nl-NL" sz="1600"/>
+              <a:rPr lang="nl-NL" sz="1600" dirty="0"/>
               <a:t> </a:t>
             </a:r>
             <a:r>
-              <a:rPr lang="nl-NL" sz="1600" err="1"/>
+              <a:rPr lang="nl-NL" sz="1600" dirty="0" err="1"/>
               <a:t>us</a:t>
             </a:r>
             <a:r>
-              <a:rPr lang="nl-NL" sz="1600"/>
+              <a:rPr lang="nl-NL" sz="1600" dirty="0"/>
               <a:t>!</a:t>
             </a:r>
           </a:p>
@@ -6703,6 +6712,36 @@
           <a:xfrm>
             <a:off x="4607734" y="5560786"/>
             <a:ext cx="2976532" cy="1488267"/>
+          </a:xfrm>
+          <a:prstGeom prst="rect">
+            <a:avLst/>
+          </a:prstGeom>
+        </p:spPr>
+      </p:pic>
+      <p:pic>
+        <p:nvPicPr>
+          <p:cNvPr id="7" name="Picture 6">
+            <a:extLst>
+              <a:ext uri="{FF2B5EF4-FFF2-40B4-BE49-F238E27FC236}">
+                <a16:creationId xmlns:a16="http://schemas.microsoft.com/office/drawing/2014/main" id="{D6C8B0A9-BA4D-4D5D-88D1-7B68AC787917}"/>
+              </a:ext>
+            </a:extLst>
+          </p:cNvPr>
+          <p:cNvPicPr>
+            <a:picLocks noChangeAspect="1"/>
+          </p:cNvPicPr>
+          <p:nvPr/>
+        </p:nvPicPr>
+        <p:blipFill>
+          <a:blip r:embed="rId6"/>
+          <a:stretch>
+            <a:fillRect/>
+          </a:stretch>
+        </p:blipFill>
+        <p:spPr>
+          <a:xfrm>
+            <a:off x="7705333" y="2817203"/>
+            <a:ext cx="2810267" cy="2743583"/>
           </a:xfrm>
           <a:prstGeom prst="rect">
             <a:avLst/>

--- a/presentation/AvaloniaUI_presentation.pptx
+++ b/presentation/AvaloniaUI_presentation.pptx
@@ -1283,7 +1283,7 @@
           <a:p>
             <a:fld id="{40A0B7DC-64D0-4966-9D1A-4791655AD581}" type="slidenum">
               <a:rPr lang="nl-NL" smtClean="0"/>
-              <a:t>‹#›</a:t>
+              <a:t>‹nr.›</a:t>
             </a:fld>
             <a:endParaRPr lang="nl-NL"/>
           </a:p>
@@ -1771,7 +1771,7 @@
           <a:p>
             <a:fld id="{B5F21640-E233-424B-8C7B-BA29B1412C62}" type="slidenum">
               <a:rPr lang="nl-NL" smtClean="0"/>
-              <a:t>‹#›</a:t>
+              <a:t>‹nr.›</a:t>
             </a:fld>
             <a:endParaRPr lang="nl-NL"/>
           </a:p>
@@ -1969,7 +1969,7 @@
           <a:p>
             <a:fld id="{B5F21640-E233-424B-8C7B-BA29B1412C62}" type="slidenum">
               <a:rPr lang="nl-NL" smtClean="0"/>
-              <a:t>‹#›</a:t>
+              <a:t>‹nr.›</a:t>
             </a:fld>
             <a:endParaRPr lang="nl-NL"/>
           </a:p>
@@ -2177,7 +2177,7 @@
           <a:p>
             <a:fld id="{B5F21640-E233-424B-8C7B-BA29B1412C62}" type="slidenum">
               <a:rPr lang="nl-NL" smtClean="0"/>
-              <a:t>‹#›</a:t>
+              <a:t>‹nr.›</a:t>
             </a:fld>
             <a:endParaRPr lang="nl-NL"/>
           </a:p>
@@ -2375,7 +2375,7 @@
           <a:p>
             <a:fld id="{B5F21640-E233-424B-8C7B-BA29B1412C62}" type="slidenum">
               <a:rPr lang="nl-NL" smtClean="0"/>
-              <a:t>‹#›</a:t>
+              <a:t>‹nr.›</a:t>
             </a:fld>
             <a:endParaRPr lang="nl-NL"/>
           </a:p>
@@ -2650,7 +2650,7 @@
           <a:p>
             <a:fld id="{B5F21640-E233-424B-8C7B-BA29B1412C62}" type="slidenum">
               <a:rPr lang="nl-NL" smtClean="0"/>
-              <a:t>‹#›</a:t>
+              <a:t>‹nr.›</a:t>
             </a:fld>
             <a:endParaRPr lang="nl-NL"/>
           </a:p>
@@ -2915,7 +2915,7 @@
           <a:p>
             <a:fld id="{B5F21640-E233-424B-8C7B-BA29B1412C62}" type="slidenum">
               <a:rPr lang="nl-NL" smtClean="0"/>
-              <a:t>‹#›</a:t>
+              <a:t>‹nr.›</a:t>
             </a:fld>
             <a:endParaRPr lang="nl-NL"/>
           </a:p>
@@ -3327,7 +3327,7 @@
           <a:p>
             <a:fld id="{B5F21640-E233-424B-8C7B-BA29B1412C62}" type="slidenum">
               <a:rPr lang="nl-NL" smtClean="0"/>
-              <a:t>‹#›</a:t>
+              <a:t>‹nr.›</a:t>
             </a:fld>
             <a:endParaRPr lang="nl-NL"/>
           </a:p>
@@ -3468,7 +3468,7 @@
           <a:p>
             <a:fld id="{B5F21640-E233-424B-8C7B-BA29B1412C62}" type="slidenum">
               <a:rPr lang="nl-NL" smtClean="0"/>
-              <a:t>‹#›</a:t>
+              <a:t>‹nr.›</a:t>
             </a:fld>
             <a:endParaRPr lang="nl-NL"/>
           </a:p>
@@ -3581,7 +3581,7 @@
           <a:p>
             <a:fld id="{B5F21640-E233-424B-8C7B-BA29B1412C62}" type="slidenum">
               <a:rPr lang="nl-NL" smtClean="0"/>
-              <a:t>‹#›</a:t>
+              <a:t>‹nr.›</a:t>
             </a:fld>
             <a:endParaRPr lang="nl-NL"/>
           </a:p>
@@ -3892,7 +3892,7 @@
           <a:p>
             <a:fld id="{B5F21640-E233-424B-8C7B-BA29B1412C62}" type="slidenum">
               <a:rPr lang="nl-NL" smtClean="0"/>
-              <a:t>‹#›</a:t>
+              <a:t>‹nr.›</a:t>
             </a:fld>
             <a:endParaRPr lang="nl-NL"/>
           </a:p>
@@ -4180,7 +4180,7 @@
           <a:p>
             <a:fld id="{B5F21640-E233-424B-8C7B-BA29B1412C62}" type="slidenum">
               <a:rPr lang="nl-NL" smtClean="0"/>
-              <a:t>‹#›</a:t>
+              <a:t>‹nr.›</a:t>
             </a:fld>
             <a:endParaRPr lang="nl-NL"/>
           </a:p>
@@ -4457,7 +4457,7 @@
           <a:p>
             <a:fld id="{B5F21640-E233-424B-8C7B-BA29B1412C62}" type="slidenum">
               <a:rPr lang="nl-NL" smtClean="0"/>
-              <a:t>‹#›</a:t>
+              <a:t>‹nr.›</a:t>
             </a:fld>
             <a:endParaRPr lang="nl-NL"/>
           </a:p>
@@ -6567,14 +6567,25 @@
                 <a:cs typeface="+mn-lt"/>
                 <a:hlinkClick r:id="rId3"/>
               </a:rPr>
-              <a:t>https://docs.avaloniaui.net/docs/welcome</a:t>
-            </a:r>
-            <a:endParaRPr lang="nl-NL" sz="1600" dirty="0"/>
+              <a:t>https://docs.avaloniaui.net/docs/basics/data/</a:t>
+            </a:r>
+            <a:r>
+              <a:rPr lang="nl-NL" sz="1600">
+                <a:ea typeface="+mn-lt"/>
+                <a:cs typeface="+mn-lt"/>
+                <a:hlinkClick r:id="rId3"/>
+              </a:rPr>
+              <a:t>data-binding/</a:t>
+            </a:r>
+            <a:endParaRPr lang="nl-NL" sz="1600">
+              <a:ea typeface="+mn-lt"/>
+              <a:cs typeface="+mn-lt"/>
+            </a:endParaRPr>
           </a:p>
           <a:p>
             <a:pPr lvl="1"/>
             <a:r>
-              <a:rPr lang="nl-NL" sz="1600" dirty="0"/>
+              <a:rPr lang="nl-NL" sz="1600"/>
               <a:t>README </a:t>
             </a:r>
             <a:r>
@@ -6845,143 +6856,143 @@
           <a:lstStyle/>
           <a:p>
             <a:r>
-              <a:rPr lang="nl-NL" sz="3200"/>
+              <a:rPr lang="nl-NL" sz="3200" dirty="0"/>
               <a:t>Pros</a:t>
             </a:r>
           </a:p>
           <a:p>
             <a:pPr lvl="1"/>
             <a:r>
-              <a:rPr lang="nl-NL" sz="2800"/>
+              <a:rPr lang="nl-NL" sz="2800" dirty="0"/>
               <a:t>Easy </a:t>
             </a:r>
             <a:r>
-              <a:rPr lang="nl-NL" sz="2800" err="1"/>
+              <a:rPr lang="nl-NL" sz="2800" dirty="0" err="1"/>
               <a:t>to</a:t>
             </a:r>
             <a:r>
-              <a:rPr lang="nl-NL" sz="2800"/>
+              <a:rPr lang="nl-NL" sz="2800" dirty="0"/>
               <a:t> </a:t>
             </a:r>
             <a:r>
-              <a:rPr lang="nl-NL" sz="2800" err="1"/>
+              <a:rPr lang="nl-NL" sz="2800" dirty="0" err="1"/>
               <a:t>build</a:t>
             </a:r>
             <a:r>
-              <a:rPr lang="nl-NL" sz="2800"/>
-              <a:t> modern UI</a:t>
+              <a:rPr lang="nl-NL" sz="2800" dirty="0"/>
+              <a:t> UI</a:t>
             </a:r>
           </a:p>
           <a:p>
             <a:pPr lvl="1"/>
             <a:r>
-              <a:rPr lang="nl-NL" sz="2800"/>
+              <a:rPr lang="nl-NL" sz="2800" dirty="0"/>
               <a:t>Easy </a:t>
             </a:r>
             <a:r>
-              <a:rPr lang="nl-NL" sz="2800" err="1"/>
+              <a:rPr lang="nl-NL" sz="2800" dirty="0" err="1"/>
               <a:t>to</a:t>
             </a:r>
             <a:r>
-              <a:rPr lang="nl-NL" sz="2800"/>
+              <a:rPr lang="nl-NL" sz="2800" dirty="0"/>
               <a:t> </a:t>
             </a:r>
             <a:r>
-              <a:rPr lang="nl-NL" sz="2800" err="1"/>
+              <a:rPr lang="nl-NL" sz="2800" dirty="0" err="1"/>
               <a:t>maintain</a:t>
             </a:r>
             <a:r>
-              <a:rPr lang="nl-NL" sz="2800"/>
+              <a:rPr lang="nl-NL" sz="2800" dirty="0"/>
               <a:t> code</a:t>
             </a:r>
           </a:p>
           <a:p>
             <a:pPr lvl="1"/>
             <a:r>
-              <a:rPr lang="nl-NL" sz="2800"/>
+              <a:rPr lang="nl-NL" sz="2800" dirty="0"/>
               <a:t>Easy </a:t>
             </a:r>
             <a:r>
-              <a:rPr lang="nl-NL" sz="2800" err="1"/>
+              <a:rPr lang="nl-NL" sz="2800" dirty="0" err="1"/>
               <a:t>to</a:t>
             </a:r>
             <a:r>
-              <a:rPr lang="nl-NL" sz="2800"/>
+              <a:rPr lang="nl-NL" sz="2800" dirty="0"/>
               <a:t> test, without </a:t>
             </a:r>
             <a:r>
-              <a:rPr lang="nl-NL" sz="2800" err="1"/>
+              <a:rPr lang="nl-NL" sz="2800" dirty="0" err="1"/>
               <a:t>referencing</a:t>
             </a:r>
             <a:r>
-              <a:rPr lang="nl-NL" sz="2800"/>
+              <a:rPr lang="nl-NL" sz="2800" dirty="0"/>
               <a:t> UI</a:t>
             </a:r>
           </a:p>
           <a:p>
             <a:r>
-              <a:rPr lang="nl-NL" sz="3200" err="1"/>
+              <a:rPr lang="nl-NL" sz="3200" dirty="0" err="1"/>
               <a:t>Cons</a:t>
             </a:r>
-            <a:endParaRPr lang="nl-NL" sz="3200"/>
+            <a:endParaRPr lang="nl-NL" sz="3200" dirty="0"/>
           </a:p>
           <a:p>
             <a:pPr lvl="1"/>
             <a:r>
-              <a:rPr lang="nl-NL" sz="2800" err="1"/>
+              <a:rPr lang="nl-NL" sz="2800" dirty="0" err="1"/>
               <a:t>Lack</a:t>
             </a:r>
             <a:r>
-              <a:rPr lang="nl-NL" sz="2800"/>
+              <a:rPr lang="nl-NL" sz="2800" dirty="0"/>
               <a:t> of </a:t>
             </a:r>
             <a:r>
-              <a:rPr lang="nl-NL" sz="2800" err="1"/>
+              <a:rPr lang="nl-NL" sz="2800" dirty="0" err="1"/>
               <a:t>documentation</a:t>
             </a:r>
-            <a:endParaRPr lang="nl-NL" sz="2800"/>
+            <a:endParaRPr lang="nl-NL" sz="2800" dirty="0"/>
           </a:p>
           <a:p>
             <a:pPr lvl="1"/>
             <a:r>
-              <a:rPr lang="nl-NL" sz="2800"/>
+              <a:rPr lang="nl-NL" sz="2800" dirty="0"/>
               <a:t>Overkill </a:t>
             </a:r>
             <a:r>
-              <a:rPr lang="nl-NL" sz="2800" err="1"/>
+              <a:rPr lang="nl-NL" sz="2800" dirty="0" err="1"/>
               <a:t>for</a:t>
             </a:r>
             <a:r>
-              <a:rPr lang="nl-NL" sz="2800"/>
+              <a:rPr lang="nl-NL" sz="2800" dirty="0"/>
               <a:t> single –page or </a:t>
             </a:r>
             <a:r>
-              <a:rPr lang="nl-NL" sz="2800" err="1"/>
+              <a:rPr lang="nl-NL" sz="2800" dirty="0" err="1"/>
               <a:t>very</a:t>
             </a:r>
             <a:r>
-              <a:rPr lang="nl-NL" sz="2800"/>
+              <a:rPr lang="nl-NL" sz="2800" dirty="0"/>
               <a:t> small apps.</a:t>
             </a:r>
           </a:p>
           <a:p>
             <a:pPr lvl="1"/>
             <a:r>
-              <a:rPr lang="nl-NL" sz="2800"/>
+              <a:rPr lang="nl-NL" sz="2800" dirty="0"/>
               <a:t>Previewer support</a:t>
             </a:r>
           </a:p>
           <a:p>
             <a:pPr lvl="1"/>
             <a:r>
-              <a:rPr lang="nl-NL" sz="2800"/>
+              <a:rPr lang="nl-NL" sz="2800" dirty="0"/>
               <a:t>Docker </a:t>
             </a:r>
             <a:r>
-              <a:rPr lang="nl-NL" sz="2800" err="1"/>
+              <a:rPr lang="nl-NL" sz="2800" dirty="0" err="1"/>
               <a:t>limitations</a:t>
             </a:r>
-            <a:endParaRPr lang="nl-NL" sz="2800"/>
+            <a:endParaRPr lang="nl-NL" sz="2800" dirty="0"/>
           </a:p>
         </p:txBody>
       </p:sp>

--- a/presentation/AvaloniaUI_presentation.pptx
+++ b/presentation/AvaloniaUI_presentation.pptx
@@ -5,7 +5,7 @@
     <p:sldMasterId id="2147483648" r:id="rId1"/>
   </p:sldMasterIdLst>
   <p:notesMasterIdLst>
-    <p:notesMasterId r:id="rId18"/>
+    <p:notesMasterId r:id="rId19"/>
   </p:notesMasterIdLst>
   <p:sldIdLst>
     <p:sldId id="256" r:id="rId2"/>
@@ -19,11 +19,12 @@
     <p:sldId id="273" r:id="rId10"/>
     <p:sldId id="274" r:id="rId11"/>
     <p:sldId id="263" r:id="rId12"/>
-    <p:sldId id="264" r:id="rId13"/>
-    <p:sldId id="270" r:id="rId14"/>
-    <p:sldId id="265" r:id="rId15"/>
-    <p:sldId id="266" r:id="rId16"/>
-    <p:sldId id="267" r:id="rId17"/>
+    <p:sldId id="277" r:id="rId13"/>
+    <p:sldId id="264" r:id="rId14"/>
+    <p:sldId id="270" r:id="rId15"/>
+    <p:sldId id="265" r:id="rId16"/>
+    <p:sldId id="266" r:id="rId17"/>
+    <p:sldId id="267" r:id="rId18"/>
   </p:sldIdLst>
   <p:sldSz cx="12192000" cy="6858000"/>
   <p:notesSz cx="6858000" cy="9144000"/>
@@ -138,6 +139,7 @@
             <p14:sldId id="273"/>
             <p14:sldId id="274"/>
             <p14:sldId id="263"/>
+            <p14:sldId id="277"/>
             <p14:sldId id="264"/>
             <p14:sldId id="270"/>
             <p14:sldId id="265"/>
@@ -4802,7 +4804,7 @@
         </p:nvSpPr>
         <p:spPr>
           <a:xfrm>
-            <a:off x="1524000" y="1414193"/>
+            <a:off x="1523999" y="1041400"/>
             <a:ext cx="9144000" cy="2387600"/>
           </a:xfrm>
         </p:spPr>
@@ -4811,14 +4813,9 @@
           <a:lstStyle/>
           <a:p>
             <a:r>
-              <a:rPr lang="nl-NL"/>
-              <a:t>Workshop 16th </a:t>
-            </a:r>
-            <a:r>
-              <a:rPr lang="nl-NL" err="1"/>
-              <a:t>October</a:t>
-            </a:r>
-            <a:endParaRPr lang="nl-NL"/>
+              <a:rPr lang="nl-NL" dirty="0"/>
+              <a:t>Workshop </a:t>
+            </a:r>
           </a:p>
         </p:txBody>
       </p:sp>
@@ -5331,7 +5328,12 @@
             <p:ph idx="1"/>
           </p:nvPr>
         </p:nvSpPr>
-        <p:spPr/>
+        <p:spPr>
+          <a:xfrm>
+            <a:off x="838200" y="1796442"/>
+            <a:ext cx="10515600" cy="4351338"/>
+          </a:xfrm>
+        </p:spPr>
         <p:txBody>
           <a:bodyPr vert="horz" lIns="91440" tIns="45720" rIns="91440" bIns="45720" rtlCol="0" anchor="t">
             <a:normAutofit/>
@@ -5339,32 +5341,25 @@
           <a:lstStyle/>
           <a:p>
             <a:r>
-              <a:rPr lang="nl-NL"/>
-              <a:t>Cross-platform</a:t>
-            </a:r>
-          </a:p>
-          <a:p>
-            <a:r>
-              <a:rPr lang="nl-NL" err="1"/>
+              <a:rPr lang="nl-NL" dirty="0"/>
+              <a:t>Cross-platform, WPF </a:t>
+            </a:r>
+            <a:r>
+              <a:rPr lang="nl-NL" dirty="0" err="1"/>
+              <a:t>isn’t</a:t>
+            </a:r>
+            <a:endParaRPr lang="nl-NL" dirty="0"/>
+          </a:p>
+          <a:p>
+            <a:r>
+              <a:rPr lang="nl-NL" dirty="0" err="1"/>
               <a:t>Dynamic</a:t>
             </a:r>
             <a:r>
-              <a:rPr lang="nl-NL"/>
+              <a:rPr lang="nl-NL" dirty="0"/>
               <a:t> UI development (previewer)</a:t>
             </a:r>
-          </a:p>
-          <a:p>
-            <a:r>
-              <a:rPr lang="en-GB"/>
-              <a:t>Active adoption</a:t>
-            </a:r>
-          </a:p>
-          <a:p>
-            <a:r>
-              <a:rPr lang="en-GB"/>
-              <a:t>Supports mobile development, WPF doesn’t</a:t>
-            </a:r>
-            <a:endParaRPr lang="nl-NL"/>
+            <a:endParaRPr lang="en-GB" dirty="0"/>
           </a:p>
         </p:txBody>
       </p:sp>
@@ -5452,156 +5447,6 @@
           <a:xfrm>
             <a:off x="4607734" y="5560786"/>
             <a:ext cx="2976532" cy="1488267"/>
-          </a:xfrm>
-          <a:prstGeom prst="rect">
-            <a:avLst/>
-          </a:prstGeom>
-        </p:spPr>
-      </p:pic>
-      <p:pic>
-        <p:nvPicPr>
-          <p:cNvPr id="6" name="Afbeelding 5" descr="Afbeelding met zwart, duisternis&#10;&#10;Automatisch gegenereerde beschrijving">
-            <a:extLst>
-              <a:ext uri="{FF2B5EF4-FFF2-40B4-BE49-F238E27FC236}">
-                <a16:creationId xmlns:a16="http://schemas.microsoft.com/office/drawing/2014/main" id="{1DF53D76-2BB6-CFA8-B566-5DF828E6F3DC}"/>
-              </a:ext>
-            </a:extLst>
-          </p:cNvPr>
-          <p:cNvPicPr>
-            <a:picLocks noChangeAspect="1"/>
-          </p:cNvPicPr>
-          <p:nvPr/>
-        </p:nvPicPr>
-        <p:blipFill>
-          <a:blip r:embed="rId4"/>
-          <a:stretch>
-            <a:fillRect/>
-          </a:stretch>
-        </p:blipFill>
-        <p:spPr>
-          <a:xfrm>
-            <a:off x="9079735" y="2650934"/>
-            <a:ext cx="1358748" cy="784953"/>
-          </a:xfrm>
-          <a:prstGeom prst="rect">
-            <a:avLst/>
-          </a:prstGeom>
-        </p:spPr>
-      </p:pic>
-      <p:pic>
-        <p:nvPicPr>
-          <p:cNvPr id="7" name="Afbeelding 6" descr="Afbeelding met Lettertype, logo, Graphics, tekst&#10;&#10;Automatisch gegenereerde beschrijving">
-            <a:extLst>
-              <a:ext uri="{FF2B5EF4-FFF2-40B4-BE49-F238E27FC236}">
-                <a16:creationId xmlns:a16="http://schemas.microsoft.com/office/drawing/2014/main" id="{C2FEBE32-53D8-ACE4-0516-8F0BA81AA81B}"/>
-              </a:ext>
-            </a:extLst>
-          </p:cNvPr>
-          <p:cNvPicPr>
-            <a:picLocks noChangeAspect="1"/>
-          </p:cNvPicPr>
-          <p:nvPr/>
-        </p:nvPicPr>
-        <p:blipFill>
-          <a:blip r:embed="rId5"/>
-          <a:stretch>
-            <a:fillRect/>
-          </a:stretch>
-        </p:blipFill>
-        <p:spPr>
-          <a:xfrm>
-            <a:off x="7415729" y="2299770"/>
-            <a:ext cx="1386290" cy="775772"/>
-          </a:xfrm>
-          <a:prstGeom prst="rect">
-            <a:avLst/>
-          </a:prstGeom>
-        </p:spPr>
-      </p:pic>
-      <p:pic>
-        <p:nvPicPr>
-          <p:cNvPr id="8" name="Afbeelding 7" descr="Afbeelding met zwart, duisternis&#10;&#10;Automatisch gegenereerde beschrijving">
-            <a:extLst>
-              <a:ext uri="{FF2B5EF4-FFF2-40B4-BE49-F238E27FC236}">
-                <a16:creationId xmlns:a16="http://schemas.microsoft.com/office/drawing/2014/main" id="{0C49DB24-8B9A-F8CE-9774-13E7C723496B}"/>
-              </a:ext>
-            </a:extLst>
-          </p:cNvPr>
-          <p:cNvPicPr>
-            <a:picLocks noChangeAspect="1"/>
-          </p:cNvPicPr>
-          <p:nvPr/>
-        </p:nvPicPr>
-        <p:blipFill>
-          <a:blip r:embed="rId6"/>
-          <a:stretch>
-            <a:fillRect/>
-          </a:stretch>
-        </p:blipFill>
-        <p:spPr>
-          <a:xfrm>
-            <a:off x="10204373" y="1783356"/>
-            <a:ext cx="1487278" cy="858398"/>
-          </a:xfrm>
-          <a:prstGeom prst="rect">
-            <a:avLst/>
-          </a:prstGeom>
-        </p:spPr>
-      </p:pic>
-      <p:pic>
-        <p:nvPicPr>
-          <p:cNvPr id="9" name="Afbeelding 8" descr="Afbeelding met Graphics, schermopname, Lettertype, grafische vormgeving&#10;&#10;Automatisch gegenereerde beschrijving">
-            <a:extLst>
-              <a:ext uri="{FF2B5EF4-FFF2-40B4-BE49-F238E27FC236}">
-                <a16:creationId xmlns:a16="http://schemas.microsoft.com/office/drawing/2014/main" id="{CCC16674-0238-8EE2-C48C-936FD0AACE91}"/>
-              </a:ext>
-            </a:extLst>
-          </p:cNvPr>
-          <p:cNvPicPr>
-            <a:picLocks noChangeAspect="1"/>
-          </p:cNvPicPr>
-          <p:nvPr/>
-        </p:nvPicPr>
-        <p:blipFill>
-          <a:blip r:embed="rId7"/>
-          <a:stretch>
-            <a:fillRect/>
-          </a:stretch>
-        </p:blipFill>
-        <p:spPr>
-          <a:xfrm>
-            <a:off x="9082031" y="1689252"/>
-            <a:ext cx="984174" cy="956632"/>
-          </a:xfrm>
-          <a:prstGeom prst="rect">
-            <a:avLst/>
-          </a:prstGeom>
-        </p:spPr>
-      </p:pic>
-      <p:pic>
-        <p:nvPicPr>
-          <p:cNvPr id="10" name="Afbeelding 9" descr="Afbeelding met schermopname, symbool, Graphics, ontwerp&#10;&#10;Automatisch gegenereerde beschrijving">
-            <a:extLst>
-              <a:ext uri="{FF2B5EF4-FFF2-40B4-BE49-F238E27FC236}">
-                <a16:creationId xmlns:a16="http://schemas.microsoft.com/office/drawing/2014/main" id="{A8CC478B-44AF-3A72-F375-62869ABAAB4A}"/>
-              </a:ext>
-            </a:extLst>
-          </p:cNvPr>
-          <p:cNvPicPr>
-            <a:picLocks noChangeAspect="1"/>
-          </p:cNvPicPr>
-          <p:nvPr/>
-        </p:nvPicPr>
-        <p:blipFill>
-          <a:blip r:embed="rId8"/>
-          <a:stretch>
-            <a:fillRect/>
-          </a:stretch>
-        </p:blipFill>
-        <p:spPr>
-          <a:xfrm>
-            <a:off x="7812796" y="750524"/>
-            <a:ext cx="2157470" cy="1234807"/>
           </a:xfrm>
           <a:prstGeom prst="rect">
             <a:avLst/>
@@ -5661,21 +5506,9 @@
           <a:p>
             <a:r>
               <a:rPr lang="nl-NL"/>
-              <a:t>Visual Studio </a:t>
-            </a:r>
-            <a:r>
-              <a:rPr lang="nl-NL" err="1"/>
-              <a:t>vs</a:t>
-            </a:r>
-            <a:r>
-              <a:rPr lang="nl-NL"/>
-              <a:t> </a:t>
-            </a:r>
-            <a:r>
-              <a:rPr lang="nl-NL" err="1"/>
-              <a:t>VScode</a:t>
-            </a:r>
-            <a:endParaRPr lang="nl-NL"/>
+              <a:t>Adoption</a:t>
+            </a:r>
+            <a:endParaRPr lang="nl-NL" dirty="0"/>
           </a:p>
         </p:txBody>
       </p:sp>
@@ -5703,73 +5536,24 @@
           <a:lstStyle/>
           <a:p>
             <a:r>
-              <a:rPr lang="nl-NL"/>
-              <a:t>Both support C#</a:t>
-            </a:r>
-          </a:p>
-          <a:p>
-            <a:r>
-              <a:rPr lang="nl-NL"/>
-              <a:t>Visual Studio (2022) </a:t>
-            </a:r>
-            <a:r>
-              <a:rPr lang="nl-NL" err="1"/>
-              <a:t>works</a:t>
-            </a:r>
-            <a:r>
-              <a:rPr lang="nl-NL"/>
-              <a:t> </a:t>
-            </a:r>
-            <a:r>
-              <a:rPr lang="nl-NL" err="1"/>
-              <a:t>the</a:t>
-            </a:r>
-            <a:r>
-              <a:rPr lang="nl-NL"/>
-              <a:t> best, thanks to </a:t>
-            </a:r>
-            <a:r>
-              <a:rPr lang="nl-NL" err="1"/>
-              <a:t>the</a:t>
-            </a:r>
-            <a:r>
-              <a:rPr lang="nl-NL"/>
-              <a:t> previewer</a:t>
-            </a:r>
-          </a:p>
-          <a:p>
-            <a:r>
-              <a:rPr lang="nl-NL" err="1"/>
-              <a:t>VScode</a:t>
-            </a:r>
-            <a:r>
-              <a:rPr lang="nl-NL"/>
-              <a:t> extension </a:t>
-            </a:r>
-            <a:r>
-              <a:rPr lang="nl-NL" err="1"/>
-              <a:t>works</a:t>
-            </a:r>
-            <a:r>
-              <a:rPr lang="nl-NL"/>
-              <a:t> </a:t>
-            </a:r>
-            <a:r>
-              <a:rPr lang="nl-NL" err="1"/>
-              <a:t>too</a:t>
-            </a:r>
-            <a:r>
-              <a:rPr lang="nl-NL"/>
-              <a:t>, but </a:t>
-            </a:r>
-            <a:r>
-              <a:rPr lang="nl-NL" err="1"/>
-              <a:t>poor</a:t>
-            </a:r>
-            <a:r>
-              <a:rPr lang="nl-NL"/>
-              <a:t> previewer</a:t>
-            </a:r>
+              <a:rPr lang="nl-NL" dirty="0" err="1"/>
+              <a:t>Github</a:t>
+            </a:r>
+            <a:r>
+              <a:rPr lang="nl-NL" dirty="0"/>
+              <a:t> stars – 25.5k</a:t>
+            </a:r>
+          </a:p>
+          <a:p>
+            <a:r>
+              <a:rPr lang="nl-NL" dirty="0" err="1"/>
+              <a:t>Installs</a:t>
+            </a:r>
+            <a:r>
+              <a:rPr lang="nl-NL" dirty="0"/>
+              <a:t> - 58,206,406</a:t>
+            </a:r>
+            <a:endParaRPr lang="en-GB" dirty="0"/>
           </a:p>
         </p:txBody>
       </p:sp>
@@ -5863,6 +5647,411 @@
           </a:prstGeom>
         </p:spPr>
       </p:pic>
+      <p:pic>
+        <p:nvPicPr>
+          <p:cNvPr id="6" name="Afbeelding 5" descr="Afbeelding met zwart, duisternis&#10;&#10;Automatisch gegenereerde beschrijving">
+            <a:extLst>
+              <a:ext uri="{FF2B5EF4-FFF2-40B4-BE49-F238E27FC236}">
+                <a16:creationId xmlns:a16="http://schemas.microsoft.com/office/drawing/2014/main" id="{1DF53D76-2BB6-CFA8-B566-5DF828E6F3DC}"/>
+              </a:ext>
+            </a:extLst>
+          </p:cNvPr>
+          <p:cNvPicPr>
+            <a:picLocks noChangeAspect="1"/>
+          </p:cNvPicPr>
+          <p:nvPr/>
+        </p:nvPicPr>
+        <p:blipFill>
+          <a:blip r:embed="rId4"/>
+          <a:stretch>
+            <a:fillRect/>
+          </a:stretch>
+        </p:blipFill>
+        <p:spPr>
+          <a:xfrm>
+            <a:off x="6146904" y="4050208"/>
+            <a:ext cx="1358748" cy="784953"/>
+          </a:xfrm>
+          <a:prstGeom prst="rect">
+            <a:avLst/>
+          </a:prstGeom>
+        </p:spPr>
+      </p:pic>
+      <p:pic>
+        <p:nvPicPr>
+          <p:cNvPr id="7" name="Afbeelding 6" descr="Afbeelding met Lettertype, logo, Graphics, tekst&#10;&#10;Automatisch gegenereerde beschrijving">
+            <a:extLst>
+              <a:ext uri="{FF2B5EF4-FFF2-40B4-BE49-F238E27FC236}">
+                <a16:creationId xmlns:a16="http://schemas.microsoft.com/office/drawing/2014/main" id="{C2FEBE32-53D8-ACE4-0516-8F0BA81AA81B}"/>
+              </a:ext>
+            </a:extLst>
+          </p:cNvPr>
+          <p:cNvPicPr>
+            <a:picLocks noChangeAspect="1"/>
+          </p:cNvPicPr>
+          <p:nvPr/>
+        </p:nvPicPr>
+        <p:blipFill>
+          <a:blip r:embed="rId5"/>
+          <a:stretch>
+            <a:fillRect/>
+          </a:stretch>
+        </p:blipFill>
+        <p:spPr>
+          <a:xfrm>
+            <a:off x="3878142" y="4059389"/>
+            <a:ext cx="1386290" cy="775772"/>
+          </a:xfrm>
+          <a:prstGeom prst="rect">
+            <a:avLst/>
+          </a:prstGeom>
+        </p:spPr>
+      </p:pic>
+      <p:pic>
+        <p:nvPicPr>
+          <p:cNvPr id="8" name="Afbeelding 7" descr="Afbeelding met zwart, duisternis&#10;&#10;Automatisch gegenereerde beschrijving">
+            <a:extLst>
+              <a:ext uri="{FF2B5EF4-FFF2-40B4-BE49-F238E27FC236}">
+                <a16:creationId xmlns:a16="http://schemas.microsoft.com/office/drawing/2014/main" id="{0C49DB24-8B9A-F8CE-9774-13E7C723496B}"/>
+              </a:ext>
+            </a:extLst>
+          </p:cNvPr>
+          <p:cNvPicPr>
+            <a:picLocks noChangeAspect="1"/>
+          </p:cNvPicPr>
+          <p:nvPr/>
+        </p:nvPicPr>
+        <p:blipFill>
+          <a:blip r:embed="rId6"/>
+          <a:stretch>
+            <a:fillRect/>
+          </a:stretch>
+        </p:blipFill>
+        <p:spPr>
+          <a:xfrm>
+            <a:off x="9654423" y="3850028"/>
+            <a:ext cx="1487278" cy="858398"/>
+          </a:xfrm>
+          <a:prstGeom prst="rect">
+            <a:avLst/>
+          </a:prstGeom>
+        </p:spPr>
+      </p:pic>
+      <p:pic>
+        <p:nvPicPr>
+          <p:cNvPr id="9" name="Afbeelding 8" descr="Afbeelding met Graphics, schermopname, Lettertype, grafische vormgeving&#10;&#10;Automatisch gegenereerde beschrijving">
+            <a:extLst>
+              <a:ext uri="{FF2B5EF4-FFF2-40B4-BE49-F238E27FC236}">
+                <a16:creationId xmlns:a16="http://schemas.microsoft.com/office/drawing/2014/main" id="{CCC16674-0238-8EE2-C48C-936FD0AACE91}"/>
+              </a:ext>
+            </a:extLst>
+          </p:cNvPr>
+          <p:cNvPicPr>
+            <a:picLocks noChangeAspect="1"/>
+          </p:cNvPicPr>
+          <p:nvPr/>
+        </p:nvPicPr>
+        <p:blipFill>
+          <a:blip r:embed="rId7"/>
+          <a:stretch>
+            <a:fillRect/>
+          </a:stretch>
+        </p:blipFill>
+        <p:spPr>
+          <a:xfrm>
+            <a:off x="8196814" y="3827944"/>
+            <a:ext cx="984174" cy="956632"/>
+          </a:xfrm>
+          <a:prstGeom prst="rect">
+            <a:avLst/>
+          </a:prstGeom>
+        </p:spPr>
+      </p:pic>
+      <p:pic>
+        <p:nvPicPr>
+          <p:cNvPr id="10" name="Afbeelding 9" descr="Afbeelding met schermopname, symbool, Graphics, ontwerp&#10;&#10;Automatisch gegenereerde beschrijving">
+            <a:extLst>
+              <a:ext uri="{FF2B5EF4-FFF2-40B4-BE49-F238E27FC236}">
+                <a16:creationId xmlns:a16="http://schemas.microsoft.com/office/drawing/2014/main" id="{A8CC478B-44AF-3A72-F375-62869ABAAB4A}"/>
+              </a:ext>
+            </a:extLst>
+          </p:cNvPr>
+          <p:cNvPicPr>
+            <a:picLocks noChangeAspect="1"/>
+          </p:cNvPicPr>
+          <p:nvPr/>
+        </p:nvPicPr>
+        <p:blipFill>
+          <a:blip r:embed="rId8"/>
+          <a:stretch>
+            <a:fillRect/>
+          </a:stretch>
+        </p:blipFill>
+        <p:spPr>
+          <a:xfrm>
+            <a:off x="838200" y="3815587"/>
+            <a:ext cx="2157470" cy="1234807"/>
+          </a:xfrm>
+          <a:prstGeom prst="rect">
+            <a:avLst/>
+          </a:prstGeom>
+        </p:spPr>
+      </p:pic>
+    </p:spTree>
+    <p:extLst>
+      <p:ext uri="{BB962C8B-B14F-4D97-AF65-F5344CB8AC3E}">
+        <p14:creationId xmlns:p14="http://schemas.microsoft.com/office/powerpoint/2010/main" val="2333702538"/>
+      </p:ext>
+    </p:extLst>
+  </p:cSld>
+  <p:clrMapOvr>
+    <a:masterClrMapping/>
+  </p:clrMapOvr>
+</p:sld>
+</file>
+
+<file path=ppt/slides/slide13.xml><?xml version="1.0" encoding="utf-8"?>
+<p:sld xmlns:a="http://schemas.openxmlformats.org/drawingml/2006/main" xmlns:r="http://schemas.openxmlformats.org/officeDocument/2006/relationships" xmlns:p="http://schemas.openxmlformats.org/presentationml/2006/main">
+  <p:cSld>
+    <p:spTree>
+      <p:nvGrpSpPr>
+        <p:cNvPr id="1" name=""/>
+        <p:cNvGrpSpPr/>
+        <p:nvPr/>
+      </p:nvGrpSpPr>
+      <p:grpSpPr>
+        <a:xfrm>
+          <a:off x="0" y="0"/>
+          <a:ext cx="0" cy="0"/>
+          <a:chOff x="0" y="0"/>
+          <a:chExt cx="0" cy="0"/>
+        </a:xfrm>
+      </p:grpSpPr>
+      <p:sp>
+        <p:nvSpPr>
+          <p:cNvPr id="2" name="Titel 1">
+            <a:extLst>
+              <a:ext uri="{FF2B5EF4-FFF2-40B4-BE49-F238E27FC236}">
+                <a16:creationId xmlns:a16="http://schemas.microsoft.com/office/drawing/2014/main" id="{25EDFDE5-FCE7-22B1-7A02-1668ADC7D309}"/>
+              </a:ext>
+            </a:extLst>
+          </p:cNvPr>
+          <p:cNvSpPr>
+            <a:spLocks noGrp="1"/>
+          </p:cNvSpPr>
+          <p:nvPr>
+            <p:ph type="title"/>
+          </p:nvPr>
+        </p:nvSpPr>
+        <p:spPr/>
+        <p:txBody>
+          <a:bodyPr/>
+          <a:lstStyle/>
+          <a:p>
+            <a:r>
+              <a:rPr lang="nl-NL"/>
+              <a:t>Visual Studio </a:t>
+            </a:r>
+            <a:r>
+              <a:rPr lang="nl-NL" err="1"/>
+              <a:t>vs</a:t>
+            </a:r>
+            <a:r>
+              <a:rPr lang="nl-NL"/>
+              <a:t> </a:t>
+            </a:r>
+            <a:r>
+              <a:rPr lang="nl-NL" err="1"/>
+              <a:t>VScode</a:t>
+            </a:r>
+            <a:endParaRPr lang="nl-NL"/>
+          </a:p>
+        </p:txBody>
+      </p:sp>
+      <p:sp>
+        <p:nvSpPr>
+          <p:cNvPr id="3" name="Tijdelijke aanduiding voor inhoud 2">
+            <a:extLst>
+              <a:ext uri="{FF2B5EF4-FFF2-40B4-BE49-F238E27FC236}">
+                <a16:creationId xmlns:a16="http://schemas.microsoft.com/office/drawing/2014/main" id="{B4A8B3E8-21C5-CB9D-4318-D07FC69D7343}"/>
+              </a:ext>
+            </a:extLst>
+          </p:cNvPr>
+          <p:cNvSpPr>
+            <a:spLocks noGrp="1"/>
+          </p:cNvSpPr>
+          <p:nvPr>
+            <p:ph idx="1"/>
+          </p:nvPr>
+        </p:nvSpPr>
+        <p:spPr/>
+        <p:txBody>
+          <a:bodyPr vert="horz" lIns="91440" tIns="45720" rIns="91440" bIns="45720" rtlCol="0" anchor="t">
+            <a:normAutofit/>
+          </a:bodyPr>
+          <a:lstStyle/>
+          <a:p>
+            <a:r>
+              <a:rPr lang="nl-NL"/>
+              <a:t>Both support C#</a:t>
+            </a:r>
+          </a:p>
+          <a:p>
+            <a:r>
+              <a:rPr lang="nl-NL"/>
+              <a:t>Visual Studio (2022) </a:t>
+            </a:r>
+            <a:r>
+              <a:rPr lang="nl-NL" err="1"/>
+              <a:t>works</a:t>
+            </a:r>
+            <a:r>
+              <a:rPr lang="nl-NL"/>
+              <a:t> </a:t>
+            </a:r>
+            <a:r>
+              <a:rPr lang="nl-NL" err="1"/>
+              <a:t>the</a:t>
+            </a:r>
+            <a:r>
+              <a:rPr lang="nl-NL"/>
+              <a:t> best, thanks to </a:t>
+            </a:r>
+            <a:r>
+              <a:rPr lang="nl-NL" err="1"/>
+              <a:t>the</a:t>
+            </a:r>
+            <a:r>
+              <a:rPr lang="nl-NL"/>
+              <a:t> previewer</a:t>
+            </a:r>
+          </a:p>
+          <a:p>
+            <a:r>
+              <a:rPr lang="nl-NL" err="1"/>
+              <a:t>VScode</a:t>
+            </a:r>
+            <a:r>
+              <a:rPr lang="nl-NL"/>
+              <a:t> extension </a:t>
+            </a:r>
+            <a:r>
+              <a:rPr lang="nl-NL" err="1"/>
+              <a:t>works</a:t>
+            </a:r>
+            <a:r>
+              <a:rPr lang="nl-NL"/>
+              <a:t> </a:t>
+            </a:r>
+            <a:r>
+              <a:rPr lang="nl-NL" err="1"/>
+              <a:t>too</a:t>
+            </a:r>
+            <a:r>
+              <a:rPr lang="nl-NL"/>
+              <a:t>, but </a:t>
+            </a:r>
+            <a:r>
+              <a:rPr lang="nl-NL" err="1"/>
+              <a:t>poor</a:t>
+            </a:r>
+            <a:r>
+              <a:rPr lang="nl-NL"/>
+              <a:t> previewer</a:t>
+            </a:r>
+          </a:p>
+        </p:txBody>
+      </p:sp>
+      <p:sp>
+        <p:nvSpPr>
+          <p:cNvPr id="4" name="Rectangle 3">
+            <a:extLst>
+              <a:ext uri="{FF2B5EF4-FFF2-40B4-BE49-F238E27FC236}">
+                <a16:creationId xmlns:a16="http://schemas.microsoft.com/office/drawing/2014/main" id="{7D938917-266A-98E8-4612-83709D409572}"/>
+              </a:ext>
+            </a:extLst>
+          </p:cNvPr>
+          <p:cNvSpPr/>
+          <p:nvPr/>
+        </p:nvSpPr>
+        <p:spPr>
+          <a:xfrm>
+            <a:off x="0" y="5560786"/>
+            <a:ext cx="12192000" cy="1502228"/>
+          </a:xfrm>
+          <a:prstGeom prst="rect">
+            <a:avLst/>
+          </a:prstGeom>
+          <a:solidFill>
+            <a:schemeClr val="bg1">
+              <a:lumMod val="85000"/>
+            </a:schemeClr>
+          </a:solidFill>
+          <a:ln>
+            <a:noFill/>
+          </a:ln>
+        </p:spPr>
+        <p:style>
+          <a:lnRef idx="2">
+            <a:schemeClr val="accent1">
+              <a:shade val="15000"/>
+            </a:schemeClr>
+          </a:lnRef>
+          <a:fillRef idx="1">
+            <a:schemeClr val="accent1"/>
+          </a:fillRef>
+          <a:effectRef idx="0">
+            <a:schemeClr val="accent1"/>
+          </a:effectRef>
+          <a:fontRef idx="minor">
+            <a:schemeClr val="lt1"/>
+          </a:fontRef>
+        </p:style>
+        <p:txBody>
+          <a:bodyPr rtlCol="0" anchor="ctr"/>
+          <a:lstStyle/>
+          <a:p>
+            <a:pPr algn="ctr"/>
+            <a:endParaRPr lang="en-GB"/>
+          </a:p>
+        </p:txBody>
+      </p:sp>
+      <p:pic>
+        <p:nvPicPr>
+          <p:cNvPr id="5" name="Graphic 4">
+            <a:extLst>
+              <a:ext uri="{FF2B5EF4-FFF2-40B4-BE49-F238E27FC236}">
+                <a16:creationId xmlns:a16="http://schemas.microsoft.com/office/drawing/2014/main" id="{D94B3C6D-45F9-9C4F-F850-34C436BC6A3D}"/>
+              </a:ext>
+            </a:extLst>
+          </p:cNvPr>
+          <p:cNvPicPr>
+            <a:picLocks noChangeAspect="1"/>
+          </p:cNvPicPr>
+          <p:nvPr/>
+        </p:nvPicPr>
+        <p:blipFill>
+          <a:blip r:embed="rId2">
+            <a:extLst>
+              <a:ext uri="{96DAC541-7B7A-43D3-8B79-37D633B846F1}">
+                <asvg:svgBlip xmlns:asvg="http://schemas.microsoft.com/office/drawing/2016/SVG/main" r:embed="rId3"/>
+              </a:ext>
+            </a:extLst>
+          </a:blip>
+          <a:stretch>
+            <a:fillRect/>
+          </a:stretch>
+        </p:blipFill>
+        <p:spPr>
+          <a:xfrm>
+            <a:off x="4607734" y="5560786"/>
+            <a:ext cx="2976532" cy="1488267"/>
+          </a:xfrm>
+          <a:prstGeom prst="rect">
+            <a:avLst/>
+          </a:prstGeom>
+        </p:spPr>
+      </p:pic>
     </p:spTree>
     <p:extLst>
       <p:ext uri="{BB962C8B-B14F-4D97-AF65-F5344CB8AC3E}">
@@ -5876,7 +6065,7 @@
 </p:sld>
 </file>
 
-<file path=ppt/slides/slide13.xml><?xml version="1.0" encoding="utf-8"?>
+<file path=ppt/slides/slide14.xml><?xml version="1.0" encoding="utf-8"?>
 <p:sld xmlns:a="http://schemas.openxmlformats.org/drawingml/2006/main" xmlns:r="http://schemas.openxmlformats.org/officeDocument/2006/relationships" xmlns:p="http://schemas.openxmlformats.org/presentationml/2006/main">
   <p:cSld>
     <p:spTree>
@@ -6098,7 +6287,7 @@
 </p:sld>
 </file>
 
-<file path=ppt/slides/slide14.xml><?xml version="1.0" encoding="utf-8"?>
+<file path=ppt/slides/slide15.xml><?xml version="1.0" encoding="utf-8"?>
 <p:sld xmlns:a="http://schemas.openxmlformats.org/drawingml/2006/main" xmlns:r="http://schemas.openxmlformats.org/officeDocument/2006/relationships" xmlns:p="http://schemas.openxmlformats.org/presentationml/2006/main">
   <p:cSld>
     <p:spTree>
@@ -6772,7 +6961,7 @@
 </p:sld>
 </file>
 
-<file path=ppt/slides/slide15.xml><?xml version="1.0" encoding="utf-8"?>
+<file path=ppt/slides/slide16.xml><?xml version="1.0" encoding="utf-8"?>
 <p:sld xmlns:a="http://schemas.openxmlformats.org/drawingml/2006/main" xmlns:r="http://schemas.openxmlformats.org/officeDocument/2006/relationships" xmlns:p="http://schemas.openxmlformats.org/presentationml/2006/main">
   <p:cSld>
     <p:spTree>
@@ -6944,7 +7133,7 @@
             </a:r>
             <a:r>
               <a:rPr lang="nl-NL" sz="2800" dirty="0"/>
-              <a:t> of </a:t>
+              <a:t> of backend </a:t>
             </a:r>
             <a:r>
               <a:rPr lang="nl-NL" sz="2800" dirty="0" err="1"/>
@@ -6978,8 +7167,12 @@
           <a:p>
             <a:pPr lvl="1"/>
             <a:r>
+              <a:rPr lang="nl-NL" sz="2800" dirty="0" err="1"/>
+              <a:t>Vscode</a:t>
+            </a:r>
+            <a:r>
               <a:rPr lang="nl-NL" sz="2800" dirty="0"/>
-              <a:t>Previewer support</a:t>
+              <a:t> previewer support</a:t>
             </a:r>
           </a:p>
           <a:p>
@@ -7099,7 +7292,7 @@
 </p:sld>
 </file>
 
-<file path=ppt/slides/slide16.xml><?xml version="1.0" encoding="utf-8"?>
+<file path=ppt/slides/slide17.xml><?xml version="1.0" encoding="utf-8"?>
 <p:sld xmlns:a="http://schemas.openxmlformats.org/drawingml/2006/main" xmlns:r="http://schemas.openxmlformats.org/officeDocument/2006/relationships" xmlns:p="http://schemas.openxmlformats.org/presentationml/2006/main">
   <p:cSld>
     <p:spTree>
@@ -7330,55 +7523,55 @@
         </p:spPr>
         <p:txBody>
           <a:bodyPr vert="horz" lIns="91440" tIns="45720" rIns="91440" bIns="45720" rtlCol="0" anchor="t">
-            <a:normAutofit fontScale="92500" lnSpcReduction="20000"/>
+            <a:normAutofit fontScale="85000" lnSpcReduction="20000"/>
           </a:bodyPr>
           <a:lstStyle/>
           <a:p>
             <a:r>
-              <a:rPr lang="nl-NL" err="1"/>
+              <a:rPr lang="nl-NL" dirty="0" err="1"/>
               <a:t>What</a:t>
             </a:r>
             <a:r>
-              <a:rPr lang="nl-NL"/>
+              <a:rPr lang="nl-NL" dirty="0"/>
               <a:t> is </a:t>
             </a:r>
             <a:r>
-              <a:rPr lang="nl-NL" err="1"/>
+              <a:rPr lang="nl-NL" dirty="0" err="1"/>
               <a:t>Avalonia</a:t>
             </a:r>
             <a:r>
-              <a:rPr lang="nl-NL"/>
+              <a:rPr lang="nl-NL" dirty="0"/>
               <a:t> UI?</a:t>
             </a:r>
           </a:p>
           <a:p>
             <a:r>
-              <a:rPr lang="nl-NL"/>
+              <a:rPr lang="nl-NL" dirty="0"/>
               <a:t>How does MVVM </a:t>
             </a:r>
             <a:r>
-              <a:rPr lang="nl-NL" err="1"/>
+              <a:rPr lang="nl-NL" dirty="0" err="1"/>
               <a:t>work</a:t>
             </a:r>
             <a:r>
-              <a:rPr lang="nl-NL"/>
+              <a:rPr lang="nl-NL" dirty="0"/>
               <a:t>?</a:t>
             </a:r>
           </a:p>
           <a:p>
             <a:r>
-              <a:rPr lang="nl-NL" err="1"/>
-              <a:t>Avalonia</a:t>
-            </a:r>
-            <a:r>
-              <a:rPr lang="nl-NL"/>
-              <a:t> UI </a:t>
-            </a:r>
-            <a:r>
-              <a:rPr lang="nl-NL" err="1"/>
-              <a:t>vs</a:t>
-            </a:r>
-            <a:endParaRPr lang="nl-NL"/>
+              <a:rPr lang="nl-NL" dirty="0" err="1"/>
+              <a:t>Compared</a:t>
+            </a:r>
+            <a:r>
+              <a:rPr lang="nl-NL" dirty="0"/>
+              <a:t> </a:t>
+            </a:r>
+            <a:r>
+              <a:rPr lang="nl-NL" dirty="0" err="1"/>
+              <a:t>to</a:t>
+            </a:r>
+            <a:endParaRPr lang="nl-NL" dirty="0"/>
           </a:p>
           <a:p>
             <a:pPr lvl="1">
@@ -7386,7 +7579,7 @@
               <a:buChar char="o"/>
             </a:pPr>
             <a:r>
-              <a:rPr lang="nl-NL"/>
+              <a:rPr lang="nl-NL" dirty="0"/>
               <a:t>MAUI</a:t>
             </a:r>
           </a:p>
@@ -7396,10 +7589,10 @@
               <a:buChar char="o"/>
             </a:pPr>
             <a:r>
-              <a:rPr lang="nl-NL" err="1"/>
+              <a:rPr lang="nl-NL" dirty="0" err="1"/>
               <a:t>Electron</a:t>
             </a:r>
-            <a:endParaRPr lang="nl-NL"/>
+            <a:endParaRPr lang="nl-NL" dirty="0"/>
           </a:p>
           <a:p>
             <a:pPr lvl="1">
@@ -7407,90 +7600,96 @@
               <a:buChar char="o"/>
             </a:pPr>
             <a:r>
-              <a:rPr lang="nl-NL"/>
+              <a:rPr lang="nl-NL" dirty="0"/>
               <a:t>Flutter</a:t>
             </a:r>
           </a:p>
           <a:p>
             <a:r>
-              <a:rPr lang="nl-NL"/>
+              <a:rPr lang="nl-NL" dirty="0"/>
               <a:t>WPF </a:t>
             </a:r>
             <a:r>
-              <a:rPr lang="nl-NL" err="1"/>
+              <a:rPr lang="nl-NL" dirty="0" err="1"/>
               <a:t>integration</a:t>
             </a:r>
-            <a:endParaRPr lang="nl-NL"/>
-          </a:p>
-          <a:p>
-            <a:r>
-              <a:rPr lang="nl-NL" err="1"/>
+            <a:endParaRPr lang="nl-NL" dirty="0"/>
+          </a:p>
+          <a:p>
+            <a:r>
+              <a:rPr lang="nl-NL" dirty="0" err="1"/>
               <a:t>What</a:t>
             </a:r>
             <a:r>
-              <a:rPr lang="nl-NL"/>
+              <a:rPr lang="nl-NL" dirty="0"/>
               <a:t> </a:t>
             </a:r>
             <a:r>
-              <a:rPr lang="nl-NL" err="1"/>
+              <a:rPr lang="nl-NL" dirty="0" err="1"/>
               <a:t>problems</a:t>
             </a:r>
             <a:r>
-              <a:rPr lang="nl-NL"/>
+              <a:rPr lang="nl-NL" dirty="0"/>
               <a:t> does </a:t>
             </a:r>
             <a:r>
-              <a:rPr lang="nl-NL" err="1"/>
+              <a:rPr lang="nl-NL" dirty="0" err="1"/>
               <a:t>it</a:t>
             </a:r>
             <a:r>
-              <a:rPr lang="nl-NL"/>
+              <a:rPr lang="nl-NL" dirty="0"/>
               <a:t> </a:t>
             </a:r>
             <a:r>
-              <a:rPr lang="nl-NL" err="1"/>
+              <a:rPr lang="nl-NL" dirty="0" err="1"/>
               <a:t>solve</a:t>
             </a:r>
             <a:r>
-              <a:rPr lang="nl-NL"/>
+              <a:rPr lang="nl-NL" dirty="0"/>
               <a:t>?</a:t>
             </a:r>
           </a:p>
           <a:p>
             <a:r>
-              <a:rPr lang="nl-NL"/>
-              <a:t>Visual Studio </a:t>
-            </a:r>
-            <a:r>
-              <a:rPr lang="nl-NL" err="1"/>
+              <a:rPr lang="nl-NL" dirty="0"/>
+              <a:t>Adoption</a:t>
+            </a:r>
+          </a:p>
+          <a:p>
+            <a:r>
+              <a:rPr lang="nl-NL" dirty="0"/>
+              <a:t>IDE: Visual Studio </a:t>
+            </a:r>
+            <a:r>
+              <a:rPr lang="nl-NL" dirty="0" err="1"/>
               <a:t>vs</a:t>
             </a:r>
             <a:r>
-              <a:rPr lang="nl-NL"/>
+              <a:rPr lang="nl-NL" dirty="0"/>
               <a:t> </a:t>
             </a:r>
             <a:r>
-              <a:rPr lang="nl-NL" err="1"/>
+              <a:rPr lang="nl-NL" dirty="0" err="1"/>
               <a:t>Vscode</a:t>
             </a:r>
-            <a:endParaRPr lang="nl-NL"/>
-          </a:p>
-          <a:p>
-            <a:r>
-              <a:rPr lang="nl-NL"/>
+            <a:endParaRPr lang="nl-NL" dirty="0"/>
+          </a:p>
+          <a:p>
+            <a:r>
+              <a:rPr lang="nl-NL" dirty="0"/>
               <a:t>Workshop</a:t>
             </a:r>
           </a:p>
           <a:p>
             <a:r>
-              <a:rPr lang="nl-NL"/>
+              <a:rPr lang="nl-NL" dirty="0"/>
               <a:t>Pros/</a:t>
             </a:r>
             <a:r>
-              <a:rPr lang="nl-NL" err="1"/>
+              <a:rPr lang="nl-NL" dirty="0" err="1"/>
               <a:t>Cons</a:t>
             </a:r>
-            <a:endParaRPr lang="nl-NL"/>
+            <a:endParaRPr lang="nl-NL" dirty="0"/>
           </a:p>
         </p:txBody>
       </p:sp>
@@ -7636,19 +7835,19 @@
           <a:lstStyle/>
           <a:p>
             <a:r>
-              <a:rPr lang="nl-NL" err="1"/>
+              <a:rPr lang="nl-NL" dirty="0" err="1"/>
               <a:t>What</a:t>
             </a:r>
             <a:r>
-              <a:rPr lang="nl-NL"/>
+              <a:rPr lang="nl-NL" dirty="0"/>
               <a:t> is </a:t>
             </a:r>
             <a:r>
-              <a:rPr lang="nl-NL" err="1"/>
+              <a:rPr lang="nl-NL" dirty="0" err="1"/>
               <a:t>Avalonia</a:t>
             </a:r>
             <a:r>
-              <a:rPr lang="nl-NL"/>
+              <a:rPr lang="nl-NL" dirty="0"/>
               <a:t> UI?</a:t>
             </a:r>
           </a:p>
@@ -7678,138 +7877,94 @@
           <a:lstStyle/>
           <a:p>
             <a:r>
-              <a:rPr lang="nl-NL"/>
+              <a:rPr lang="nl-NL" dirty="0"/>
               <a:t>XAML-</a:t>
             </a:r>
             <a:r>
-              <a:rPr lang="nl-NL" err="1"/>
+              <a:rPr lang="nl-NL" dirty="0" err="1"/>
               <a:t>framework</a:t>
             </a:r>
             <a:r>
-              <a:rPr lang="nl-NL"/>
+              <a:rPr lang="nl-NL" dirty="0"/>
               <a:t> in .NET 8 (WPF </a:t>
             </a:r>
             <a:r>
-              <a:rPr lang="nl-NL" err="1"/>
+              <a:rPr lang="nl-NL" dirty="0" err="1"/>
               <a:t>successor</a:t>
             </a:r>
             <a:r>
-              <a:rPr lang="nl-NL"/>
+              <a:rPr lang="nl-NL" dirty="0"/>
               <a:t>)</a:t>
             </a:r>
           </a:p>
           <a:p>
             <a:r>
-              <a:rPr lang="nl-NL"/>
+              <a:rPr lang="nl-NL" dirty="0"/>
               <a:t>Open source</a:t>
             </a:r>
           </a:p>
           <a:p>
             <a:r>
-              <a:rPr lang="nl-NL"/>
+              <a:rPr lang="nl-NL" dirty="0"/>
               <a:t>Cross-platform (Win, </a:t>
             </a:r>
             <a:r>
-              <a:rPr lang="nl-NL" err="1"/>
+              <a:rPr lang="nl-NL" dirty="0" err="1"/>
               <a:t>macOS</a:t>
             </a:r>
             <a:r>
-              <a:rPr lang="nl-NL"/>
+              <a:rPr lang="nl-NL" dirty="0"/>
               <a:t>, Linux, Android, </a:t>
             </a:r>
             <a:r>
-              <a:rPr lang="nl-NL" err="1"/>
+              <a:rPr lang="nl-NL" dirty="0" err="1"/>
               <a:t>WebAssembly</a:t>
             </a:r>
             <a:r>
-              <a:rPr lang="nl-NL"/>
+              <a:rPr lang="nl-NL" dirty="0"/>
               <a:t>, </a:t>
             </a:r>
             <a:r>
-              <a:rPr lang="nl-NL" err="1"/>
+              <a:rPr lang="nl-NL" dirty="0" err="1"/>
               <a:t>embedded</a:t>
             </a:r>
             <a:r>
-              <a:rPr lang="nl-NL"/>
+              <a:rPr lang="nl-NL" dirty="0"/>
               <a:t>)</a:t>
             </a:r>
           </a:p>
           <a:p>
             <a:r>
-              <a:rPr lang="nl-NL" err="1"/>
+              <a:rPr lang="nl-NL" dirty="0" err="1"/>
               <a:t>Usable</a:t>
             </a:r>
             <a:r>
-              <a:rPr lang="nl-NL"/>
+              <a:rPr lang="nl-NL" dirty="0"/>
               <a:t> in Visual Studio 2022, </a:t>
             </a:r>
             <a:r>
-              <a:rPr lang="nl-NL" err="1"/>
+              <a:rPr lang="nl-NL" dirty="0" err="1"/>
               <a:t>VScode</a:t>
             </a:r>
             <a:r>
-              <a:rPr lang="nl-NL"/>
+              <a:rPr lang="nl-NL" dirty="0"/>
               <a:t> </a:t>
             </a:r>
             <a:r>
-              <a:rPr lang="nl-NL" err="1"/>
+              <a:rPr lang="nl-NL" dirty="0" err="1"/>
               <a:t>and</a:t>
             </a:r>
             <a:r>
-              <a:rPr lang="nl-NL"/>
+              <a:rPr lang="nl-NL" dirty="0"/>
               <a:t> </a:t>
             </a:r>
             <a:r>
-              <a:rPr lang="nl-NL" err="1"/>
+              <a:rPr lang="nl-NL" dirty="0" err="1"/>
               <a:t>JetBrains</a:t>
             </a:r>
             <a:r>
-              <a:rPr lang="nl-NL"/>
-              <a:t> Rider.</a:t>
-            </a:r>
-          </a:p>
-          <a:p>
-            <a:r>
-              <a:rPr lang="nl-NL"/>
-              <a:t>Last </a:t>
-            </a:r>
-            <a:r>
-              <a:rPr lang="nl-NL" err="1"/>
-              <a:t>checked</a:t>
-            </a:r>
-            <a:r>
-              <a:rPr lang="nl-NL"/>
-              <a:t> on 12th </a:t>
-            </a:r>
-            <a:r>
-              <a:rPr lang="nl-NL" err="1"/>
-              <a:t>October</a:t>
-            </a:r>
-            <a:r>
-              <a:rPr lang="nl-NL"/>
-              <a:t>:</a:t>
-            </a:r>
-          </a:p>
-          <a:p>
-            <a:pPr lvl="1"/>
-            <a:r>
-              <a:rPr lang="nl-NL" err="1"/>
-              <a:t>Contributors</a:t>
-            </a:r>
-            <a:r>
-              <a:rPr lang="nl-NL"/>
-              <a:t> - 435</a:t>
-            </a:r>
-          </a:p>
-          <a:p>
-            <a:pPr lvl="1"/>
-            <a:r>
-              <a:rPr lang="nl-NL" err="1"/>
-              <a:t>Installs</a:t>
-            </a:r>
-            <a:r>
-              <a:rPr lang="nl-NL"/>
-              <a:t> – 58,206,406</a:t>
+              <a:rPr lang="nl-NL" dirty="0"/>
+              <a:t> Rider</a:t>
             </a:r>
           </a:p>
         </p:txBody>
